--- a/JavaLecture/LectureFile/java 14강 자료구조와 쓰레드.pptx
+++ b/JavaLecture/LectureFile/java 14강 자료구조와 쓰레드.pptx
@@ -275,7 +275,7 @@
           <a:p>
             <a:fld id="{D79F2C30-10E1-4C46-91DC-BBDB9629E720}" type="datetimeFigureOut">
               <a:rPr lang="ko-KR" altLang="en-US" smtClean="0"/>
-              <a:t>2023-03-20</a:t>
+              <a:t>2023-05-06 Saturday</a:t>
             </a:fld>
             <a:endParaRPr lang="ko-KR" altLang="en-US"/>
           </a:p>
@@ -721,7 +721,7 @@
           <a:p>
             <a:fld id="{F8166F1F-CE9B-4651-A6AA-CD717754106B}" type="datetimeFigureOut">
               <a:rPr lang="en-US" smtClean="0"/>
-              <a:t>3/20/2023</a:t>
+              <a:t>5/6/2023</a:t>
             </a:fld>
             <a:endParaRPr lang="en-US"/>
           </a:p>
@@ -884,7 +884,7 @@
           <a:p>
             <a:fld id="{A76116CE-C4A3-4A05-B2D7-7C2E9A889C0F}" type="datetimeFigureOut">
               <a:rPr lang="en-US" smtClean="0"/>
-              <a:t>3/20/2023</a:t>
+              <a:t>5/6/2023</a:t>
             </a:fld>
             <a:endParaRPr lang="en-US"/>
           </a:p>
@@ -1057,7 +1057,7 @@
           <a:p>
             <a:fld id="{A76116CE-C4A3-4A05-B2D7-7C2E9A889C0F}" type="datetimeFigureOut">
               <a:rPr lang="en-US" smtClean="0"/>
-              <a:t>3/20/2023</a:t>
+              <a:t>5/6/2023</a:t>
             </a:fld>
             <a:endParaRPr lang="en-US"/>
           </a:p>
@@ -1222,7 +1222,7 @@
           <a:p>
             <a:fld id="{A76116CE-C4A3-4A05-B2D7-7C2E9A889C0F}" type="datetimeFigureOut">
               <a:rPr lang="en-US" smtClean="0"/>
-              <a:t>3/20/2023</a:t>
+              <a:t>5/6/2023</a:t>
             </a:fld>
             <a:endParaRPr lang="en-US"/>
           </a:p>
@@ -1462,7 +1462,7 @@
           <a:p>
             <a:fld id="{A76116CE-C4A3-4A05-B2D7-7C2E9A889C0F}" type="datetimeFigureOut">
               <a:rPr lang="en-US" smtClean="0"/>
-              <a:t>3/20/2023</a:t>
+              <a:t>5/6/2023</a:t>
             </a:fld>
             <a:endParaRPr lang="en-US"/>
           </a:p>
@@ -1742,7 +1742,7 @@
           <a:p>
             <a:fld id="{A76116CE-C4A3-4A05-B2D7-7C2E9A889C0F}" type="datetimeFigureOut">
               <a:rPr lang="en-US" smtClean="0"/>
-              <a:t>3/20/2023</a:t>
+              <a:t>5/6/2023</a:t>
             </a:fld>
             <a:endParaRPr lang="en-US"/>
           </a:p>
@@ -2156,7 +2156,7 @@
           <a:p>
             <a:fld id="{A76116CE-C4A3-4A05-B2D7-7C2E9A889C0F}" type="datetimeFigureOut">
               <a:rPr lang="en-US" smtClean="0"/>
-              <a:t>3/20/2023</a:t>
+              <a:t>5/6/2023</a:t>
             </a:fld>
             <a:endParaRPr lang="en-US"/>
           </a:p>
@@ -2268,7 +2268,7 @@
           <a:p>
             <a:fld id="{A76116CE-C4A3-4A05-B2D7-7C2E9A889C0F}" type="datetimeFigureOut">
               <a:rPr lang="en-US" smtClean="0"/>
-              <a:t>3/20/2023</a:t>
+              <a:t>5/6/2023</a:t>
             </a:fld>
             <a:endParaRPr lang="en-US"/>
           </a:p>
@@ -2358,7 +2358,7 @@
           <a:p>
             <a:fld id="{A76116CE-C4A3-4A05-B2D7-7C2E9A889C0F}" type="datetimeFigureOut">
               <a:rPr lang="en-US" smtClean="0"/>
-              <a:t>3/20/2023</a:t>
+              <a:t>5/6/2023</a:t>
             </a:fld>
             <a:endParaRPr lang="en-US"/>
           </a:p>
@@ -2628,7 +2628,7 @@
           <a:p>
             <a:fld id="{A76116CE-C4A3-4A05-B2D7-7C2E9A889C0F}" type="datetimeFigureOut">
               <a:rPr lang="en-US" smtClean="0"/>
-              <a:t>3/20/2023</a:t>
+              <a:t>5/6/2023</a:t>
             </a:fld>
             <a:endParaRPr lang="en-US"/>
           </a:p>
@@ -2875,7 +2875,7 @@
           <a:p>
             <a:fld id="{A76116CE-C4A3-4A05-B2D7-7C2E9A889C0F}" type="datetimeFigureOut">
               <a:rPr lang="en-US" smtClean="0"/>
-              <a:t>3/20/2023</a:t>
+              <a:t>5/6/2023</a:t>
             </a:fld>
             <a:endParaRPr lang="en-US"/>
           </a:p>
@@ -3081,7 +3081,7 @@
           <a:p>
             <a:fld id="{F8166F1F-CE9B-4651-A6AA-CD717754106B}" type="datetimeFigureOut">
               <a:rPr lang="en-US" smtClean="0"/>
-              <a:t>3/20/2023</a:t>
+              <a:t>5/6/2023</a:t>
             </a:fld>
             <a:endParaRPr lang="en-US"/>
           </a:p>
@@ -3737,7 +3737,7 @@
           <p:cNvPr id="2" name="TextBox 1">
             <a:extLst>
               <a:ext uri="{FF2B5EF4-FFF2-40B4-BE49-F238E27FC236}">
-                <a16:creationId xmlns:a16="http://schemas.microsoft.com/office/drawing/2014/main" xmlns="" id="{E9A453A8-9968-67AB-7B4A-83EEB4662AA6}"/>
+                <a16:creationId xmlns:a16="http://schemas.microsoft.com/office/drawing/2014/main" id="{E9A453A8-9968-67AB-7B4A-83EEB4662AA6}"/>
               </a:ext>
             </a:extLst>
           </p:cNvPr>
@@ -3785,7 +3785,7 @@
           <p:cNvPr id="4" name="TextBox 3">
             <a:extLst>
               <a:ext uri="{FF2B5EF4-FFF2-40B4-BE49-F238E27FC236}">
-                <a16:creationId xmlns:a16="http://schemas.microsoft.com/office/drawing/2014/main" xmlns="" id="{F4B7A35A-8AAC-4622-64BC-CAD1472D4115}"/>
+                <a16:creationId xmlns:a16="http://schemas.microsoft.com/office/drawing/2014/main" id="{F4B7A35A-8AAC-4622-64BC-CAD1472D4115}"/>
               </a:ext>
             </a:extLst>
           </p:cNvPr>
@@ -3857,7 +3857,7 @@
           <p:cNvPr id="7" name="TextBox 6">
             <a:extLst>
               <a:ext uri="{FF2B5EF4-FFF2-40B4-BE49-F238E27FC236}">
-                <a16:creationId xmlns:a16="http://schemas.microsoft.com/office/drawing/2014/main" xmlns="" id="{3ACE900A-D779-4343-6623-8588B376F0A1}"/>
+                <a16:creationId xmlns:a16="http://schemas.microsoft.com/office/drawing/2014/main" id="{3ACE900A-D779-4343-6623-8588B376F0A1}"/>
               </a:ext>
             </a:extLst>
           </p:cNvPr>
@@ -3896,13 +3896,6 @@
   <p:clrMapOvr>
     <a:masterClrMapping/>
   </p:clrMapOvr>
-  <p:timing>
-    <p:tnLst>
-      <p:par>
-        <p:cTn id="1" dur="indefinite" restart="never" nodeType="tmRoot"/>
-      </p:par>
-    </p:tnLst>
-  </p:timing>
 </p:sld>
 </file>
 
@@ -3952,7 +3945,7 @@
           <p:cNvPr id="6" name="직선 화살표 연결선 5">
             <a:extLst>
               <a:ext uri="{FF2B5EF4-FFF2-40B4-BE49-F238E27FC236}">
-                <a16:creationId xmlns="" xmlns:a16="http://schemas.microsoft.com/office/drawing/2014/main" id="{299DF5EC-9DF4-5255-06AC-0A7CE4FF58C3}"/>
+                <a16:creationId xmlns:a16="http://schemas.microsoft.com/office/drawing/2014/main" id="{299DF5EC-9DF4-5255-06AC-0A7CE4FF58C3}"/>
               </a:ext>
             </a:extLst>
           </p:cNvPr>
@@ -3993,7 +3986,7 @@
           <p:cNvPr id="7" name="TextBox 6">
             <a:extLst>
               <a:ext uri="{FF2B5EF4-FFF2-40B4-BE49-F238E27FC236}">
-                <a16:creationId xmlns="" xmlns:a16="http://schemas.microsoft.com/office/drawing/2014/main" id="{C6D113C6-EA5C-788F-0C77-E7CE6EBB865F}"/>
+                <a16:creationId xmlns:a16="http://schemas.microsoft.com/office/drawing/2014/main" id="{C6D113C6-EA5C-788F-0C77-E7CE6EBB865F}"/>
               </a:ext>
             </a:extLst>
           </p:cNvPr>
@@ -4017,7 +4010,7 @@
           <a:lstStyle/>
           <a:p>
             <a:r>
-              <a:rPr lang="en-US" altLang="ko-KR" sz="3600" smtClean="0">
+              <a:rPr lang="en-US" altLang="ko-KR" sz="3600">
                 <a:solidFill>
                   <a:srgbClr val="FF0000"/>
                 </a:solidFill>
@@ -4027,7 +4020,7 @@
               <a:t>STATE </a:t>
             </a:r>
             <a:r>
-              <a:rPr lang="ko-KR" altLang="en-US" sz="3600" smtClean="0">
+              <a:rPr lang="ko-KR" altLang="en-US" sz="3600">
                 <a:solidFill>
                   <a:srgbClr val="FF0000"/>
                 </a:solidFill>
@@ -4075,7 +4068,7 @@
           <p:cNvPr id="9" name="직선 화살표 연결선 8">
             <a:extLst>
               <a:ext uri="{FF2B5EF4-FFF2-40B4-BE49-F238E27FC236}">
-                <a16:creationId xmlns="" xmlns:a16="http://schemas.microsoft.com/office/drawing/2014/main" id="{299DF5EC-9DF4-5255-06AC-0A7CE4FF58C3}"/>
+                <a16:creationId xmlns:a16="http://schemas.microsoft.com/office/drawing/2014/main" id="{299DF5EC-9DF4-5255-06AC-0A7CE4FF58C3}"/>
               </a:ext>
             </a:extLst>
           </p:cNvPr>
@@ -4116,7 +4109,7 @@
           <p:cNvPr id="10" name="TextBox 9">
             <a:extLst>
               <a:ext uri="{FF2B5EF4-FFF2-40B4-BE49-F238E27FC236}">
-                <a16:creationId xmlns="" xmlns:a16="http://schemas.microsoft.com/office/drawing/2014/main" id="{C6D113C6-EA5C-788F-0C77-E7CE6EBB865F}"/>
+                <a16:creationId xmlns:a16="http://schemas.microsoft.com/office/drawing/2014/main" id="{C6D113C6-EA5C-788F-0C77-E7CE6EBB865F}"/>
               </a:ext>
             </a:extLst>
           </p:cNvPr>
@@ -4140,7 +4133,7 @@
           <a:lstStyle/>
           <a:p>
             <a:r>
-              <a:rPr lang="ko-KR" altLang="en-US" sz="3600" smtClean="0">
+              <a:rPr lang="ko-KR" altLang="en-US" sz="3600">
                 <a:solidFill>
                   <a:srgbClr val="FF0000"/>
                 </a:solidFill>
@@ -4164,7 +4157,7 @@
           <p:cNvPr id="12" name="직선 화살표 연결선 11">
             <a:extLst>
               <a:ext uri="{FF2B5EF4-FFF2-40B4-BE49-F238E27FC236}">
-                <a16:creationId xmlns="" xmlns:a16="http://schemas.microsoft.com/office/drawing/2014/main" id="{299DF5EC-9DF4-5255-06AC-0A7CE4FF58C3}"/>
+                <a16:creationId xmlns:a16="http://schemas.microsoft.com/office/drawing/2014/main" id="{299DF5EC-9DF4-5255-06AC-0A7CE4FF58C3}"/>
               </a:ext>
             </a:extLst>
           </p:cNvPr>
@@ -4205,7 +4198,7 @@
           <p:cNvPr id="13" name="TextBox 12">
             <a:extLst>
               <a:ext uri="{FF2B5EF4-FFF2-40B4-BE49-F238E27FC236}">
-                <a16:creationId xmlns="" xmlns:a16="http://schemas.microsoft.com/office/drawing/2014/main" id="{C6D113C6-EA5C-788F-0C77-E7CE6EBB865F}"/>
+                <a16:creationId xmlns:a16="http://schemas.microsoft.com/office/drawing/2014/main" id="{C6D113C6-EA5C-788F-0C77-E7CE6EBB865F}"/>
               </a:ext>
             </a:extLst>
           </p:cNvPr>
@@ -4229,7 +4222,7 @@
           <a:lstStyle/>
           <a:p>
             <a:r>
-              <a:rPr lang="en-US" altLang="ko-KR" sz="3600" smtClean="0">
+              <a:rPr lang="en-US" altLang="ko-KR" sz="3600">
                 <a:solidFill>
                   <a:srgbClr val="FF0000"/>
                 </a:solidFill>
@@ -4239,7 +4232,7 @@
               <a:t>STATE </a:t>
             </a:r>
             <a:r>
-              <a:rPr lang="ko-KR" altLang="en-US" sz="3600" smtClean="0">
+              <a:rPr lang="ko-KR" altLang="en-US" sz="3600">
                 <a:solidFill>
                   <a:srgbClr val="FF0000"/>
                 </a:solidFill>
@@ -4248,7 +4241,7 @@
               </a:rPr>
               <a:t>타입의 </a:t>
             </a:r>
-            <a:endParaRPr lang="en-US" altLang="ko-KR" sz="3600" smtClean="0">
+            <a:endParaRPr lang="en-US" altLang="ko-KR" sz="3600">
               <a:solidFill>
                 <a:srgbClr val="FF0000"/>
               </a:solidFill>
@@ -4258,7 +4251,7 @@
           </a:p>
           <a:p>
             <a:r>
-              <a:rPr lang="en-US" altLang="ko-KR" sz="3600" smtClean="0">
+              <a:rPr lang="en-US" altLang="ko-KR" sz="3600">
                 <a:solidFill>
                   <a:srgbClr val="FF0000"/>
                 </a:solidFill>
@@ -4268,7 +4261,7 @@
               <a:t>static </a:t>
             </a:r>
             <a:r>
-              <a:rPr lang="ko-KR" altLang="en-US" sz="3600" smtClean="0">
+              <a:rPr lang="ko-KR" altLang="en-US" sz="3600">
                 <a:solidFill>
                   <a:srgbClr val="FF0000"/>
                 </a:solidFill>
@@ -4292,7 +4285,7 @@
           <p:cNvPr id="15" name="직선 화살표 연결선 14">
             <a:extLst>
               <a:ext uri="{FF2B5EF4-FFF2-40B4-BE49-F238E27FC236}">
-                <a16:creationId xmlns="" xmlns:a16="http://schemas.microsoft.com/office/drawing/2014/main" id="{299DF5EC-9DF4-5255-06AC-0A7CE4FF58C3}"/>
+                <a16:creationId xmlns:a16="http://schemas.microsoft.com/office/drawing/2014/main" id="{299DF5EC-9DF4-5255-06AC-0A7CE4FF58C3}"/>
               </a:ext>
             </a:extLst>
           </p:cNvPr>
@@ -4333,7 +4326,7 @@
           <p:cNvPr id="16" name="TextBox 15">
             <a:extLst>
               <a:ext uri="{FF2B5EF4-FFF2-40B4-BE49-F238E27FC236}">
-                <a16:creationId xmlns="" xmlns:a16="http://schemas.microsoft.com/office/drawing/2014/main" id="{C6D113C6-EA5C-788F-0C77-E7CE6EBB865F}"/>
+                <a16:creationId xmlns:a16="http://schemas.microsoft.com/office/drawing/2014/main" id="{C6D113C6-EA5C-788F-0C77-E7CE6EBB865F}"/>
               </a:ext>
             </a:extLst>
           </p:cNvPr>
@@ -4357,7 +4350,7 @@
           <a:lstStyle/>
           <a:p>
             <a:r>
-              <a:rPr lang="en-US" altLang="ko-KR" sz="3600" smtClean="0">
+              <a:rPr lang="en-US" altLang="ko-KR" sz="3600">
                 <a:solidFill>
                   <a:srgbClr val="FF0000"/>
                 </a:solidFill>
@@ -4367,7 +4360,7 @@
               <a:t>STATE </a:t>
             </a:r>
             <a:r>
-              <a:rPr lang="ko-KR" altLang="en-US" sz="3600" smtClean="0">
+              <a:rPr lang="ko-KR" altLang="en-US" sz="3600">
                 <a:solidFill>
                   <a:srgbClr val="FF0000"/>
                 </a:solidFill>
@@ -4396,13 +4389,6 @@
   <p:clrMapOvr>
     <a:masterClrMapping/>
   </p:clrMapOvr>
-  <p:timing>
-    <p:tnLst>
-      <p:par>
-        <p:cTn id="1" dur="indefinite" restart="never" nodeType="tmRoot"/>
-      </p:par>
-    </p:tnLst>
-  </p:timing>
 </p:sld>
 </file>
 
@@ -4616,7 +4602,7 @@
           <p:cNvPr id="2" name="TextBox 1">
             <a:extLst>
               <a:ext uri="{FF2B5EF4-FFF2-40B4-BE49-F238E27FC236}">
-                <a16:creationId xmlns:a16="http://schemas.microsoft.com/office/drawing/2014/main" xmlns="" id="{76F36AE5-79B5-0B9F-E510-1C27AAC4B649}"/>
+                <a16:creationId xmlns:a16="http://schemas.microsoft.com/office/drawing/2014/main" id="{76F36AE5-79B5-0B9F-E510-1C27AAC4B649}"/>
               </a:ext>
             </a:extLst>
           </p:cNvPr>
@@ -4640,7 +4626,7 @@
           <a:lstStyle/>
           <a:p>
             <a:r>
-              <a:rPr lang="ko-KR" altLang="en-US" sz="6600" smtClean="0">
+              <a:rPr lang="ko-KR" altLang="en-US" sz="6600">
                 <a:solidFill>
                   <a:schemeClr val="bg1"/>
                 </a:solidFill>
@@ -4669,13 +4655,6 @@
   <p:clrMapOvr>
     <a:masterClrMapping/>
   </p:clrMapOvr>
-  <p:timing>
-    <p:tnLst>
-      <p:par>
-        <p:cTn id="1" dur="indefinite" restart="never" nodeType="tmRoot"/>
-      </p:par>
-    </p:tnLst>
-  </p:timing>
 </p:sld>
 </file>
 
@@ -4725,7 +4704,7 @@
           <p:cNvPr id="6" name="TextBox 5">
             <a:extLst>
               <a:ext uri="{FF2B5EF4-FFF2-40B4-BE49-F238E27FC236}">
-                <a16:creationId xmlns:a16="http://schemas.microsoft.com/office/drawing/2014/main" xmlns="" id="{EE79C406-3461-D6A5-5346-D7C2FC38FCCD}"/>
+                <a16:creationId xmlns:a16="http://schemas.microsoft.com/office/drawing/2014/main" id="{EE79C406-3461-D6A5-5346-D7C2FC38FCCD}"/>
               </a:ext>
             </a:extLst>
           </p:cNvPr>
@@ -4749,7 +4728,7 @@
           <a:lstStyle/>
           <a:p>
             <a:r>
-              <a:rPr lang="ko-KR" altLang="en-US" sz="4800" smtClean="0">
+              <a:rPr lang="ko-KR" altLang="en-US" sz="4800">
                 <a:solidFill>
                   <a:srgbClr val="4C50BC"/>
                 </a:solidFill>
@@ -4881,7 +4860,7 @@
           <p:cNvPr id="6" name="TextBox 5">
             <a:extLst>
               <a:ext uri="{FF2B5EF4-FFF2-40B4-BE49-F238E27FC236}">
-                <a16:creationId xmlns:a16="http://schemas.microsoft.com/office/drawing/2014/main" xmlns="" id="{EE79C406-3461-D6A5-5346-D7C2FC38FCCD}"/>
+                <a16:creationId xmlns:a16="http://schemas.microsoft.com/office/drawing/2014/main" id="{EE79C406-3461-D6A5-5346-D7C2FC38FCCD}"/>
               </a:ext>
             </a:extLst>
           </p:cNvPr>
@@ -4905,7 +4884,7 @@
           <a:lstStyle/>
           <a:p>
             <a:r>
-              <a:rPr lang="ko-KR" altLang="en-US" sz="4800" smtClean="0">
+              <a:rPr lang="ko-KR" altLang="en-US" sz="4800">
                 <a:solidFill>
                   <a:srgbClr val="4C50BC"/>
                 </a:solidFill>
@@ -4929,7 +4908,7 @@
           <p:cNvPr id="16" name="그룹 1018">
             <a:extLst>
               <a:ext uri="{FF2B5EF4-FFF2-40B4-BE49-F238E27FC236}">
-                <a16:creationId xmlns="" xmlns:a16="http://schemas.microsoft.com/office/drawing/2014/main" id="{0C5247D1-E285-7CDC-25F8-F1ABCDE304BE}"/>
+                <a16:creationId xmlns:a16="http://schemas.microsoft.com/office/drawing/2014/main" id="{0C5247D1-E285-7CDC-25F8-F1ABCDE304BE}"/>
               </a:ext>
             </a:extLst>
           </p:cNvPr>
@@ -4949,7 +4928,7 @@
             <p:cNvPr id="17" name="Object 61">
               <a:extLst>
                 <a:ext uri="{FF2B5EF4-FFF2-40B4-BE49-F238E27FC236}">
-                  <a16:creationId xmlns="" xmlns:a16="http://schemas.microsoft.com/office/drawing/2014/main" id="{29C480AF-46D1-D9A5-6C87-226E5620D948}"/>
+                  <a16:creationId xmlns:a16="http://schemas.microsoft.com/office/drawing/2014/main" id="{29C480AF-46D1-D9A5-6C87-226E5620D948}"/>
                 </a:ext>
               </a:extLst>
             </p:cNvPr>
@@ -4980,7 +4959,7 @@
           <p:cNvPr id="18" name="그룹 1018">
             <a:extLst>
               <a:ext uri="{FF2B5EF4-FFF2-40B4-BE49-F238E27FC236}">
-                <a16:creationId xmlns="" xmlns:a16="http://schemas.microsoft.com/office/drawing/2014/main" id="{F53BC57C-78A5-6AFC-CB34-7E3FD29B339F}"/>
+                <a16:creationId xmlns:a16="http://schemas.microsoft.com/office/drawing/2014/main" id="{F53BC57C-78A5-6AFC-CB34-7E3FD29B339F}"/>
               </a:ext>
             </a:extLst>
           </p:cNvPr>
@@ -5000,7 +4979,7 @@
             <p:cNvPr id="19" name="Object 61">
               <a:extLst>
                 <a:ext uri="{FF2B5EF4-FFF2-40B4-BE49-F238E27FC236}">
-                  <a16:creationId xmlns="" xmlns:a16="http://schemas.microsoft.com/office/drawing/2014/main" id="{E6F73685-14E5-06A9-813C-1C372BD6F4DE}"/>
+                  <a16:creationId xmlns:a16="http://schemas.microsoft.com/office/drawing/2014/main" id="{E6F73685-14E5-06A9-813C-1C372BD6F4DE}"/>
                 </a:ext>
               </a:extLst>
             </p:cNvPr>
@@ -5031,7 +5010,7 @@
           <p:cNvPr id="20" name="직선 연결선 19">
             <a:extLst>
               <a:ext uri="{FF2B5EF4-FFF2-40B4-BE49-F238E27FC236}">
-                <a16:creationId xmlns="" xmlns:a16="http://schemas.microsoft.com/office/drawing/2014/main" id="{1172879B-889D-0C2F-EEA8-003E6793F36F}"/>
+                <a16:creationId xmlns:a16="http://schemas.microsoft.com/office/drawing/2014/main" id="{1172879B-889D-0C2F-EEA8-003E6793F36F}"/>
               </a:ext>
             </a:extLst>
           </p:cNvPr>
@@ -5076,7 +5055,7 @@
           <p:cNvPr id="21" name="직선 연결선 20">
             <a:extLst>
               <a:ext uri="{FF2B5EF4-FFF2-40B4-BE49-F238E27FC236}">
-                <a16:creationId xmlns="" xmlns:a16="http://schemas.microsoft.com/office/drawing/2014/main" id="{466D5656-813B-296D-F08F-2E57C8EBA1E1}"/>
+                <a16:creationId xmlns:a16="http://schemas.microsoft.com/office/drawing/2014/main" id="{466D5656-813B-296D-F08F-2E57C8EBA1E1}"/>
               </a:ext>
             </a:extLst>
           </p:cNvPr>
@@ -5121,7 +5100,7 @@
           <p:cNvPr id="22" name="그룹 1018">
             <a:extLst>
               <a:ext uri="{FF2B5EF4-FFF2-40B4-BE49-F238E27FC236}">
-                <a16:creationId xmlns="" xmlns:a16="http://schemas.microsoft.com/office/drawing/2014/main" id="{6422EA0E-12C8-4264-ABC7-17F8CE933867}"/>
+                <a16:creationId xmlns:a16="http://schemas.microsoft.com/office/drawing/2014/main" id="{6422EA0E-12C8-4264-ABC7-17F8CE933867}"/>
               </a:ext>
             </a:extLst>
           </p:cNvPr>
@@ -5141,7 +5120,7 @@
             <p:cNvPr id="23" name="Object 61">
               <a:extLst>
                 <a:ext uri="{FF2B5EF4-FFF2-40B4-BE49-F238E27FC236}">
-                  <a16:creationId xmlns="" xmlns:a16="http://schemas.microsoft.com/office/drawing/2014/main" id="{B8EE3D0F-6DDF-413D-3D54-0B0C4905D65D}"/>
+                  <a16:creationId xmlns:a16="http://schemas.microsoft.com/office/drawing/2014/main" id="{B8EE3D0F-6DDF-413D-3D54-0B0C4905D65D}"/>
                 </a:ext>
               </a:extLst>
             </p:cNvPr>
@@ -5172,7 +5151,7 @@
           <p:cNvPr id="24" name="그룹 1018">
             <a:extLst>
               <a:ext uri="{FF2B5EF4-FFF2-40B4-BE49-F238E27FC236}">
-                <a16:creationId xmlns="" xmlns:a16="http://schemas.microsoft.com/office/drawing/2014/main" id="{11F8DF7C-F95F-B0B5-FC7F-85E369D002C6}"/>
+                <a16:creationId xmlns:a16="http://schemas.microsoft.com/office/drawing/2014/main" id="{11F8DF7C-F95F-B0B5-FC7F-85E369D002C6}"/>
               </a:ext>
             </a:extLst>
           </p:cNvPr>
@@ -5192,7 +5171,7 @@
             <p:cNvPr id="25" name="Object 61">
               <a:extLst>
                 <a:ext uri="{FF2B5EF4-FFF2-40B4-BE49-F238E27FC236}">
-                  <a16:creationId xmlns="" xmlns:a16="http://schemas.microsoft.com/office/drawing/2014/main" id="{B8B15D9F-D5FD-93DD-D076-037E1D6FFEC7}"/>
+                  <a16:creationId xmlns:a16="http://schemas.microsoft.com/office/drawing/2014/main" id="{B8B15D9F-D5FD-93DD-D076-037E1D6FFEC7}"/>
                 </a:ext>
               </a:extLst>
             </p:cNvPr>
@@ -5223,7 +5202,7 @@
           <p:cNvPr id="27" name="TextBox 26">
             <a:extLst>
               <a:ext uri="{FF2B5EF4-FFF2-40B4-BE49-F238E27FC236}">
-                <a16:creationId xmlns="" xmlns:a16="http://schemas.microsoft.com/office/drawing/2014/main" id="{A06D4055-10A8-4A24-5EDC-0761473BA40F}"/>
+                <a16:creationId xmlns:a16="http://schemas.microsoft.com/office/drawing/2014/main" id="{A06D4055-10A8-4A24-5EDC-0761473BA40F}"/>
               </a:ext>
             </a:extLst>
           </p:cNvPr>
@@ -5247,7 +5226,7 @@
           <a:lstStyle/>
           <a:p>
             <a:r>
-              <a:rPr lang="en-US" altLang="ko-KR" sz="4000" smtClean="0">
+              <a:rPr lang="en-US" altLang="ko-KR" sz="4000">
                 <a:solidFill>
                   <a:schemeClr val="tx1">
                     <a:lumMod val="50000"/>
@@ -5277,7 +5256,7 @@
           <p:cNvPr id="28" name="TextBox 27">
             <a:extLst>
               <a:ext uri="{FF2B5EF4-FFF2-40B4-BE49-F238E27FC236}">
-                <a16:creationId xmlns="" xmlns:a16="http://schemas.microsoft.com/office/drawing/2014/main" id="{044C5ACF-17B6-5920-7904-E16248F54A6A}"/>
+                <a16:creationId xmlns:a16="http://schemas.microsoft.com/office/drawing/2014/main" id="{044C5ACF-17B6-5920-7904-E16248F54A6A}"/>
               </a:ext>
             </a:extLst>
           </p:cNvPr>
@@ -5301,7 +5280,7 @@
           <a:lstStyle/>
           <a:p>
             <a:r>
-              <a:rPr lang="en-US" altLang="ko-KR" sz="4000" smtClean="0">
+              <a:rPr lang="en-US" altLang="ko-KR" sz="4000">
                 <a:solidFill>
                   <a:schemeClr val="tx1">
                     <a:lumMod val="50000"/>
@@ -5331,7 +5310,7 @@
           <p:cNvPr id="29" name="TextBox 28">
             <a:extLst>
               <a:ext uri="{FF2B5EF4-FFF2-40B4-BE49-F238E27FC236}">
-                <a16:creationId xmlns="" xmlns:a16="http://schemas.microsoft.com/office/drawing/2014/main" id="{A7091AF6-2AB0-08A8-8A31-E96D2EBC6A65}"/>
+                <a16:creationId xmlns:a16="http://schemas.microsoft.com/office/drawing/2014/main" id="{A7091AF6-2AB0-08A8-8A31-E96D2EBC6A65}"/>
               </a:ext>
             </a:extLst>
           </p:cNvPr>
@@ -5355,7 +5334,7 @@
           <a:lstStyle/>
           <a:p>
             <a:r>
-              <a:rPr lang="en-US" altLang="ko-KR" sz="4000" smtClean="0">
+              <a:rPr lang="en-US" altLang="ko-KR" sz="4000">
                 <a:solidFill>
                   <a:schemeClr val="tx1">
                     <a:lumMod val="50000"/>
@@ -5385,7 +5364,7 @@
           <p:cNvPr id="30" name="TextBox 29">
             <a:extLst>
               <a:ext uri="{FF2B5EF4-FFF2-40B4-BE49-F238E27FC236}">
-                <a16:creationId xmlns="" xmlns:a16="http://schemas.microsoft.com/office/drawing/2014/main" id="{101E227B-A9BD-20A0-66DD-A013FA376D02}"/>
+                <a16:creationId xmlns:a16="http://schemas.microsoft.com/office/drawing/2014/main" id="{101E227B-A9BD-20A0-66DD-A013FA376D02}"/>
               </a:ext>
             </a:extLst>
           </p:cNvPr>
@@ -5409,7 +5388,7 @@
           <a:lstStyle/>
           <a:p>
             <a:r>
-              <a:rPr lang="en-US" altLang="ko-KR" sz="4000" smtClean="0">
+              <a:rPr lang="en-US" altLang="ko-KR" sz="4000">
                 <a:solidFill>
                   <a:schemeClr val="tx1">
                     <a:lumMod val="50000"/>
@@ -5439,7 +5418,7 @@
           <p:cNvPr id="31" name="그룹 1018">
             <a:extLst>
               <a:ext uri="{FF2B5EF4-FFF2-40B4-BE49-F238E27FC236}">
-                <a16:creationId xmlns="" xmlns:a16="http://schemas.microsoft.com/office/drawing/2014/main" id="{F53BC57C-78A5-6AFC-CB34-7E3FD29B339F}"/>
+                <a16:creationId xmlns:a16="http://schemas.microsoft.com/office/drawing/2014/main" id="{F53BC57C-78A5-6AFC-CB34-7E3FD29B339F}"/>
               </a:ext>
             </a:extLst>
           </p:cNvPr>
@@ -5459,7 +5438,7 @@
             <p:cNvPr id="32" name="Object 61">
               <a:extLst>
                 <a:ext uri="{FF2B5EF4-FFF2-40B4-BE49-F238E27FC236}">
-                  <a16:creationId xmlns="" xmlns:a16="http://schemas.microsoft.com/office/drawing/2014/main" id="{E6F73685-14E5-06A9-813C-1C372BD6F4DE}"/>
+                  <a16:creationId xmlns:a16="http://schemas.microsoft.com/office/drawing/2014/main" id="{E6F73685-14E5-06A9-813C-1C372BD6F4DE}"/>
                 </a:ext>
               </a:extLst>
             </p:cNvPr>
@@ -5490,7 +5469,7 @@
           <p:cNvPr id="33" name="TextBox 32">
             <a:extLst>
               <a:ext uri="{FF2B5EF4-FFF2-40B4-BE49-F238E27FC236}">
-                <a16:creationId xmlns="" xmlns:a16="http://schemas.microsoft.com/office/drawing/2014/main" id="{A06D4055-10A8-4A24-5EDC-0761473BA40F}"/>
+                <a16:creationId xmlns:a16="http://schemas.microsoft.com/office/drawing/2014/main" id="{A06D4055-10A8-4A24-5EDC-0761473BA40F}"/>
               </a:ext>
             </a:extLst>
           </p:cNvPr>
@@ -5514,7 +5493,7 @@
           <a:lstStyle/>
           <a:p>
             <a:r>
-              <a:rPr lang="en-US" altLang="ko-KR" sz="4000" smtClean="0">
+              <a:rPr lang="en-US" altLang="ko-KR" sz="4000">
                 <a:solidFill>
                   <a:schemeClr val="tx1">
                     <a:lumMod val="50000"/>
@@ -5544,7 +5523,7 @@
           <p:cNvPr id="34" name="직선 연결선 33">
             <a:extLst>
               <a:ext uri="{FF2B5EF4-FFF2-40B4-BE49-F238E27FC236}">
-                <a16:creationId xmlns="" xmlns:a16="http://schemas.microsoft.com/office/drawing/2014/main" id="{1172879B-889D-0C2F-EEA8-003E6793F36F}"/>
+                <a16:creationId xmlns:a16="http://schemas.microsoft.com/office/drawing/2014/main" id="{1172879B-889D-0C2F-EEA8-003E6793F36F}"/>
               </a:ext>
             </a:extLst>
           </p:cNvPr>
@@ -5589,7 +5568,7 @@
           <p:cNvPr id="37" name="TextBox 36">
             <a:extLst>
               <a:ext uri="{FF2B5EF4-FFF2-40B4-BE49-F238E27FC236}">
-                <a16:creationId xmlns="" xmlns:a16="http://schemas.microsoft.com/office/drawing/2014/main" id="{C6D113C6-EA5C-788F-0C77-E7CE6EBB865F}"/>
+                <a16:creationId xmlns:a16="http://schemas.microsoft.com/office/drawing/2014/main" id="{C6D113C6-EA5C-788F-0C77-E7CE6EBB865F}"/>
               </a:ext>
             </a:extLst>
           </p:cNvPr>
@@ -5613,7 +5592,7 @@
           <a:lstStyle/>
           <a:p>
             <a:r>
-              <a:rPr lang="ko-KR" altLang="en-US" sz="4400" smtClean="0">
+              <a:rPr lang="ko-KR" altLang="en-US" sz="4400">
                 <a:solidFill>
                   <a:srgbClr val="FF0000"/>
                 </a:solidFill>
@@ -5623,7 +5602,7 @@
               <a:t>모든 자료구조들은 </a:t>
             </a:r>
             <a:r>
-              <a:rPr lang="en-US" altLang="ko-KR" sz="4400" smtClean="0">
+              <a:rPr lang="en-US" altLang="ko-KR" sz="4400">
                 <a:solidFill>
                   <a:srgbClr val="FF0000"/>
                 </a:solidFill>
@@ -5633,7 +5612,7 @@
               <a:t>3</a:t>
             </a:r>
             <a:r>
-              <a:rPr lang="ko-KR" altLang="en-US" sz="4400" smtClean="0">
+              <a:rPr lang="ko-KR" altLang="en-US" sz="4400">
                 <a:solidFill>
                   <a:srgbClr val="FF0000"/>
                 </a:solidFill>
@@ -5643,7 +5622,7 @@
               <a:t>개중 하나의 자식들이다</a:t>
             </a:r>
             <a:r>
-              <a:rPr lang="en-US" altLang="ko-KR" sz="4400" smtClean="0">
+              <a:rPr lang="en-US" altLang="ko-KR" sz="4400">
                 <a:solidFill>
                   <a:srgbClr val="FF0000"/>
                 </a:solidFill>
@@ -5672,13 +5651,6 @@
   <p:clrMapOvr>
     <a:masterClrMapping/>
   </p:clrMapOvr>
-  <p:timing>
-    <p:tnLst>
-      <p:par>
-        <p:cTn id="1" dur="indefinite" restart="never" nodeType="tmRoot"/>
-      </p:par>
-    </p:tnLst>
-  </p:timing>
 </p:sld>
 </file>
 
@@ -5724,8 +5696,20 @@
                 <a:tableStyleId>{5C22544A-7EE6-4342-B048-85BDC9FD1C3A}</a:tableStyleId>
               </a:tblPr>
               <a:tblGrid>
-                <a:gridCol w="2057400"/>
-                <a:gridCol w="9067800"/>
+                <a:gridCol w="2057400">
+                  <a:extLst>
+                    <a:ext uri="{9D8B030D-6E8A-4147-A177-3AD203B41FA5}">
+                      <a16:colId xmlns:a16="http://schemas.microsoft.com/office/drawing/2014/main" val="20000"/>
+                    </a:ext>
+                  </a:extLst>
+                </a:gridCol>
+                <a:gridCol w="9067800">
+                  <a:extLst>
+                    <a:ext uri="{9D8B030D-6E8A-4147-A177-3AD203B41FA5}">
+                      <a16:colId xmlns:a16="http://schemas.microsoft.com/office/drawing/2014/main" val="20001"/>
+                    </a:ext>
+                  </a:extLst>
+                </a:gridCol>
               </a:tblGrid>
               <a:tr h="0">
                 <a:tc>
@@ -5735,7 +5719,7 @@
                     <a:p>
                       <a:pPr latinLnBrk="1"/>
                       <a:r>
-                        <a:rPr lang="ko-KR" altLang="en-US" sz="2800" smtClean="0">
+                        <a:rPr lang="ko-KR" altLang="en-US" sz="2800">
                           <a:solidFill>
                             <a:schemeClr val="bg1"/>
                           </a:solidFill>
@@ -5800,7 +5784,7 @@
                     <a:p>
                       <a:pPr latinLnBrk="1"/>
                       <a:r>
-                        <a:rPr lang="ko-KR" altLang="en-US" sz="2800" smtClean="0">
+                        <a:rPr lang="ko-KR" altLang="en-US" sz="2800">
                           <a:solidFill>
                             <a:schemeClr val="bg1"/>
                           </a:solidFill>
@@ -5858,6 +5842,11 @@
                     </a:solidFill>
                   </a:tcPr>
                 </a:tc>
+                <a:extLst>
+                  <a:ext uri="{0D108BD9-81ED-4DB2-BD59-A6C34878D82A}">
+                    <a16:rowId xmlns:a16="http://schemas.microsoft.com/office/drawing/2014/main" val="10000"/>
+                  </a:ext>
+                </a:extLst>
               </a:tr>
               <a:tr h="714462">
                 <a:tc>
@@ -5867,7 +5856,7 @@
                     <a:p>
                       <a:pPr latinLnBrk="1"/>
                       <a:r>
-                        <a:rPr lang="en-US" altLang="ko-KR" sz="2800" smtClean="0">
+                        <a:rPr lang="en-US" altLang="ko-KR" sz="2800">
                           <a:ea typeface="G마켓 산스 Medium" panose="02000000000000000000"/>
                         </a:rPr>
                         <a:t>List</a:t>
@@ -5940,12 +5929,12 @@
                         <a:defRPr/>
                       </a:pPr>
                       <a:r>
-                        <a:rPr lang="ko-KR" altLang="en-US" sz="2800" smtClean="0">
+                        <a:rPr lang="ko-KR" altLang="en-US" sz="2800">
                           <a:ea typeface="G마켓 산스 Medium" panose="02000000000000000000"/>
                         </a:rPr>
                         <a:t>차례대로 모여 있는 데이터</a:t>
                       </a:r>
-                      <a:endParaRPr lang="en-US" altLang="ko-KR" sz="2800" smtClean="0">
+                      <a:endParaRPr lang="en-US" altLang="ko-KR" sz="2800">
                         <a:ea typeface="G마켓 산스 Medium" panose="02000000000000000000"/>
                       </a:endParaRPr>
                     </a:p>
@@ -5968,12 +5957,12 @@
                         <a:defRPr/>
                       </a:pPr>
                       <a:r>
-                        <a:rPr lang="ko-KR" altLang="en-US" sz="2800" smtClean="0">
+                        <a:rPr lang="ko-KR" altLang="en-US" sz="2800">
                           <a:ea typeface="G마켓 산스 Medium" panose="02000000000000000000"/>
                         </a:rPr>
                         <a:t>중복허용</a:t>
                       </a:r>
-                      <a:endParaRPr lang="en-US" altLang="ko-KR" sz="2800" smtClean="0">
+                      <a:endParaRPr lang="en-US" altLang="ko-KR" sz="2800">
                         <a:ea typeface="G마켓 산스 Medium" panose="02000000000000000000"/>
                       </a:endParaRPr>
                     </a:p>
@@ -5996,7 +5985,7 @@
                         <a:defRPr/>
                       </a:pPr>
                       <a:r>
-                        <a:rPr lang="en-US" altLang="ko-KR" sz="2800" smtClean="0">
+                        <a:rPr lang="en-US" altLang="ko-KR" sz="2800">
                           <a:solidFill>
                             <a:srgbClr val="FF0000"/>
                           </a:solidFill>
@@ -6005,7 +5994,7 @@
                         <a:t>ArrayList</a:t>
                       </a:r>
                       <a:r>
-                        <a:rPr lang="en-US" altLang="ko-KR" sz="2800" baseline="0" smtClean="0">
+                        <a:rPr lang="en-US" altLang="ko-KR" sz="2800" baseline="0">
                           <a:solidFill>
                             <a:srgbClr val="FF0000"/>
                           </a:solidFill>
@@ -6014,7 +6003,7 @@
                         <a:t>, LinkedList, Stack, Vector </a:t>
                       </a:r>
                       <a:r>
-                        <a:rPr lang="ko-KR" altLang="en-US" sz="2800" baseline="0" smtClean="0">
+                        <a:rPr lang="ko-KR" altLang="en-US" sz="2800" baseline="0">
                           <a:ea typeface="G마켓 산스 Medium" panose="02000000000000000000"/>
                         </a:rPr>
                         <a:t>등등</a:t>
@@ -6064,6 +6053,11 @@
                     <a:noFill/>
                   </a:tcPr>
                 </a:tc>
+                <a:extLst>
+                  <a:ext uri="{0D108BD9-81ED-4DB2-BD59-A6C34878D82A}">
+                    <a16:rowId xmlns:a16="http://schemas.microsoft.com/office/drawing/2014/main" val="10001"/>
+                  </a:ext>
+                </a:extLst>
               </a:tr>
               <a:tr h="714462">
                 <a:tc>
@@ -6073,7 +6067,7 @@
                     <a:p>
                       <a:pPr latinLnBrk="1"/>
                       <a:r>
-                        <a:rPr lang="en-US" altLang="ko-KR" sz="2800" smtClean="0">
+                        <a:rPr lang="en-US" altLang="ko-KR" sz="2800">
                           <a:ea typeface="G마켓 산스 Medium" panose="02000000000000000000"/>
                         </a:rPr>
                         <a:t>Set</a:t>
@@ -6130,31 +6124,31 @@
                     <a:p>
                       <a:pPr latinLnBrk="1"/>
                       <a:r>
-                        <a:rPr lang="ko-KR" altLang="en-US" sz="2800" smtClean="0">
+                        <a:rPr lang="ko-KR" altLang="en-US" sz="2800">
                           <a:ea typeface="G마켓 산스 Medium" panose="02000000000000000000"/>
                         </a:rPr>
                         <a:t>순서가 없는 데이터</a:t>
                       </a:r>
-                      <a:endParaRPr lang="en-US" altLang="ko-KR" sz="2800" smtClean="0">
+                      <a:endParaRPr lang="en-US" altLang="ko-KR" sz="2800">
                         <a:ea typeface="G마켓 산스 Medium" panose="02000000000000000000"/>
                       </a:endParaRPr>
                     </a:p>
                     <a:p>
                       <a:pPr latinLnBrk="1"/>
                       <a:r>
-                        <a:rPr lang="ko-KR" altLang="en-US" sz="2800" smtClean="0">
+                        <a:rPr lang="ko-KR" altLang="en-US" sz="2800">
                           <a:ea typeface="G마켓 산스 Medium" panose="02000000000000000000"/>
                         </a:rPr>
                         <a:t>중복허용 안함</a:t>
                       </a:r>
-                      <a:endParaRPr lang="en-US" altLang="ko-KR" sz="2800" smtClean="0">
+                      <a:endParaRPr lang="en-US" altLang="ko-KR" sz="2800">
                         <a:ea typeface="G마켓 산스 Medium" panose="02000000000000000000"/>
                       </a:endParaRPr>
                     </a:p>
                     <a:p>
                       <a:pPr latinLnBrk="1"/>
                       <a:r>
-                        <a:rPr lang="en-US" altLang="ko-KR" sz="2800" smtClean="0">
+                        <a:rPr lang="en-US" altLang="ko-KR" sz="2800">
                           <a:solidFill>
                             <a:srgbClr val="FF0000"/>
                           </a:solidFill>
@@ -6163,7 +6157,7 @@
                         <a:t>HashSet,</a:t>
                       </a:r>
                       <a:r>
-                        <a:rPr lang="en-US" altLang="ko-KR" sz="2800" baseline="0" smtClean="0">
+                        <a:rPr lang="en-US" altLang="ko-KR" sz="2800" baseline="0">
                           <a:solidFill>
                             <a:srgbClr val="FF0000"/>
                           </a:solidFill>
@@ -6219,6 +6213,11 @@
                     <a:noFill/>
                   </a:tcPr>
                 </a:tc>
+                <a:extLst>
+                  <a:ext uri="{0D108BD9-81ED-4DB2-BD59-A6C34878D82A}">
+                    <a16:rowId xmlns:a16="http://schemas.microsoft.com/office/drawing/2014/main" val="10002"/>
+                  </a:ext>
+                </a:extLst>
               </a:tr>
               <a:tr h="714462">
                 <a:tc>
@@ -6228,7 +6227,7 @@
                     <a:p>
                       <a:pPr latinLnBrk="1"/>
                       <a:r>
-                        <a:rPr lang="en-US" altLang="ko-KR" sz="2800" smtClean="0">
+                        <a:rPr lang="en-US" altLang="ko-KR" sz="2800">
                           <a:ea typeface="G마켓 산스 Medium" panose="02000000000000000000"/>
                         </a:rPr>
                         <a:t>map</a:t>
@@ -6285,37 +6284,37 @@
                     <a:p>
                       <a:pPr latinLnBrk="1"/>
                       <a:r>
-                        <a:rPr lang="ko-KR" altLang="en-US" sz="2800" smtClean="0">
+                        <a:rPr lang="ko-KR" altLang="en-US" sz="2800">
                           <a:ea typeface="G마켓 산스 Medium" panose="02000000000000000000"/>
                         </a:rPr>
                         <a:t>키와 값의</a:t>
                       </a:r>
                       <a:r>
-                        <a:rPr lang="ko-KR" altLang="en-US" sz="2800" baseline="0" smtClean="0">
+                        <a:rPr lang="ko-KR" altLang="en-US" sz="2800" baseline="0">
                           <a:ea typeface="G마켓 산스 Medium" panose="02000000000000000000"/>
                         </a:rPr>
                         <a:t> 쌍으로 이루어진 데이터</a:t>
                       </a:r>
-                      <a:endParaRPr lang="en-US" altLang="ko-KR" sz="2800" baseline="0" smtClean="0">
+                      <a:endParaRPr lang="en-US" altLang="ko-KR" sz="2800" baseline="0">
                         <a:ea typeface="G마켓 산스 Medium" panose="02000000000000000000"/>
                       </a:endParaRPr>
                     </a:p>
                     <a:p>
                       <a:pPr latinLnBrk="1"/>
                       <a:r>
-                        <a:rPr lang="ko-KR" altLang="en-US" sz="2800" baseline="0" smtClean="0">
+                        <a:rPr lang="ko-KR" altLang="en-US" sz="2800" baseline="0">
                           <a:ea typeface="G마켓 산스 Medium" panose="02000000000000000000"/>
                         </a:rPr>
                         <a:t>키는 중복허용 안함</a:t>
                       </a:r>
-                      <a:endParaRPr lang="en-US" altLang="ko-KR" sz="2800" baseline="0" smtClean="0">
+                      <a:endParaRPr lang="en-US" altLang="ko-KR" sz="2800" baseline="0">
                         <a:ea typeface="G마켓 산스 Medium" panose="02000000000000000000"/>
                       </a:endParaRPr>
                     </a:p>
                     <a:p>
                       <a:pPr latinLnBrk="1"/>
                       <a:r>
-                        <a:rPr lang="en-US" altLang="ko-KR" sz="2800" baseline="0" smtClean="0">
+                        <a:rPr lang="en-US" altLang="ko-KR" sz="2800" baseline="0">
                           <a:solidFill>
                             <a:srgbClr val="FF0000"/>
                           </a:solidFill>
@@ -6371,6 +6370,11 @@
                     <a:noFill/>
                   </a:tcPr>
                 </a:tc>
+                <a:extLst>
+                  <a:ext uri="{0D108BD9-81ED-4DB2-BD59-A6C34878D82A}">
+                    <a16:rowId xmlns:a16="http://schemas.microsoft.com/office/drawing/2014/main" val="10003"/>
+                  </a:ext>
+                </a:extLst>
               </a:tr>
             </a:tbl>
           </a:graphicData>
@@ -6386,13 +6390,6 @@
   <p:clrMapOvr>
     <a:masterClrMapping/>
   </p:clrMapOvr>
-  <p:timing>
-    <p:tnLst>
-      <p:par>
-        <p:cTn id="1" dur="indefinite" restart="never" nodeType="tmRoot"/>
-      </p:par>
-    </p:tnLst>
-  </p:timing>
 </p:sld>
 </file>
 
@@ -6418,7 +6415,7 @@
           <p:cNvPr id="4" name="TextBox 3">
             <a:extLst>
               <a:ext uri="{FF2B5EF4-FFF2-40B4-BE49-F238E27FC236}">
-                <a16:creationId xmlns:a16="http://schemas.microsoft.com/office/drawing/2014/main" xmlns="" id="{EE79C406-3461-D6A5-5346-D7C2FC38FCCD}"/>
+                <a16:creationId xmlns:a16="http://schemas.microsoft.com/office/drawing/2014/main" id="{EE79C406-3461-D6A5-5346-D7C2FC38FCCD}"/>
               </a:ext>
             </a:extLst>
           </p:cNvPr>
@@ -6442,7 +6439,7 @@
           <a:lstStyle/>
           <a:p>
             <a:r>
-              <a:rPr lang="en-US" altLang="ko-KR" sz="4800" smtClean="0">
+              <a:rPr lang="en-US" altLang="ko-KR" sz="4800">
                 <a:solidFill>
                   <a:srgbClr val="4C50BC"/>
                 </a:solidFill>
@@ -6452,7 +6449,7 @@
               <a:t>List  </a:t>
             </a:r>
             <a:r>
-              <a:rPr lang="ko-KR" altLang="en-US" sz="4800" smtClean="0">
+              <a:rPr lang="ko-KR" altLang="en-US" sz="4800">
                 <a:solidFill>
                   <a:srgbClr val="4C50BC"/>
                 </a:solidFill>
@@ -6476,7 +6473,7 @@
           <p:cNvPr id="5" name="TextBox 4">
             <a:extLst>
               <a:ext uri="{FF2B5EF4-FFF2-40B4-BE49-F238E27FC236}">
-                <a16:creationId xmlns="" xmlns:a16="http://schemas.microsoft.com/office/drawing/2014/main" id="{A2AD056B-97A4-5BCC-4460-250160F3E171}"/>
+                <a16:creationId xmlns:a16="http://schemas.microsoft.com/office/drawing/2014/main" id="{A2AD056B-97A4-5BCC-4460-250160F3E171}"/>
               </a:ext>
             </a:extLst>
           </p:cNvPr>
@@ -6503,7 +6500,7 @@
               <a:buAutoNum type="arabicPeriod"/>
             </a:pPr>
             <a:r>
-              <a:rPr lang="ko-KR" altLang="en-US" sz="4000" smtClean="0">
+              <a:rPr lang="ko-KR" altLang="en-US" sz="4000">
                 <a:solidFill>
                   <a:schemeClr val="tx1">
                     <a:lumMod val="50000"/>
@@ -6515,7 +6512,7 @@
               </a:rPr>
               <a:t>중복허용</a:t>
             </a:r>
-            <a:endParaRPr lang="en-US" altLang="ko-KR" sz="4000" smtClean="0">
+            <a:endParaRPr lang="en-US" altLang="ko-KR" sz="4000">
               <a:solidFill>
                 <a:schemeClr val="tx1">
                   <a:lumMod val="50000"/>
@@ -6531,7 +6528,7 @@
               <a:buAutoNum type="arabicPeriod"/>
             </a:pPr>
             <a:r>
-              <a:rPr lang="ko-KR" altLang="en-US" sz="4000" smtClean="0">
+              <a:rPr lang="ko-KR" altLang="en-US" sz="4000">
                 <a:solidFill>
                   <a:schemeClr val="tx1">
                     <a:lumMod val="50000"/>
@@ -6561,7 +6558,7 @@
           <p:cNvPr id="6" name="그룹 1018">
             <a:extLst>
               <a:ext uri="{FF2B5EF4-FFF2-40B4-BE49-F238E27FC236}">
-                <a16:creationId xmlns="" xmlns:a16="http://schemas.microsoft.com/office/drawing/2014/main" id="{0C5247D1-E285-7CDC-25F8-F1ABCDE304BE}"/>
+                <a16:creationId xmlns:a16="http://schemas.microsoft.com/office/drawing/2014/main" id="{0C5247D1-E285-7CDC-25F8-F1ABCDE304BE}"/>
               </a:ext>
             </a:extLst>
           </p:cNvPr>
@@ -6581,7 +6578,7 @@
             <p:cNvPr id="7" name="Object 61">
               <a:extLst>
                 <a:ext uri="{FF2B5EF4-FFF2-40B4-BE49-F238E27FC236}">
-                  <a16:creationId xmlns="" xmlns:a16="http://schemas.microsoft.com/office/drawing/2014/main" id="{29C480AF-46D1-D9A5-6C87-226E5620D948}"/>
+                  <a16:creationId xmlns:a16="http://schemas.microsoft.com/office/drawing/2014/main" id="{29C480AF-46D1-D9A5-6C87-226E5620D948}"/>
                 </a:ext>
               </a:extLst>
             </p:cNvPr>
@@ -6612,7 +6609,7 @@
           <p:cNvPr id="8" name="그룹 1018">
             <a:extLst>
               <a:ext uri="{FF2B5EF4-FFF2-40B4-BE49-F238E27FC236}">
-                <a16:creationId xmlns="" xmlns:a16="http://schemas.microsoft.com/office/drawing/2014/main" id="{F53BC57C-78A5-6AFC-CB34-7E3FD29B339F}"/>
+                <a16:creationId xmlns:a16="http://schemas.microsoft.com/office/drawing/2014/main" id="{F53BC57C-78A5-6AFC-CB34-7E3FD29B339F}"/>
               </a:ext>
             </a:extLst>
           </p:cNvPr>
@@ -6632,7 +6629,7 @@
             <p:cNvPr id="9" name="Object 61">
               <a:extLst>
                 <a:ext uri="{FF2B5EF4-FFF2-40B4-BE49-F238E27FC236}">
-                  <a16:creationId xmlns="" xmlns:a16="http://schemas.microsoft.com/office/drawing/2014/main" id="{E6F73685-14E5-06A9-813C-1C372BD6F4DE}"/>
+                  <a16:creationId xmlns:a16="http://schemas.microsoft.com/office/drawing/2014/main" id="{E6F73685-14E5-06A9-813C-1C372BD6F4DE}"/>
                 </a:ext>
               </a:extLst>
             </p:cNvPr>
@@ -6663,7 +6660,7 @@
           <p:cNvPr id="10" name="직선 연결선 9">
             <a:extLst>
               <a:ext uri="{FF2B5EF4-FFF2-40B4-BE49-F238E27FC236}">
-                <a16:creationId xmlns="" xmlns:a16="http://schemas.microsoft.com/office/drawing/2014/main" id="{1172879B-889D-0C2F-EEA8-003E6793F36F}"/>
+                <a16:creationId xmlns:a16="http://schemas.microsoft.com/office/drawing/2014/main" id="{1172879B-889D-0C2F-EEA8-003E6793F36F}"/>
               </a:ext>
             </a:extLst>
           </p:cNvPr>
@@ -6708,7 +6705,7 @@
           <p:cNvPr id="11" name="직선 연결선 10">
             <a:extLst>
               <a:ext uri="{FF2B5EF4-FFF2-40B4-BE49-F238E27FC236}">
-                <a16:creationId xmlns="" xmlns:a16="http://schemas.microsoft.com/office/drawing/2014/main" id="{466D5656-813B-296D-F08F-2E57C8EBA1E1}"/>
+                <a16:creationId xmlns:a16="http://schemas.microsoft.com/office/drawing/2014/main" id="{466D5656-813B-296D-F08F-2E57C8EBA1E1}"/>
               </a:ext>
             </a:extLst>
           </p:cNvPr>
@@ -6753,7 +6750,7 @@
           <p:cNvPr id="12" name="그룹 1018">
             <a:extLst>
               <a:ext uri="{FF2B5EF4-FFF2-40B4-BE49-F238E27FC236}">
-                <a16:creationId xmlns="" xmlns:a16="http://schemas.microsoft.com/office/drawing/2014/main" id="{6422EA0E-12C8-4264-ABC7-17F8CE933867}"/>
+                <a16:creationId xmlns:a16="http://schemas.microsoft.com/office/drawing/2014/main" id="{6422EA0E-12C8-4264-ABC7-17F8CE933867}"/>
               </a:ext>
             </a:extLst>
           </p:cNvPr>
@@ -6773,7 +6770,7 @@
             <p:cNvPr id="13" name="Object 61">
               <a:extLst>
                 <a:ext uri="{FF2B5EF4-FFF2-40B4-BE49-F238E27FC236}">
-                  <a16:creationId xmlns="" xmlns:a16="http://schemas.microsoft.com/office/drawing/2014/main" id="{B8EE3D0F-6DDF-413D-3D54-0B0C4905D65D}"/>
+                  <a16:creationId xmlns:a16="http://schemas.microsoft.com/office/drawing/2014/main" id="{B8EE3D0F-6DDF-413D-3D54-0B0C4905D65D}"/>
                 </a:ext>
               </a:extLst>
             </p:cNvPr>
@@ -6804,7 +6801,7 @@
           <p:cNvPr id="14" name="TextBox 13">
             <a:extLst>
               <a:ext uri="{FF2B5EF4-FFF2-40B4-BE49-F238E27FC236}">
-                <a16:creationId xmlns="" xmlns:a16="http://schemas.microsoft.com/office/drawing/2014/main" id="{A06D4055-10A8-4A24-5EDC-0761473BA40F}"/>
+                <a16:creationId xmlns:a16="http://schemas.microsoft.com/office/drawing/2014/main" id="{A06D4055-10A8-4A24-5EDC-0761473BA40F}"/>
               </a:ext>
             </a:extLst>
           </p:cNvPr>
@@ -6828,7 +6825,7 @@
           <a:lstStyle/>
           <a:p>
             <a:r>
-              <a:rPr lang="en-US" altLang="ko-KR" sz="4000" smtClean="0">
+              <a:rPr lang="en-US" altLang="ko-KR" sz="4000">
                 <a:solidFill>
                   <a:schemeClr val="tx1">
                     <a:lumMod val="50000"/>
@@ -6858,7 +6855,7 @@
           <p:cNvPr id="15" name="TextBox 14">
             <a:extLst>
               <a:ext uri="{FF2B5EF4-FFF2-40B4-BE49-F238E27FC236}">
-                <a16:creationId xmlns="" xmlns:a16="http://schemas.microsoft.com/office/drawing/2014/main" id="{044C5ACF-17B6-5920-7904-E16248F54A6A}"/>
+                <a16:creationId xmlns:a16="http://schemas.microsoft.com/office/drawing/2014/main" id="{044C5ACF-17B6-5920-7904-E16248F54A6A}"/>
               </a:ext>
             </a:extLst>
           </p:cNvPr>
@@ -6882,7 +6879,7 @@
           <a:lstStyle/>
           <a:p>
             <a:r>
-              <a:rPr lang="en-US" altLang="ko-KR" sz="4000" smtClean="0">
+              <a:rPr lang="en-US" altLang="ko-KR" sz="4000">
                 <a:solidFill>
                   <a:schemeClr val="tx1">
                     <a:lumMod val="50000"/>
@@ -6912,7 +6909,7 @@
           <p:cNvPr id="16" name="TextBox 15">
             <a:extLst>
               <a:ext uri="{FF2B5EF4-FFF2-40B4-BE49-F238E27FC236}">
-                <a16:creationId xmlns="" xmlns:a16="http://schemas.microsoft.com/office/drawing/2014/main" id="{A7091AF6-2AB0-08A8-8A31-E96D2EBC6A65}"/>
+                <a16:creationId xmlns:a16="http://schemas.microsoft.com/office/drawing/2014/main" id="{A7091AF6-2AB0-08A8-8A31-E96D2EBC6A65}"/>
               </a:ext>
             </a:extLst>
           </p:cNvPr>
@@ -6936,7 +6933,7 @@
           <a:lstStyle/>
           <a:p>
             <a:r>
-              <a:rPr lang="en-US" altLang="ko-KR" sz="4000" smtClean="0">
+              <a:rPr lang="en-US" altLang="ko-KR" sz="4000">
                 <a:solidFill>
                   <a:schemeClr val="tx1">
                     <a:lumMod val="50000"/>
@@ -6966,7 +6963,7 @@
           <p:cNvPr id="17" name="그룹 1018">
             <a:extLst>
               <a:ext uri="{FF2B5EF4-FFF2-40B4-BE49-F238E27FC236}">
-                <a16:creationId xmlns="" xmlns:a16="http://schemas.microsoft.com/office/drawing/2014/main" id="{0C5247D1-E285-7CDC-25F8-F1ABCDE304BE}"/>
+                <a16:creationId xmlns:a16="http://schemas.microsoft.com/office/drawing/2014/main" id="{0C5247D1-E285-7CDC-25F8-F1ABCDE304BE}"/>
               </a:ext>
             </a:extLst>
           </p:cNvPr>
@@ -6986,7 +6983,7 @@
             <p:cNvPr id="18" name="Object 61">
               <a:extLst>
                 <a:ext uri="{FF2B5EF4-FFF2-40B4-BE49-F238E27FC236}">
-                  <a16:creationId xmlns="" xmlns:a16="http://schemas.microsoft.com/office/drawing/2014/main" id="{29C480AF-46D1-D9A5-6C87-226E5620D948}"/>
+                  <a16:creationId xmlns:a16="http://schemas.microsoft.com/office/drawing/2014/main" id="{29C480AF-46D1-D9A5-6C87-226E5620D948}"/>
                 </a:ext>
               </a:extLst>
             </p:cNvPr>
@@ -7017,7 +7014,7 @@
           <p:cNvPr id="19" name="직선 연결선 18">
             <a:extLst>
               <a:ext uri="{FF2B5EF4-FFF2-40B4-BE49-F238E27FC236}">
-                <a16:creationId xmlns="" xmlns:a16="http://schemas.microsoft.com/office/drawing/2014/main" id="{1172879B-889D-0C2F-EEA8-003E6793F36F}"/>
+                <a16:creationId xmlns:a16="http://schemas.microsoft.com/office/drawing/2014/main" id="{1172879B-889D-0C2F-EEA8-003E6793F36F}"/>
               </a:ext>
             </a:extLst>
           </p:cNvPr>
@@ -7062,7 +7059,7 @@
           <p:cNvPr id="20" name="TextBox 19">
             <a:extLst>
               <a:ext uri="{FF2B5EF4-FFF2-40B4-BE49-F238E27FC236}">
-                <a16:creationId xmlns="" xmlns:a16="http://schemas.microsoft.com/office/drawing/2014/main" id="{044C5ACF-17B6-5920-7904-E16248F54A6A}"/>
+                <a16:creationId xmlns:a16="http://schemas.microsoft.com/office/drawing/2014/main" id="{044C5ACF-17B6-5920-7904-E16248F54A6A}"/>
               </a:ext>
             </a:extLst>
           </p:cNvPr>
@@ -7086,7 +7083,7 @@
           <a:lstStyle/>
           <a:p>
             <a:r>
-              <a:rPr lang="en-US" altLang="ko-KR" sz="4000" smtClean="0">
+              <a:rPr lang="en-US" altLang="ko-KR" sz="4000">
                 <a:solidFill>
                   <a:schemeClr val="tx1">
                     <a:lumMod val="50000"/>
@@ -7116,7 +7113,7 @@
           <p:cNvPr id="22" name="그룹 1018">
             <a:extLst>
               <a:ext uri="{FF2B5EF4-FFF2-40B4-BE49-F238E27FC236}">
-                <a16:creationId xmlns="" xmlns:a16="http://schemas.microsoft.com/office/drawing/2014/main" id="{0C5247D1-E285-7CDC-25F8-F1ABCDE304BE}"/>
+                <a16:creationId xmlns:a16="http://schemas.microsoft.com/office/drawing/2014/main" id="{0C5247D1-E285-7CDC-25F8-F1ABCDE304BE}"/>
               </a:ext>
             </a:extLst>
           </p:cNvPr>
@@ -7136,7 +7133,7 @@
             <p:cNvPr id="23" name="Object 61">
               <a:extLst>
                 <a:ext uri="{FF2B5EF4-FFF2-40B4-BE49-F238E27FC236}">
-                  <a16:creationId xmlns="" xmlns:a16="http://schemas.microsoft.com/office/drawing/2014/main" id="{29C480AF-46D1-D9A5-6C87-226E5620D948}"/>
+                  <a16:creationId xmlns:a16="http://schemas.microsoft.com/office/drawing/2014/main" id="{29C480AF-46D1-D9A5-6C87-226E5620D948}"/>
                 </a:ext>
               </a:extLst>
             </p:cNvPr>
@@ -7167,7 +7164,7 @@
           <p:cNvPr id="24" name="직선 연결선 23">
             <a:extLst>
               <a:ext uri="{FF2B5EF4-FFF2-40B4-BE49-F238E27FC236}">
-                <a16:creationId xmlns="" xmlns:a16="http://schemas.microsoft.com/office/drawing/2014/main" id="{1172879B-889D-0C2F-EEA8-003E6793F36F}"/>
+                <a16:creationId xmlns:a16="http://schemas.microsoft.com/office/drawing/2014/main" id="{1172879B-889D-0C2F-EEA8-003E6793F36F}"/>
               </a:ext>
             </a:extLst>
           </p:cNvPr>
@@ -7212,7 +7209,7 @@
           <p:cNvPr id="25" name="TextBox 24">
             <a:extLst>
               <a:ext uri="{FF2B5EF4-FFF2-40B4-BE49-F238E27FC236}">
-                <a16:creationId xmlns="" xmlns:a16="http://schemas.microsoft.com/office/drawing/2014/main" id="{044C5ACF-17B6-5920-7904-E16248F54A6A}"/>
+                <a16:creationId xmlns:a16="http://schemas.microsoft.com/office/drawing/2014/main" id="{044C5ACF-17B6-5920-7904-E16248F54A6A}"/>
               </a:ext>
             </a:extLst>
           </p:cNvPr>
@@ -7236,7 +7233,7 @@
           <a:lstStyle/>
           <a:p>
             <a:r>
-              <a:rPr lang="en-US" altLang="ko-KR" sz="4000" smtClean="0">
+              <a:rPr lang="en-US" altLang="ko-KR" sz="4000">
                 <a:solidFill>
                   <a:schemeClr val="tx1">
                     <a:lumMod val="50000"/>
@@ -7271,13 +7268,6 @@
   <p:clrMapOvr>
     <a:masterClrMapping/>
   </p:clrMapOvr>
-  <p:timing>
-    <p:tnLst>
-      <p:par>
-        <p:cTn id="1" dur="indefinite" restart="never" nodeType="tmRoot"/>
-      </p:par>
-    </p:tnLst>
-  </p:timing>
 </p:sld>
 </file>
 
@@ -7303,7 +7293,7 @@
           <p:cNvPr id="4" name="TextBox 3">
             <a:extLst>
               <a:ext uri="{FF2B5EF4-FFF2-40B4-BE49-F238E27FC236}">
-                <a16:creationId xmlns:a16="http://schemas.microsoft.com/office/drawing/2014/main" xmlns="" id="{EE79C406-3461-D6A5-5346-D7C2FC38FCCD}"/>
+                <a16:creationId xmlns:a16="http://schemas.microsoft.com/office/drawing/2014/main" id="{EE79C406-3461-D6A5-5346-D7C2FC38FCCD}"/>
               </a:ext>
             </a:extLst>
           </p:cNvPr>
@@ -7327,7 +7317,7 @@
           <a:lstStyle/>
           <a:p>
             <a:r>
-              <a:rPr lang="en-US" altLang="ko-KR" sz="4800" smtClean="0">
+              <a:rPr lang="en-US" altLang="ko-KR" sz="4800">
                 <a:solidFill>
                   <a:srgbClr val="4C50BC"/>
                 </a:solidFill>
@@ -7351,7 +7341,7 @@
           <p:cNvPr id="5" name="TextBox 4">
             <a:extLst>
               <a:ext uri="{FF2B5EF4-FFF2-40B4-BE49-F238E27FC236}">
-                <a16:creationId xmlns="" xmlns:a16="http://schemas.microsoft.com/office/drawing/2014/main" id="{A2AD056B-97A4-5BCC-4460-250160F3E171}"/>
+                <a16:creationId xmlns:a16="http://schemas.microsoft.com/office/drawing/2014/main" id="{A2AD056B-97A4-5BCC-4460-250160F3E171}"/>
               </a:ext>
             </a:extLst>
           </p:cNvPr>
@@ -7375,7 +7365,7 @@
           <a:lstStyle/>
           <a:p>
             <a:r>
-              <a:rPr lang="en-US" altLang="ko-KR" sz="4000" smtClean="0">
+              <a:rPr lang="en-US" altLang="ko-KR" sz="4000">
                 <a:solidFill>
                   <a:schemeClr val="tx1">
                     <a:lumMod val="50000"/>
@@ -7388,7 +7378,7 @@
               <a:t>Vector</a:t>
             </a:r>
             <a:r>
-              <a:rPr lang="ko-KR" altLang="en-US" sz="4000" smtClean="0">
+              <a:rPr lang="ko-KR" altLang="en-US" sz="4000">
                 <a:solidFill>
                   <a:schemeClr val="tx1">
                     <a:lumMod val="50000"/>
@@ -7401,7 +7391,7 @@
               <a:t>를 개선한것</a:t>
             </a:r>
             <a:r>
-              <a:rPr lang="en-US" altLang="ko-KR" sz="4000" smtClean="0">
+              <a:rPr lang="en-US" altLang="ko-KR" sz="4000">
                 <a:solidFill>
                   <a:schemeClr val="tx1">
                     <a:lumMod val="50000"/>
@@ -7414,7 +7404,7 @@
               <a:t>,</a:t>
             </a:r>
             <a:r>
-              <a:rPr lang="ko-KR" altLang="en-US" sz="4000" smtClean="0">
+              <a:rPr lang="ko-KR" altLang="en-US" sz="4000">
                 <a:solidFill>
                   <a:schemeClr val="tx1">
                     <a:lumMod val="50000"/>
@@ -7427,7 +7417,7 @@
               <a:t> 따라서 </a:t>
             </a:r>
             <a:r>
-              <a:rPr lang="en-US" altLang="ko-KR" sz="4000" smtClean="0">
+              <a:rPr lang="en-US" altLang="ko-KR" sz="4000">
                 <a:solidFill>
                   <a:schemeClr val="tx1">
                     <a:lumMod val="50000"/>
@@ -7440,7 +7430,7 @@
               <a:t>vector</a:t>
             </a:r>
             <a:r>
-              <a:rPr lang="ko-KR" altLang="en-US" sz="4000" smtClean="0">
+              <a:rPr lang="ko-KR" altLang="en-US" sz="4000">
                 <a:solidFill>
                   <a:schemeClr val="tx1">
                     <a:lumMod val="50000"/>
@@ -7453,7 +7443,7 @@
               <a:t>보다 </a:t>
             </a:r>
             <a:r>
-              <a:rPr lang="en-US" altLang="ko-KR" sz="4000" smtClean="0">
+              <a:rPr lang="en-US" altLang="ko-KR" sz="4000">
                 <a:solidFill>
                   <a:schemeClr val="tx1">
                     <a:lumMod val="50000"/>
@@ -7466,7 +7456,7 @@
               <a:t>ArrayList</a:t>
             </a:r>
             <a:r>
-              <a:rPr lang="ko-KR" altLang="en-US" sz="4000" smtClean="0">
+              <a:rPr lang="ko-KR" altLang="en-US" sz="4000">
                 <a:solidFill>
                   <a:schemeClr val="tx1">
                     <a:lumMod val="50000"/>
@@ -7479,7 +7469,7 @@
               <a:t>를 권장한다</a:t>
             </a:r>
             <a:r>
-              <a:rPr lang="en-US" altLang="ko-KR" sz="4000" smtClean="0">
+              <a:rPr lang="en-US" altLang="ko-KR" sz="4000">
                 <a:solidFill>
                   <a:schemeClr val="tx1">
                     <a:lumMod val="50000"/>
@@ -7600,13 +7590,6 @@
   <p:clrMapOvr>
     <a:masterClrMapping/>
   </p:clrMapOvr>
-  <p:timing>
-    <p:tnLst>
-      <p:par>
-        <p:cTn id="1" dur="indefinite" restart="never" nodeType="tmRoot"/>
-      </p:par>
-    </p:tnLst>
-  </p:timing>
 </p:sld>
 </file>
 
@@ -7656,7 +7639,7 @@
           <p:cNvPr id="5" name="TextBox 4">
             <a:extLst>
               <a:ext uri="{FF2B5EF4-FFF2-40B4-BE49-F238E27FC236}">
-                <a16:creationId xmlns="" xmlns:a16="http://schemas.microsoft.com/office/drawing/2014/main" id="{C6D113C6-EA5C-788F-0C77-E7CE6EBB865F}"/>
+                <a16:creationId xmlns:a16="http://schemas.microsoft.com/office/drawing/2014/main" id="{C6D113C6-EA5C-788F-0C77-E7CE6EBB865F}"/>
               </a:ext>
             </a:extLst>
           </p:cNvPr>
@@ -7680,7 +7663,7 @@
           <a:lstStyle/>
           <a:p>
             <a:r>
-              <a:rPr lang="ko-KR" altLang="en-US" sz="4000" smtClean="0">
+              <a:rPr lang="ko-KR" altLang="en-US" sz="4000">
                 <a:solidFill>
                   <a:srgbClr val="FF0000"/>
                 </a:solidFill>
@@ -7690,7 +7673,7 @@
               <a:t>내부에서 배열을 사용 한다</a:t>
             </a:r>
             <a:r>
-              <a:rPr lang="en-US" altLang="ko-KR" sz="4000" smtClean="0">
+              <a:rPr lang="en-US" altLang="ko-KR" sz="4000">
                 <a:solidFill>
                   <a:srgbClr val="FF0000"/>
                 </a:solidFill>
@@ -7870,7 +7853,7 @@
           <p:cNvPr id="5" name="직선 화살표 연결선 4">
             <a:extLst>
               <a:ext uri="{FF2B5EF4-FFF2-40B4-BE49-F238E27FC236}">
-                <a16:creationId xmlns="" xmlns:a16="http://schemas.microsoft.com/office/drawing/2014/main" id="{299DF5EC-9DF4-5255-06AC-0A7CE4FF58C3}"/>
+                <a16:creationId xmlns:a16="http://schemas.microsoft.com/office/drawing/2014/main" id="{299DF5EC-9DF4-5255-06AC-0A7CE4FF58C3}"/>
               </a:ext>
             </a:extLst>
           </p:cNvPr>
@@ -7911,7 +7894,7 @@
           <p:cNvPr id="6" name="TextBox 5">
             <a:extLst>
               <a:ext uri="{FF2B5EF4-FFF2-40B4-BE49-F238E27FC236}">
-                <a16:creationId xmlns="" xmlns:a16="http://schemas.microsoft.com/office/drawing/2014/main" id="{C6D113C6-EA5C-788F-0C77-E7CE6EBB865F}"/>
+                <a16:creationId xmlns:a16="http://schemas.microsoft.com/office/drawing/2014/main" id="{C6D113C6-EA5C-788F-0C77-E7CE6EBB865F}"/>
               </a:ext>
             </a:extLst>
           </p:cNvPr>
@@ -7935,7 +7918,7 @@
           <a:lstStyle/>
           <a:p>
             <a:r>
-              <a:rPr lang="ko-KR" altLang="en-US" sz="3600" smtClean="0">
+              <a:rPr lang="ko-KR" altLang="en-US" sz="3600">
                 <a:solidFill>
                   <a:srgbClr val="FF0000"/>
                 </a:solidFill>
@@ -7945,7 +7928,7 @@
               <a:t>잦은 배열교체는 성능저하를 불러온다</a:t>
             </a:r>
             <a:r>
-              <a:rPr lang="en-US" altLang="ko-KR" sz="3600" smtClean="0">
+              <a:rPr lang="en-US" altLang="ko-KR" sz="3600">
                 <a:solidFill>
                   <a:srgbClr val="FF0000"/>
                 </a:solidFill>
@@ -7969,7 +7952,7 @@
           <p:cNvPr id="9" name="직선 화살표 연결선 8">
             <a:extLst>
               <a:ext uri="{FF2B5EF4-FFF2-40B4-BE49-F238E27FC236}">
-                <a16:creationId xmlns="" xmlns:a16="http://schemas.microsoft.com/office/drawing/2014/main" id="{299DF5EC-9DF4-5255-06AC-0A7CE4FF58C3}"/>
+                <a16:creationId xmlns:a16="http://schemas.microsoft.com/office/drawing/2014/main" id="{299DF5EC-9DF4-5255-06AC-0A7CE4FF58C3}"/>
               </a:ext>
             </a:extLst>
           </p:cNvPr>
@@ -8010,7 +7993,7 @@
           <p:cNvPr id="10" name="TextBox 9">
             <a:extLst>
               <a:ext uri="{FF2B5EF4-FFF2-40B4-BE49-F238E27FC236}">
-                <a16:creationId xmlns="" xmlns:a16="http://schemas.microsoft.com/office/drawing/2014/main" id="{C6D113C6-EA5C-788F-0C77-E7CE6EBB865F}"/>
+                <a16:creationId xmlns:a16="http://schemas.microsoft.com/office/drawing/2014/main" id="{C6D113C6-EA5C-788F-0C77-E7CE6EBB865F}"/>
               </a:ext>
             </a:extLst>
           </p:cNvPr>
@@ -8034,7 +8017,7 @@
           <a:lstStyle/>
           <a:p>
             <a:r>
-              <a:rPr lang="ko-KR" altLang="en-US" sz="3600" smtClean="0">
+              <a:rPr lang="ko-KR" altLang="en-US" sz="3600">
                 <a:solidFill>
                   <a:srgbClr val="FF0000"/>
                 </a:solidFill>
@@ -8044,7 +8027,7 @@
               <a:t>내부적으로 배열</a:t>
             </a:r>
             <a:r>
-              <a:rPr lang="en-US" altLang="ko-KR" sz="3600" smtClean="0">
+              <a:rPr lang="en-US" altLang="ko-KR" sz="3600">
                 <a:solidFill>
                   <a:srgbClr val="FF0000"/>
                 </a:solidFill>
@@ -8054,7 +8037,7 @@
               <a:t>[20]</a:t>
             </a:r>
             <a:r>
-              <a:rPr lang="ko-KR" altLang="en-US" sz="3600" smtClean="0">
+              <a:rPr lang="ko-KR" altLang="en-US" sz="3600">
                 <a:solidFill>
                   <a:srgbClr val="FF0000"/>
                 </a:solidFill>
@@ -8064,7 +8047,7 @@
               <a:t>을 만들어 교체한다</a:t>
             </a:r>
             <a:r>
-              <a:rPr lang="en-US" altLang="ko-KR" sz="3600" smtClean="0">
+              <a:rPr lang="en-US" altLang="ko-KR" sz="3600">
                 <a:solidFill>
                   <a:srgbClr val="FF0000"/>
                 </a:solidFill>
@@ -8112,7 +8095,7 @@
           <p:cNvPr id="14" name="직선 화살표 연결선 13">
             <a:extLst>
               <a:ext uri="{FF2B5EF4-FFF2-40B4-BE49-F238E27FC236}">
-                <a16:creationId xmlns="" xmlns:a16="http://schemas.microsoft.com/office/drawing/2014/main" id="{299DF5EC-9DF4-5255-06AC-0A7CE4FF58C3}"/>
+                <a16:creationId xmlns:a16="http://schemas.microsoft.com/office/drawing/2014/main" id="{299DF5EC-9DF4-5255-06AC-0A7CE4FF58C3}"/>
               </a:ext>
             </a:extLst>
           </p:cNvPr>
@@ -8153,7 +8136,7 @@
           <p:cNvPr id="15" name="TextBox 14">
             <a:extLst>
               <a:ext uri="{FF2B5EF4-FFF2-40B4-BE49-F238E27FC236}">
-                <a16:creationId xmlns="" xmlns:a16="http://schemas.microsoft.com/office/drawing/2014/main" id="{C6D113C6-EA5C-788F-0C77-E7CE6EBB865F}"/>
+                <a16:creationId xmlns:a16="http://schemas.microsoft.com/office/drawing/2014/main" id="{C6D113C6-EA5C-788F-0C77-E7CE6EBB865F}"/>
               </a:ext>
             </a:extLst>
           </p:cNvPr>
@@ -8177,7 +8160,7 @@
           <a:lstStyle/>
           <a:p>
             <a:r>
-              <a:rPr lang="ko-KR" altLang="en-US" sz="3600" smtClean="0">
+              <a:rPr lang="ko-KR" altLang="en-US" sz="3600">
                 <a:solidFill>
                   <a:srgbClr val="FF0000"/>
                 </a:solidFill>
@@ -8187,7 +8170,7 @@
               <a:t>그렇다고 </a:t>
             </a:r>
             <a:r>
-              <a:rPr lang="en-US" altLang="ko-KR" sz="3600" smtClean="0">
+              <a:rPr lang="en-US" altLang="ko-KR" sz="3600">
                 <a:solidFill>
                   <a:srgbClr val="FF0000"/>
                 </a:solidFill>
@@ -8197,7 +8180,7 @@
               <a:t>ArrayList</a:t>
             </a:r>
             <a:r>
-              <a:rPr lang="ko-KR" altLang="en-US" sz="3600" smtClean="0">
+              <a:rPr lang="ko-KR" altLang="en-US" sz="3600">
                 <a:solidFill>
                   <a:srgbClr val="FF0000"/>
                 </a:solidFill>
@@ -8207,7 +8190,7 @@
               <a:t>의 사이즈가 </a:t>
             </a:r>
             <a:r>
-              <a:rPr lang="en-US" altLang="ko-KR" sz="3600" smtClean="0">
+              <a:rPr lang="en-US" altLang="ko-KR" sz="3600">
                 <a:solidFill>
                   <a:srgbClr val="FF0000"/>
                 </a:solidFill>
@@ -8217,7 +8200,7 @@
               <a:t>20</a:t>
             </a:r>
             <a:r>
-              <a:rPr lang="ko-KR" altLang="en-US" sz="3600" smtClean="0">
+              <a:rPr lang="ko-KR" altLang="en-US" sz="3600">
                 <a:solidFill>
                   <a:srgbClr val="FF0000"/>
                 </a:solidFill>
@@ -8227,7 +8210,7 @@
               <a:t>인건 아니다</a:t>
             </a:r>
             <a:r>
-              <a:rPr lang="en-US" altLang="ko-KR" sz="3600" smtClean="0">
+              <a:rPr lang="en-US" altLang="ko-KR" sz="3600">
                 <a:solidFill>
                   <a:srgbClr val="FF0000"/>
                 </a:solidFill>
@@ -8513,7 +8496,7 @@
           <p:cNvPr id="4" name="TextBox 3">
             <a:extLst>
               <a:ext uri="{FF2B5EF4-FFF2-40B4-BE49-F238E27FC236}">
-                <a16:creationId xmlns:a16="http://schemas.microsoft.com/office/drawing/2014/main" xmlns="" id="{EE79C406-3461-D6A5-5346-D7C2FC38FCCD}"/>
+                <a16:creationId xmlns:a16="http://schemas.microsoft.com/office/drawing/2014/main" id="{EE79C406-3461-D6A5-5346-D7C2FC38FCCD}"/>
               </a:ext>
             </a:extLst>
           </p:cNvPr>
@@ -8537,7 +8520,7 @@
           <a:lstStyle/>
           <a:p>
             <a:r>
-              <a:rPr lang="en-US" altLang="ko-KR" sz="4800" smtClean="0">
+              <a:rPr lang="en-US" altLang="ko-KR" sz="4800">
                 <a:solidFill>
                   <a:srgbClr val="4C50BC"/>
                 </a:solidFill>
@@ -8561,7 +8544,7 @@
           <p:cNvPr id="5" name="TextBox 4">
             <a:extLst>
               <a:ext uri="{FF2B5EF4-FFF2-40B4-BE49-F238E27FC236}">
-                <a16:creationId xmlns="" xmlns:a16="http://schemas.microsoft.com/office/drawing/2014/main" id="{A2AD056B-97A4-5BCC-4460-250160F3E171}"/>
+                <a16:creationId xmlns:a16="http://schemas.microsoft.com/office/drawing/2014/main" id="{A2AD056B-97A4-5BCC-4460-250160F3E171}"/>
               </a:ext>
             </a:extLst>
           </p:cNvPr>
@@ -8585,7 +8568,7 @@
           <a:lstStyle/>
           <a:p>
             <a:r>
-              <a:rPr lang="ko-KR" altLang="en-US" sz="4000" smtClean="0">
+              <a:rPr lang="ko-KR" altLang="en-US" sz="4000">
                 <a:solidFill>
                   <a:schemeClr val="tx1">
                     <a:lumMod val="50000"/>
@@ -8597,7 +8580,7 @@
               </a:rPr>
               <a:t>연속되지 않은공간에 데이터를 할당하여 앞뒤로 링크 시켜놓음</a:t>
             </a:r>
-            <a:endParaRPr lang="en-US" altLang="ko-KR" sz="4000" smtClean="0">
+            <a:endParaRPr lang="en-US" altLang="ko-KR" sz="4000">
               <a:solidFill>
                 <a:schemeClr val="tx1">
                   <a:lumMod val="50000"/>
@@ -8615,7 +8598,7 @@
           <p:cNvPr id="6" name="TextBox 5">
             <a:extLst>
               <a:ext uri="{FF2B5EF4-FFF2-40B4-BE49-F238E27FC236}">
-                <a16:creationId xmlns:a16="http://schemas.microsoft.com/office/drawing/2014/main" xmlns="" id="{EE79C406-3461-D6A5-5346-D7C2FC38FCCD}"/>
+                <a16:creationId xmlns:a16="http://schemas.microsoft.com/office/drawing/2014/main" id="{EE79C406-3461-D6A5-5346-D7C2FC38FCCD}"/>
               </a:ext>
             </a:extLst>
           </p:cNvPr>
@@ -8639,7 +8622,7 @@
           <a:lstStyle/>
           <a:p>
             <a:r>
-              <a:rPr lang="en-US" altLang="ko-KR" sz="4800" smtClean="0">
+              <a:rPr lang="en-US" altLang="ko-KR" sz="4800">
                 <a:solidFill>
                   <a:srgbClr val="4C50BC"/>
                 </a:solidFill>
@@ -8663,7 +8646,7 @@
           <p:cNvPr id="7" name="TextBox 6">
             <a:extLst>
               <a:ext uri="{FF2B5EF4-FFF2-40B4-BE49-F238E27FC236}">
-                <a16:creationId xmlns:a16="http://schemas.microsoft.com/office/drawing/2014/main" xmlns="" id="{EE79C406-3461-D6A5-5346-D7C2FC38FCCD}"/>
+                <a16:creationId xmlns:a16="http://schemas.microsoft.com/office/drawing/2014/main" id="{EE79C406-3461-D6A5-5346-D7C2FC38FCCD}"/>
               </a:ext>
             </a:extLst>
           </p:cNvPr>
@@ -8687,7 +8670,7 @@
           <a:lstStyle/>
           <a:p>
             <a:r>
-              <a:rPr lang="en-US" altLang="ko-KR" sz="4800" smtClean="0">
+              <a:rPr lang="en-US" altLang="ko-KR" sz="4800">
                 <a:solidFill>
                   <a:srgbClr val="4C50BC"/>
                 </a:solidFill>
@@ -8711,7 +8694,7 @@
           <p:cNvPr id="8" name="그룹 1018">
             <a:extLst>
               <a:ext uri="{FF2B5EF4-FFF2-40B4-BE49-F238E27FC236}">
-                <a16:creationId xmlns="" xmlns:a16="http://schemas.microsoft.com/office/drawing/2014/main" id="{0804D430-F42E-AE32-A065-FFA8C471F092}"/>
+                <a16:creationId xmlns:a16="http://schemas.microsoft.com/office/drawing/2014/main" id="{0804D430-F42E-AE32-A065-FFA8C471F092}"/>
               </a:ext>
             </a:extLst>
           </p:cNvPr>
@@ -8731,7 +8714,7 @@
             <p:cNvPr id="9" name="Object 61">
               <a:extLst>
                 <a:ext uri="{FF2B5EF4-FFF2-40B4-BE49-F238E27FC236}">
-                  <a16:creationId xmlns="" xmlns:a16="http://schemas.microsoft.com/office/drawing/2014/main" id="{334A4C3A-641C-7CD9-8FEE-5EC92B28D640}"/>
+                  <a16:creationId xmlns:a16="http://schemas.microsoft.com/office/drawing/2014/main" id="{334A4C3A-641C-7CD9-8FEE-5EC92B28D640}"/>
                 </a:ext>
               </a:extLst>
             </p:cNvPr>
@@ -8762,7 +8745,7 @@
           <p:cNvPr id="10" name="TextBox 9">
             <a:extLst>
               <a:ext uri="{FF2B5EF4-FFF2-40B4-BE49-F238E27FC236}">
-                <a16:creationId xmlns="" xmlns:a16="http://schemas.microsoft.com/office/drawing/2014/main" id="{52176D31-35F7-8916-46FA-6095EFEC1E49}"/>
+                <a16:creationId xmlns:a16="http://schemas.microsoft.com/office/drawing/2014/main" id="{52176D31-35F7-8916-46FA-6095EFEC1E49}"/>
               </a:ext>
             </a:extLst>
           </p:cNvPr>
@@ -8786,7 +8769,7 @@
           <a:lstStyle/>
           <a:p>
             <a:r>
-              <a:rPr lang="en-US" altLang="ko-KR" sz="3200" smtClean="0">
+              <a:rPr lang="en-US" altLang="ko-KR" sz="3200">
                 <a:solidFill>
                   <a:schemeClr val="tx1">
                     <a:lumMod val="50000"/>
@@ -8816,7 +8799,7 @@
           <p:cNvPr id="11" name="그룹 1018">
             <a:extLst>
               <a:ext uri="{FF2B5EF4-FFF2-40B4-BE49-F238E27FC236}">
-                <a16:creationId xmlns="" xmlns:a16="http://schemas.microsoft.com/office/drawing/2014/main" id="{0804D430-F42E-AE32-A065-FFA8C471F092}"/>
+                <a16:creationId xmlns:a16="http://schemas.microsoft.com/office/drawing/2014/main" id="{0804D430-F42E-AE32-A065-FFA8C471F092}"/>
               </a:ext>
             </a:extLst>
           </p:cNvPr>
@@ -8836,7 +8819,7 @@
             <p:cNvPr id="12" name="Object 61">
               <a:extLst>
                 <a:ext uri="{FF2B5EF4-FFF2-40B4-BE49-F238E27FC236}">
-                  <a16:creationId xmlns="" xmlns:a16="http://schemas.microsoft.com/office/drawing/2014/main" id="{334A4C3A-641C-7CD9-8FEE-5EC92B28D640}"/>
+                  <a16:creationId xmlns:a16="http://schemas.microsoft.com/office/drawing/2014/main" id="{334A4C3A-641C-7CD9-8FEE-5EC92B28D640}"/>
                 </a:ext>
               </a:extLst>
             </p:cNvPr>
@@ -8867,7 +8850,7 @@
           <p:cNvPr id="13" name="TextBox 12">
             <a:extLst>
               <a:ext uri="{FF2B5EF4-FFF2-40B4-BE49-F238E27FC236}">
-                <a16:creationId xmlns="" xmlns:a16="http://schemas.microsoft.com/office/drawing/2014/main" id="{52176D31-35F7-8916-46FA-6095EFEC1E49}"/>
+                <a16:creationId xmlns:a16="http://schemas.microsoft.com/office/drawing/2014/main" id="{52176D31-35F7-8916-46FA-6095EFEC1E49}"/>
               </a:ext>
             </a:extLst>
           </p:cNvPr>
@@ -8891,7 +8874,7 @@
           <a:lstStyle/>
           <a:p>
             <a:r>
-              <a:rPr lang="en-US" altLang="ko-KR" sz="3200" smtClean="0">
+              <a:rPr lang="en-US" altLang="ko-KR" sz="3200">
                 <a:solidFill>
                   <a:schemeClr val="tx1">
                     <a:lumMod val="50000"/>
@@ -8921,7 +8904,7 @@
           <p:cNvPr id="14" name="그룹 1018">
             <a:extLst>
               <a:ext uri="{FF2B5EF4-FFF2-40B4-BE49-F238E27FC236}">
-                <a16:creationId xmlns="" xmlns:a16="http://schemas.microsoft.com/office/drawing/2014/main" id="{0804D430-F42E-AE32-A065-FFA8C471F092}"/>
+                <a16:creationId xmlns:a16="http://schemas.microsoft.com/office/drawing/2014/main" id="{0804D430-F42E-AE32-A065-FFA8C471F092}"/>
               </a:ext>
             </a:extLst>
           </p:cNvPr>
@@ -8941,7 +8924,7 @@
             <p:cNvPr id="15" name="Object 61">
               <a:extLst>
                 <a:ext uri="{FF2B5EF4-FFF2-40B4-BE49-F238E27FC236}">
-                  <a16:creationId xmlns="" xmlns:a16="http://schemas.microsoft.com/office/drawing/2014/main" id="{334A4C3A-641C-7CD9-8FEE-5EC92B28D640}"/>
+                  <a16:creationId xmlns:a16="http://schemas.microsoft.com/office/drawing/2014/main" id="{334A4C3A-641C-7CD9-8FEE-5EC92B28D640}"/>
                 </a:ext>
               </a:extLst>
             </p:cNvPr>
@@ -8972,7 +8955,7 @@
           <p:cNvPr id="16" name="TextBox 15">
             <a:extLst>
               <a:ext uri="{FF2B5EF4-FFF2-40B4-BE49-F238E27FC236}">
-                <a16:creationId xmlns="" xmlns:a16="http://schemas.microsoft.com/office/drawing/2014/main" id="{52176D31-35F7-8916-46FA-6095EFEC1E49}"/>
+                <a16:creationId xmlns:a16="http://schemas.microsoft.com/office/drawing/2014/main" id="{52176D31-35F7-8916-46FA-6095EFEC1E49}"/>
               </a:ext>
             </a:extLst>
           </p:cNvPr>
@@ -8996,7 +8979,7 @@
           <a:lstStyle/>
           <a:p>
             <a:r>
-              <a:rPr lang="en-US" altLang="ko-KR" sz="3200" smtClean="0">
+              <a:rPr lang="en-US" altLang="ko-KR" sz="3200">
                 <a:solidFill>
                   <a:schemeClr val="tx1">
                     <a:lumMod val="50000"/>
@@ -9026,7 +9009,7 @@
           <p:cNvPr id="17" name="그룹 1018">
             <a:extLst>
               <a:ext uri="{FF2B5EF4-FFF2-40B4-BE49-F238E27FC236}">
-                <a16:creationId xmlns="" xmlns:a16="http://schemas.microsoft.com/office/drawing/2014/main" id="{0804D430-F42E-AE32-A065-FFA8C471F092}"/>
+                <a16:creationId xmlns:a16="http://schemas.microsoft.com/office/drawing/2014/main" id="{0804D430-F42E-AE32-A065-FFA8C471F092}"/>
               </a:ext>
             </a:extLst>
           </p:cNvPr>
@@ -9046,7 +9029,7 @@
             <p:cNvPr id="18" name="Object 61">
               <a:extLst>
                 <a:ext uri="{FF2B5EF4-FFF2-40B4-BE49-F238E27FC236}">
-                  <a16:creationId xmlns="" xmlns:a16="http://schemas.microsoft.com/office/drawing/2014/main" id="{334A4C3A-641C-7CD9-8FEE-5EC92B28D640}"/>
+                  <a16:creationId xmlns:a16="http://schemas.microsoft.com/office/drawing/2014/main" id="{334A4C3A-641C-7CD9-8FEE-5EC92B28D640}"/>
                 </a:ext>
               </a:extLst>
             </p:cNvPr>
@@ -9077,7 +9060,7 @@
           <p:cNvPr id="19" name="TextBox 18">
             <a:extLst>
               <a:ext uri="{FF2B5EF4-FFF2-40B4-BE49-F238E27FC236}">
-                <a16:creationId xmlns="" xmlns:a16="http://schemas.microsoft.com/office/drawing/2014/main" id="{52176D31-35F7-8916-46FA-6095EFEC1E49}"/>
+                <a16:creationId xmlns:a16="http://schemas.microsoft.com/office/drawing/2014/main" id="{52176D31-35F7-8916-46FA-6095EFEC1E49}"/>
               </a:ext>
             </a:extLst>
           </p:cNvPr>
@@ -9101,7 +9084,7 @@
           <a:lstStyle/>
           <a:p>
             <a:r>
-              <a:rPr lang="en-US" altLang="ko-KR" sz="3200" smtClean="0">
+              <a:rPr lang="en-US" altLang="ko-KR" sz="3200">
                 <a:solidFill>
                   <a:schemeClr val="tx1">
                     <a:lumMod val="50000"/>
@@ -9131,7 +9114,7 @@
           <p:cNvPr id="20" name="직선 화살표 연결선 19">
             <a:extLst>
               <a:ext uri="{FF2B5EF4-FFF2-40B4-BE49-F238E27FC236}">
-                <a16:creationId xmlns="" xmlns:a16="http://schemas.microsoft.com/office/drawing/2014/main" id="{299DF5EC-9DF4-5255-06AC-0A7CE4FF58C3}"/>
+                <a16:creationId xmlns:a16="http://schemas.microsoft.com/office/drawing/2014/main" id="{299DF5EC-9DF4-5255-06AC-0A7CE4FF58C3}"/>
               </a:ext>
             </a:extLst>
           </p:cNvPr>
@@ -9173,7 +9156,7 @@
           <p:cNvPr id="21" name="TextBox 20">
             <a:extLst>
               <a:ext uri="{FF2B5EF4-FFF2-40B4-BE49-F238E27FC236}">
-                <a16:creationId xmlns="" xmlns:a16="http://schemas.microsoft.com/office/drawing/2014/main" id="{C6D113C6-EA5C-788F-0C77-E7CE6EBB865F}"/>
+                <a16:creationId xmlns:a16="http://schemas.microsoft.com/office/drawing/2014/main" id="{C6D113C6-EA5C-788F-0C77-E7CE6EBB865F}"/>
               </a:ext>
             </a:extLst>
           </p:cNvPr>
@@ -9197,7 +9180,7 @@
           <a:lstStyle/>
           <a:p>
             <a:r>
-              <a:rPr lang="ko-KR" altLang="en-US" sz="3600" smtClean="0">
+              <a:rPr lang="ko-KR" altLang="en-US" sz="3600">
                 <a:solidFill>
                   <a:srgbClr val="FF0000"/>
                 </a:solidFill>
@@ -9207,7 +9190,7 @@
               <a:t>중간 삭제시 뒤의 요소들을 앞으로 당기는 작업을 한다</a:t>
             </a:r>
             <a:r>
-              <a:rPr lang="en-US" altLang="ko-KR" sz="3600" smtClean="0">
+              <a:rPr lang="en-US" altLang="ko-KR" sz="3600">
                 <a:solidFill>
                   <a:srgbClr val="FF0000"/>
                 </a:solidFill>
@@ -9277,13 +9260,6 @@
   <p:clrMapOvr>
     <a:masterClrMapping/>
   </p:clrMapOvr>
-  <p:timing>
-    <p:tnLst>
-      <p:par>
-        <p:cTn id="1" dur="indefinite" restart="never" nodeType="tmRoot"/>
-      </p:par>
-    </p:tnLst>
-  </p:timing>
 </p:sld>
 </file>
 
@@ -9482,7 +9458,7 @@
           <p:cNvPr id="11" name="TextBox 10">
             <a:extLst>
               <a:ext uri="{FF2B5EF4-FFF2-40B4-BE49-F238E27FC236}">
-                <a16:creationId xmlns:a16="http://schemas.microsoft.com/office/drawing/2014/main" xmlns="" id="{9F88F580-08BE-88C2-D640-13F0026591CB}"/>
+                <a16:creationId xmlns:a16="http://schemas.microsoft.com/office/drawing/2014/main" id="{9F88F580-08BE-88C2-D640-13F0026591CB}"/>
               </a:ext>
             </a:extLst>
           </p:cNvPr>
@@ -9506,7 +9482,7 @@
           <a:lstStyle/>
           <a:p>
             <a:r>
-              <a:rPr lang="en-US" altLang="ko-KR" sz="7200" smtClean="0">
+              <a:rPr lang="en-US" altLang="ko-KR" sz="7200">
                 <a:solidFill>
                   <a:srgbClr val="4C50BC"/>
                 </a:solidFill>
@@ -9516,7 +9492,7 @@
               <a:t>Part14 </a:t>
             </a:r>
             <a:r>
-              <a:rPr lang="ko-KR" altLang="en-US" sz="7200" smtClean="0">
+              <a:rPr lang="ko-KR" altLang="en-US" sz="7200">
                 <a:solidFill>
                   <a:srgbClr val="4C50BC"/>
                 </a:solidFill>
@@ -9540,7 +9516,7 @@
           <p:cNvPr id="13" name="TextBox 12">
             <a:extLst>
               <a:ext uri="{FF2B5EF4-FFF2-40B4-BE49-F238E27FC236}">
-                <a16:creationId xmlns:a16="http://schemas.microsoft.com/office/drawing/2014/main" xmlns="" id="{72769C28-9BB6-DE9C-7B6F-264B77B8DD0E}"/>
+                <a16:creationId xmlns:a16="http://schemas.microsoft.com/office/drawing/2014/main" id="{72769C28-9BB6-DE9C-7B6F-264B77B8DD0E}"/>
               </a:ext>
             </a:extLst>
           </p:cNvPr>
@@ -9564,7 +9540,7 @@
           <a:lstStyle/>
           <a:p>
             <a:r>
-              <a:rPr lang="ko-KR" altLang="en-US" sz="3200" smtClean="0">
+              <a:rPr lang="ko-KR" altLang="en-US" sz="3200">
                 <a:solidFill>
                   <a:srgbClr val="4D4848"/>
                 </a:solidFill>
@@ -9588,7 +9564,7 @@
           <p:cNvPr id="14" name="TextBox 13">
             <a:extLst>
               <a:ext uri="{FF2B5EF4-FFF2-40B4-BE49-F238E27FC236}">
-                <a16:creationId xmlns:a16="http://schemas.microsoft.com/office/drawing/2014/main" xmlns="" id="{270FBB6A-01CE-5637-78DA-58F0C974145C}"/>
+                <a16:creationId xmlns:a16="http://schemas.microsoft.com/office/drawing/2014/main" id="{270FBB6A-01CE-5637-78DA-58F0C974145C}"/>
               </a:ext>
             </a:extLst>
           </p:cNvPr>
@@ -9612,7 +9588,7 @@
           <a:lstStyle/>
           <a:p>
             <a:r>
-              <a:rPr lang="ko-KR" altLang="en-US" sz="3200" smtClean="0">
+              <a:rPr lang="ko-KR" altLang="en-US" sz="3200">
                 <a:solidFill>
                   <a:srgbClr val="4D4848"/>
                 </a:solidFill>
@@ -9636,7 +9612,7 @@
           <p:cNvPr id="2" name="Object 17">
             <a:extLst>
               <a:ext uri="{FF2B5EF4-FFF2-40B4-BE49-F238E27FC236}">
-                <a16:creationId xmlns:a16="http://schemas.microsoft.com/office/drawing/2014/main" xmlns="" id="{140B283D-FE58-FA6F-6F7C-E0F1DBB62A65}"/>
+                <a16:creationId xmlns:a16="http://schemas.microsoft.com/office/drawing/2014/main" id="{140B283D-FE58-FA6F-6F7C-E0F1DBB62A65}"/>
               </a:ext>
             </a:extLst>
           </p:cNvPr>
@@ -9666,7 +9642,7 @@
           <p:cNvPr id="4" name="TextBox 3">
             <a:extLst>
               <a:ext uri="{FF2B5EF4-FFF2-40B4-BE49-F238E27FC236}">
-                <a16:creationId xmlns:a16="http://schemas.microsoft.com/office/drawing/2014/main" xmlns="" id="{2C8D0998-79BC-6FD2-59D9-8052B4A25F65}"/>
+                <a16:creationId xmlns:a16="http://schemas.microsoft.com/office/drawing/2014/main" id="{2C8D0998-79BC-6FD2-59D9-8052B4A25F65}"/>
               </a:ext>
             </a:extLst>
           </p:cNvPr>
@@ -9690,7 +9666,7 @@
           <a:lstStyle/>
           <a:p>
             <a:r>
-              <a:rPr lang="ko-KR" altLang="en-US" sz="3200" smtClean="0">
+              <a:rPr lang="ko-KR" altLang="en-US" sz="3200">
                 <a:solidFill>
                   <a:srgbClr val="4D4848"/>
                 </a:solidFill>
@@ -9714,7 +9690,7 @@
           <p:cNvPr id="5" name="Object 18">
             <a:extLst>
               <a:ext uri="{FF2B5EF4-FFF2-40B4-BE49-F238E27FC236}">
-                <a16:creationId xmlns:a16="http://schemas.microsoft.com/office/drawing/2014/main" xmlns="" id="{3F58EA3E-1018-64D3-FAB2-4F6B9618FA56}"/>
+                <a16:creationId xmlns:a16="http://schemas.microsoft.com/office/drawing/2014/main" id="{3F58EA3E-1018-64D3-FAB2-4F6B9618FA56}"/>
               </a:ext>
             </a:extLst>
           </p:cNvPr>
@@ -9744,7 +9720,7 @@
           <p:cNvPr id="8" name="TextBox 7">
             <a:extLst>
               <a:ext uri="{FF2B5EF4-FFF2-40B4-BE49-F238E27FC236}">
-                <a16:creationId xmlns:a16="http://schemas.microsoft.com/office/drawing/2014/main" xmlns="" id="{681D3F16-7DCF-41AD-F5F1-0558C78C0E4D}"/>
+                <a16:creationId xmlns:a16="http://schemas.microsoft.com/office/drawing/2014/main" id="{681D3F16-7DCF-41AD-F5F1-0558C78C0E4D}"/>
               </a:ext>
             </a:extLst>
           </p:cNvPr>
@@ -9792,13 +9768,6 @@
   <p:clrMapOvr>
     <a:masterClrMapping/>
   </p:clrMapOvr>
-  <p:timing>
-    <p:tnLst>
-      <p:par>
-        <p:cTn id="1" dur="indefinite" restart="never" nodeType="tmRoot"/>
-      </p:par>
-    </p:tnLst>
-  </p:timing>
 </p:sld>
 </file>
 
@@ -9848,7 +9817,7 @@
           <p:cNvPr id="5" name="직선 화살표 연결선 4">
             <a:extLst>
               <a:ext uri="{FF2B5EF4-FFF2-40B4-BE49-F238E27FC236}">
-                <a16:creationId xmlns="" xmlns:a16="http://schemas.microsoft.com/office/drawing/2014/main" id="{299DF5EC-9DF4-5255-06AC-0A7CE4FF58C3}"/>
+                <a16:creationId xmlns:a16="http://schemas.microsoft.com/office/drawing/2014/main" id="{299DF5EC-9DF4-5255-06AC-0A7CE4FF58C3}"/>
               </a:ext>
             </a:extLst>
           </p:cNvPr>
@@ -9889,7 +9858,7 @@
           <p:cNvPr id="6" name="TextBox 5">
             <a:extLst>
               <a:ext uri="{FF2B5EF4-FFF2-40B4-BE49-F238E27FC236}">
-                <a16:creationId xmlns="" xmlns:a16="http://schemas.microsoft.com/office/drawing/2014/main" id="{C6D113C6-EA5C-788F-0C77-E7CE6EBB865F}"/>
+                <a16:creationId xmlns:a16="http://schemas.microsoft.com/office/drawing/2014/main" id="{C6D113C6-EA5C-788F-0C77-E7CE6EBB865F}"/>
               </a:ext>
             </a:extLst>
           </p:cNvPr>
@@ -9913,7 +9882,7 @@
           <a:lstStyle/>
           <a:p>
             <a:r>
-              <a:rPr lang="ko-KR" altLang="en-US" sz="3600" smtClean="0">
+              <a:rPr lang="ko-KR" altLang="en-US" sz="3600">
                 <a:solidFill>
                   <a:srgbClr val="FF0000"/>
                 </a:solidFill>
@@ -9923,7 +9892,7 @@
               <a:t>이역시 </a:t>
             </a:r>
             <a:r>
-              <a:rPr lang="en-US" altLang="ko-KR" sz="3600" smtClean="0">
+              <a:rPr lang="en-US" altLang="ko-KR" sz="3600">
                 <a:solidFill>
                   <a:srgbClr val="FF0000"/>
                 </a:solidFill>
@@ -9933,7 +9902,7 @@
               <a:t>List </a:t>
             </a:r>
             <a:r>
-              <a:rPr lang="ko-KR" altLang="en-US" sz="3600" smtClean="0">
+              <a:rPr lang="ko-KR" altLang="en-US" sz="3600">
                 <a:solidFill>
                   <a:srgbClr val="FF0000"/>
                 </a:solidFill>
@@ -9942,7 +9911,7 @@
               </a:rPr>
               <a:t>인터페이스를 상속받아 구현한 클래스 이기에 </a:t>
             </a:r>
-            <a:endParaRPr lang="en-US" altLang="ko-KR" sz="3600" smtClean="0">
+            <a:endParaRPr lang="en-US" altLang="ko-KR" sz="3600">
               <a:solidFill>
                 <a:srgbClr val="FF0000"/>
               </a:solidFill>
@@ -9952,7 +9921,7 @@
           </a:p>
           <a:p>
             <a:r>
-              <a:rPr lang="en-US" altLang="ko-KR" sz="3600" smtClean="0">
+              <a:rPr lang="en-US" altLang="ko-KR" sz="3600">
                 <a:solidFill>
                   <a:srgbClr val="FF0000"/>
                 </a:solidFill>
@@ -9962,7 +9931,7 @@
               <a:t>ArrayList </a:t>
             </a:r>
             <a:r>
-              <a:rPr lang="ko-KR" altLang="en-US" sz="3600" smtClean="0">
+              <a:rPr lang="ko-KR" altLang="en-US" sz="3600">
                 <a:solidFill>
                   <a:srgbClr val="FF0000"/>
                 </a:solidFill>
@@ -9972,7 +9941,7 @@
               <a:t>와 사용법이 똑같다</a:t>
             </a:r>
             <a:r>
-              <a:rPr lang="en-US" altLang="ko-KR" sz="3600" smtClean="0">
+              <a:rPr lang="en-US" altLang="ko-KR" sz="3600">
                 <a:solidFill>
                   <a:srgbClr val="FF0000"/>
                 </a:solidFill>
@@ -9996,7 +9965,7 @@
           <p:cNvPr id="8" name="TextBox 7">
             <a:extLst>
               <a:ext uri="{FF2B5EF4-FFF2-40B4-BE49-F238E27FC236}">
-                <a16:creationId xmlns="" xmlns:a16="http://schemas.microsoft.com/office/drawing/2014/main" id="{C6D113C6-EA5C-788F-0C77-E7CE6EBB865F}"/>
+                <a16:creationId xmlns:a16="http://schemas.microsoft.com/office/drawing/2014/main" id="{C6D113C6-EA5C-788F-0C77-E7CE6EBB865F}"/>
               </a:ext>
             </a:extLst>
           </p:cNvPr>
@@ -10020,7 +9989,7 @@
           <a:lstStyle/>
           <a:p>
             <a:r>
-              <a:rPr lang="ko-KR" altLang="en-US" sz="3600" smtClean="0">
+              <a:rPr lang="ko-KR" altLang="en-US" sz="3600">
                 <a:solidFill>
                   <a:srgbClr val="FF0000"/>
                 </a:solidFill>
@@ -10030,7 +9999,7 @@
               <a:t>다형성을 습관화 하자</a:t>
             </a:r>
             <a:r>
-              <a:rPr lang="en-US" altLang="ko-KR" sz="3600" smtClean="0">
+              <a:rPr lang="en-US" altLang="ko-KR" sz="3600">
                 <a:solidFill>
                   <a:srgbClr val="FF0000"/>
                 </a:solidFill>
@@ -10059,13 +10028,6 @@
   <p:clrMapOvr>
     <a:masterClrMapping/>
   </p:clrMapOvr>
-  <p:timing>
-    <p:tnLst>
-      <p:par>
-        <p:cTn id="1" dur="indefinite" restart="never" nodeType="tmRoot"/>
-      </p:par>
-    </p:tnLst>
-  </p:timing>
 </p:sld>
 </file>
 
@@ -10091,7 +10053,7 @@
           <p:cNvPr id="4" name="TextBox 3">
             <a:extLst>
               <a:ext uri="{FF2B5EF4-FFF2-40B4-BE49-F238E27FC236}">
-                <a16:creationId xmlns:a16="http://schemas.microsoft.com/office/drawing/2014/main" xmlns="" id="{EE79C406-3461-D6A5-5346-D7C2FC38FCCD}"/>
+                <a16:creationId xmlns:a16="http://schemas.microsoft.com/office/drawing/2014/main" id="{EE79C406-3461-D6A5-5346-D7C2FC38FCCD}"/>
               </a:ext>
             </a:extLst>
           </p:cNvPr>
@@ -10115,7 +10077,7 @@
           <a:lstStyle/>
           <a:p>
             <a:r>
-              <a:rPr lang="en-US" altLang="ko-KR" sz="4800" smtClean="0">
+              <a:rPr lang="en-US" altLang="ko-KR" sz="4800">
                 <a:solidFill>
                   <a:srgbClr val="4C50BC"/>
                 </a:solidFill>
@@ -10592,7 +10554,7 @@
           <p:cNvPr id="29" name="TextBox 28">
             <a:extLst>
               <a:ext uri="{FF2B5EF4-FFF2-40B4-BE49-F238E27FC236}">
-                <a16:creationId xmlns="" xmlns:a16="http://schemas.microsoft.com/office/drawing/2014/main" id="{A2AD056B-97A4-5BCC-4460-250160F3E171}"/>
+                <a16:creationId xmlns:a16="http://schemas.microsoft.com/office/drawing/2014/main" id="{A2AD056B-97A4-5BCC-4460-250160F3E171}"/>
               </a:ext>
             </a:extLst>
           </p:cNvPr>
@@ -10616,7 +10578,7 @@
           <a:lstStyle/>
           <a:p>
             <a:r>
-              <a:rPr lang="ko-KR" altLang="en-US" sz="2400" smtClean="0">
+              <a:rPr lang="ko-KR" altLang="en-US" sz="2400">
                 <a:solidFill>
                   <a:schemeClr val="tx1">
                     <a:lumMod val="50000"/>
@@ -10628,7 +10590,7 @@
               </a:rPr>
               <a:t>연속된 공간을 할당하고 서로의 주소를 </a:t>
             </a:r>
-            <a:endParaRPr lang="en-US" altLang="ko-KR" sz="2400" smtClean="0">
+            <a:endParaRPr lang="en-US" altLang="ko-KR" sz="2400">
               <a:solidFill>
                 <a:schemeClr val="tx1">
                   <a:lumMod val="50000"/>
@@ -10641,7 +10603,7 @@
           </a:p>
           <a:p>
             <a:r>
-              <a:rPr lang="ko-KR" altLang="en-US" sz="2400" smtClean="0">
+              <a:rPr lang="ko-KR" altLang="en-US" sz="2400">
                 <a:solidFill>
                   <a:schemeClr val="tx1">
                     <a:lumMod val="50000"/>
@@ -10654,7 +10616,7 @@
               <a:t>보관할 변수를 사용하지 않아 메모리가 절약된다</a:t>
             </a:r>
             <a:r>
-              <a:rPr lang="en-US" altLang="ko-KR" sz="2400" smtClean="0">
+              <a:rPr lang="en-US" altLang="ko-KR" sz="2400">
                 <a:solidFill>
                   <a:schemeClr val="tx1">
                     <a:lumMod val="50000"/>
@@ -10674,7 +10636,7 @@
           <p:cNvPr id="30" name="TextBox 29">
             <a:extLst>
               <a:ext uri="{FF2B5EF4-FFF2-40B4-BE49-F238E27FC236}">
-                <a16:creationId xmlns="" xmlns:a16="http://schemas.microsoft.com/office/drawing/2014/main" id="{A2AD056B-97A4-5BCC-4460-250160F3E171}"/>
+                <a16:creationId xmlns:a16="http://schemas.microsoft.com/office/drawing/2014/main" id="{A2AD056B-97A4-5BCC-4460-250160F3E171}"/>
               </a:ext>
             </a:extLst>
           </p:cNvPr>
@@ -10698,7 +10660,7 @@
           <a:lstStyle/>
           <a:p>
             <a:r>
-              <a:rPr lang="ko-KR" altLang="en-US" sz="2400" smtClean="0">
+              <a:rPr lang="ko-KR" altLang="en-US" sz="2400">
                 <a:solidFill>
                   <a:schemeClr val="tx1">
                     <a:lumMod val="50000"/>
@@ -10711,7 +10673,7 @@
               <a:t>서로의 주소를 가지고 있어야 하기에 메모리를 상대적으로 많이 차지 않다</a:t>
             </a:r>
             <a:r>
-              <a:rPr lang="en-US" altLang="ko-KR" sz="2400" smtClean="0">
+              <a:rPr lang="en-US" altLang="ko-KR" sz="2400">
                 <a:solidFill>
                   <a:schemeClr val="tx1">
                     <a:lumMod val="50000"/>
@@ -10731,7 +10693,7 @@
           <p:cNvPr id="31" name="TextBox 30">
             <a:extLst>
               <a:ext uri="{FF2B5EF4-FFF2-40B4-BE49-F238E27FC236}">
-                <a16:creationId xmlns="" xmlns:a16="http://schemas.microsoft.com/office/drawing/2014/main" id="{A2AD056B-97A4-5BCC-4460-250160F3E171}"/>
+                <a16:creationId xmlns:a16="http://schemas.microsoft.com/office/drawing/2014/main" id="{A2AD056B-97A4-5BCC-4460-250160F3E171}"/>
               </a:ext>
             </a:extLst>
           </p:cNvPr>
@@ -10755,7 +10717,7 @@
           <a:lstStyle/>
           <a:p>
             <a:r>
-              <a:rPr lang="ko-KR" altLang="en-US" sz="2400" smtClean="0">
+              <a:rPr lang="ko-KR" altLang="en-US" sz="2400">
                 <a:solidFill>
                   <a:schemeClr val="tx1">
                     <a:lumMod val="50000"/>
@@ -10768,7 +10730,7 @@
               <a:t>요소의 가장뒤에 값이 추가</a:t>
             </a:r>
             <a:r>
-              <a:rPr lang="en-US" altLang="ko-KR" sz="2400" smtClean="0">
+              <a:rPr lang="en-US" altLang="ko-KR" sz="2400">
                 <a:solidFill>
                   <a:schemeClr val="tx1">
                     <a:lumMod val="50000"/>
@@ -10781,7 +10743,7 @@
               <a:t>,</a:t>
             </a:r>
             <a:r>
-              <a:rPr lang="ko-KR" altLang="en-US" sz="2400" smtClean="0">
+              <a:rPr lang="ko-KR" altLang="en-US" sz="2400">
                 <a:solidFill>
                   <a:schemeClr val="tx1">
                     <a:lumMod val="50000"/>
@@ -10794,7 +10756,7 @@
               <a:t>삭제  되는 경우에 빠르다</a:t>
             </a:r>
             <a:r>
-              <a:rPr lang="en-US" altLang="ko-KR" sz="2400" smtClean="0">
+              <a:rPr lang="en-US" altLang="ko-KR" sz="2400">
                 <a:solidFill>
                   <a:schemeClr val="tx1">
                     <a:lumMod val="50000"/>
@@ -10814,7 +10776,7 @@
           <p:cNvPr id="32" name="TextBox 31">
             <a:extLst>
               <a:ext uri="{FF2B5EF4-FFF2-40B4-BE49-F238E27FC236}">
-                <a16:creationId xmlns="" xmlns:a16="http://schemas.microsoft.com/office/drawing/2014/main" id="{A2AD056B-97A4-5BCC-4460-250160F3E171}"/>
+                <a16:creationId xmlns:a16="http://schemas.microsoft.com/office/drawing/2014/main" id="{A2AD056B-97A4-5BCC-4460-250160F3E171}"/>
               </a:ext>
             </a:extLst>
           </p:cNvPr>
@@ -10838,7 +10800,7 @@
           <a:lstStyle/>
           <a:p>
             <a:r>
-              <a:rPr lang="ko-KR" altLang="en-US" sz="2400" smtClean="0">
+              <a:rPr lang="ko-KR" altLang="en-US" sz="2400">
                 <a:solidFill>
                   <a:schemeClr val="tx1">
                     <a:lumMod val="50000"/>
@@ -10851,7 +10813,7 @@
               <a:t>요소의 중간에 추가</a:t>
             </a:r>
             <a:r>
-              <a:rPr lang="en-US" altLang="ko-KR" sz="2400" smtClean="0">
+              <a:rPr lang="en-US" altLang="ko-KR" sz="2400">
                 <a:solidFill>
                   <a:schemeClr val="tx1">
                     <a:lumMod val="50000"/>
@@ -10864,7 +10826,7 @@
               <a:t>, </a:t>
             </a:r>
             <a:r>
-              <a:rPr lang="ko-KR" altLang="en-US" sz="2400" smtClean="0">
+              <a:rPr lang="ko-KR" altLang="en-US" sz="2400">
                 <a:solidFill>
                   <a:schemeClr val="tx1">
                     <a:lumMod val="50000"/>
@@ -10877,7 +10839,7 @@
               <a:t>삭제시 빠르다</a:t>
             </a:r>
             <a:r>
-              <a:rPr lang="en-US" altLang="ko-KR" sz="2400" smtClean="0">
+              <a:rPr lang="en-US" altLang="ko-KR" sz="2400">
                 <a:solidFill>
                   <a:schemeClr val="tx1">
                     <a:lumMod val="50000"/>
@@ -10897,7 +10859,7 @@
           <p:cNvPr id="33" name="TextBox 32">
             <a:extLst>
               <a:ext uri="{FF2B5EF4-FFF2-40B4-BE49-F238E27FC236}">
-                <a16:creationId xmlns="" xmlns:a16="http://schemas.microsoft.com/office/drawing/2014/main" id="{A2AD056B-97A4-5BCC-4460-250160F3E171}"/>
+                <a16:creationId xmlns:a16="http://schemas.microsoft.com/office/drawing/2014/main" id="{A2AD056B-97A4-5BCC-4460-250160F3E171}"/>
               </a:ext>
             </a:extLst>
           </p:cNvPr>
@@ -10921,7 +10883,7 @@
           <a:lstStyle/>
           <a:p>
             <a:r>
-              <a:rPr lang="ko-KR" altLang="en-US" sz="2400" smtClean="0">
+              <a:rPr lang="ko-KR" altLang="en-US" sz="2400">
                 <a:solidFill>
                   <a:schemeClr val="tx1">
                     <a:lumMod val="50000"/>
@@ -10934,7 +10896,7 @@
               <a:t>요소의 접근시간이 빠르다</a:t>
             </a:r>
             <a:r>
-              <a:rPr lang="en-US" altLang="ko-KR" sz="2400" smtClean="0">
+              <a:rPr lang="en-US" altLang="ko-KR" sz="2400">
                 <a:solidFill>
                   <a:schemeClr val="tx1">
                     <a:lumMod val="50000"/>
@@ -10954,7 +10916,7 @@
           <p:cNvPr id="34" name="TextBox 33">
             <a:extLst>
               <a:ext uri="{FF2B5EF4-FFF2-40B4-BE49-F238E27FC236}">
-                <a16:creationId xmlns="" xmlns:a16="http://schemas.microsoft.com/office/drawing/2014/main" id="{A2AD056B-97A4-5BCC-4460-250160F3E171}"/>
+                <a16:creationId xmlns:a16="http://schemas.microsoft.com/office/drawing/2014/main" id="{A2AD056B-97A4-5BCC-4460-250160F3E171}"/>
               </a:ext>
             </a:extLst>
           </p:cNvPr>
@@ -10978,7 +10940,7 @@
           <a:lstStyle/>
           <a:p>
             <a:r>
-              <a:rPr lang="ko-KR" altLang="en-US" sz="2400" smtClean="0">
+              <a:rPr lang="ko-KR" altLang="en-US" sz="2400">
                 <a:solidFill>
                   <a:schemeClr val="tx1">
                     <a:lumMod val="50000"/>
@@ -10991,7 +10953,7 @@
               <a:t>요소의 접근시간이 느리다</a:t>
             </a:r>
             <a:r>
-              <a:rPr lang="en-US" altLang="ko-KR" sz="2400" smtClean="0">
+              <a:rPr lang="en-US" altLang="ko-KR" sz="2400">
                 <a:solidFill>
                   <a:schemeClr val="tx1">
                     <a:lumMod val="50000"/>
@@ -11016,13 +10978,6 @@
   <p:clrMapOvr>
     <a:masterClrMapping/>
   </p:clrMapOvr>
-  <p:timing>
-    <p:tnLst>
-      <p:par>
-        <p:cTn id="1" dur="indefinite" restart="never" nodeType="tmRoot"/>
-      </p:par>
-    </p:tnLst>
-  </p:timing>
 </p:sld>
 </file>
 
@@ -11048,7 +11003,7 @@
           <p:cNvPr id="4" name="TextBox 3">
             <a:extLst>
               <a:ext uri="{FF2B5EF4-FFF2-40B4-BE49-F238E27FC236}">
-                <a16:creationId xmlns:a16="http://schemas.microsoft.com/office/drawing/2014/main" xmlns="" id="{EE79C406-3461-D6A5-5346-D7C2FC38FCCD}"/>
+                <a16:creationId xmlns:a16="http://schemas.microsoft.com/office/drawing/2014/main" id="{EE79C406-3461-D6A5-5346-D7C2FC38FCCD}"/>
               </a:ext>
             </a:extLst>
           </p:cNvPr>
@@ -11072,7 +11027,7 @@
           <a:lstStyle/>
           <a:p>
             <a:r>
-              <a:rPr lang="en-US" altLang="ko-KR" sz="4800" smtClean="0">
+              <a:rPr lang="en-US" altLang="ko-KR" sz="4800">
                 <a:solidFill>
                   <a:srgbClr val="4C50BC"/>
                 </a:solidFill>
@@ -11137,7 +11092,7 @@
           <p:cNvPr id="6" name="TextBox 5">
             <a:extLst>
               <a:ext uri="{FF2B5EF4-FFF2-40B4-BE49-F238E27FC236}">
-                <a16:creationId xmlns="" xmlns:a16="http://schemas.microsoft.com/office/drawing/2014/main" id="{A2AD056B-97A4-5BCC-4460-250160F3E171}"/>
+                <a16:creationId xmlns:a16="http://schemas.microsoft.com/office/drawing/2014/main" id="{A2AD056B-97A4-5BCC-4460-250160F3E171}"/>
               </a:ext>
             </a:extLst>
           </p:cNvPr>
@@ -11161,7 +11116,7 @@
           <a:lstStyle/>
           <a:p>
             <a:r>
-              <a:rPr lang="ko-KR" altLang="en-US" sz="4000" smtClean="0">
+              <a:rPr lang="ko-KR" altLang="en-US" sz="4000">
                 <a:solidFill>
                   <a:schemeClr val="tx1">
                     <a:lumMod val="50000"/>
@@ -11174,7 +11129,7 @@
               <a:t>후입선출</a:t>
             </a:r>
             <a:r>
-              <a:rPr lang="en-US" altLang="ko-KR" sz="4000" smtClean="0">
+              <a:rPr lang="en-US" altLang="ko-KR" sz="4000">
                 <a:solidFill>
                   <a:schemeClr val="tx1">
                     <a:lumMod val="50000"/>
@@ -11187,7 +11142,7 @@
               <a:t>(</a:t>
             </a:r>
             <a:r>
-              <a:rPr lang="ko-KR" altLang="en-US" sz="4000" smtClean="0">
+              <a:rPr lang="ko-KR" altLang="en-US" sz="4000">
                 <a:solidFill>
                   <a:schemeClr val="tx1">
                     <a:lumMod val="50000"/>
@@ -11200,7 +11155,7 @@
               <a:t>나중에 들어간것이 먼저 나온다</a:t>
             </a:r>
             <a:r>
-              <a:rPr lang="en-US" altLang="ko-KR" sz="4000" smtClean="0">
+              <a:rPr lang="en-US" altLang="ko-KR" sz="4000">
                 <a:solidFill>
                   <a:schemeClr val="tx1">
                     <a:lumMod val="50000"/>
@@ -11213,7 +11168,7 @@
               <a:t>.) </a:t>
             </a:r>
             <a:r>
-              <a:rPr lang="ko-KR" altLang="en-US" sz="4000" smtClean="0">
+              <a:rPr lang="ko-KR" altLang="en-US" sz="4000">
                 <a:solidFill>
                   <a:schemeClr val="tx1">
                     <a:lumMod val="50000"/>
@@ -11225,7 +11180,7 @@
               </a:rPr>
               <a:t>방식의 자료구조</a:t>
             </a:r>
-            <a:endParaRPr lang="en-US" altLang="ko-KR" sz="4000" smtClean="0">
+            <a:endParaRPr lang="en-US" altLang="ko-KR" sz="4000">
               <a:solidFill>
                 <a:schemeClr val="tx1">
                   <a:lumMod val="50000"/>
@@ -11248,13 +11203,6 @@
   <p:clrMapOvr>
     <a:masterClrMapping/>
   </p:clrMapOvr>
-  <p:timing>
-    <p:tnLst>
-      <p:par>
-        <p:cTn id="1" dur="indefinite" restart="never" nodeType="tmRoot"/>
-      </p:par>
-    </p:tnLst>
-  </p:timing>
 </p:sld>
 </file>
 
@@ -11309,13 +11257,6 @@
   <p:clrMapOvr>
     <a:masterClrMapping/>
   </p:clrMapOvr>
-  <p:timing>
-    <p:tnLst>
-      <p:par>
-        <p:cTn id="1" dur="indefinite" restart="never" nodeType="tmRoot"/>
-      </p:par>
-    </p:tnLst>
-  </p:timing>
 </p:sld>
 </file>
 
@@ -11341,7 +11282,7 @@
           <p:cNvPr id="4" name="TextBox 3">
             <a:extLst>
               <a:ext uri="{FF2B5EF4-FFF2-40B4-BE49-F238E27FC236}">
-                <a16:creationId xmlns:a16="http://schemas.microsoft.com/office/drawing/2014/main" xmlns="" id="{EE79C406-3461-D6A5-5346-D7C2FC38FCCD}"/>
+                <a16:creationId xmlns:a16="http://schemas.microsoft.com/office/drawing/2014/main" id="{EE79C406-3461-D6A5-5346-D7C2FC38FCCD}"/>
               </a:ext>
             </a:extLst>
           </p:cNvPr>
@@ -11365,7 +11306,7 @@
           <a:lstStyle/>
           <a:p>
             <a:r>
-              <a:rPr lang="en-US" altLang="ko-KR" sz="4800" smtClean="0">
+              <a:rPr lang="en-US" altLang="ko-KR" sz="4800">
                 <a:solidFill>
                   <a:srgbClr val="4C50BC"/>
                 </a:solidFill>
@@ -11389,7 +11330,7 @@
           <p:cNvPr id="5" name="TextBox 4">
             <a:extLst>
               <a:ext uri="{FF2B5EF4-FFF2-40B4-BE49-F238E27FC236}">
-                <a16:creationId xmlns="" xmlns:a16="http://schemas.microsoft.com/office/drawing/2014/main" id="{A2AD056B-97A4-5BCC-4460-250160F3E171}"/>
+                <a16:creationId xmlns:a16="http://schemas.microsoft.com/office/drawing/2014/main" id="{A2AD056B-97A4-5BCC-4460-250160F3E171}"/>
               </a:ext>
             </a:extLst>
           </p:cNvPr>
@@ -11413,7 +11354,7 @@
           <a:lstStyle/>
           <a:p>
             <a:r>
-              <a:rPr lang="ko-KR" altLang="en-US" sz="4000" smtClean="0">
+              <a:rPr lang="ko-KR" altLang="en-US" sz="4000">
                 <a:solidFill>
                   <a:schemeClr val="tx1">
                     <a:lumMod val="50000"/>
@@ -11426,7 +11367,7 @@
               <a:t>선입선출</a:t>
             </a:r>
             <a:r>
-              <a:rPr lang="en-US" altLang="ko-KR" sz="4000" smtClean="0">
+              <a:rPr lang="en-US" altLang="ko-KR" sz="4000">
                 <a:solidFill>
                   <a:schemeClr val="tx1">
                     <a:lumMod val="50000"/>
@@ -11439,7 +11380,7 @@
               <a:t>(</a:t>
             </a:r>
             <a:r>
-              <a:rPr lang="ko-KR" altLang="en-US" sz="4000" smtClean="0">
+              <a:rPr lang="ko-KR" altLang="en-US" sz="4000">
                 <a:solidFill>
                   <a:schemeClr val="tx1">
                     <a:lumMod val="50000"/>
@@ -11452,7 +11393,7 @@
               <a:t>먼저들어간것이 먼저 나온다</a:t>
             </a:r>
             <a:r>
-              <a:rPr lang="en-US" altLang="ko-KR" sz="4000" smtClean="0">
+              <a:rPr lang="en-US" altLang="ko-KR" sz="4000">
                 <a:solidFill>
                   <a:schemeClr val="tx1">
                     <a:lumMod val="50000"/>
@@ -11465,7 +11406,7 @@
               <a:t>) </a:t>
             </a:r>
             <a:r>
-              <a:rPr lang="ko-KR" altLang="en-US" sz="4000" smtClean="0">
+              <a:rPr lang="ko-KR" altLang="en-US" sz="4000">
                 <a:solidFill>
                   <a:schemeClr val="tx1">
                     <a:lumMod val="50000"/>
@@ -11477,7 +11418,7 @@
               </a:rPr>
               <a:t>방식의 자료구조</a:t>
             </a:r>
-            <a:endParaRPr lang="en-US" altLang="ko-KR" sz="4000" smtClean="0">
+            <a:endParaRPr lang="en-US" altLang="ko-KR" sz="4000">
               <a:solidFill>
                 <a:schemeClr val="tx1">
                   <a:lumMod val="50000"/>
@@ -11541,13 +11482,6 @@
   <p:clrMapOvr>
     <a:masterClrMapping/>
   </p:clrMapOvr>
-  <p:timing>
-    <p:tnLst>
-      <p:par>
-        <p:cTn id="1" dur="indefinite" restart="never" nodeType="tmRoot"/>
-      </p:par>
-    </p:tnLst>
-  </p:timing>
 </p:sld>
 </file>
 
@@ -11626,13 +11560,6 @@
   <p:clrMapOvr>
     <a:masterClrMapping/>
   </p:clrMapOvr>
-  <p:timing>
-    <p:tnLst>
-      <p:par>
-        <p:cTn id="1" dur="indefinite" restart="never" nodeType="tmRoot"/>
-      </p:par>
-    </p:tnLst>
-  </p:timing>
 </p:sld>
 </file>
 
@@ -11658,7 +11585,7 @@
           <p:cNvPr id="4" name="TextBox 3">
             <a:extLst>
               <a:ext uri="{FF2B5EF4-FFF2-40B4-BE49-F238E27FC236}">
-                <a16:creationId xmlns:a16="http://schemas.microsoft.com/office/drawing/2014/main" xmlns="" id="{EE79C406-3461-D6A5-5346-D7C2FC38FCCD}"/>
+                <a16:creationId xmlns:a16="http://schemas.microsoft.com/office/drawing/2014/main" id="{EE79C406-3461-D6A5-5346-D7C2FC38FCCD}"/>
               </a:ext>
             </a:extLst>
           </p:cNvPr>
@@ -11682,7 +11609,7 @@
           <a:lstStyle/>
           <a:p>
             <a:r>
-              <a:rPr lang="en-US" altLang="ko-KR" sz="4800" smtClean="0">
+              <a:rPr lang="en-US" altLang="ko-KR" sz="4800">
                 <a:solidFill>
                   <a:srgbClr val="4C50BC"/>
                 </a:solidFill>
@@ -11706,7 +11633,7 @@
           <p:cNvPr id="5" name="TextBox 4">
             <a:extLst>
               <a:ext uri="{FF2B5EF4-FFF2-40B4-BE49-F238E27FC236}">
-                <a16:creationId xmlns="" xmlns:a16="http://schemas.microsoft.com/office/drawing/2014/main" id="{A2AD056B-97A4-5BCC-4460-250160F3E171}"/>
+                <a16:creationId xmlns:a16="http://schemas.microsoft.com/office/drawing/2014/main" id="{A2AD056B-97A4-5BCC-4460-250160F3E171}"/>
               </a:ext>
             </a:extLst>
           </p:cNvPr>
@@ -11730,7 +11657,7 @@
           <a:lstStyle/>
           <a:p>
             <a:r>
-              <a:rPr lang="ko-KR" altLang="en-US" sz="4000" smtClean="0">
+              <a:rPr lang="ko-KR" altLang="en-US" sz="4000">
                 <a:solidFill>
                   <a:schemeClr val="tx1">
                     <a:lumMod val="50000"/>
@@ -11743,7 +11670,7 @@
               <a:t>뒤에 들어간 요소에서 지속적으로 추가 삭제가 일어난다</a:t>
             </a:r>
             <a:r>
-              <a:rPr lang="en-US" altLang="ko-KR" sz="4000" smtClean="0">
+              <a:rPr lang="en-US" altLang="ko-KR" sz="4000">
                 <a:solidFill>
                   <a:schemeClr val="tx1">
                     <a:lumMod val="50000"/>
@@ -11763,7 +11690,7 @@
           <p:cNvPr id="6" name="TextBox 5">
             <a:extLst>
               <a:ext uri="{FF2B5EF4-FFF2-40B4-BE49-F238E27FC236}">
-                <a16:creationId xmlns="" xmlns:a16="http://schemas.microsoft.com/office/drawing/2014/main" id="{A2AD056B-97A4-5BCC-4460-250160F3E171}"/>
+                <a16:creationId xmlns:a16="http://schemas.microsoft.com/office/drawing/2014/main" id="{A2AD056B-97A4-5BCC-4460-250160F3E171}"/>
               </a:ext>
             </a:extLst>
           </p:cNvPr>
@@ -11787,7 +11714,7 @@
           <a:lstStyle/>
           <a:p>
             <a:r>
-              <a:rPr lang="en-US" altLang="ko-KR" sz="4000" smtClean="0">
+              <a:rPr lang="en-US" altLang="ko-KR" sz="4000">
                 <a:solidFill>
                   <a:schemeClr val="tx1">
                     <a:lumMod val="50000"/>
@@ -11800,7 +11727,7 @@
               <a:t>ArrayList</a:t>
             </a:r>
             <a:r>
-              <a:rPr lang="ko-KR" altLang="en-US" sz="4000" smtClean="0">
+              <a:rPr lang="ko-KR" altLang="en-US" sz="4000">
                 <a:solidFill>
                   <a:schemeClr val="tx1">
                     <a:lumMod val="50000"/>
@@ -11813,7 +11740,7 @@
               <a:t>로 구현하는것이 적합하다</a:t>
             </a:r>
             <a:r>
-              <a:rPr lang="en-US" altLang="ko-KR" sz="4000" smtClean="0">
+              <a:rPr lang="en-US" altLang="ko-KR" sz="4000">
                 <a:solidFill>
                   <a:schemeClr val="tx1">
                     <a:lumMod val="50000"/>
@@ -11833,7 +11760,7 @@
           <p:cNvPr id="7" name="TextBox 6">
             <a:extLst>
               <a:ext uri="{FF2B5EF4-FFF2-40B4-BE49-F238E27FC236}">
-                <a16:creationId xmlns:a16="http://schemas.microsoft.com/office/drawing/2014/main" xmlns="" id="{EE79C406-3461-D6A5-5346-D7C2FC38FCCD}"/>
+                <a16:creationId xmlns:a16="http://schemas.microsoft.com/office/drawing/2014/main" id="{EE79C406-3461-D6A5-5346-D7C2FC38FCCD}"/>
               </a:ext>
             </a:extLst>
           </p:cNvPr>
@@ -11857,7 +11784,7 @@
           <a:lstStyle/>
           <a:p>
             <a:r>
-              <a:rPr lang="en-US" altLang="ko-KR" sz="4800" smtClean="0">
+              <a:rPr lang="en-US" altLang="ko-KR" sz="4800">
                 <a:solidFill>
                   <a:srgbClr val="4C50BC"/>
                 </a:solidFill>
@@ -11881,7 +11808,7 @@
           <p:cNvPr id="8" name="TextBox 7">
             <a:extLst>
               <a:ext uri="{FF2B5EF4-FFF2-40B4-BE49-F238E27FC236}">
-                <a16:creationId xmlns="" xmlns:a16="http://schemas.microsoft.com/office/drawing/2014/main" id="{A2AD056B-97A4-5BCC-4460-250160F3E171}"/>
+                <a16:creationId xmlns:a16="http://schemas.microsoft.com/office/drawing/2014/main" id="{A2AD056B-97A4-5BCC-4460-250160F3E171}"/>
               </a:ext>
             </a:extLst>
           </p:cNvPr>
@@ -11905,7 +11832,7 @@
           <a:lstStyle/>
           <a:p>
             <a:r>
-              <a:rPr lang="ko-KR" altLang="en-US" sz="4000" smtClean="0">
+              <a:rPr lang="ko-KR" altLang="en-US" sz="4000">
                 <a:solidFill>
                   <a:schemeClr val="tx1">
                     <a:lumMod val="50000"/>
@@ -11918,7 +11845,7 @@
               <a:t>먼저들어간것이 먼저 삭제된다</a:t>
             </a:r>
             <a:r>
-              <a:rPr lang="en-US" altLang="ko-KR" sz="4000" smtClean="0">
+              <a:rPr lang="en-US" altLang="ko-KR" sz="4000">
                 <a:solidFill>
                   <a:schemeClr val="tx1">
                     <a:lumMod val="50000"/>
@@ -11931,7 +11858,7 @@
               <a:t>. ArrayList</a:t>
             </a:r>
             <a:r>
-              <a:rPr lang="ko-KR" altLang="en-US" sz="4000" smtClean="0">
+              <a:rPr lang="ko-KR" altLang="en-US" sz="4000">
                 <a:solidFill>
                   <a:schemeClr val="tx1">
                     <a:lumMod val="50000"/>
@@ -11944,7 +11871,7 @@
               <a:t>로 만들면 뒤에 있는 요소들이 전부 이동해야 한다</a:t>
             </a:r>
             <a:r>
-              <a:rPr lang="en-US" altLang="ko-KR" sz="4000" smtClean="0">
+              <a:rPr lang="en-US" altLang="ko-KR" sz="4000">
                 <a:solidFill>
                   <a:schemeClr val="tx1">
                     <a:lumMod val="50000"/>
@@ -11959,7 +11886,7 @@
           </a:p>
           <a:p>
             <a:r>
-              <a:rPr lang="en-US" altLang="ko-KR" sz="4000" smtClean="0">
+              <a:rPr lang="en-US" altLang="ko-KR" sz="4000">
                 <a:solidFill>
                   <a:schemeClr val="tx1">
                     <a:lumMod val="50000"/>
@@ -11972,7 +11899,7 @@
               <a:t>LinkedList</a:t>
             </a:r>
             <a:r>
-              <a:rPr lang="ko-KR" altLang="en-US" sz="4000" smtClean="0">
+              <a:rPr lang="ko-KR" altLang="en-US" sz="4000">
                 <a:solidFill>
                   <a:schemeClr val="tx1">
                     <a:lumMod val="50000"/>
@@ -11985,7 +11912,7 @@
               <a:t>로 구현하는것이 적합하다</a:t>
             </a:r>
             <a:r>
-              <a:rPr lang="en-US" altLang="ko-KR" sz="4000" smtClean="0">
+              <a:rPr lang="en-US" altLang="ko-KR" sz="4000">
                 <a:solidFill>
                   <a:schemeClr val="tx1">
                     <a:lumMod val="50000"/>
@@ -12010,13 +11937,6 @@
   <p:clrMapOvr>
     <a:masterClrMapping/>
   </p:clrMapOvr>
-  <p:timing>
-    <p:tnLst>
-      <p:par>
-        <p:cTn id="1" dur="indefinite" restart="never" nodeType="tmRoot"/>
-      </p:par>
-    </p:tnLst>
-  </p:timing>
 </p:sld>
 </file>
 
@@ -12042,7 +11962,7 @@
           <p:cNvPr id="4" name="TextBox 3">
             <a:extLst>
               <a:ext uri="{FF2B5EF4-FFF2-40B4-BE49-F238E27FC236}">
-                <a16:creationId xmlns:a16="http://schemas.microsoft.com/office/drawing/2014/main" xmlns="" id="{EE79C406-3461-D6A5-5346-D7C2FC38FCCD}"/>
+                <a16:creationId xmlns:a16="http://schemas.microsoft.com/office/drawing/2014/main" id="{EE79C406-3461-D6A5-5346-D7C2FC38FCCD}"/>
               </a:ext>
             </a:extLst>
           </p:cNvPr>
@@ -12066,7 +11986,7 @@
           <a:lstStyle/>
           <a:p>
             <a:r>
-              <a:rPr lang="en-US" altLang="ko-KR" sz="4800" smtClean="0">
+              <a:rPr lang="en-US" altLang="ko-KR" sz="4800">
                 <a:solidFill>
                   <a:srgbClr val="4C50BC"/>
                 </a:solidFill>
@@ -12090,7 +12010,7 @@
           <p:cNvPr id="5" name="TextBox 4">
             <a:extLst>
               <a:ext uri="{FF2B5EF4-FFF2-40B4-BE49-F238E27FC236}">
-                <a16:creationId xmlns="" xmlns:a16="http://schemas.microsoft.com/office/drawing/2014/main" id="{A2AD056B-97A4-5BCC-4460-250160F3E171}"/>
+                <a16:creationId xmlns:a16="http://schemas.microsoft.com/office/drawing/2014/main" id="{A2AD056B-97A4-5BCC-4460-250160F3E171}"/>
               </a:ext>
             </a:extLst>
           </p:cNvPr>
@@ -12114,7 +12034,7 @@
           <a:lstStyle/>
           <a:p>
             <a:r>
-              <a:rPr lang="en-US" altLang="ko-KR" sz="4000" smtClean="0">
+              <a:rPr lang="en-US" altLang="ko-KR" sz="4000">
                 <a:solidFill>
                   <a:schemeClr val="tx1">
                     <a:lumMod val="50000"/>
@@ -12127,7 +12047,7 @@
               <a:t>Set</a:t>
             </a:r>
             <a:r>
-              <a:rPr lang="ko-KR" altLang="en-US" sz="4000" smtClean="0">
+              <a:rPr lang="ko-KR" altLang="en-US" sz="4000">
                 <a:solidFill>
                   <a:schemeClr val="tx1">
                     <a:lumMod val="50000"/>
@@ -12140,7 +12060,7 @@
               <a:t>인터페이스를 구현하고 요소들의 값이 </a:t>
             </a:r>
             <a:r>
-              <a:rPr lang="ko-KR" altLang="en-US" sz="4000" smtClean="0">
+              <a:rPr lang="ko-KR" altLang="en-US" sz="4000">
                 <a:solidFill>
                   <a:srgbClr val="FF0000"/>
                 </a:solidFill>
@@ -12150,7 +12070,7 @@
               <a:t>중복되지 않는다</a:t>
             </a:r>
             <a:r>
-              <a:rPr lang="en-US" altLang="ko-KR" sz="4000" smtClean="0">
+              <a:rPr lang="en-US" altLang="ko-KR" sz="4000">
                 <a:solidFill>
                   <a:srgbClr val="FF0000"/>
                 </a:solidFill>
@@ -12220,13 +12140,6 @@
   <p:clrMapOvr>
     <a:masterClrMapping/>
   </p:clrMapOvr>
-  <p:timing>
-    <p:tnLst>
-      <p:par>
-        <p:cTn id="1" dur="indefinite" restart="never" nodeType="tmRoot"/>
-      </p:par>
-    </p:tnLst>
-  </p:timing>
 </p:sld>
 </file>
 
@@ -12300,7 +12213,7 @@
           <p:cNvPr id="11" name="TextBox 10">
             <a:extLst>
               <a:ext uri="{FF2B5EF4-FFF2-40B4-BE49-F238E27FC236}">
-                <a16:creationId xmlns="" xmlns:a16="http://schemas.microsoft.com/office/drawing/2014/main" id="{C6D113C6-EA5C-788F-0C77-E7CE6EBB865F}"/>
+                <a16:creationId xmlns:a16="http://schemas.microsoft.com/office/drawing/2014/main" id="{C6D113C6-EA5C-788F-0C77-E7CE6EBB865F}"/>
               </a:ext>
             </a:extLst>
           </p:cNvPr>
@@ -12324,7 +12237,7 @@
           <a:lstStyle/>
           <a:p>
             <a:r>
-              <a:rPr lang="en-US" altLang="ko-KR" sz="3600" smtClean="0">
+              <a:rPr lang="en-US" altLang="ko-KR" sz="3600">
                 <a:solidFill>
                   <a:srgbClr val="FF0000"/>
                 </a:solidFill>
@@ -12334,7 +12247,7 @@
               <a:t>1~100 </a:t>
             </a:r>
             <a:r>
-              <a:rPr lang="ko-KR" altLang="en-US" sz="3600" smtClean="0">
+              <a:rPr lang="ko-KR" altLang="en-US" sz="3600">
                 <a:solidFill>
                   <a:srgbClr val="FF0000"/>
                 </a:solidFill>
@@ -12344,7 +12257,7 @@
               <a:t>사이의 랜덤한 숫자를 중복되지 않게 </a:t>
             </a:r>
             <a:r>
-              <a:rPr lang="en-US" altLang="ko-KR" sz="3600" smtClean="0">
+              <a:rPr lang="en-US" altLang="ko-KR" sz="3600">
                 <a:solidFill>
                   <a:srgbClr val="FF0000"/>
                 </a:solidFill>
@@ -12354,7 +12267,7 @@
               <a:t>25</a:t>
             </a:r>
             <a:r>
-              <a:rPr lang="ko-KR" altLang="en-US" sz="3600" smtClean="0">
+              <a:rPr lang="ko-KR" altLang="en-US" sz="3600">
                 <a:solidFill>
                   <a:srgbClr val="FF0000"/>
                 </a:solidFill>
@@ -12364,7 +12277,7 @@
               <a:t>개를 뽑는다</a:t>
             </a:r>
             <a:r>
-              <a:rPr lang="en-US" altLang="ko-KR" sz="3600" smtClean="0">
+              <a:rPr lang="en-US" altLang="ko-KR" sz="3600">
                 <a:solidFill>
                   <a:srgbClr val="FF0000"/>
                 </a:solidFill>
@@ -12393,13 +12306,6 @@
   <p:clrMapOvr>
     <a:masterClrMapping/>
   </p:clrMapOvr>
-  <p:timing>
-    <p:tnLst>
-      <p:par>
-        <p:cTn id="1" dur="indefinite" restart="never" nodeType="tmRoot"/>
-      </p:par>
-    </p:tnLst>
-  </p:timing>
 </p:sld>
 </file>
 
@@ -12425,7 +12331,7 @@
           <p:cNvPr id="4" name="TextBox 3">
             <a:extLst>
               <a:ext uri="{FF2B5EF4-FFF2-40B4-BE49-F238E27FC236}">
-                <a16:creationId xmlns:a16="http://schemas.microsoft.com/office/drawing/2014/main" xmlns="" id="{EE79C406-3461-D6A5-5346-D7C2FC38FCCD}"/>
+                <a16:creationId xmlns:a16="http://schemas.microsoft.com/office/drawing/2014/main" id="{EE79C406-3461-D6A5-5346-D7C2FC38FCCD}"/>
               </a:ext>
             </a:extLst>
           </p:cNvPr>
@@ -12449,7 +12355,7 @@
           <a:lstStyle/>
           <a:p>
             <a:r>
-              <a:rPr lang="en-US" altLang="ko-KR" sz="4800" smtClean="0">
+              <a:rPr lang="en-US" altLang="ko-KR" sz="4800">
                 <a:solidFill>
                   <a:srgbClr val="4C50BC"/>
                 </a:solidFill>
@@ -12473,7 +12379,7 @@
           <p:cNvPr id="5" name="TextBox 4">
             <a:extLst>
               <a:ext uri="{FF2B5EF4-FFF2-40B4-BE49-F238E27FC236}">
-                <a16:creationId xmlns="" xmlns:a16="http://schemas.microsoft.com/office/drawing/2014/main" id="{A2AD056B-97A4-5BCC-4460-250160F3E171}"/>
+                <a16:creationId xmlns:a16="http://schemas.microsoft.com/office/drawing/2014/main" id="{A2AD056B-97A4-5BCC-4460-250160F3E171}"/>
               </a:ext>
             </a:extLst>
           </p:cNvPr>
@@ -12497,7 +12403,7 @@
           <a:lstStyle/>
           <a:p>
             <a:r>
-              <a:rPr lang="en-US" altLang="ko-KR" sz="4000" smtClean="0">
+              <a:rPr lang="en-US" altLang="ko-KR" sz="4000">
                 <a:solidFill>
                   <a:schemeClr val="tx1">
                     <a:lumMod val="50000"/>
@@ -12510,7 +12416,7 @@
               <a:t>Map </a:t>
             </a:r>
             <a:r>
-              <a:rPr lang="ko-KR" altLang="en-US" sz="4000" smtClean="0">
+              <a:rPr lang="ko-KR" altLang="en-US" sz="4000">
                 <a:solidFill>
                   <a:schemeClr val="tx1">
                     <a:lumMod val="50000"/>
@@ -12523,7 +12429,7 @@
               <a:t>인터페이스를 구현하고 중복되지 않는 </a:t>
             </a:r>
             <a:r>
-              <a:rPr lang="en-US" altLang="ko-KR" sz="4000" smtClean="0">
+              <a:rPr lang="en-US" altLang="ko-KR" sz="4000">
                 <a:solidFill>
                   <a:schemeClr val="tx1">
                     <a:lumMod val="50000"/>
@@ -12536,7 +12442,7 @@
               <a:t>Key</a:t>
             </a:r>
             <a:r>
-              <a:rPr lang="ko-KR" altLang="en-US" sz="4000" smtClean="0">
+              <a:rPr lang="ko-KR" altLang="en-US" sz="4000">
                 <a:solidFill>
                   <a:schemeClr val="tx1">
                     <a:lumMod val="50000"/>
@@ -12549,7 +12455,7 @@
               <a:t>와 </a:t>
             </a:r>
             <a:r>
-              <a:rPr lang="en-US" altLang="ko-KR" sz="4000" smtClean="0">
+              <a:rPr lang="en-US" altLang="ko-KR" sz="4000">
                 <a:solidFill>
                   <a:schemeClr val="tx1">
                     <a:lumMod val="50000"/>
@@ -12562,7 +12468,7 @@
               <a:t>value</a:t>
             </a:r>
             <a:r>
-              <a:rPr lang="ko-KR" altLang="en-US" sz="4000" smtClean="0">
+              <a:rPr lang="ko-KR" altLang="en-US" sz="4000">
                 <a:solidFill>
                   <a:schemeClr val="tx1">
                     <a:lumMod val="50000"/>
@@ -12575,7 +12481,7 @@
               <a:t>로 이루어져 있다</a:t>
             </a:r>
             <a:r>
-              <a:rPr lang="en-US" altLang="ko-KR" sz="4000" smtClean="0">
+              <a:rPr lang="en-US" altLang="ko-KR" sz="4000">
                 <a:solidFill>
                   <a:schemeClr val="tx1">
                     <a:lumMod val="50000"/>
@@ -12587,7 +12493,7 @@
               </a:rPr>
               <a:t>.</a:t>
             </a:r>
-            <a:endParaRPr lang="en-US" altLang="ko-KR" sz="4000" smtClean="0">
+            <a:endParaRPr lang="en-US" altLang="ko-KR" sz="4000">
               <a:solidFill>
                 <a:srgbClr val="FF0000"/>
               </a:solidFill>
@@ -12650,7 +12556,7 @@
           <p:cNvPr id="9" name="직선 화살표 연결선 8">
             <a:extLst>
               <a:ext uri="{FF2B5EF4-FFF2-40B4-BE49-F238E27FC236}">
-                <a16:creationId xmlns="" xmlns:a16="http://schemas.microsoft.com/office/drawing/2014/main" id="{299DF5EC-9DF4-5255-06AC-0A7CE4FF58C3}"/>
+                <a16:creationId xmlns:a16="http://schemas.microsoft.com/office/drawing/2014/main" id="{299DF5EC-9DF4-5255-06AC-0A7CE4FF58C3}"/>
               </a:ext>
             </a:extLst>
           </p:cNvPr>
@@ -12691,7 +12597,7 @@
           <p:cNvPr id="10" name="TextBox 9">
             <a:extLst>
               <a:ext uri="{FF2B5EF4-FFF2-40B4-BE49-F238E27FC236}">
-                <a16:creationId xmlns="" xmlns:a16="http://schemas.microsoft.com/office/drawing/2014/main" id="{C6D113C6-EA5C-788F-0C77-E7CE6EBB865F}"/>
+                <a16:creationId xmlns:a16="http://schemas.microsoft.com/office/drawing/2014/main" id="{C6D113C6-EA5C-788F-0C77-E7CE6EBB865F}"/>
               </a:ext>
             </a:extLst>
           </p:cNvPr>
@@ -12715,7 +12621,7 @@
           <a:lstStyle/>
           <a:p>
             <a:r>
-              <a:rPr lang="ko-KR" altLang="en-US" sz="3600" smtClean="0">
+              <a:rPr lang="ko-KR" altLang="en-US" sz="3600">
                 <a:solidFill>
                   <a:srgbClr val="FF0000"/>
                 </a:solidFill>
@@ -12725,7 +12631,7 @@
               <a:t>검색 속도가 빠르다</a:t>
             </a:r>
             <a:r>
-              <a:rPr lang="en-US" altLang="ko-KR" sz="3600" smtClean="0">
+              <a:rPr lang="en-US" altLang="ko-KR" sz="3600">
                 <a:solidFill>
                   <a:srgbClr val="FF0000"/>
                 </a:solidFill>
@@ -12754,13 +12660,6 @@
   <p:clrMapOvr>
     <a:masterClrMapping/>
   </p:clrMapOvr>
-  <p:timing>
-    <p:tnLst>
-      <p:par>
-        <p:cTn id="1" dur="indefinite" restart="never" nodeType="tmRoot"/>
-      </p:par>
-    </p:tnLst>
-  </p:timing>
 </p:sld>
 </file>
 
@@ -12974,7 +12873,7 @@
           <p:cNvPr id="2" name="TextBox 1">
             <a:extLst>
               <a:ext uri="{FF2B5EF4-FFF2-40B4-BE49-F238E27FC236}">
-                <a16:creationId xmlns:a16="http://schemas.microsoft.com/office/drawing/2014/main" xmlns="" id="{8D19D88B-9541-32D7-90F1-0C45C993E21C}"/>
+                <a16:creationId xmlns:a16="http://schemas.microsoft.com/office/drawing/2014/main" id="{8D19D88B-9541-32D7-90F1-0C45C993E21C}"/>
               </a:ext>
             </a:extLst>
           </p:cNvPr>
@@ -12998,7 +12897,7 @@
           <a:lstStyle/>
           <a:p>
             <a:r>
-              <a:rPr lang="ko-KR" altLang="en-US" sz="6600" smtClean="0">
+              <a:rPr lang="ko-KR" altLang="en-US" sz="6600">
                 <a:solidFill>
                   <a:schemeClr val="bg1"/>
                 </a:solidFill>
@@ -13022,13 +12921,6 @@
   <p:clrMapOvr>
     <a:masterClrMapping/>
   </p:clrMapOvr>
-  <p:timing>
-    <p:tnLst>
-      <p:par>
-        <p:cTn id="1" dur="indefinite" restart="never" nodeType="tmRoot"/>
-      </p:par>
-    </p:tnLst>
-  </p:timing>
 </p:sld>
 </file>
 
@@ -13054,7 +12946,7 @@
           <p:cNvPr id="4" name="TextBox 3">
             <a:extLst>
               <a:ext uri="{FF2B5EF4-FFF2-40B4-BE49-F238E27FC236}">
-                <a16:creationId xmlns:a16="http://schemas.microsoft.com/office/drawing/2014/main" xmlns="" id="{EE79C406-3461-D6A5-5346-D7C2FC38FCCD}"/>
+                <a16:creationId xmlns:a16="http://schemas.microsoft.com/office/drawing/2014/main" id="{EE79C406-3461-D6A5-5346-D7C2FC38FCCD}"/>
               </a:ext>
             </a:extLst>
           </p:cNvPr>
@@ -13078,7 +12970,7 @@
           <a:lstStyle/>
           <a:p>
             <a:r>
-              <a:rPr lang="ko-KR" altLang="en-US" sz="4800" smtClean="0">
+              <a:rPr lang="ko-KR" altLang="en-US" sz="4800">
                 <a:solidFill>
                   <a:srgbClr val="4C50BC"/>
                 </a:solidFill>
@@ -13088,7 +12980,7 @@
               <a:t>연습문제</a:t>
             </a:r>
             <a:r>
-              <a:rPr lang="en-US" altLang="ko-KR" sz="4800" smtClean="0">
+              <a:rPr lang="en-US" altLang="ko-KR" sz="4800">
                 <a:solidFill>
                   <a:srgbClr val="4C50BC"/>
                 </a:solidFill>
@@ -13112,7 +13004,7 @@
           <p:cNvPr id="8" name="TextBox 7">
             <a:extLst>
               <a:ext uri="{FF2B5EF4-FFF2-40B4-BE49-F238E27FC236}">
-                <a16:creationId xmlns="" xmlns:a16="http://schemas.microsoft.com/office/drawing/2014/main" id="{2FFEA572-0493-CB52-6BE5-4BCEFE8076B6}"/>
+                <a16:creationId xmlns:a16="http://schemas.microsoft.com/office/drawing/2014/main" id="{2FFEA572-0493-CB52-6BE5-4BCEFE8076B6}"/>
               </a:ext>
             </a:extLst>
           </p:cNvPr>
@@ -13139,7 +13031,7 @@
               <a:buAutoNum type="arabicPeriod"/>
             </a:pPr>
             <a:r>
-              <a:rPr lang="en-US" altLang="ko-KR" sz="4000" smtClean="0">
+              <a:rPr lang="en-US" altLang="ko-KR" sz="4000">
                 <a:solidFill>
                   <a:srgbClr val="4C50BB"/>
                 </a:solidFill>
@@ -13149,7 +13041,7 @@
               <a:t>People </a:t>
             </a:r>
             <a:r>
-              <a:rPr lang="ko-KR" altLang="en-US" sz="4000" smtClean="0">
+              <a:rPr lang="ko-KR" altLang="en-US" sz="4000">
                 <a:solidFill>
                   <a:srgbClr val="4C50BB"/>
                 </a:solidFill>
@@ -13159,7 +13051,7 @@
               <a:t>클래스를 만들고 열거형을 사용하여 취미를 저장하는 멤버변수를 만들어 보자</a:t>
             </a:r>
             <a:r>
-              <a:rPr lang="en-US" altLang="ko-KR" sz="4000" smtClean="0">
+              <a:rPr lang="en-US" altLang="ko-KR" sz="4000">
                 <a:solidFill>
                   <a:srgbClr val="4C50BB"/>
                 </a:solidFill>
@@ -13176,7 +13068,7 @@
           <p:cNvPr id="12" name="TextBox 11">
             <a:extLst>
               <a:ext uri="{FF2B5EF4-FFF2-40B4-BE49-F238E27FC236}">
-                <a16:creationId xmlns="" xmlns:a16="http://schemas.microsoft.com/office/drawing/2014/main" id="{A2AD056B-97A4-5BCC-4460-250160F3E171}"/>
+                <a16:creationId xmlns:a16="http://schemas.microsoft.com/office/drawing/2014/main" id="{A2AD056B-97A4-5BCC-4460-250160F3E171}"/>
               </a:ext>
             </a:extLst>
           </p:cNvPr>
@@ -13200,7 +13092,7 @@
           <a:lstStyle/>
           <a:p>
             <a:r>
-              <a:rPr lang="en-US" altLang="ko-KR" sz="4000" smtClean="0">
+              <a:rPr lang="en-US" altLang="ko-KR" sz="4000">
                 <a:solidFill>
                   <a:schemeClr val="tx1">
                     <a:lumMod val="50000"/>
@@ -13213,7 +13105,7 @@
               <a:t>1.</a:t>
             </a:r>
             <a:r>
-              <a:rPr lang="ko-KR" altLang="en-US" sz="4000" smtClean="0">
+              <a:rPr lang="ko-KR" altLang="en-US" sz="4000">
                 <a:solidFill>
                   <a:schemeClr val="tx1">
                     <a:lumMod val="50000"/>
@@ -13226,7 +13118,7 @@
               <a:t>취미는 </a:t>
             </a:r>
             <a:r>
-              <a:rPr lang="en-US" altLang="ko-KR" sz="4000" smtClean="0">
+              <a:rPr lang="en-US" altLang="ko-KR" sz="4000">
                 <a:solidFill>
                   <a:schemeClr val="tx1">
                     <a:lumMod val="50000"/>
@@ -13239,7 +13131,7 @@
               <a:t>soccer,baseball,cook,running </a:t>
             </a:r>
             <a:r>
-              <a:rPr lang="ko-KR" altLang="en-US" sz="4000" smtClean="0">
+              <a:rPr lang="ko-KR" altLang="en-US" sz="4000">
                 <a:solidFill>
                   <a:schemeClr val="tx1">
                     <a:lumMod val="50000"/>
@@ -13252,7 +13144,7 @@
               <a:t>가 있다</a:t>
             </a:r>
             <a:r>
-              <a:rPr lang="en-US" altLang="ko-KR" sz="4000" smtClean="0">
+              <a:rPr lang="en-US" altLang="ko-KR" sz="4000">
                 <a:solidFill>
                   <a:schemeClr val="tx1">
                     <a:lumMod val="50000"/>
@@ -13267,7 +13159,7 @@
           </a:p>
           <a:p>
             <a:r>
-              <a:rPr lang="en-US" altLang="ko-KR" sz="4000" smtClean="0">
+              <a:rPr lang="en-US" altLang="ko-KR" sz="4000">
                 <a:solidFill>
                   <a:schemeClr val="tx1">
                     <a:lumMod val="50000"/>
@@ -13280,7 +13172,7 @@
               <a:t>2.</a:t>
             </a:r>
             <a:r>
-              <a:rPr lang="ko-KR" altLang="en-US" sz="4000" smtClean="0">
+              <a:rPr lang="ko-KR" altLang="en-US" sz="4000">
                 <a:solidFill>
                   <a:schemeClr val="tx1">
                     <a:lumMod val="50000"/>
@@ -13293,7 +13185,7 @@
               <a:t>열거형의 값은 한글로 나오도록 하자</a:t>
             </a:r>
             <a:r>
-              <a:rPr lang="en-US" altLang="ko-KR" sz="4000" smtClean="0">
+              <a:rPr lang="en-US" altLang="ko-KR" sz="4000">
                 <a:solidFill>
                   <a:schemeClr val="tx1">
                     <a:lumMod val="50000"/>
@@ -13366,13 +13258,6 @@
   <p:clrMapOvr>
     <a:masterClrMapping/>
   </p:clrMapOvr>
-  <p:timing>
-    <p:tnLst>
-      <p:par>
-        <p:cTn id="1" dur="indefinite" restart="never" nodeType="tmRoot"/>
-      </p:par>
-    </p:tnLst>
-  </p:timing>
 </p:sld>
 </file>
 
@@ -13446,7 +13331,7 @@
           <p:cNvPr id="6" name="TextBox 5">
             <a:extLst>
               <a:ext uri="{FF2B5EF4-FFF2-40B4-BE49-F238E27FC236}">
-                <a16:creationId xmlns="" xmlns:a16="http://schemas.microsoft.com/office/drawing/2014/main" id="{2FFEA572-0493-CB52-6BE5-4BCEFE8076B6}"/>
+                <a16:creationId xmlns:a16="http://schemas.microsoft.com/office/drawing/2014/main" id="{2FFEA572-0493-CB52-6BE5-4BCEFE8076B6}"/>
               </a:ext>
             </a:extLst>
           </p:cNvPr>
@@ -13470,7 +13355,7 @@
           <a:lstStyle/>
           <a:p>
             <a:r>
-              <a:rPr lang="en-US" altLang="ko-KR" sz="4000" smtClean="0">
+              <a:rPr lang="en-US" altLang="ko-KR" sz="4000">
                 <a:solidFill>
                   <a:srgbClr val="4C50BB"/>
                 </a:solidFill>
@@ -13480,7 +13365,7 @@
               <a:t>2. </a:t>
             </a:r>
             <a:r>
-              <a:rPr lang="ko-KR" altLang="en-US" sz="4000" smtClean="0">
+              <a:rPr lang="ko-KR" altLang="en-US" sz="4000">
                 <a:solidFill>
                   <a:srgbClr val="4C50BB"/>
                 </a:solidFill>
@@ -13490,7 +13375,7 @@
               <a:t>제네릭을 활용하여 나만의 </a:t>
             </a:r>
             <a:r>
-              <a:rPr lang="en-US" altLang="ko-KR" sz="4000" smtClean="0">
+              <a:rPr lang="en-US" altLang="ko-KR" sz="4000">
                 <a:solidFill>
                   <a:srgbClr val="4C50BB"/>
                 </a:solidFill>
@@ -13500,7 +13385,7 @@
               <a:t>MyStack </a:t>
             </a:r>
             <a:r>
-              <a:rPr lang="ko-KR" altLang="en-US" sz="4000" smtClean="0">
+              <a:rPr lang="ko-KR" altLang="en-US" sz="4000">
                 <a:solidFill>
                   <a:srgbClr val="4C50BB"/>
                 </a:solidFill>
@@ -13510,7 +13395,7 @@
               <a:t>자료구조를 만들자</a:t>
             </a:r>
             <a:r>
-              <a:rPr lang="en-US" altLang="ko-KR" sz="4000" smtClean="0">
+              <a:rPr lang="en-US" altLang="ko-KR" sz="4000">
                 <a:solidFill>
                   <a:srgbClr val="4C50BB"/>
                 </a:solidFill>
@@ -13522,7 +13407,7 @@
           </a:p>
           <a:p>
             <a:r>
-              <a:rPr lang="en-US" altLang="ko-KR" sz="3600" smtClean="0">
+              <a:rPr lang="en-US" altLang="ko-KR" sz="3600">
                 <a:solidFill>
                   <a:schemeClr val="tx1">
                     <a:lumMod val="50000"/>
@@ -13535,7 +13420,7 @@
               <a:t>     void</a:t>
             </a:r>
             <a:r>
-              <a:rPr lang="ko-KR" altLang="en-US" sz="3600" smtClean="0">
+              <a:rPr lang="ko-KR" altLang="en-US" sz="3600">
                 <a:solidFill>
                   <a:schemeClr val="tx1">
                     <a:lumMod val="50000"/>
@@ -13548,7 +13433,7 @@
               <a:t> </a:t>
             </a:r>
             <a:r>
-              <a:rPr lang="en-US" altLang="ko-KR" sz="3600" smtClean="0">
+              <a:rPr lang="en-US" altLang="ko-KR" sz="3600">
                 <a:solidFill>
                   <a:schemeClr val="tx1">
                     <a:lumMod val="50000"/>
@@ -13561,7 +13446,7 @@
               <a:t>push(T value), T pop()  </a:t>
             </a:r>
             <a:r>
-              <a:rPr lang="ko-KR" altLang="en-US" sz="3600" smtClean="0">
+              <a:rPr lang="ko-KR" altLang="en-US" sz="3600">
                 <a:solidFill>
                   <a:schemeClr val="tx1">
                     <a:lumMod val="50000"/>
@@ -13574,7 +13459,7 @@
               <a:t>메서드를 구현하자</a:t>
             </a:r>
             <a:r>
-              <a:rPr lang="en-US" altLang="ko-KR" sz="3600" smtClean="0">
+              <a:rPr lang="en-US" altLang="ko-KR" sz="3600">
                 <a:solidFill>
                   <a:schemeClr val="tx1">
                     <a:lumMod val="50000"/>
@@ -13599,10 +13484,10 @@
                 <a:latin typeface="G마켓 산스 Medium" panose="02000000000000000000" pitchFamily="50" charset="-127"/>
                 <a:ea typeface="G마켓 산스 Medium" panose="02000000000000000000" pitchFamily="50" charset="-127"/>
               </a:rPr>
-              <a:t> </a:t>
-            </a:r>
-            <a:r>
-              <a:rPr lang="en-US" altLang="ko-KR" sz="3600" smtClean="0">
+              <a:t>     </a:t>
+            </a:r>
+            <a:r>
+              <a:rPr lang="ko-KR" altLang="en-US" sz="3600">
                 <a:solidFill>
                   <a:schemeClr val="tx1">
                     <a:lumMod val="50000"/>
@@ -13612,10 +13497,10 @@
                 <a:latin typeface="G마켓 산스 Medium" panose="02000000000000000000" pitchFamily="50" charset="-127"/>
                 <a:ea typeface="G마켓 산스 Medium" panose="02000000000000000000" pitchFamily="50" charset="-127"/>
               </a:rPr>
-              <a:t>    </a:t>
-            </a:r>
-            <a:r>
-              <a:rPr lang="ko-KR" altLang="en-US" sz="3600" smtClean="0">
+              <a:t>내부에서 실질적으로 데이터는 </a:t>
+            </a:r>
+            <a:r>
+              <a:rPr lang="en-US" altLang="ko-KR" sz="3600">
                 <a:solidFill>
                   <a:schemeClr val="tx1">
                     <a:lumMod val="50000"/>
@@ -13625,10 +13510,10 @@
                 <a:latin typeface="G마켓 산스 Medium" panose="02000000000000000000" pitchFamily="50" charset="-127"/>
                 <a:ea typeface="G마켓 산스 Medium" panose="02000000000000000000" pitchFamily="50" charset="-127"/>
               </a:rPr>
-              <a:t>내부에서 실질적으로 데이터는 </a:t>
-            </a:r>
-            <a:r>
-              <a:rPr lang="en-US" altLang="ko-KR" sz="3600" smtClean="0">
+              <a:t>ArrayList</a:t>
+            </a:r>
+            <a:r>
+              <a:rPr lang="ko-KR" altLang="en-US" sz="3600">
                 <a:solidFill>
                   <a:schemeClr val="tx1">
                     <a:lumMod val="50000"/>
@@ -13638,10 +13523,10 @@
                 <a:latin typeface="G마켓 산스 Medium" panose="02000000000000000000" pitchFamily="50" charset="-127"/>
                 <a:ea typeface="G마켓 산스 Medium" panose="02000000000000000000" pitchFamily="50" charset="-127"/>
               </a:rPr>
-              <a:t>ArrayList</a:t>
-            </a:r>
-            <a:r>
-              <a:rPr lang="ko-KR" altLang="en-US" sz="3600" smtClean="0">
+              <a:t>로 관리하자</a:t>
+            </a:r>
+            <a:r>
+              <a:rPr lang="en-US" altLang="ko-KR" sz="3600">
                 <a:solidFill>
                   <a:schemeClr val="tx1">
                     <a:lumMod val="50000"/>
@@ -13651,10 +13536,12 @@
                 <a:latin typeface="G마켓 산스 Medium" panose="02000000000000000000" pitchFamily="50" charset="-127"/>
                 <a:ea typeface="G마켓 산스 Medium" panose="02000000000000000000" pitchFamily="50" charset="-127"/>
               </a:rPr>
-              <a:t>로 관리하자</a:t>
-            </a:r>
-            <a:r>
-              <a:rPr lang="en-US" altLang="ko-KR" sz="3600" smtClean="0">
+              <a:t>.</a:t>
+            </a:r>
+          </a:p>
+          <a:p>
+            <a:r>
+              <a:rPr lang="en-US" altLang="ko-KR" sz="3600">
                 <a:solidFill>
                   <a:schemeClr val="tx1">
                     <a:lumMod val="50000"/>
@@ -13664,38 +13551,10 @@
                 <a:latin typeface="G마켓 산스 Medium" panose="02000000000000000000" pitchFamily="50" charset="-127"/>
                 <a:ea typeface="G마켓 산스 Medium" panose="02000000000000000000" pitchFamily="50" charset="-127"/>
               </a:rPr>
-              <a:t>.</a:t>
-            </a:r>
-          </a:p>
-          <a:p>
-            <a:r>
-              <a:rPr lang="en-US" altLang="ko-KR" sz="3600">
-                <a:solidFill>
-                  <a:schemeClr val="tx1">
-                    <a:lumMod val="50000"/>
-                    <a:lumOff val="50000"/>
-                  </a:schemeClr>
-                </a:solidFill>
-                <a:latin typeface="G마켓 산스 Medium" panose="02000000000000000000" pitchFamily="50" charset="-127"/>
-                <a:ea typeface="G마켓 산스 Medium" panose="02000000000000000000" pitchFamily="50" charset="-127"/>
-              </a:rPr>
-              <a:t> </a:t>
-            </a:r>
-            <a:r>
-              <a:rPr lang="en-US" altLang="ko-KR" sz="3600" smtClean="0">
-                <a:solidFill>
-                  <a:schemeClr val="tx1">
-                    <a:lumMod val="50000"/>
-                    <a:lumOff val="50000"/>
-                  </a:schemeClr>
-                </a:solidFill>
-                <a:latin typeface="G마켓 산스 Medium" panose="02000000000000000000" pitchFamily="50" charset="-127"/>
-                <a:ea typeface="G마켓 산스 Medium" panose="02000000000000000000" pitchFamily="50" charset="-127"/>
-              </a:rPr>
-              <a:t>     </a:t>
-            </a:r>
-            <a:r>
-              <a:rPr lang="en-US" altLang="ko-KR" sz="2800" smtClean="0">
+              <a:t>      </a:t>
+            </a:r>
+            <a:r>
+              <a:rPr lang="en-US" altLang="ko-KR" sz="2800">
                 <a:solidFill>
                   <a:srgbClr val="FF0000"/>
                 </a:solidFill>
@@ -13705,7 +13564,7 @@
               <a:t>ex) push</a:t>
             </a:r>
             <a:r>
-              <a:rPr lang="ko-KR" altLang="en-US" sz="2800" smtClean="0">
+              <a:rPr lang="ko-KR" altLang="en-US" sz="2800">
                 <a:solidFill>
                   <a:srgbClr val="FF0000"/>
                 </a:solidFill>
@@ -13715,7 +13574,7 @@
               <a:t>의 내부는 </a:t>
             </a:r>
             <a:r>
-              <a:rPr lang="en-US" altLang="ko-KR" sz="2800" smtClean="0">
+              <a:rPr lang="en-US" altLang="ko-KR" sz="2800">
                 <a:solidFill>
                   <a:srgbClr val="FF0000"/>
                 </a:solidFill>
@@ -13725,7 +13584,7 @@
               <a:t>ArrayList </a:t>
             </a:r>
             <a:r>
-              <a:rPr lang="ko-KR" altLang="en-US" sz="2800" smtClean="0">
+              <a:rPr lang="ko-KR" altLang="en-US" sz="2800">
                 <a:solidFill>
                   <a:srgbClr val="FF0000"/>
                 </a:solidFill>
@@ -13735,7 +13594,7 @@
               <a:t>객체의 </a:t>
             </a:r>
             <a:r>
-              <a:rPr lang="en-US" altLang="ko-KR" sz="2800" smtClean="0">
+              <a:rPr lang="en-US" altLang="ko-KR" sz="2800">
                 <a:solidFill>
                   <a:srgbClr val="FF0000"/>
                 </a:solidFill>
@@ -13745,7 +13604,7 @@
               <a:t>add </a:t>
             </a:r>
             <a:r>
-              <a:rPr lang="ko-KR" altLang="en-US" sz="2800" smtClean="0">
+              <a:rPr lang="ko-KR" altLang="en-US" sz="2800">
                 <a:solidFill>
                   <a:srgbClr val="FF0000"/>
                 </a:solidFill>
@@ -13755,7 +13614,7 @@
               <a:t>메서드를 사용하여 요소를 추가한다</a:t>
             </a:r>
             <a:r>
-              <a:rPr lang="en-US" altLang="ko-KR" sz="2800" smtClean="0">
+              <a:rPr lang="en-US" altLang="ko-KR" sz="2800">
                 <a:solidFill>
                   <a:srgbClr val="FF0000"/>
                 </a:solidFill>
@@ -13784,13 +13643,6 @@
   <p:clrMapOvr>
     <a:masterClrMapping/>
   </p:clrMapOvr>
-  <p:timing>
-    <p:tnLst>
-      <p:par>
-        <p:cTn id="1" dur="indefinite" restart="never" nodeType="tmRoot"/>
-      </p:par>
-    </p:tnLst>
-  </p:timing>
 </p:sld>
 </file>
 
@@ -14154,7 +14006,7 @@
           <p:cNvPr id="4" name="Object 1">
             <a:extLst>
               <a:ext uri="{FF2B5EF4-FFF2-40B4-BE49-F238E27FC236}">
-                <a16:creationId xmlns:a16="http://schemas.microsoft.com/office/drawing/2014/main" xmlns="" id="{B0329035-BE76-33A8-0F2E-44624FCC1DED}"/>
+                <a16:creationId xmlns:a16="http://schemas.microsoft.com/office/drawing/2014/main" id="{B0329035-BE76-33A8-0F2E-44624FCC1DED}"/>
               </a:ext>
             </a:extLst>
           </p:cNvPr>
@@ -14184,7 +14036,7 @@
           <p:cNvPr id="7" name="그룹 1001">
             <a:extLst>
               <a:ext uri="{FF2B5EF4-FFF2-40B4-BE49-F238E27FC236}">
-                <a16:creationId xmlns:a16="http://schemas.microsoft.com/office/drawing/2014/main" xmlns="" id="{CD24CE9D-AC18-B6CD-F397-7E8E03D6FE26}"/>
+                <a16:creationId xmlns:a16="http://schemas.microsoft.com/office/drawing/2014/main" id="{CD24CE9D-AC18-B6CD-F397-7E8E03D6FE26}"/>
               </a:ext>
             </a:extLst>
           </p:cNvPr>
@@ -14204,7 +14056,7 @@
             <p:cNvPr id="8" name="Object 5">
               <a:extLst>
                 <a:ext uri="{FF2B5EF4-FFF2-40B4-BE49-F238E27FC236}">
-                  <a16:creationId xmlns:a16="http://schemas.microsoft.com/office/drawing/2014/main" xmlns="" id="{0EEF25E8-3BA8-EBAA-6DC2-66D70C3F9F4D}"/>
+                  <a16:creationId xmlns:a16="http://schemas.microsoft.com/office/drawing/2014/main" id="{0EEF25E8-3BA8-EBAA-6DC2-66D70C3F9F4D}"/>
                 </a:ext>
               </a:extLst>
             </p:cNvPr>
@@ -14235,7 +14087,7 @@
           <p:cNvPr id="9" name="그룹 1002">
             <a:extLst>
               <a:ext uri="{FF2B5EF4-FFF2-40B4-BE49-F238E27FC236}">
-                <a16:creationId xmlns:a16="http://schemas.microsoft.com/office/drawing/2014/main" xmlns="" id="{0F281BC9-DE1F-D1FE-E64C-C4640398F00C}"/>
+                <a16:creationId xmlns:a16="http://schemas.microsoft.com/office/drawing/2014/main" id="{0F281BC9-DE1F-D1FE-E64C-C4640398F00C}"/>
               </a:ext>
             </a:extLst>
           </p:cNvPr>
@@ -14255,7 +14107,7 @@
             <p:cNvPr id="10" name="Object 8">
               <a:extLst>
                 <a:ext uri="{FF2B5EF4-FFF2-40B4-BE49-F238E27FC236}">
-                  <a16:creationId xmlns:a16="http://schemas.microsoft.com/office/drawing/2014/main" xmlns="" id="{F669DCEF-04BB-7046-3F7F-5B513213556E}"/>
+                  <a16:creationId xmlns:a16="http://schemas.microsoft.com/office/drawing/2014/main" id="{F669DCEF-04BB-7046-3F7F-5B513213556E}"/>
                 </a:ext>
               </a:extLst>
             </p:cNvPr>
@@ -14286,7 +14138,7 @@
           <p:cNvPr id="11" name="그룹 1003">
             <a:extLst>
               <a:ext uri="{FF2B5EF4-FFF2-40B4-BE49-F238E27FC236}">
-                <a16:creationId xmlns:a16="http://schemas.microsoft.com/office/drawing/2014/main" xmlns="" id="{1F91EEF9-13EA-BB7F-B056-D35E7DB989AC}"/>
+                <a16:creationId xmlns:a16="http://schemas.microsoft.com/office/drawing/2014/main" id="{1F91EEF9-13EA-BB7F-B056-D35E7DB989AC}"/>
               </a:ext>
             </a:extLst>
           </p:cNvPr>
@@ -14306,7 +14158,7 @@
             <p:cNvPr id="12" name="Object 11">
               <a:extLst>
                 <a:ext uri="{FF2B5EF4-FFF2-40B4-BE49-F238E27FC236}">
-                  <a16:creationId xmlns:a16="http://schemas.microsoft.com/office/drawing/2014/main" xmlns="" id="{2CFFB217-AEFB-2C9E-5F86-6EE19510FFC6}"/>
+                  <a16:creationId xmlns:a16="http://schemas.microsoft.com/office/drawing/2014/main" id="{2CFFB217-AEFB-2C9E-5F86-6EE19510FFC6}"/>
                 </a:ext>
               </a:extLst>
             </p:cNvPr>
@@ -14337,7 +14189,7 @@
           <p:cNvPr id="13" name="그룹 1004">
             <a:extLst>
               <a:ext uri="{FF2B5EF4-FFF2-40B4-BE49-F238E27FC236}">
-                <a16:creationId xmlns:a16="http://schemas.microsoft.com/office/drawing/2014/main" xmlns="" id="{123B9C7E-94E8-E7E1-81BE-D59EA0299187}"/>
+                <a16:creationId xmlns:a16="http://schemas.microsoft.com/office/drawing/2014/main" id="{123B9C7E-94E8-E7E1-81BE-D59EA0299187}"/>
               </a:ext>
             </a:extLst>
           </p:cNvPr>
@@ -14357,7 +14209,7 @@
             <p:cNvPr id="14" name="Object 14">
               <a:extLst>
                 <a:ext uri="{FF2B5EF4-FFF2-40B4-BE49-F238E27FC236}">
-                  <a16:creationId xmlns:a16="http://schemas.microsoft.com/office/drawing/2014/main" xmlns="" id="{B6291552-2D89-A79F-7ACD-EA0EF9A4C389}"/>
+                  <a16:creationId xmlns:a16="http://schemas.microsoft.com/office/drawing/2014/main" id="{B6291552-2D89-A79F-7ACD-EA0EF9A4C389}"/>
                 </a:ext>
               </a:extLst>
             </p:cNvPr>
@@ -14388,7 +14240,7 @@
           <p:cNvPr id="15" name="TextBox 14">
             <a:extLst>
               <a:ext uri="{FF2B5EF4-FFF2-40B4-BE49-F238E27FC236}">
-                <a16:creationId xmlns:a16="http://schemas.microsoft.com/office/drawing/2014/main" xmlns="" id="{7D99763A-FC24-23F5-5BA9-D7B042E0F323}"/>
+                <a16:creationId xmlns:a16="http://schemas.microsoft.com/office/drawing/2014/main" id="{7D99763A-FC24-23F5-5BA9-D7B042E0F323}"/>
               </a:ext>
             </a:extLst>
           </p:cNvPr>
@@ -14412,7 +14264,7 @@
           <a:lstStyle/>
           <a:p>
             <a:r>
-              <a:rPr lang="ko-KR" altLang="en-US" sz="6600" smtClean="0">
+              <a:rPr lang="ko-KR" altLang="en-US" sz="6600">
                 <a:solidFill>
                   <a:schemeClr val="bg1"/>
                 </a:solidFill>
@@ -14441,13 +14293,6 @@
   <p:clrMapOvr>
     <a:masterClrMapping/>
   </p:clrMapOvr>
-  <p:timing>
-    <p:tnLst>
-      <p:par>
-        <p:cTn id="1" dur="indefinite" restart="never" nodeType="tmRoot"/>
-      </p:par>
-    </p:tnLst>
-  </p:timing>
 </p:sld>
 </file>
 
@@ -14473,7 +14318,7 @@
           <p:cNvPr id="4" name="TextBox 3">
             <a:extLst>
               <a:ext uri="{FF2B5EF4-FFF2-40B4-BE49-F238E27FC236}">
-                <a16:creationId xmlns:a16="http://schemas.microsoft.com/office/drawing/2014/main" xmlns="" id="{EE79C406-3461-D6A5-5346-D7C2FC38FCCD}"/>
+                <a16:creationId xmlns:a16="http://schemas.microsoft.com/office/drawing/2014/main" id="{EE79C406-3461-D6A5-5346-D7C2FC38FCCD}"/>
               </a:ext>
             </a:extLst>
           </p:cNvPr>
@@ -14497,7 +14342,7 @@
           <a:lstStyle/>
           <a:p>
             <a:r>
-              <a:rPr lang="ko-KR" altLang="en-US" sz="4800" smtClean="0">
+              <a:rPr lang="ko-KR" altLang="en-US" sz="4800">
                 <a:solidFill>
                   <a:srgbClr val="4C50BC"/>
                 </a:solidFill>
@@ -14586,7 +14431,7 @@
           <p:cNvPr id="7" name="TextBox 6">
             <a:extLst>
               <a:ext uri="{FF2B5EF4-FFF2-40B4-BE49-F238E27FC236}">
-                <a16:creationId xmlns:a16="http://schemas.microsoft.com/office/drawing/2014/main" xmlns="" id="{EE79C406-3461-D6A5-5346-D7C2FC38FCCD}"/>
+                <a16:creationId xmlns:a16="http://schemas.microsoft.com/office/drawing/2014/main" id="{EE79C406-3461-D6A5-5346-D7C2FC38FCCD}"/>
               </a:ext>
             </a:extLst>
           </p:cNvPr>
@@ -14610,7 +14455,7 @@
           <a:lstStyle/>
           <a:p>
             <a:r>
-              <a:rPr lang="ko-KR" altLang="en-US" sz="4800" smtClean="0">
+              <a:rPr lang="ko-KR" altLang="en-US" sz="4800">
                 <a:solidFill>
                   <a:srgbClr val="4C50BC"/>
                 </a:solidFill>
@@ -14620,7 +14465,7 @@
               <a:t>하나의 실행되고 있는 프로그램이다</a:t>
             </a:r>
             <a:r>
-              <a:rPr lang="en-US" altLang="ko-KR" sz="4800" smtClean="0">
+              <a:rPr lang="en-US" altLang="ko-KR" sz="4800">
                 <a:solidFill>
                   <a:srgbClr val="4C50BC"/>
                 </a:solidFill>
@@ -14649,13 +14494,6 @@
   <p:clrMapOvr>
     <a:masterClrMapping/>
   </p:clrMapOvr>
-  <p:timing>
-    <p:tnLst>
-      <p:par>
-        <p:cTn id="1" dur="indefinite" restart="never" nodeType="tmRoot"/>
-      </p:par>
-    </p:tnLst>
-  </p:timing>
 </p:sld>
 </file>
 
@@ -14705,7 +14543,7 @@
           <p:cNvPr id="5" name="TextBox 4">
             <a:extLst>
               <a:ext uri="{FF2B5EF4-FFF2-40B4-BE49-F238E27FC236}">
-                <a16:creationId xmlns:a16="http://schemas.microsoft.com/office/drawing/2014/main" xmlns="" id="{EE79C406-3461-D6A5-5346-D7C2FC38FCCD}"/>
+                <a16:creationId xmlns:a16="http://schemas.microsoft.com/office/drawing/2014/main" id="{EE79C406-3461-D6A5-5346-D7C2FC38FCCD}"/>
               </a:ext>
             </a:extLst>
           </p:cNvPr>
@@ -14729,7 +14567,7 @@
           <a:lstStyle/>
           <a:p>
             <a:r>
-              <a:rPr lang="ko-KR" altLang="en-US" sz="4800" smtClean="0">
+              <a:rPr lang="ko-KR" altLang="en-US" sz="4800">
                 <a:solidFill>
                   <a:srgbClr val="4C50BC"/>
                 </a:solidFill>
@@ -14739,7 +14577,7 @@
               <a:t>메모장을 </a:t>
             </a:r>
             <a:r>
-              <a:rPr lang="en-US" altLang="ko-KR" sz="4800" smtClean="0">
+              <a:rPr lang="en-US" altLang="ko-KR" sz="4800">
                 <a:solidFill>
                   <a:srgbClr val="4C50BC"/>
                 </a:solidFill>
@@ -14749,7 +14587,7 @@
               <a:t>2</a:t>
             </a:r>
             <a:r>
-              <a:rPr lang="ko-KR" altLang="en-US" sz="4800" smtClean="0">
+              <a:rPr lang="ko-KR" altLang="en-US" sz="4800">
                 <a:solidFill>
                   <a:srgbClr val="4C50BC"/>
                 </a:solidFill>
@@ -14759,7 +14597,7 @@
               <a:t>개 띄워 놨다면 메모장 프로세스가 </a:t>
             </a:r>
             <a:r>
-              <a:rPr lang="en-US" altLang="ko-KR" sz="4800" smtClean="0">
+              <a:rPr lang="en-US" altLang="ko-KR" sz="4800">
                 <a:solidFill>
                   <a:srgbClr val="4C50BC"/>
                 </a:solidFill>
@@ -14769,7 +14607,7 @@
               <a:t>2</a:t>
             </a:r>
             <a:r>
-              <a:rPr lang="ko-KR" altLang="en-US" sz="4800" smtClean="0">
+              <a:rPr lang="ko-KR" altLang="en-US" sz="4800">
                 <a:solidFill>
                   <a:srgbClr val="4C50BC"/>
                 </a:solidFill>
@@ -14779,7 +14617,7 @@
               <a:t>개가 돌고 있는것이다</a:t>
             </a:r>
             <a:r>
-              <a:rPr lang="en-US" altLang="ko-KR" sz="4800" smtClean="0">
+              <a:rPr lang="en-US" altLang="ko-KR" sz="4800">
                 <a:solidFill>
                   <a:srgbClr val="4C50BC"/>
                 </a:solidFill>
@@ -14808,13 +14646,6 @@
   <p:clrMapOvr>
     <a:masterClrMapping/>
   </p:clrMapOvr>
-  <p:timing>
-    <p:tnLst>
-      <p:par>
-        <p:cTn id="1" dur="indefinite" restart="never" nodeType="tmRoot"/>
-      </p:par>
-    </p:tnLst>
-  </p:timing>
 </p:sld>
 </file>
 
@@ -14840,7 +14671,7 @@
           <p:cNvPr id="4" name="TextBox 3">
             <a:extLst>
               <a:ext uri="{FF2B5EF4-FFF2-40B4-BE49-F238E27FC236}">
-                <a16:creationId xmlns:a16="http://schemas.microsoft.com/office/drawing/2014/main" xmlns="" id="{EE79C406-3461-D6A5-5346-D7C2FC38FCCD}"/>
+                <a16:creationId xmlns:a16="http://schemas.microsoft.com/office/drawing/2014/main" id="{EE79C406-3461-D6A5-5346-D7C2FC38FCCD}"/>
               </a:ext>
             </a:extLst>
           </p:cNvPr>
@@ -14864,7 +14695,7 @@
           <a:lstStyle/>
           <a:p>
             <a:r>
-              <a:rPr lang="ko-KR" altLang="en-US" sz="4800" smtClean="0">
+              <a:rPr lang="ko-KR" altLang="en-US" sz="4800">
                 <a:solidFill>
                   <a:srgbClr val="4C50BC"/>
                 </a:solidFill>
@@ -14888,7 +14719,7 @@
           <p:cNvPr id="5" name="TextBox 4">
             <a:extLst>
               <a:ext uri="{FF2B5EF4-FFF2-40B4-BE49-F238E27FC236}">
-                <a16:creationId xmlns="" xmlns:a16="http://schemas.microsoft.com/office/drawing/2014/main" id="{A2AD056B-97A4-5BCC-4460-250160F3E171}"/>
+                <a16:creationId xmlns:a16="http://schemas.microsoft.com/office/drawing/2014/main" id="{A2AD056B-97A4-5BCC-4460-250160F3E171}"/>
               </a:ext>
             </a:extLst>
           </p:cNvPr>
@@ -14912,7 +14743,7 @@
           <a:lstStyle/>
           <a:p>
             <a:r>
-              <a:rPr lang="ko-KR" altLang="en-US" sz="4000" smtClean="0">
+              <a:rPr lang="ko-KR" altLang="en-US" sz="4000">
                 <a:solidFill>
                   <a:schemeClr val="tx1">
                     <a:lumMod val="50000"/>
@@ -14925,7 +14756,7 @@
               <a:t>프로세스 내부에서의 실행흐름 단위이다</a:t>
             </a:r>
             <a:r>
-              <a:rPr lang="en-US" altLang="ko-KR" sz="4000" smtClean="0">
+              <a:rPr lang="en-US" altLang="ko-KR" sz="4000">
                 <a:solidFill>
                   <a:schemeClr val="tx1">
                     <a:lumMod val="50000"/>
@@ -14937,20 +14768,10 @@
               </a:rPr>
               <a:t>.</a:t>
             </a:r>
-            <a:endParaRPr lang="en-US" altLang="ko-KR" sz="4000">
-              <a:solidFill>
-                <a:schemeClr val="tx1">
-                  <a:lumMod val="50000"/>
-                  <a:lumOff val="50000"/>
-                </a:schemeClr>
-              </a:solidFill>
-              <a:latin typeface="G마켓 산스 Medium" panose="02000000000000000000" pitchFamily="50" charset="-127"/>
-              <a:ea typeface="G마켓 산스 Medium" panose="02000000000000000000" pitchFamily="50" charset="-127"/>
-            </a:endParaRPr>
           </a:p>
           <a:p>
             <a:r>
-              <a:rPr lang="ko-KR" altLang="en-US" sz="4000" smtClean="0">
+              <a:rPr lang="ko-KR" altLang="en-US" sz="4000">
                 <a:solidFill>
                   <a:schemeClr val="tx1">
                     <a:lumMod val="50000"/>
@@ -14963,7 +14784,7 @@
               <a:t>프로세스는 최소한 </a:t>
             </a:r>
             <a:r>
-              <a:rPr lang="en-US" altLang="ko-KR" sz="4000" smtClean="0">
+              <a:rPr lang="en-US" altLang="ko-KR" sz="4000">
                 <a:solidFill>
                   <a:schemeClr val="tx1">
                     <a:lumMod val="50000"/>
@@ -14976,7 +14797,7 @@
               <a:t>1</a:t>
             </a:r>
             <a:r>
-              <a:rPr lang="ko-KR" altLang="en-US" sz="4000" smtClean="0">
+              <a:rPr lang="ko-KR" altLang="en-US" sz="4000">
                 <a:solidFill>
                   <a:schemeClr val="tx1">
                     <a:lumMod val="50000"/>
@@ -14989,7 +14810,7 @@
               <a:t>개이상의 쓰레드를 가진다</a:t>
             </a:r>
             <a:r>
-              <a:rPr lang="en-US" altLang="ko-KR" sz="4000" smtClean="0">
+              <a:rPr lang="en-US" altLang="ko-KR" sz="4000">
                 <a:solidFill>
                   <a:schemeClr val="tx1">
                     <a:lumMod val="50000"/>
@@ -15016,7 +14837,7 @@
           <p:cNvPr id="6" name="TextBox 5">
             <a:extLst>
               <a:ext uri="{FF2B5EF4-FFF2-40B4-BE49-F238E27FC236}">
-                <a16:creationId xmlns:a16="http://schemas.microsoft.com/office/drawing/2014/main" xmlns="" id="{EE79C406-3461-D6A5-5346-D7C2FC38FCCD}"/>
+                <a16:creationId xmlns:a16="http://schemas.microsoft.com/office/drawing/2014/main" id="{EE79C406-3461-D6A5-5346-D7C2FC38FCCD}"/>
               </a:ext>
             </a:extLst>
           </p:cNvPr>
@@ -15040,7 +14861,7 @@
           <a:lstStyle/>
           <a:p>
             <a:r>
-              <a:rPr lang="ko-KR" altLang="en-US" sz="4800" smtClean="0">
+              <a:rPr lang="ko-KR" altLang="en-US" sz="4800">
                 <a:solidFill>
                   <a:srgbClr val="4C50BC"/>
                 </a:solidFill>
@@ -15064,7 +14885,7 @@
           <p:cNvPr id="7" name="그룹 1018">
             <a:extLst>
               <a:ext uri="{FF2B5EF4-FFF2-40B4-BE49-F238E27FC236}">
-                <a16:creationId xmlns="" xmlns:a16="http://schemas.microsoft.com/office/drawing/2014/main" id="{0804D430-F42E-AE32-A065-FFA8C471F092}"/>
+                <a16:creationId xmlns:a16="http://schemas.microsoft.com/office/drawing/2014/main" id="{0804D430-F42E-AE32-A065-FFA8C471F092}"/>
               </a:ext>
             </a:extLst>
           </p:cNvPr>
@@ -15084,7 +14905,7 @@
             <p:cNvPr id="8" name="Object 61">
               <a:extLst>
                 <a:ext uri="{FF2B5EF4-FFF2-40B4-BE49-F238E27FC236}">
-                  <a16:creationId xmlns="" xmlns:a16="http://schemas.microsoft.com/office/drawing/2014/main" id="{334A4C3A-641C-7CD9-8FEE-5EC92B28D640}"/>
+                  <a16:creationId xmlns:a16="http://schemas.microsoft.com/office/drawing/2014/main" id="{334A4C3A-641C-7CD9-8FEE-5EC92B28D640}"/>
                 </a:ext>
               </a:extLst>
             </p:cNvPr>
@@ -15115,7 +14936,7 @@
           <p:cNvPr id="9" name="직선 화살표 연결선 8">
             <a:extLst>
               <a:ext uri="{FF2B5EF4-FFF2-40B4-BE49-F238E27FC236}">
-                <a16:creationId xmlns="" xmlns:a16="http://schemas.microsoft.com/office/drawing/2014/main" id="{299DF5EC-9DF4-5255-06AC-0A7CE4FF58C3}"/>
+                <a16:creationId xmlns:a16="http://schemas.microsoft.com/office/drawing/2014/main" id="{299DF5EC-9DF4-5255-06AC-0A7CE4FF58C3}"/>
               </a:ext>
             </a:extLst>
           </p:cNvPr>
@@ -15156,7 +14977,7 @@
           <p:cNvPr id="11" name="TextBox 10">
             <a:extLst>
               <a:ext uri="{FF2B5EF4-FFF2-40B4-BE49-F238E27FC236}">
-                <a16:creationId xmlns="" xmlns:a16="http://schemas.microsoft.com/office/drawing/2014/main" id="{C6D113C6-EA5C-788F-0C77-E7CE6EBB865F}"/>
+                <a16:creationId xmlns:a16="http://schemas.microsoft.com/office/drawing/2014/main" id="{C6D113C6-EA5C-788F-0C77-E7CE6EBB865F}"/>
               </a:ext>
             </a:extLst>
           </p:cNvPr>
@@ -15180,7 +15001,7 @@
           <a:lstStyle/>
           <a:p>
             <a:r>
-              <a:rPr lang="ko-KR" altLang="en-US" sz="3600" smtClean="0">
+              <a:rPr lang="ko-KR" altLang="en-US" sz="3600">
                 <a:solidFill>
                   <a:srgbClr val="FF0000"/>
                 </a:solidFill>
@@ -15190,7 +15011,7 @@
               <a:t>실행흐름</a:t>
             </a:r>
             <a:r>
-              <a:rPr lang="en-US" altLang="ko-KR" sz="3600" smtClean="0">
+              <a:rPr lang="en-US" altLang="ko-KR" sz="3600">
                 <a:solidFill>
                   <a:srgbClr val="FF0000"/>
                 </a:solidFill>
@@ -15200,7 +15021,7 @@
               <a:t>(main </a:t>
             </a:r>
             <a:r>
-              <a:rPr lang="ko-KR" altLang="en-US" sz="3600" smtClean="0">
+              <a:rPr lang="ko-KR" altLang="en-US" sz="3600">
                 <a:solidFill>
                   <a:srgbClr val="FF0000"/>
                 </a:solidFill>
@@ -15210,7 +15031,7 @@
               <a:t>쓰레드</a:t>
             </a:r>
             <a:r>
-              <a:rPr lang="en-US" altLang="ko-KR" sz="3600" smtClean="0">
+              <a:rPr lang="en-US" altLang="ko-KR" sz="3600">
                 <a:solidFill>
                   <a:srgbClr val="FF0000"/>
                 </a:solidFill>
@@ -15258,7 +15079,7 @@
           <p:cNvPr id="17" name="TextBox 16">
             <a:extLst>
               <a:ext uri="{FF2B5EF4-FFF2-40B4-BE49-F238E27FC236}">
-                <a16:creationId xmlns="" xmlns:a16="http://schemas.microsoft.com/office/drawing/2014/main" id="{C6D113C6-EA5C-788F-0C77-E7CE6EBB865F}"/>
+                <a16:creationId xmlns:a16="http://schemas.microsoft.com/office/drawing/2014/main" id="{C6D113C6-EA5C-788F-0C77-E7CE6EBB865F}"/>
               </a:ext>
             </a:extLst>
           </p:cNvPr>
@@ -15282,7 +15103,7 @@
           <a:lstStyle/>
           <a:p>
             <a:r>
-              <a:rPr lang="ko-KR" altLang="en-US" sz="5400" smtClean="0">
+              <a:rPr lang="ko-KR" altLang="en-US" sz="5400">
                 <a:solidFill>
                   <a:srgbClr val="FF0000"/>
                 </a:solidFill>
@@ -15292,7 +15113,7 @@
               <a:t>이미 쓰레드를 사용하고 있었던것이다</a:t>
             </a:r>
             <a:r>
-              <a:rPr lang="en-US" altLang="ko-KR" sz="5400" smtClean="0">
+              <a:rPr lang="en-US" altLang="ko-KR" sz="5400">
                 <a:solidFill>
                   <a:srgbClr val="FF0000"/>
                 </a:solidFill>
@@ -15321,13 +15142,6 @@
   <p:clrMapOvr>
     <a:masterClrMapping/>
   </p:clrMapOvr>
-  <p:timing>
-    <p:tnLst>
-      <p:par>
-        <p:cTn id="1" dur="indefinite" restart="never" nodeType="tmRoot"/>
-      </p:par>
-    </p:tnLst>
-  </p:timing>
 </p:sld>
 </file>
 
@@ -15353,7 +15167,7 @@
           <p:cNvPr id="4" name="TextBox 3">
             <a:extLst>
               <a:ext uri="{FF2B5EF4-FFF2-40B4-BE49-F238E27FC236}">
-                <a16:creationId xmlns:a16="http://schemas.microsoft.com/office/drawing/2014/main" xmlns="" id="{EE79C406-3461-D6A5-5346-D7C2FC38FCCD}"/>
+                <a16:creationId xmlns:a16="http://schemas.microsoft.com/office/drawing/2014/main" id="{EE79C406-3461-D6A5-5346-D7C2FC38FCCD}"/>
               </a:ext>
             </a:extLst>
           </p:cNvPr>
@@ -15377,7 +15191,7 @@
           <a:lstStyle/>
           <a:p>
             <a:r>
-              <a:rPr lang="ko-KR" altLang="en-US" sz="4800" smtClean="0">
+              <a:rPr lang="ko-KR" altLang="en-US" sz="4800">
                 <a:solidFill>
                   <a:srgbClr val="4C50BC"/>
                 </a:solidFill>
@@ -15401,7 +15215,7 @@
           <p:cNvPr id="5" name="TextBox 4">
             <a:extLst>
               <a:ext uri="{FF2B5EF4-FFF2-40B4-BE49-F238E27FC236}">
-                <a16:creationId xmlns:a16="http://schemas.microsoft.com/office/drawing/2014/main" xmlns="" id="{EE79C406-3461-D6A5-5346-D7C2FC38FCCD}"/>
+                <a16:creationId xmlns:a16="http://schemas.microsoft.com/office/drawing/2014/main" id="{EE79C406-3461-D6A5-5346-D7C2FC38FCCD}"/>
               </a:ext>
             </a:extLst>
           </p:cNvPr>
@@ -15425,7 +15239,7 @@
           <a:lstStyle/>
           <a:p>
             <a:r>
-              <a:rPr lang="ko-KR" altLang="en-US" sz="4800" smtClean="0">
+              <a:rPr lang="ko-KR" altLang="en-US" sz="4800">
                 <a:solidFill>
                   <a:srgbClr val="4C50BC"/>
                 </a:solidFill>
@@ -15449,7 +15263,7 @@
           <p:cNvPr id="6" name="그룹 1018">
             <a:extLst>
               <a:ext uri="{FF2B5EF4-FFF2-40B4-BE49-F238E27FC236}">
-                <a16:creationId xmlns="" xmlns:a16="http://schemas.microsoft.com/office/drawing/2014/main" id="{0804D430-F42E-AE32-A065-FFA8C471F092}"/>
+                <a16:creationId xmlns:a16="http://schemas.microsoft.com/office/drawing/2014/main" id="{0804D430-F42E-AE32-A065-FFA8C471F092}"/>
               </a:ext>
             </a:extLst>
           </p:cNvPr>
@@ -15469,7 +15283,7 @@
             <p:cNvPr id="7" name="Object 61">
               <a:extLst>
                 <a:ext uri="{FF2B5EF4-FFF2-40B4-BE49-F238E27FC236}">
-                  <a16:creationId xmlns="" xmlns:a16="http://schemas.microsoft.com/office/drawing/2014/main" id="{334A4C3A-641C-7CD9-8FEE-5EC92B28D640}"/>
+                  <a16:creationId xmlns:a16="http://schemas.microsoft.com/office/drawing/2014/main" id="{334A4C3A-641C-7CD9-8FEE-5EC92B28D640}"/>
                 </a:ext>
               </a:extLst>
             </p:cNvPr>
@@ -15500,7 +15314,7 @@
           <p:cNvPr id="8" name="직선 화살표 연결선 7">
             <a:extLst>
               <a:ext uri="{FF2B5EF4-FFF2-40B4-BE49-F238E27FC236}">
-                <a16:creationId xmlns="" xmlns:a16="http://schemas.microsoft.com/office/drawing/2014/main" id="{299DF5EC-9DF4-5255-06AC-0A7CE4FF58C3}"/>
+                <a16:creationId xmlns:a16="http://schemas.microsoft.com/office/drawing/2014/main" id="{299DF5EC-9DF4-5255-06AC-0A7CE4FF58C3}"/>
               </a:ext>
             </a:extLst>
           </p:cNvPr>
@@ -15541,7 +15355,7 @@
           <p:cNvPr id="9" name="TextBox 8">
             <a:extLst>
               <a:ext uri="{FF2B5EF4-FFF2-40B4-BE49-F238E27FC236}">
-                <a16:creationId xmlns="" xmlns:a16="http://schemas.microsoft.com/office/drawing/2014/main" id="{C6D113C6-EA5C-788F-0C77-E7CE6EBB865F}"/>
+                <a16:creationId xmlns:a16="http://schemas.microsoft.com/office/drawing/2014/main" id="{C6D113C6-EA5C-788F-0C77-E7CE6EBB865F}"/>
               </a:ext>
             </a:extLst>
           </p:cNvPr>
@@ -15565,7 +15379,7 @@
           <a:lstStyle/>
           <a:p>
             <a:r>
-              <a:rPr lang="ko-KR" altLang="en-US" sz="3600" smtClean="0">
+              <a:rPr lang="ko-KR" altLang="en-US" sz="3600">
                 <a:solidFill>
                   <a:srgbClr val="FF0000"/>
                 </a:solidFill>
@@ -15589,7 +15403,7 @@
           <p:cNvPr id="12" name="직선 화살표 연결선 11">
             <a:extLst>
               <a:ext uri="{FF2B5EF4-FFF2-40B4-BE49-F238E27FC236}">
-                <a16:creationId xmlns="" xmlns:a16="http://schemas.microsoft.com/office/drawing/2014/main" id="{299DF5EC-9DF4-5255-06AC-0A7CE4FF58C3}"/>
+                <a16:creationId xmlns:a16="http://schemas.microsoft.com/office/drawing/2014/main" id="{299DF5EC-9DF4-5255-06AC-0A7CE4FF58C3}"/>
               </a:ext>
             </a:extLst>
           </p:cNvPr>
@@ -15630,7 +15444,7 @@
           <p:cNvPr id="13" name="TextBox 12">
             <a:extLst>
               <a:ext uri="{FF2B5EF4-FFF2-40B4-BE49-F238E27FC236}">
-                <a16:creationId xmlns="" xmlns:a16="http://schemas.microsoft.com/office/drawing/2014/main" id="{C6D113C6-EA5C-788F-0C77-E7CE6EBB865F}"/>
+                <a16:creationId xmlns:a16="http://schemas.microsoft.com/office/drawing/2014/main" id="{C6D113C6-EA5C-788F-0C77-E7CE6EBB865F}"/>
               </a:ext>
             </a:extLst>
           </p:cNvPr>
@@ -15654,7 +15468,7 @@
           <a:lstStyle/>
           <a:p>
             <a:r>
-              <a:rPr lang="ko-KR" altLang="en-US" sz="3600" smtClean="0">
+              <a:rPr lang="ko-KR" altLang="en-US" sz="3600">
                 <a:solidFill>
                   <a:srgbClr val="FF0000"/>
                 </a:solidFill>
@@ -15731,13 +15545,6 @@
   <p:clrMapOvr>
     <a:masterClrMapping/>
   </p:clrMapOvr>
-  <p:timing>
-    <p:tnLst>
-      <p:par>
-        <p:cTn id="1" dur="indefinite" restart="never" nodeType="tmRoot"/>
-      </p:par>
-    </p:tnLst>
-  </p:timing>
 </p:sld>
 </file>
 
@@ -15787,7 +15594,7 @@
           <p:cNvPr id="5" name="직선 화살표 연결선 4">
             <a:extLst>
               <a:ext uri="{FF2B5EF4-FFF2-40B4-BE49-F238E27FC236}">
-                <a16:creationId xmlns="" xmlns:a16="http://schemas.microsoft.com/office/drawing/2014/main" id="{299DF5EC-9DF4-5255-06AC-0A7CE4FF58C3}"/>
+                <a16:creationId xmlns:a16="http://schemas.microsoft.com/office/drawing/2014/main" id="{299DF5EC-9DF4-5255-06AC-0A7CE4FF58C3}"/>
               </a:ext>
             </a:extLst>
           </p:cNvPr>
@@ -15828,7 +15635,7 @@
           <p:cNvPr id="6" name="TextBox 5">
             <a:extLst>
               <a:ext uri="{FF2B5EF4-FFF2-40B4-BE49-F238E27FC236}">
-                <a16:creationId xmlns="" xmlns:a16="http://schemas.microsoft.com/office/drawing/2014/main" id="{C6D113C6-EA5C-788F-0C77-E7CE6EBB865F}"/>
+                <a16:creationId xmlns:a16="http://schemas.microsoft.com/office/drawing/2014/main" id="{C6D113C6-EA5C-788F-0C77-E7CE6EBB865F}"/>
               </a:ext>
             </a:extLst>
           </p:cNvPr>
@@ -15852,7 +15659,7 @@
           <a:lstStyle/>
           <a:p>
             <a:r>
-              <a:rPr lang="ko-KR" altLang="en-US" sz="3600" smtClean="0">
+              <a:rPr lang="ko-KR" altLang="en-US" sz="3600">
                 <a:solidFill>
                   <a:srgbClr val="FF0000"/>
                 </a:solidFill>
@@ -15862,7 +15669,7 @@
               <a:t>서버와의 통신으로 행이 걸린다</a:t>
             </a:r>
             <a:r>
-              <a:rPr lang="en-US" altLang="ko-KR" sz="3600" smtClean="0">
+              <a:rPr lang="en-US" altLang="ko-KR" sz="3600">
                 <a:solidFill>
                   <a:srgbClr val="FF0000"/>
                 </a:solidFill>
@@ -15886,7 +15693,7 @@
           <p:cNvPr id="7" name="그룹 1008">
             <a:extLst>
               <a:ext uri="{FF2B5EF4-FFF2-40B4-BE49-F238E27FC236}">
-                <a16:creationId xmlns="" xmlns:a16="http://schemas.microsoft.com/office/drawing/2014/main" id="{E395BDE3-2EDE-065D-70E8-56E348228ACF}"/>
+                <a16:creationId xmlns:a16="http://schemas.microsoft.com/office/drawing/2014/main" id="{E395BDE3-2EDE-065D-70E8-56E348228ACF}"/>
               </a:ext>
             </a:extLst>
           </p:cNvPr>
@@ -15906,7 +15713,7 @@
             <p:cNvPr id="8" name="그룹 1009">
               <a:extLst>
                 <a:ext uri="{FF2B5EF4-FFF2-40B4-BE49-F238E27FC236}">
-                  <a16:creationId xmlns="" xmlns:a16="http://schemas.microsoft.com/office/drawing/2014/main" id="{852F4DEB-DB33-DB3F-9E9F-52A46CD0B10A}"/>
+                  <a16:creationId xmlns:a16="http://schemas.microsoft.com/office/drawing/2014/main" id="{852F4DEB-DB33-DB3F-9E9F-52A46CD0B10A}"/>
                 </a:ext>
               </a:extLst>
             </p:cNvPr>
@@ -15926,7 +15733,7 @@
               <p:cNvPr id="13" name="Object 29">
                 <a:extLst>
                   <a:ext uri="{FF2B5EF4-FFF2-40B4-BE49-F238E27FC236}">
-                    <a16:creationId xmlns="" xmlns:a16="http://schemas.microsoft.com/office/drawing/2014/main" id="{7E353D3B-14D4-8A64-5888-3F0C062C2CDD}"/>
+                    <a16:creationId xmlns:a16="http://schemas.microsoft.com/office/drawing/2014/main" id="{7E353D3B-14D4-8A64-5888-3F0C062C2CDD}"/>
                   </a:ext>
                 </a:extLst>
               </p:cNvPr>
@@ -15957,7 +15764,7 @@
             <p:cNvPr id="9" name="그룹 1010">
               <a:extLst>
                 <a:ext uri="{FF2B5EF4-FFF2-40B4-BE49-F238E27FC236}">
-                  <a16:creationId xmlns="" xmlns:a16="http://schemas.microsoft.com/office/drawing/2014/main" id="{001E38AB-1390-ABD0-BE01-9727136FEAEE}"/>
+                  <a16:creationId xmlns:a16="http://schemas.microsoft.com/office/drawing/2014/main" id="{001E38AB-1390-ABD0-BE01-9727136FEAEE}"/>
                 </a:ext>
               </a:extLst>
             </p:cNvPr>
@@ -15977,7 +15784,7 @@
               <p:cNvPr id="12" name="Object 32">
                 <a:extLst>
                   <a:ext uri="{FF2B5EF4-FFF2-40B4-BE49-F238E27FC236}">
-                    <a16:creationId xmlns="" xmlns:a16="http://schemas.microsoft.com/office/drawing/2014/main" id="{2ED1C30F-0D0B-F86C-8215-2598D332B5A3}"/>
+                    <a16:creationId xmlns:a16="http://schemas.microsoft.com/office/drawing/2014/main" id="{2ED1C30F-0D0B-F86C-8215-2598D332B5A3}"/>
                   </a:ext>
                 </a:extLst>
               </p:cNvPr>
@@ -16008,7 +15815,7 @@
             <p:cNvPr id="10" name="그룹 1011">
               <a:extLst>
                 <a:ext uri="{FF2B5EF4-FFF2-40B4-BE49-F238E27FC236}">
-                  <a16:creationId xmlns="" xmlns:a16="http://schemas.microsoft.com/office/drawing/2014/main" id="{1BCB8DE5-ABAF-4198-BC16-85BB76F2DB24}"/>
+                  <a16:creationId xmlns:a16="http://schemas.microsoft.com/office/drawing/2014/main" id="{1BCB8DE5-ABAF-4198-BC16-85BB76F2DB24}"/>
                 </a:ext>
               </a:extLst>
             </p:cNvPr>
@@ -16028,7 +15835,7 @@
               <p:cNvPr id="11" name="Object 35">
                 <a:extLst>
                   <a:ext uri="{FF2B5EF4-FFF2-40B4-BE49-F238E27FC236}">
-                    <a16:creationId xmlns="" xmlns:a16="http://schemas.microsoft.com/office/drawing/2014/main" id="{86E7BA23-0A1E-B581-CADC-06AB269DB2BD}"/>
+                    <a16:creationId xmlns:a16="http://schemas.microsoft.com/office/drawing/2014/main" id="{86E7BA23-0A1E-B581-CADC-06AB269DB2BD}"/>
                   </a:ext>
                 </a:extLst>
               </p:cNvPr>
@@ -16060,7 +15867,7 @@
           <p:cNvPr id="14" name="TextBox 13">
             <a:extLst>
               <a:ext uri="{FF2B5EF4-FFF2-40B4-BE49-F238E27FC236}">
-                <a16:creationId xmlns="" xmlns:a16="http://schemas.microsoft.com/office/drawing/2014/main" id="{C6D113C6-EA5C-788F-0C77-E7CE6EBB865F}"/>
+                <a16:creationId xmlns:a16="http://schemas.microsoft.com/office/drawing/2014/main" id="{C6D113C6-EA5C-788F-0C77-E7CE6EBB865F}"/>
               </a:ext>
             </a:extLst>
           </p:cNvPr>
@@ -16084,7 +15891,7 @@
           <a:lstStyle/>
           <a:p>
             <a:r>
-              <a:rPr lang="ko-KR" altLang="en-US" sz="3600" smtClean="0">
+              <a:rPr lang="ko-KR" altLang="en-US" sz="3600">
                 <a:solidFill>
                   <a:srgbClr val="FF0000"/>
                 </a:solidFill>
@@ -16094,7 +15901,7 @@
               <a:t>서버로 부터 응답을 받은후 진행된다</a:t>
             </a:r>
             <a:r>
-              <a:rPr lang="en-US" altLang="ko-KR" sz="3600" smtClean="0">
+              <a:rPr lang="en-US" altLang="ko-KR" sz="3600">
                 <a:solidFill>
                   <a:srgbClr val="FF0000"/>
                 </a:solidFill>
@@ -16118,7 +15925,7 @@
           <p:cNvPr id="15" name="직선 화살표 연결선 14">
             <a:extLst>
               <a:ext uri="{FF2B5EF4-FFF2-40B4-BE49-F238E27FC236}">
-                <a16:creationId xmlns="" xmlns:a16="http://schemas.microsoft.com/office/drawing/2014/main" id="{299DF5EC-9DF4-5255-06AC-0A7CE4FF58C3}"/>
+                <a16:creationId xmlns:a16="http://schemas.microsoft.com/office/drawing/2014/main" id="{299DF5EC-9DF4-5255-06AC-0A7CE4FF58C3}"/>
               </a:ext>
             </a:extLst>
           </p:cNvPr>
@@ -16159,7 +15966,7 @@
           <p:cNvPr id="16" name="TextBox 15">
             <a:extLst>
               <a:ext uri="{FF2B5EF4-FFF2-40B4-BE49-F238E27FC236}">
-                <a16:creationId xmlns="" xmlns:a16="http://schemas.microsoft.com/office/drawing/2014/main" id="{C6D113C6-EA5C-788F-0C77-E7CE6EBB865F}"/>
+                <a16:creationId xmlns:a16="http://schemas.microsoft.com/office/drawing/2014/main" id="{C6D113C6-EA5C-788F-0C77-E7CE6EBB865F}"/>
               </a:ext>
             </a:extLst>
           </p:cNvPr>
@@ -16183,7 +15990,7 @@
           <a:lstStyle/>
           <a:p>
             <a:r>
-              <a:rPr lang="ko-KR" altLang="en-US" sz="3600" smtClean="0">
+              <a:rPr lang="ko-KR" altLang="en-US" sz="3600">
                 <a:solidFill>
                   <a:srgbClr val="FF0000"/>
                 </a:solidFill>
@@ -16207,7 +16014,7 @@
           <p:cNvPr id="17" name="직선 화살표 연결선 16">
             <a:extLst>
               <a:ext uri="{FF2B5EF4-FFF2-40B4-BE49-F238E27FC236}">
-                <a16:creationId xmlns="" xmlns:a16="http://schemas.microsoft.com/office/drawing/2014/main" id="{299DF5EC-9DF4-5255-06AC-0A7CE4FF58C3}"/>
+                <a16:creationId xmlns:a16="http://schemas.microsoft.com/office/drawing/2014/main" id="{299DF5EC-9DF4-5255-06AC-0A7CE4FF58C3}"/>
               </a:ext>
             </a:extLst>
           </p:cNvPr>
@@ -16248,7 +16055,7 @@
           <p:cNvPr id="18" name="TextBox 17">
             <a:extLst>
               <a:ext uri="{FF2B5EF4-FFF2-40B4-BE49-F238E27FC236}">
-                <a16:creationId xmlns="" xmlns:a16="http://schemas.microsoft.com/office/drawing/2014/main" id="{C6D113C6-EA5C-788F-0C77-E7CE6EBB865F}"/>
+                <a16:creationId xmlns:a16="http://schemas.microsoft.com/office/drawing/2014/main" id="{C6D113C6-EA5C-788F-0C77-E7CE6EBB865F}"/>
               </a:ext>
             </a:extLst>
           </p:cNvPr>
@@ -16272,7 +16079,7 @@
           <a:lstStyle/>
           <a:p>
             <a:r>
-              <a:rPr lang="ko-KR" altLang="en-US" sz="3600" smtClean="0">
+              <a:rPr lang="ko-KR" altLang="en-US" sz="3600">
                 <a:solidFill>
                   <a:srgbClr val="FF0000"/>
                 </a:solidFill>
@@ -16301,13 +16108,6 @@
   <p:clrMapOvr>
     <a:masterClrMapping/>
   </p:clrMapOvr>
-  <p:timing>
-    <p:tnLst>
-      <p:par>
-        <p:cTn id="1" dur="indefinite" restart="never" nodeType="tmRoot"/>
-      </p:par>
-    </p:tnLst>
-  </p:timing>
 </p:sld>
 </file>
 
@@ -16357,7 +16157,7 @@
           <p:cNvPr id="5" name="TextBox 4">
             <a:extLst>
               <a:ext uri="{FF2B5EF4-FFF2-40B4-BE49-F238E27FC236}">
-                <a16:creationId xmlns:a16="http://schemas.microsoft.com/office/drawing/2014/main" xmlns="" id="{D15853EE-94B0-D08B-DCB7-3381290CC3FF}"/>
+                <a16:creationId xmlns:a16="http://schemas.microsoft.com/office/drawing/2014/main" id="{D15853EE-94B0-D08B-DCB7-3381290CC3FF}"/>
               </a:ext>
             </a:extLst>
           </p:cNvPr>
@@ -16381,7 +16181,7 @@
           <a:lstStyle/>
           <a:p>
             <a:r>
-              <a:rPr lang="ko-KR" altLang="en-US" sz="4800" smtClean="0">
+              <a:rPr lang="ko-KR" altLang="en-US" sz="4800">
                 <a:solidFill>
                   <a:srgbClr val="4C50BC"/>
                 </a:solidFill>
@@ -16391,7 +16191,7 @@
               <a:t>객체의 상태를 상수로써 표현했다</a:t>
             </a:r>
             <a:r>
-              <a:rPr lang="en-US" altLang="ko-KR" sz="4800" smtClean="0">
+              <a:rPr lang="en-US" altLang="ko-KR" sz="4800">
                 <a:solidFill>
                   <a:srgbClr val="4C50BC"/>
                 </a:solidFill>
@@ -16420,13 +16220,6 @@
   <p:clrMapOvr>
     <a:masterClrMapping/>
   </p:clrMapOvr>
-  <p:timing>
-    <p:tnLst>
-      <p:par>
-        <p:cTn id="1" dur="indefinite" restart="never" nodeType="tmRoot"/>
-      </p:par>
-    </p:tnLst>
-  </p:timing>
 </p:sld>
 </file>
 
@@ -16476,7 +16269,7 @@
           <p:cNvPr id="15" name="직선 화살표 연결선 14">
             <a:extLst>
               <a:ext uri="{FF2B5EF4-FFF2-40B4-BE49-F238E27FC236}">
-                <a16:creationId xmlns="" xmlns:a16="http://schemas.microsoft.com/office/drawing/2014/main" id="{299DF5EC-9DF4-5255-06AC-0A7CE4FF58C3}"/>
+                <a16:creationId xmlns:a16="http://schemas.microsoft.com/office/drawing/2014/main" id="{299DF5EC-9DF4-5255-06AC-0A7CE4FF58C3}"/>
               </a:ext>
             </a:extLst>
           </p:cNvPr>
@@ -16517,7 +16310,7 @@
           <p:cNvPr id="16" name="TextBox 15">
             <a:extLst>
               <a:ext uri="{FF2B5EF4-FFF2-40B4-BE49-F238E27FC236}">
-                <a16:creationId xmlns="" xmlns:a16="http://schemas.microsoft.com/office/drawing/2014/main" id="{C6D113C6-EA5C-788F-0C77-E7CE6EBB865F}"/>
+                <a16:creationId xmlns:a16="http://schemas.microsoft.com/office/drawing/2014/main" id="{C6D113C6-EA5C-788F-0C77-E7CE6EBB865F}"/>
               </a:ext>
             </a:extLst>
           </p:cNvPr>
@@ -16541,7 +16334,7 @@
           <a:lstStyle/>
           <a:p>
             <a:r>
-              <a:rPr lang="ko-KR" altLang="en-US" sz="3600" smtClean="0">
+              <a:rPr lang="ko-KR" altLang="en-US" sz="3600">
                 <a:solidFill>
                   <a:srgbClr val="FF0000"/>
                 </a:solidFill>
@@ -16565,7 +16358,7 @@
           <p:cNvPr id="17" name="직선 화살표 연결선 16">
             <a:extLst>
               <a:ext uri="{FF2B5EF4-FFF2-40B4-BE49-F238E27FC236}">
-                <a16:creationId xmlns="" xmlns:a16="http://schemas.microsoft.com/office/drawing/2014/main" id="{299DF5EC-9DF4-5255-06AC-0A7CE4FF58C3}"/>
+                <a16:creationId xmlns:a16="http://schemas.microsoft.com/office/drawing/2014/main" id="{299DF5EC-9DF4-5255-06AC-0A7CE4FF58C3}"/>
               </a:ext>
             </a:extLst>
           </p:cNvPr>
@@ -16606,7 +16399,7 @@
           <p:cNvPr id="19" name="직선 화살표 연결선 18">
             <a:extLst>
               <a:ext uri="{FF2B5EF4-FFF2-40B4-BE49-F238E27FC236}">
-                <a16:creationId xmlns="" xmlns:a16="http://schemas.microsoft.com/office/drawing/2014/main" id="{299DF5EC-9DF4-5255-06AC-0A7CE4FF58C3}"/>
+                <a16:creationId xmlns:a16="http://schemas.microsoft.com/office/drawing/2014/main" id="{299DF5EC-9DF4-5255-06AC-0A7CE4FF58C3}"/>
               </a:ext>
             </a:extLst>
           </p:cNvPr>
@@ -16647,7 +16440,7 @@
           <p:cNvPr id="24" name="TextBox 23">
             <a:extLst>
               <a:ext uri="{FF2B5EF4-FFF2-40B4-BE49-F238E27FC236}">
-                <a16:creationId xmlns="" xmlns:a16="http://schemas.microsoft.com/office/drawing/2014/main" id="{C6D113C6-EA5C-788F-0C77-E7CE6EBB865F}"/>
+                <a16:creationId xmlns:a16="http://schemas.microsoft.com/office/drawing/2014/main" id="{C6D113C6-EA5C-788F-0C77-E7CE6EBB865F}"/>
               </a:ext>
             </a:extLst>
           </p:cNvPr>
@@ -16671,7 +16464,7 @@
           <a:lstStyle/>
           <a:p>
             <a:r>
-              <a:rPr lang="ko-KR" altLang="en-US" sz="3600" smtClean="0">
+              <a:rPr lang="ko-KR" altLang="en-US" sz="3600">
                 <a:solidFill>
                   <a:srgbClr val="4C50BC"/>
                 </a:solidFill>
@@ -16680,7 +16473,7 @@
               </a:rPr>
               <a:t>서버의 응답과 </a:t>
             </a:r>
-            <a:endParaRPr lang="en-US" altLang="ko-KR" sz="3600" smtClean="0">
+            <a:endParaRPr lang="en-US" altLang="ko-KR" sz="3600">
               <a:solidFill>
                 <a:srgbClr val="4C50BC"/>
               </a:solidFill>
@@ -16690,7 +16483,7 @@
           </a:p>
           <a:p>
             <a:r>
-              <a:rPr lang="ko-KR" altLang="en-US" sz="3600" smtClean="0">
+              <a:rPr lang="ko-KR" altLang="en-US" sz="3600">
                 <a:solidFill>
                   <a:srgbClr val="4C50BC"/>
                 </a:solidFill>
@@ -16699,7 +16492,7 @@
               </a:rPr>
               <a:t>상관없이 진행할</a:t>
             </a:r>
-            <a:endParaRPr lang="en-US" altLang="ko-KR" sz="3600" smtClean="0">
+            <a:endParaRPr lang="en-US" altLang="ko-KR" sz="3600">
               <a:solidFill>
                 <a:srgbClr val="4C50BC"/>
               </a:solidFill>
@@ -16709,7 +16502,7 @@
           </a:p>
           <a:p>
             <a:r>
-              <a:rPr lang="ko-KR" altLang="en-US" sz="3600" smtClean="0">
+              <a:rPr lang="ko-KR" altLang="en-US" sz="3600">
                 <a:solidFill>
                   <a:srgbClr val="4C50BC"/>
                 </a:solidFill>
@@ -16769,7 +16562,7 @@
           <p:cNvPr id="34" name="TextBox 33">
             <a:extLst>
               <a:ext uri="{FF2B5EF4-FFF2-40B4-BE49-F238E27FC236}">
-                <a16:creationId xmlns="" xmlns:a16="http://schemas.microsoft.com/office/drawing/2014/main" id="{C6D113C6-EA5C-788F-0C77-E7CE6EBB865F}"/>
+                <a16:creationId xmlns:a16="http://schemas.microsoft.com/office/drawing/2014/main" id="{C6D113C6-EA5C-788F-0C77-E7CE6EBB865F}"/>
               </a:ext>
             </a:extLst>
           </p:cNvPr>
@@ -16793,7 +16586,7 @@
           <a:lstStyle/>
           <a:p>
             <a:r>
-              <a:rPr lang="ko-KR" altLang="en-US" sz="3600" smtClean="0">
+              <a:rPr lang="ko-KR" altLang="en-US" sz="3600">
                 <a:solidFill>
                   <a:srgbClr val="FF0000"/>
                 </a:solidFill>
@@ -16822,13 +16615,6 @@
   <p:clrMapOvr>
     <a:masterClrMapping/>
   </p:clrMapOvr>
-  <p:timing>
-    <p:tnLst>
-      <p:par>
-        <p:cTn id="1" dur="indefinite" restart="never" nodeType="tmRoot"/>
-      </p:par>
-    </p:tnLst>
-  </p:timing>
 </p:sld>
 </file>
 
@@ -16854,7 +16640,7 @@
           <p:cNvPr id="4" name="TextBox 3">
             <a:extLst>
               <a:ext uri="{FF2B5EF4-FFF2-40B4-BE49-F238E27FC236}">
-                <a16:creationId xmlns:a16="http://schemas.microsoft.com/office/drawing/2014/main" xmlns="" id="{EE79C406-3461-D6A5-5346-D7C2FC38FCCD}"/>
+                <a16:creationId xmlns:a16="http://schemas.microsoft.com/office/drawing/2014/main" id="{EE79C406-3461-D6A5-5346-D7C2FC38FCCD}"/>
               </a:ext>
             </a:extLst>
           </p:cNvPr>
@@ -16878,7 +16664,7 @@
           <a:lstStyle/>
           <a:p>
             <a:r>
-              <a:rPr lang="ko-KR" altLang="en-US" sz="4800" smtClean="0">
+              <a:rPr lang="ko-KR" altLang="en-US" sz="4800">
                 <a:solidFill>
                   <a:srgbClr val="4C50BC"/>
                 </a:solidFill>
@@ -16902,7 +16688,7 @@
           <p:cNvPr id="5" name="TextBox 4">
             <a:extLst>
               <a:ext uri="{FF2B5EF4-FFF2-40B4-BE49-F238E27FC236}">
-                <a16:creationId xmlns="" xmlns:a16="http://schemas.microsoft.com/office/drawing/2014/main" id="{A2AD056B-97A4-5BCC-4460-250160F3E171}"/>
+                <a16:creationId xmlns:a16="http://schemas.microsoft.com/office/drawing/2014/main" id="{A2AD056B-97A4-5BCC-4460-250160F3E171}"/>
               </a:ext>
             </a:extLst>
           </p:cNvPr>
@@ -16926,7 +16712,7 @@
           <a:lstStyle/>
           <a:p>
             <a:r>
-              <a:rPr lang="en-US" altLang="ko-KR" sz="4000" smtClean="0">
+              <a:rPr lang="en-US" altLang="ko-KR" sz="4000">
                 <a:solidFill>
                   <a:schemeClr val="tx1">
                     <a:lumMod val="50000"/>
@@ -16939,7 +16725,7 @@
               <a:t>1.Thread </a:t>
             </a:r>
             <a:r>
-              <a:rPr lang="ko-KR" altLang="en-US" sz="4000" smtClean="0">
+              <a:rPr lang="ko-KR" altLang="en-US" sz="4000">
                 <a:solidFill>
                   <a:schemeClr val="tx1">
                     <a:lumMod val="50000"/>
@@ -16964,7 +16750,7 @@
           </a:p>
           <a:p>
             <a:r>
-              <a:rPr lang="en-US" altLang="ko-KR" sz="4000" smtClean="0">
+              <a:rPr lang="en-US" altLang="ko-KR" sz="4000">
                 <a:solidFill>
                   <a:schemeClr val="tx1">
                     <a:lumMod val="50000"/>
@@ -16977,7 +16763,7 @@
               <a:t>2. Runnable</a:t>
             </a:r>
             <a:r>
-              <a:rPr lang="ko-KR" altLang="en-US" sz="4000" smtClean="0">
+              <a:rPr lang="ko-KR" altLang="en-US" sz="4000">
                 <a:solidFill>
                   <a:schemeClr val="tx1">
                     <a:lumMod val="50000"/>
@@ -17124,7 +16910,7 @@
           <p:cNvPr id="20" name="직선 화살표 연결선 19">
             <a:extLst>
               <a:ext uri="{FF2B5EF4-FFF2-40B4-BE49-F238E27FC236}">
-                <a16:creationId xmlns="" xmlns:a16="http://schemas.microsoft.com/office/drawing/2014/main" id="{299DF5EC-9DF4-5255-06AC-0A7CE4FF58C3}"/>
+                <a16:creationId xmlns:a16="http://schemas.microsoft.com/office/drawing/2014/main" id="{299DF5EC-9DF4-5255-06AC-0A7CE4FF58C3}"/>
               </a:ext>
             </a:extLst>
           </p:cNvPr>
@@ -17165,7 +16951,7 @@
           <p:cNvPr id="22" name="TextBox 21">
             <a:extLst>
               <a:ext uri="{FF2B5EF4-FFF2-40B4-BE49-F238E27FC236}">
-                <a16:creationId xmlns="" xmlns:a16="http://schemas.microsoft.com/office/drawing/2014/main" id="{C6D113C6-EA5C-788F-0C77-E7CE6EBB865F}"/>
+                <a16:creationId xmlns:a16="http://schemas.microsoft.com/office/drawing/2014/main" id="{C6D113C6-EA5C-788F-0C77-E7CE6EBB865F}"/>
               </a:ext>
             </a:extLst>
           </p:cNvPr>
@@ -17189,7 +16975,7 @@
           <a:lstStyle/>
           <a:p>
             <a:r>
-              <a:rPr lang="ko-KR" altLang="en-US" sz="3600" smtClean="0">
+              <a:rPr lang="ko-KR" altLang="en-US" sz="3600">
                 <a:solidFill>
                   <a:srgbClr val="FF0000"/>
                 </a:solidFill>
@@ -17213,7 +16999,7 @@
           <p:cNvPr id="23" name="직선 화살표 연결선 22">
             <a:extLst>
               <a:ext uri="{FF2B5EF4-FFF2-40B4-BE49-F238E27FC236}">
-                <a16:creationId xmlns="" xmlns:a16="http://schemas.microsoft.com/office/drawing/2014/main" id="{299DF5EC-9DF4-5255-06AC-0A7CE4FF58C3}"/>
+                <a16:creationId xmlns:a16="http://schemas.microsoft.com/office/drawing/2014/main" id="{299DF5EC-9DF4-5255-06AC-0A7CE4FF58C3}"/>
               </a:ext>
             </a:extLst>
           </p:cNvPr>
@@ -17254,7 +17040,7 @@
           <p:cNvPr id="24" name="TextBox 23">
             <a:extLst>
               <a:ext uri="{FF2B5EF4-FFF2-40B4-BE49-F238E27FC236}">
-                <a16:creationId xmlns="" xmlns:a16="http://schemas.microsoft.com/office/drawing/2014/main" id="{C6D113C6-EA5C-788F-0C77-E7CE6EBB865F}"/>
+                <a16:creationId xmlns:a16="http://schemas.microsoft.com/office/drawing/2014/main" id="{C6D113C6-EA5C-788F-0C77-E7CE6EBB865F}"/>
               </a:ext>
             </a:extLst>
           </p:cNvPr>
@@ -17278,7 +17064,7 @@
           <a:lstStyle/>
           <a:p>
             <a:r>
-              <a:rPr lang="ko-KR" altLang="en-US" sz="3600" smtClean="0">
+              <a:rPr lang="ko-KR" altLang="en-US" sz="3600">
                 <a:solidFill>
                   <a:srgbClr val="FF0000"/>
                 </a:solidFill>
@@ -17302,7 +17088,7 @@
           <p:cNvPr id="27" name="직선 화살표 연결선 26">
             <a:extLst>
               <a:ext uri="{FF2B5EF4-FFF2-40B4-BE49-F238E27FC236}">
-                <a16:creationId xmlns="" xmlns:a16="http://schemas.microsoft.com/office/drawing/2014/main" id="{299DF5EC-9DF4-5255-06AC-0A7CE4FF58C3}"/>
+                <a16:creationId xmlns:a16="http://schemas.microsoft.com/office/drawing/2014/main" id="{299DF5EC-9DF4-5255-06AC-0A7CE4FF58C3}"/>
               </a:ext>
             </a:extLst>
           </p:cNvPr>
@@ -17704,7 +17490,7 @@
           <p:cNvPr id="4" name="TextBox 3">
             <a:extLst>
               <a:ext uri="{FF2B5EF4-FFF2-40B4-BE49-F238E27FC236}">
-                <a16:creationId xmlns:a16="http://schemas.microsoft.com/office/drawing/2014/main" xmlns="" id="{EE79C406-3461-D6A5-5346-D7C2FC38FCCD}"/>
+                <a16:creationId xmlns:a16="http://schemas.microsoft.com/office/drawing/2014/main" id="{EE79C406-3461-D6A5-5346-D7C2FC38FCCD}"/>
               </a:ext>
             </a:extLst>
           </p:cNvPr>
@@ -17728,7 +17514,7 @@
           <a:lstStyle/>
           <a:p>
             <a:r>
-              <a:rPr lang="en-US" altLang="ko-KR" sz="4800" smtClean="0">
+              <a:rPr lang="en-US" altLang="ko-KR" sz="4800">
                 <a:solidFill>
                   <a:srgbClr val="4C50BC"/>
                 </a:solidFill>
@@ -17738,7 +17524,7 @@
               <a:t>Runnable </a:t>
             </a:r>
             <a:r>
-              <a:rPr lang="ko-KR" altLang="en-US" sz="4800" smtClean="0">
+              <a:rPr lang="ko-KR" altLang="en-US" sz="4800">
                 <a:solidFill>
                   <a:srgbClr val="4C50BC"/>
                 </a:solidFill>
@@ -17810,7 +17596,7 @@
           <p:cNvPr id="7" name="직선 화살표 연결선 6">
             <a:extLst>
               <a:ext uri="{FF2B5EF4-FFF2-40B4-BE49-F238E27FC236}">
-                <a16:creationId xmlns="" xmlns:a16="http://schemas.microsoft.com/office/drawing/2014/main" id="{299DF5EC-9DF4-5255-06AC-0A7CE4FF58C3}"/>
+                <a16:creationId xmlns:a16="http://schemas.microsoft.com/office/drawing/2014/main" id="{299DF5EC-9DF4-5255-06AC-0A7CE4FF58C3}"/>
               </a:ext>
             </a:extLst>
           </p:cNvPr>
@@ -17851,7 +17637,7 @@
           <p:cNvPr id="8" name="TextBox 7">
             <a:extLst>
               <a:ext uri="{FF2B5EF4-FFF2-40B4-BE49-F238E27FC236}">
-                <a16:creationId xmlns="" xmlns:a16="http://schemas.microsoft.com/office/drawing/2014/main" id="{C6D113C6-EA5C-788F-0C77-E7CE6EBB865F}"/>
+                <a16:creationId xmlns:a16="http://schemas.microsoft.com/office/drawing/2014/main" id="{C6D113C6-EA5C-788F-0C77-E7CE6EBB865F}"/>
               </a:ext>
             </a:extLst>
           </p:cNvPr>
@@ -17875,7 +17661,7 @@
           <a:lstStyle/>
           <a:p>
             <a:r>
-              <a:rPr lang="ko-KR" altLang="en-US" sz="3600" smtClean="0">
+              <a:rPr lang="ko-KR" altLang="en-US" sz="3600">
                 <a:solidFill>
                   <a:srgbClr val="FF0000"/>
                 </a:solidFill>
@@ -17885,7 +17671,7 @@
               <a:t>서브쓰레드로 실행되는 코드이다</a:t>
             </a:r>
             <a:r>
-              <a:rPr lang="en-US" altLang="ko-KR" sz="3600" smtClean="0">
+              <a:rPr lang="en-US" altLang="ko-KR" sz="3600">
                 <a:solidFill>
                   <a:srgbClr val="FF0000"/>
                 </a:solidFill>
@@ -17914,13 +17700,6 @@
   <p:clrMapOvr>
     <a:masterClrMapping/>
   </p:clrMapOvr>
-  <p:timing>
-    <p:tnLst>
-      <p:par>
-        <p:cTn id="1" dur="indefinite" restart="never" nodeType="tmRoot"/>
-      </p:par>
-    </p:tnLst>
-  </p:timing>
 </p:sld>
 </file>
 
@@ -17946,7 +17725,7 @@
           <p:cNvPr id="4" name="TextBox 3">
             <a:extLst>
               <a:ext uri="{FF2B5EF4-FFF2-40B4-BE49-F238E27FC236}">
-                <a16:creationId xmlns:a16="http://schemas.microsoft.com/office/drawing/2014/main" xmlns="" id="{EE79C406-3461-D6A5-5346-D7C2FC38FCCD}"/>
+                <a16:creationId xmlns:a16="http://schemas.microsoft.com/office/drawing/2014/main" id="{EE79C406-3461-D6A5-5346-D7C2FC38FCCD}"/>
               </a:ext>
             </a:extLst>
           </p:cNvPr>
@@ -17970,7 +17749,7 @@
           <a:lstStyle/>
           <a:p>
             <a:r>
-              <a:rPr lang="ko-KR" altLang="en-US" sz="4800" smtClean="0">
+              <a:rPr lang="ko-KR" altLang="en-US" sz="4800">
                 <a:solidFill>
                   <a:srgbClr val="4C50BC"/>
                 </a:solidFill>
@@ -17980,7 +17759,7 @@
               <a:t>그런데 우리가 구현한건 </a:t>
             </a:r>
             <a:r>
-              <a:rPr lang="en-US" altLang="ko-KR" sz="4800" smtClean="0">
+              <a:rPr lang="en-US" altLang="ko-KR" sz="4800">
                 <a:solidFill>
                   <a:srgbClr val="4C50BC"/>
                 </a:solidFill>
@@ -17990,7 +17769,7 @@
               <a:t>run() </a:t>
             </a:r>
             <a:r>
-              <a:rPr lang="ko-KR" altLang="en-US" sz="4800" smtClean="0">
+              <a:rPr lang="ko-KR" altLang="en-US" sz="4800">
                 <a:solidFill>
                   <a:srgbClr val="4C50BC"/>
                 </a:solidFill>
@@ -18000,7 +17779,7 @@
               <a:t>메서드인데 왜 </a:t>
             </a:r>
             <a:r>
-              <a:rPr lang="en-US" altLang="ko-KR" sz="4800" smtClean="0">
+              <a:rPr lang="en-US" altLang="ko-KR" sz="4800">
                 <a:solidFill>
                   <a:srgbClr val="4C50BC"/>
                 </a:solidFill>
@@ -18010,7 +17789,7 @@
               <a:t>start() </a:t>
             </a:r>
             <a:r>
-              <a:rPr lang="ko-KR" altLang="en-US" sz="4800" smtClean="0">
+              <a:rPr lang="ko-KR" altLang="en-US" sz="4800">
                 <a:solidFill>
                   <a:srgbClr val="4C50BC"/>
                 </a:solidFill>
@@ -18020,7 +17799,7 @@
               <a:t>를 호출해서 쓰레드를 시작할까</a:t>
             </a:r>
             <a:r>
-              <a:rPr lang="en-US" altLang="ko-KR" sz="4800" smtClean="0">
+              <a:rPr lang="en-US" altLang="ko-KR" sz="4800">
                 <a:solidFill>
                   <a:srgbClr val="4C50BC"/>
                 </a:solidFill>
@@ -18049,13 +17828,6 @@
   <p:clrMapOvr>
     <a:masterClrMapping/>
   </p:clrMapOvr>
-  <p:timing>
-    <p:tnLst>
-      <p:par>
-        <p:cTn id="1" dur="indefinite" restart="never" nodeType="tmRoot"/>
-      </p:par>
-    </p:tnLst>
-  </p:timing>
 </p:sld>
 </file>
 
@@ -18201,7 +17973,7 @@
           <p:cNvPr id="31" name="그룹 1018">
             <a:extLst>
               <a:ext uri="{FF2B5EF4-FFF2-40B4-BE49-F238E27FC236}">
-                <a16:creationId xmlns="" xmlns:a16="http://schemas.microsoft.com/office/drawing/2014/main" id="{0804D430-F42E-AE32-A065-FFA8C471F092}"/>
+                <a16:creationId xmlns:a16="http://schemas.microsoft.com/office/drawing/2014/main" id="{0804D430-F42E-AE32-A065-FFA8C471F092}"/>
               </a:ext>
             </a:extLst>
           </p:cNvPr>
@@ -18221,7 +17993,7 @@
             <p:cNvPr id="32" name="Object 61">
               <a:extLst>
                 <a:ext uri="{FF2B5EF4-FFF2-40B4-BE49-F238E27FC236}">
-                  <a16:creationId xmlns="" xmlns:a16="http://schemas.microsoft.com/office/drawing/2014/main" id="{334A4C3A-641C-7CD9-8FEE-5EC92B28D640}"/>
+                  <a16:creationId xmlns:a16="http://schemas.microsoft.com/office/drawing/2014/main" id="{334A4C3A-641C-7CD9-8FEE-5EC92B28D640}"/>
                 </a:ext>
               </a:extLst>
             </p:cNvPr>
@@ -18252,7 +18024,7 @@
           <p:cNvPr id="33" name="TextBox 32">
             <a:extLst>
               <a:ext uri="{FF2B5EF4-FFF2-40B4-BE49-F238E27FC236}">
-                <a16:creationId xmlns="" xmlns:a16="http://schemas.microsoft.com/office/drawing/2014/main" id="{52176D31-35F7-8916-46FA-6095EFEC1E49}"/>
+                <a16:creationId xmlns:a16="http://schemas.microsoft.com/office/drawing/2014/main" id="{52176D31-35F7-8916-46FA-6095EFEC1E49}"/>
               </a:ext>
             </a:extLst>
           </p:cNvPr>
@@ -18276,7 +18048,7 @@
           <a:lstStyle/>
           <a:p>
             <a:r>
-              <a:rPr lang="en-US" altLang="ko-KR" sz="2800" smtClean="0">
+              <a:rPr lang="en-US" altLang="ko-KR" sz="2800">
                 <a:solidFill>
                   <a:schemeClr val="tx1">
                     <a:lumMod val="50000"/>
@@ -18330,7 +18102,7 @@
           <p:cNvPr id="36" name="그룹 1018">
             <a:extLst>
               <a:ext uri="{FF2B5EF4-FFF2-40B4-BE49-F238E27FC236}">
-                <a16:creationId xmlns="" xmlns:a16="http://schemas.microsoft.com/office/drawing/2014/main" id="{0804D430-F42E-AE32-A065-FFA8C471F092}"/>
+                <a16:creationId xmlns:a16="http://schemas.microsoft.com/office/drawing/2014/main" id="{0804D430-F42E-AE32-A065-FFA8C471F092}"/>
               </a:ext>
             </a:extLst>
           </p:cNvPr>
@@ -18350,7 +18122,7 @@
             <p:cNvPr id="37" name="Object 61">
               <a:extLst>
                 <a:ext uri="{FF2B5EF4-FFF2-40B4-BE49-F238E27FC236}">
-                  <a16:creationId xmlns="" xmlns:a16="http://schemas.microsoft.com/office/drawing/2014/main" id="{334A4C3A-641C-7CD9-8FEE-5EC92B28D640}"/>
+                  <a16:creationId xmlns:a16="http://schemas.microsoft.com/office/drawing/2014/main" id="{334A4C3A-641C-7CD9-8FEE-5EC92B28D640}"/>
                 </a:ext>
               </a:extLst>
             </p:cNvPr>
@@ -18381,7 +18153,7 @@
           <p:cNvPr id="38" name="TextBox 37">
             <a:extLst>
               <a:ext uri="{FF2B5EF4-FFF2-40B4-BE49-F238E27FC236}">
-                <a16:creationId xmlns="" xmlns:a16="http://schemas.microsoft.com/office/drawing/2014/main" id="{52176D31-35F7-8916-46FA-6095EFEC1E49}"/>
+                <a16:creationId xmlns:a16="http://schemas.microsoft.com/office/drawing/2014/main" id="{52176D31-35F7-8916-46FA-6095EFEC1E49}"/>
               </a:ext>
             </a:extLst>
           </p:cNvPr>
@@ -18405,7 +18177,7 @@
           <a:lstStyle/>
           <a:p>
             <a:r>
-              <a:rPr lang="en-US" altLang="ko-KR" sz="2800" smtClean="0">
+              <a:rPr lang="en-US" altLang="ko-KR" sz="2800">
                 <a:solidFill>
                   <a:schemeClr val="tx1">
                     <a:lumMod val="50000"/>
@@ -18435,7 +18207,7 @@
           <p:cNvPr id="39" name="그룹 1018">
             <a:extLst>
               <a:ext uri="{FF2B5EF4-FFF2-40B4-BE49-F238E27FC236}">
-                <a16:creationId xmlns="" xmlns:a16="http://schemas.microsoft.com/office/drawing/2014/main" id="{0804D430-F42E-AE32-A065-FFA8C471F092}"/>
+                <a16:creationId xmlns:a16="http://schemas.microsoft.com/office/drawing/2014/main" id="{0804D430-F42E-AE32-A065-FFA8C471F092}"/>
               </a:ext>
             </a:extLst>
           </p:cNvPr>
@@ -18455,7 +18227,7 @@
             <p:cNvPr id="40" name="Object 61">
               <a:extLst>
                 <a:ext uri="{FF2B5EF4-FFF2-40B4-BE49-F238E27FC236}">
-                  <a16:creationId xmlns="" xmlns:a16="http://schemas.microsoft.com/office/drawing/2014/main" id="{334A4C3A-641C-7CD9-8FEE-5EC92B28D640}"/>
+                  <a16:creationId xmlns:a16="http://schemas.microsoft.com/office/drawing/2014/main" id="{334A4C3A-641C-7CD9-8FEE-5EC92B28D640}"/>
                 </a:ext>
               </a:extLst>
             </p:cNvPr>
@@ -18486,7 +18258,7 @@
           <p:cNvPr id="41" name="TextBox 40">
             <a:extLst>
               <a:ext uri="{FF2B5EF4-FFF2-40B4-BE49-F238E27FC236}">
-                <a16:creationId xmlns="" xmlns:a16="http://schemas.microsoft.com/office/drawing/2014/main" id="{52176D31-35F7-8916-46FA-6095EFEC1E49}"/>
+                <a16:creationId xmlns:a16="http://schemas.microsoft.com/office/drawing/2014/main" id="{52176D31-35F7-8916-46FA-6095EFEC1E49}"/>
               </a:ext>
             </a:extLst>
           </p:cNvPr>
@@ -18510,7 +18282,7 @@
           <a:lstStyle/>
           <a:p>
             <a:r>
-              <a:rPr lang="en-US" altLang="ko-KR" sz="2800" smtClean="0">
+              <a:rPr lang="en-US" altLang="ko-KR" sz="2800">
                 <a:solidFill>
                   <a:schemeClr val="tx1">
                     <a:lumMod val="50000"/>
@@ -18540,7 +18312,7 @@
           <p:cNvPr id="42" name="그룹 1018">
             <a:extLst>
               <a:ext uri="{FF2B5EF4-FFF2-40B4-BE49-F238E27FC236}">
-                <a16:creationId xmlns="" xmlns:a16="http://schemas.microsoft.com/office/drawing/2014/main" id="{0804D430-F42E-AE32-A065-FFA8C471F092}"/>
+                <a16:creationId xmlns:a16="http://schemas.microsoft.com/office/drawing/2014/main" id="{0804D430-F42E-AE32-A065-FFA8C471F092}"/>
               </a:ext>
             </a:extLst>
           </p:cNvPr>
@@ -18560,7 +18332,7 @@
             <p:cNvPr id="43" name="Object 61">
               <a:extLst>
                 <a:ext uri="{FF2B5EF4-FFF2-40B4-BE49-F238E27FC236}">
-                  <a16:creationId xmlns="" xmlns:a16="http://schemas.microsoft.com/office/drawing/2014/main" id="{334A4C3A-641C-7CD9-8FEE-5EC92B28D640}"/>
+                  <a16:creationId xmlns:a16="http://schemas.microsoft.com/office/drawing/2014/main" id="{334A4C3A-641C-7CD9-8FEE-5EC92B28D640}"/>
                 </a:ext>
               </a:extLst>
             </p:cNvPr>
@@ -18591,7 +18363,7 @@
           <p:cNvPr id="44" name="TextBox 43">
             <a:extLst>
               <a:ext uri="{FF2B5EF4-FFF2-40B4-BE49-F238E27FC236}">
-                <a16:creationId xmlns="" xmlns:a16="http://schemas.microsoft.com/office/drawing/2014/main" id="{52176D31-35F7-8916-46FA-6095EFEC1E49}"/>
+                <a16:creationId xmlns:a16="http://schemas.microsoft.com/office/drawing/2014/main" id="{52176D31-35F7-8916-46FA-6095EFEC1E49}"/>
               </a:ext>
             </a:extLst>
           </p:cNvPr>
@@ -18615,7 +18387,7 @@
           <a:lstStyle/>
           <a:p>
             <a:r>
-              <a:rPr lang="en-US" altLang="ko-KR" sz="2800" smtClean="0">
+              <a:rPr lang="en-US" altLang="ko-KR" sz="2800">
                 <a:solidFill>
                   <a:schemeClr val="tx1">
                     <a:lumMod val="50000"/>
@@ -18686,7 +18458,7 @@
           <p:cNvPr id="46" name="직선 화살표 연결선 45">
             <a:extLst>
               <a:ext uri="{FF2B5EF4-FFF2-40B4-BE49-F238E27FC236}">
-                <a16:creationId xmlns="" xmlns:a16="http://schemas.microsoft.com/office/drawing/2014/main" id="{299DF5EC-9DF4-5255-06AC-0A7CE4FF58C3}"/>
+                <a16:creationId xmlns:a16="http://schemas.microsoft.com/office/drawing/2014/main" id="{299DF5EC-9DF4-5255-06AC-0A7CE4FF58C3}"/>
               </a:ext>
             </a:extLst>
           </p:cNvPr>
@@ -19444,7 +19216,7 @@
           <p:cNvPr id="9" name="그룹 1018">
             <a:extLst>
               <a:ext uri="{FF2B5EF4-FFF2-40B4-BE49-F238E27FC236}">
-                <a16:creationId xmlns="" xmlns:a16="http://schemas.microsoft.com/office/drawing/2014/main" id="{0804D430-F42E-AE32-A065-FFA8C471F092}"/>
+                <a16:creationId xmlns:a16="http://schemas.microsoft.com/office/drawing/2014/main" id="{0804D430-F42E-AE32-A065-FFA8C471F092}"/>
               </a:ext>
             </a:extLst>
           </p:cNvPr>
@@ -19464,7 +19236,7 @@
             <p:cNvPr id="10" name="Object 61">
               <a:extLst>
                 <a:ext uri="{FF2B5EF4-FFF2-40B4-BE49-F238E27FC236}">
-                  <a16:creationId xmlns="" xmlns:a16="http://schemas.microsoft.com/office/drawing/2014/main" id="{334A4C3A-641C-7CD9-8FEE-5EC92B28D640}"/>
+                  <a16:creationId xmlns:a16="http://schemas.microsoft.com/office/drawing/2014/main" id="{334A4C3A-641C-7CD9-8FEE-5EC92B28D640}"/>
                 </a:ext>
               </a:extLst>
             </p:cNvPr>
@@ -19495,7 +19267,7 @@
           <p:cNvPr id="11" name="TextBox 10">
             <a:extLst>
               <a:ext uri="{FF2B5EF4-FFF2-40B4-BE49-F238E27FC236}">
-                <a16:creationId xmlns="" xmlns:a16="http://schemas.microsoft.com/office/drawing/2014/main" id="{52176D31-35F7-8916-46FA-6095EFEC1E49}"/>
+                <a16:creationId xmlns:a16="http://schemas.microsoft.com/office/drawing/2014/main" id="{52176D31-35F7-8916-46FA-6095EFEC1E49}"/>
               </a:ext>
             </a:extLst>
           </p:cNvPr>
@@ -19519,7 +19291,7 @@
           <a:lstStyle/>
           <a:p>
             <a:r>
-              <a:rPr lang="en-US" altLang="ko-KR" sz="2800" smtClean="0">
+              <a:rPr lang="en-US" altLang="ko-KR" sz="2800">
                 <a:solidFill>
                   <a:schemeClr val="tx1">
                     <a:lumMod val="50000"/>
@@ -19549,7 +19321,7 @@
           <p:cNvPr id="12" name="그룹 1018">
             <a:extLst>
               <a:ext uri="{FF2B5EF4-FFF2-40B4-BE49-F238E27FC236}">
-                <a16:creationId xmlns="" xmlns:a16="http://schemas.microsoft.com/office/drawing/2014/main" id="{0804D430-F42E-AE32-A065-FFA8C471F092}"/>
+                <a16:creationId xmlns:a16="http://schemas.microsoft.com/office/drawing/2014/main" id="{0804D430-F42E-AE32-A065-FFA8C471F092}"/>
               </a:ext>
             </a:extLst>
           </p:cNvPr>
@@ -19569,7 +19341,7 @@
             <p:cNvPr id="13" name="Object 61">
               <a:extLst>
                 <a:ext uri="{FF2B5EF4-FFF2-40B4-BE49-F238E27FC236}">
-                  <a16:creationId xmlns="" xmlns:a16="http://schemas.microsoft.com/office/drawing/2014/main" id="{334A4C3A-641C-7CD9-8FEE-5EC92B28D640}"/>
+                  <a16:creationId xmlns:a16="http://schemas.microsoft.com/office/drawing/2014/main" id="{334A4C3A-641C-7CD9-8FEE-5EC92B28D640}"/>
                 </a:ext>
               </a:extLst>
             </p:cNvPr>
@@ -19600,7 +19372,7 @@
           <p:cNvPr id="14" name="TextBox 13">
             <a:extLst>
               <a:ext uri="{FF2B5EF4-FFF2-40B4-BE49-F238E27FC236}">
-                <a16:creationId xmlns="" xmlns:a16="http://schemas.microsoft.com/office/drawing/2014/main" id="{52176D31-35F7-8916-46FA-6095EFEC1E49}"/>
+                <a16:creationId xmlns:a16="http://schemas.microsoft.com/office/drawing/2014/main" id="{52176D31-35F7-8916-46FA-6095EFEC1E49}"/>
               </a:ext>
             </a:extLst>
           </p:cNvPr>
@@ -19624,7 +19396,7 @@
           <a:lstStyle/>
           <a:p>
             <a:r>
-              <a:rPr lang="en-US" altLang="ko-KR" sz="2800" smtClean="0">
+              <a:rPr lang="en-US" altLang="ko-KR" sz="2800">
                 <a:solidFill>
                   <a:schemeClr val="tx1">
                     <a:lumMod val="50000"/>
@@ -19774,7 +19546,7 @@
           <p:cNvPr id="19" name="그룹 1018">
             <a:extLst>
               <a:ext uri="{FF2B5EF4-FFF2-40B4-BE49-F238E27FC236}">
-                <a16:creationId xmlns="" xmlns:a16="http://schemas.microsoft.com/office/drawing/2014/main" id="{0804D430-F42E-AE32-A065-FFA8C471F092}"/>
+                <a16:creationId xmlns:a16="http://schemas.microsoft.com/office/drawing/2014/main" id="{0804D430-F42E-AE32-A065-FFA8C471F092}"/>
               </a:ext>
             </a:extLst>
           </p:cNvPr>
@@ -19794,7 +19566,7 @@
             <p:cNvPr id="20" name="Object 61">
               <a:extLst>
                 <a:ext uri="{FF2B5EF4-FFF2-40B4-BE49-F238E27FC236}">
-                  <a16:creationId xmlns="" xmlns:a16="http://schemas.microsoft.com/office/drawing/2014/main" id="{334A4C3A-641C-7CD9-8FEE-5EC92B28D640}"/>
+                  <a16:creationId xmlns:a16="http://schemas.microsoft.com/office/drawing/2014/main" id="{334A4C3A-641C-7CD9-8FEE-5EC92B28D640}"/>
                 </a:ext>
               </a:extLst>
             </p:cNvPr>
@@ -19825,7 +19597,7 @@
           <p:cNvPr id="21" name="TextBox 20">
             <a:extLst>
               <a:ext uri="{FF2B5EF4-FFF2-40B4-BE49-F238E27FC236}">
-                <a16:creationId xmlns="" xmlns:a16="http://schemas.microsoft.com/office/drawing/2014/main" id="{52176D31-35F7-8916-46FA-6095EFEC1E49}"/>
+                <a16:creationId xmlns:a16="http://schemas.microsoft.com/office/drawing/2014/main" id="{52176D31-35F7-8916-46FA-6095EFEC1E49}"/>
               </a:ext>
             </a:extLst>
           </p:cNvPr>
@@ -19849,7 +19621,7 @@
           <a:lstStyle/>
           <a:p>
             <a:r>
-              <a:rPr lang="en-US" altLang="ko-KR" sz="2800" smtClean="0">
+              <a:rPr lang="en-US" altLang="ko-KR" sz="2800">
                 <a:solidFill>
                   <a:schemeClr val="tx1">
                     <a:lumMod val="50000"/>
@@ -19879,7 +19651,7 @@
           <p:cNvPr id="22" name="그룹 1018">
             <a:extLst>
               <a:ext uri="{FF2B5EF4-FFF2-40B4-BE49-F238E27FC236}">
-                <a16:creationId xmlns="" xmlns:a16="http://schemas.microsoft.com/office/drawing/2014/main" id="{0804D430-F42E-AE32-A065-FFA8C471F092}"/>
+                <a16:creationId xmlns:a16="http://schemas.microsoft.com/office/drawing/2014/main" id="{0804D430-F42E-AE32-A065-FFA8C471F092}"/>
               </a:ext>
             </a:extLst>
           </p:cNvPr>
@@ -19899,7 +19671,7 @@
             <p:cNvPr id="23" name="Object 61">
               <a:extLst>
                 <a:ext uri="{FF2B5EF4-FFF2-40B4-BE49-F238E27FC236}">
-                  <a16:creationId xmlns="" xmlns:a16="http://schemas.microsoft.com/office/drawing/2014/main" id="{334A4C3A-641C-7CD9-8FEE-5EC92B28D640}"/>
+                  <a16:creationId xmlns:a16="http://schemas.microsoft.com/office/drawing/2014/main" id="{334A4C3A-641C-7CD9-8FEE-5EC92B28D640}"/>
                 </a:ext>
               </a:extLst>
             </p:cNvPr>
@@ -19930,7 +19702,7 @@
           <p:cNvPr id="24" name="TextBox 23">
             <a:extLst>
               <a:ext uri="{FF2B5EF4-FFF2-40B4-BE49-F238E27FC236}">
-                <a16:creationId xmlns="" xmlns:a16="http://schemas.microsoft.com/office/drawing/2014/main" id="{52176D31-35F7-8916-46FA-6095EFEC1E49}"/>
+                <a16:creationId xmlns:a16="http://schemas.microsoft.com/office/drawing/2014/main" id="{52176D31-35F7-8916-46FA-6095EFEC1E49}"/>
               </a:ext>
             </a:extLst>
           </p:cNvPr>
@@ -19954,7 +19726,7 @@
           <a:lstStyle/>
           <a:p>
             <a:r>
-              <a:rPr lang="ko-KR" altLang="en-US" sz="4000" smtClean="0">
+              <a:rPr lang="ko-KR" altLang="en-US" sz="4000">
                 <a:solidFill>
                   <a:schemeClr val="tx1">
                     <a:lumMod val="50000"/>
@@ -19984,7 +19756,7 @@
           <p:cNvPr id="25" name="직선 화살표 연결선 24">
             <a:extLst>
               <a:ext uri="{FF2B5EF4-FFF2-40B4-BE49-F238E27FC236}">
-                <a16:creationId xmlns="" xmlns:a16="http://schemas.microsoft.com/office/drawing/2014/main" id="{299DF5EC-9DF4-5255-06AC-0A7CE4FF58C3}"/>
+                <a16:creationId xmlns:a16="http://schemas.microsoft.com/office/drawing/2014/main" id="{299DF5EC-9DF4-5255-06AC-0A7CE4FF58C3}"/>
               </a:ext>
             </a:extLst>
           </p:cNvPr>
@@ -20025,7 +19797,7 @@
           <p:cNvPr id="27" name="TextBox 26">
             <a:extLst>
               <a:ext uri="{FF2B5EF4-FFF2-40B4-BE49-F238E27FC236}">
-                <a16:creationId xmlns="" xmlns:a16="http://schemas.microsoft.com/office/drawing/2014/main" id="{C6D113C6-EA5C-788F-0C77-E7CE6EBB865F}"/>
+                <a16:creationId xmlns:a16="http://schemas.microsoft.com/office/drawing/2014/main" id="{C6D113C6-EA5C-788F-0C77-E7CE6EBB865F}"/>
               </a:ext>
             </a:extLst>
           </p:cNvPr>
@@ -20049,7 +19821,7 @@
           <a:lstStyle/>
           <a:p>
             <a:r>
-              <a:rPr lang="en-US" altLang="ko-KR" sz="3600" smtClean="0">
+              <a:rPr lang="en-US" altLang="ko-KR" sz="3600">
                 <a:solidFill>
                   <a:srgbClr val="FF0000"/>
                 </a:solidFill>
@@ -20066,40 +19838,30 @@
                 <a:latin typeface="G마켓 산스 Medium" panose="02000000000000000000" pitchFamily="50" charset="-127"/>
                 <a:ea typeface="G마켓 산스 Medium" panose="02000000000000000000" pitchFamily="50" charset="-127"/>
               </a:rPr>
-              <a:t>은</a:t>
-            </a:r>
-            <a:r>
-              <a:rPr lang="ko-KR" altLang="en-US" sz="3600" smtClean="0">
+              <a:t>은 메인쓰레드에서 실행되며 </a:t>
+            </a:r>
+            <a:r>
+              <a:rPr lang="en-US" altLang="ko-KR" sz="3600">
                 <a:solidFill>
                   <a:srgbClr val="FF0000"/>
                 </a:solidFill>
                 <a:latin typeface="G마켓 산스 Medium" panose="02000000000000000000" pitchFamily="50" charset="-127"/>
                 <a:ea typeface="G마켓 산스 Medium" panose="02000000000000000000" pitchFamily="50" charset="-127"/>
               </a:rPr>
-              <a:t> 메인쓰레드에서 실행되며 </a:t>
-            </a:r>
-            <a:r>
-              <a:rPr lang="en-US" altLang="ko-KR" sz="3600" smtClean="0">
+              <a:t>run()</a:t>
+            </a:r>
+            <a:r>
+              <a:rPr lang="ko-KR" altLang="en-US" sz="3600">
                 <a:solidFill>
                   <a:srgbClr val="FF0000"/>
                 </a:solidFill>
                 <a:latin typeface="G마켓 산스 Medium" panose="02000000000000000000" pitchFamily="50" charset="-127"/>
                 <a:ea typeface="G마켓 산스 Medium" panose="02000000000000000000" pitchFamily="50" charset="-127"/>
               </a:rPr>
-              <a:t>run()</a:t>
-            </a:r>
-            <a:r>
-              <a:rPr lang="ko-KR" altLang="en-US" sz="3600" smtClean="0">
-                <a:solidFill>
-                  <a:srgbClr val="FF0000"/>
-                </a:solidFill>
-                <a:latin typeface="G마켓 산스 Medium" panose="02000000000000000000" pitchFamily="50" charset="-127"/>
-                <a:ea typeface="G마켓 산스 Medium" panose="02000000000000000000" pitchFamily="50" charset="-127"/>
-              </a:rPr>
               <a:t>은 서브쓰레드에서 실행시키기 위해 직접호출하지 않는다</a:t>
             </a:r>
             <a:r>
-              <a:rPr lang="en-US" altLang="ko-KR" sz="3600" smtClean="0">
+              <a:rPr lang="en-US" altLang="ko-KR" sz="3600">
                 <a:solidFill>
                   <a:srgbClr val="FF0000"/>
                 </a:solidFill>
@@ -20476,7 +20238,7 @@
           <p:cNvPr id="5" name="TextBox 4">
             <a:extLst>
               <a:ext uri="{FF2B5EF4-FFF2-40B4-BE49-F238E27FC236}">
-                <a16:creationId xmlns:a16="http://schemas.microsoft.com/office/drawing/2014/main" xmlns="" id="{EE79C406-3461-D6A5-5346-D7C2FC38FCCD}"/>
+                <a16:creationId xmlns:a16="http://schemas.microsoft.com/office/drawing/2014/main" id="{EE79C406-3461-D6A5-5346-D7C2FC38FCCD}"/>
               </a:ext>
             </a:extLst>
           </p:cNvPr>
@@ -20500,7 +20262,7 @@
           <a:lstStyle/>
           <a:p>
             <a:r>
-              <a:rPr lang="en-US" altLang="ko-KR" sz="4800" smtClean="0">
+              <a:rPr lang="en-US" altLang="ko-KR" sz="4800">
                 <a:solidFill>
                   <a:srgbClr val="4C50BC"/>
                 </a:solidFill>
@@ -20510,7 +20272,7 @@
               <a:t>start() </a:t>
             </a:r>
             <a:r>
-              <a:rPr lang="ko-KR" altLang="en-US" sz="4800" smtClean="0">
+              <a:rPr lang="ko-KR" altLang="en-US" sz="4800">
                 <a:solidFill>
                   <a:srgbClr val="4C50BC"/>
                 </a:solidFill>
@@ -20520,7 +20282,7 @@
               <a:t>말고 </a:t>
             </a:r>
             <a:r>
-              <a:rPr lang="en-US" altLang="ko-KR" sz="4800" smtClean="0">
+              <a:rPr lang="en-US" altLang="ko-KR" sz="4800">
                 <a:solidFill>
                   <a:srgbClr val="4C50BC"/>
                 </a:solidFill>
@@ -20530,7 +20292,7 @@
               <a:t>run()</a:t>
             </a:r>
             <a:r>
-              <a:rPr lang="ko-KR" altLang="en-US" sz="4800" smtClean="0">
+              <a:rPr lang="ko-KR" altLang="en-US" sz="4800">
                 <a:solidFill>
                   <a:srgbClr val="4C50BC"/>
                 </a:solidFill>
@@ -20540,7 +20302,7 @@
               <a:t>을 직접 실행하면 어떻게 될까</a:t>
             </a:r>
             <a:r>
-              <a:rPr lang="en-US" altLang="ko-KR" sz="4800" smtClean="0">
+              <a:rPr lang="en-US" altLang="ko-KR" sz="4800">
                 <a:solidFill>
                   <a:srgbClr val="4C50BC"/>
                 </a:solidFill>
@@ -20569,13 +20331,6 @@
   <p:clrMapOvr>
     <a:masterClrMapping/>
   </p:clrMapOvr>
-  <p:timing>
-    <p:tnLst>
-      <p:par>
-        <p:cTn id="1" dur="indefinite" restart="never" nodeType="tmRoot"/>
-      </p:par>
-    </p:tnLst>
-  </p:timing>
 </p:sld>
 </file>
 
@@ -20769,7 +20524,7 @@
           <p:cNvPr id="10" name="그룹 1018">
             <a:extLst>
               <a:ext uri="{FF2B5EF4-FFF2-40B4-BE49-F238E27FC236}">
-                <a16:creationId xmlns="" xmlns:a16="http://schemas.microsoft.com/office/drawing/2014/main" id="{0804D430-F42E-AE32-A065-FFA8C471F092}"/>
+                <a16:creationId xmlns:a16="http://schemas.microsoft.com/office/drawing/2014/main" id="{0804D430-F42E-AE32-A065-FFA8C471F092}"/>
               </a:ext>
             </a:extLst>
           </p:cNvPr>
@@ -20789,7 +20544,7 @@
             <p:cNvPr id="11" name="Object 61">
               <a:extLst>
                 <a:ext uri="{FF2B5EF4-FFF2-40B4-BE49-F238E27FC236}">
-                  <a16:creationId xmlns="" xmlns:a16="http://schemas.microsoft.com/office/drawing/2014/main" id="{334A4C3A-641C-7CD9-8FEE-5EC92B28D640}"/>
+                  <a16:creationId xmlns:a16="http://schemas.microsoft.com/office/drawing/2014/main" id="{334A4C3A-641C-7CD9-8FEE-5EC92B28D640}"/>
                 </a:ext>
               </a:extLst>
             </p:cNvPr>
@@ -20820,7 +20575,7 @@
           <p:cNvPr id="12" name="TextBox 11">
             <a:extLst>
               <a:ext uri="{FF2B5EF4-FFF2-40B4-BE49-F238E27FC236}">
-                <a16:creationId xmlns="" xmlns:a16="http://schemas.microsoft.com/office/drawing/2014/main" id="{52176D31-35F7-8916-46FA-6095EFEC1E49}"/>
+                <a16:creationId xmlns:a16="http://schemas.microsoft.com/office/drawing/2014/main" id="{52176D31-35F7-8916-46FA-6095EFEC1E49}"/>
               </a:ext>
             </a:extLst>
           </p:cNvPr>
@@ -20844,7 +20599,7 @@
           <a:lstStyle/>
           <a:p>
             <a:r>
-              <a:rPr lang="en-US" altLang="ko-KR" sz="2800" smtClean="0">
+              <a:rPr lang="en-US" altLang="ko-KR" sz="2800">
                 <a:solidFill>
                   <a:schemeClr val="tx1">
                     <a:lumMod val="50000"/>
@@ -20874,7 +20629,7 @@
           <p:cNvPr id="13" name="그룹 1018">
             <a:extLst>
               <a:ext uri="{FF2B5EF4-FFF2-40B4-BE49-F238E27FC236}">
-                <a16:creationId xmlns="" xmlns:a16="http://schemas.microsoft.com/office/drawing/2014/main" id="{0804D430-F42E-AE32-A065-FFA8C471F092}"/>
+                <a16:creationId xmlns:a16="http://schemas.microsoft.com/office/drawing/2014/main" id="{0804D430-F42E-AE32-A065-FFA8C471F092}"/>
               </a:ext>
             </a:extLst>
           </p:cNvPr>
@@ -20894,7 +20649,7 @@
             <p:cNvPr id="14" name="Object 61">
               <a:extLst>
                 <a:ext uri="{FF2B5EF4-FFF2-40B4-BE49-F238E27FC236}">
-                  <a16:creationId xmlns="" xmlns:a16="http://schemas.microsoft.com/office/drawing/2014/main" id="{334A4C3A-641C-7CD9-8FEE-5EC92B28D640}"/>
+                  <a16:creationId xmlns:a16="http://schemas.microsoft.com/office/drawing/2014/main" id="{334A4C3A-641C-7CD9-8FEE-5EC92B28D640}"/>
                 </a:ext>
               </a:extLst>
             </p:cNvPr>
@@ -20925,7 +20680,7 @@
           <p:cNvPr id="15" name="TextBox 14">
             <a:extLst>
               <a:ext uri="{FF2B5EF4-FFF2-40B4-BE49-F238E27FC236}">
-                <a16:creationId xmlns="" xmlns:a16="http://schemas.microsoft.com/office/drawing/2014/main" id="{52176D31-35F7-8916-46FA-6095EFEC1E49}"/>
+                <a16:creationId xmlns:a16="http://schemas.microsoft.com/office/drawing/2014/main" id="{52176D31-35F7-8916-46FA-6095EFEC1E49}"/>
               </a:ext>
             </a:extLst>
           </p:cNvPr>
@@ -20949,7 +20704,7 @@
           <a:lstStyle/>
           <a:p>
             <a:r>
-              <a:rPr lang="en-US" altLang="ko-KR" sz="2800" smtClean="0">
+              <a:rPr lang="en-US" altLang="ko-KR" sz="2800">
                 <a:solidFill>
                   <a:schemeClr val="tx1">
                     <a:lumMod val="50000"/>
@@ -20979,7 +20734,7 @@
           <p:cNvPr id="16" name="TextBox 15">
             <a:extLst>
               <a:ext uri="{FF2B5EF4-FFF2-40B4-BE49-F238E27FC236}">
-                <a16:creationId xmlns="" xmlns:a16="http://schemas.microsoft.com/office/drawing/2014/main" id="{C6D113C6-EA5C-788F-0C77-E7CE6EBB865F}"/>
+                <a16:creationId xmlns:a16="http://schemas.microsoft.com/office/drawing/2014/main" id="{C6D113C6-EA5C-788F-0C77-E7CE6EBB865F}"/>
               </a:ext>
             </a:extLst>
           </p:cNvPr>
@@ -21003,7 +20758,7 @@
           <a:lstStyle/>
           <a:p>
             <a:r>
-              <a:rPr lang="ko-KR" altLang="en-US" sz="4400" smtClean="0">
+              <a:rPr lang="ko-KR" altLang="en-US" sz="4400">
                 <a:solidFill>
                   <a:srgbClr val="FF0000"/>
                 </a:solidFill>
@@ -21013,7 +20768,7 @@
               <a:t>그냥 </a:t>
             </a:r>
             <a:r>
-              <a:rPr lang="en-US" altLang="ko-KR" sz="4400" smtClean="0">
+              <a:rPr lang="en-US" altLang="ko-KR" sz="4400">
                 <a:solidFill>
                   <a:srgbClr val="FF0000"/>
                 </a:solidFill>
@@ -21023,7 +20778,7 @@
               <a:t>main</a:t>
             </a:r>
             <a:r>
-              <a:rPr lang="ko-KR" altLang="en-US" sz="4400" smtClean="0">
+              <a:rPr lang="ko-KR" altLang="en-US" sz="4400">
                 <a:solidFill>
                   <a:srgbClr val="FF0000"/>
                 </a:solidFill>
@@ -21033,7 +20788,7 @@
               <a:t>쓰레드에서 </a:t>
             </a:r>
             <a:r>
-              <a:rPr lang="en-US" altLang="ko-KR" sz="4400" smtClean="0">
+              <a:rPr lang="en-US" altLang="ko-KR" sz="4400">
                 <a:solidFill>
                   <a:srgbClr val="FF0000"/>
                 </a:solidFill>
@@ -21043,7 +20798,7 @@
               <a:t>run() </a:t>
             </a:r>
             <a:r>
-              <a:rPr lang="ko-KR" altLang="en-US" sz="4400" smtClean="0">
+              <a:rPr lang="ko-KR" altLang="en-US" sz="4400">
                 <a:solidFill>
                   <a:srgbClr val="FF0000"/>
                 </a:solidFill>
@@ -21053,7 +20808,7 @@
               <a:t>메서드를 호출한것이다</a:t>
             </a:r>
             <a:r>
-              <a:rPr lang="en-US" altLang="ko-KR" sz="4400" smtClean="0">
+              <a:rPr lang="en-US" altLang="ko-KR" sz="4400">
                 <a:solidFill>
                   <a:srgbClr val="FF0000"/>
                 </a:solidFill>
@@ -21082,13 +20837,6 @@
   <p:clrMapOvr>
     <a:masterClrMapping/>
   </p:clrMapOvr>
-  <p:timing>
-    <p:tnLst>
-      <p:par>
-        <p:cTn id="1" dur="indefinite" restart="never" nodeType="tmRoot"/>
-      </p:par>
-    </p:tnLst>
-  </p:timing>
 </p:sld>
 </file>
 
@@ -21114,7 +20862,7 @@
           <p:cNvPr id="4" name="TextBox 3">
             <a:extLst>
               <a:ext uri="{FF2B5EF4-FFF2-40B4-BE49-F238E27FC236}">
-                <a16:creationId xmlns:a16="http://schemas.microsoft.com/office/drawing/2014/main" xmlns="" id="{EE79C406-3461-D6A5-5346-D7C2FC38FCCD}"/>
+                <a16:creationId xmlns:a16="http://schemas.microsoft.com/office/drawing/2014/main" id="{EE79C406-3461-D6A5-5346-D7C2FC38FCCD}"/>
               </a:ext>
             </a:extLst>
           </p:cNvPr>
@@ -21138,7 +20886,7 @@
           <a:lstStyle/>
           <a:p>
             <a:r>
-              <a:rPr lang="en-US" altLang="ko-KR" sz="4800" smtClean="0">
+              <a:rPr lang="en-US" altLang="ko-KR" sz="4800">
                 <a:solidFill>
                   <a:srgbClr val="4C50BC"/>
                 </a:solidFill>
@@ -21162,7 +20910,7 @@
           <p:cNvPr id="5" name="TextBox 4">
             <a:extLst>
               <a:ext uri="{FF2B5EF4-FFF2-40B4-BE49-F238E27FC236}">
-                <a16:creationId xmlns="" xmlns:a16="http://schemas.microsoft.com/office/drawing/2014/main" id="{A2AD056B-97A4-5BCC-4460-250160F3E171}"/>
+                <a16:creationId xmlns:a16="http://schemas.microsoft.com/office/drawing/2014/main" id="{A2AD056B-97A4-5BCC-4460-250160F3E171}"/>
               </a:ext>
             </a:extLst>
           </p:cNvPr>
@@ -21186,7 +20934,7 @@
           <a:lstStyle/>
           <a:p>
             <a:r>
-              <a:rPr lang="en-US" altLang="ko-KR" sz="4000" smtClean="0">
+              <a:rPr lang="en-US" altLang="ko-KR" sz="4000">
                 <a:solidFill>
                   <a:schemeClr val="tx1">
                     <a:lumMod val="50000"/>
@@ -21199,7 +20947,7 @@
               <a:t>OS</a:t>
             </a:r>
             <a:r>
-              <a:rPr lang="ko-KR" altLang="en-US" sz="4000" smtClean="0">
+              <a:rPr lang="ko-KR" altLang="en-US" sz="4000">
                 <a:solidFill>
                   <a:schemeClr val="tx1">
                     <a:lumMod val="50000"/>
@@ -21212,7 +20960,7 @@
               <a:t>가 쓰레드 스케쥴러를 통해 언제 실행 할지를 결정한다</a:t>
             </a:r>
             <a:r>
-              <a:rPr lang="en-US" altLang="ko-KR" sz="4000" smtClean="0">
+              <a:rPr lang="en-US" altLang="ko-KR" sz="4000">
                 <a:solidFill>
                   <a:schemeClr val="tx1">
                     <a:lumMod val="50000"/>
@@ -21224,16 +20972,6 @@
               </a:rPr>
               <a:t>.</a:t>
             </a:r>
-            <a:endParaRPr lang="en-US" altLang="ko-KR" sz="4000">
-              <a:solidFill>
-                <a:schemeClr val="tx1">
-                  <a:lumMod val="50000"/>
-                  <a:lumOff val="50000"/>
-                </a:schemeClr>
-              </a:solidFill>
-              <a:latin typeface="G마켓 산스 Medium" panose="02000000000000000000" pitchFamily="50" charset="-127"/>
-              <a:ea typeface="G마켓 산스 Medium" panose="02000000000000000000" pitchFamily="50" charset="-127"/>
-            </a:endParaRPr>
           </a:p>
         </p:txBody>
       </p:sp>
@@ -21266,7 +21004,7 @@
           <p:cNvPr id="7" name="직선 화살표 연결선 6">
             <a:extLst>
               <a:ext uri="{FF2B5EF4-FFF2-40B4-BE49-F238E27FC236}">
-                <a16:creationId xmlns="" xmlns:a16="http://schemas.microsoft.com/office/drawing/2014/main" id="{299DF5EC-9DF4-5255-06AC-0A7CE4FF58C3}"/>
+                <a16:creationId xmlns:a16="http://schemas.microsoft.com/office/drawing/2014/main" id="{299DF5EC-9DF4-5255-06AC-0A7CE4FF58C3}"/>
               </a:ext>
             </a:extLst>
           </p:cNvPr>
@@ -21307,7 +21045,7 @@
           <p:cNvPr id="8" name="TextBox 7">
             <a:extLst>
               <a:ext uri="{FF2B5EF4-FFF2-40B4-BE49-F238E27FC236}">
-                <a16:creationId xmlns="" xmlns:a16="http://schemas.microsoft.com/office/drawing/2014/main" id="{C6D113C6-EA5C-788F-0C77-E7CE6EBB865F}"/>
+                <a16:creationId xmlns:a16="http://schemas.microsoft.com/office/drawing/2014/main" id="{C6D113C6-EA5C-788F-0C77-E7CE6EBB865F}"/>
               </a:ext>
             </a:extLst>
           </p:cNvPr>
@@ -21331,7 +21069,7 @@
           <a:lstStyle/>
           <a:p>
             <a:r>
-              <a:rPr lang="ko-KR" altLang="en-US" sz="3600" smtClean="0">
+              <a:rPr lang="ko-KR" altLang="en-US" sz="3600">
                 <a:solidFill>
                   <a:srgbClr val="FF0000"/>
                 </a:solidFill>
@@ -21341,7 +21079,7 @@
               <a:t>이미 사용한 쓰레드를 재사용 불가능하다</a:t>
             </a:r>
             <a:r>
-              <a:rPr lang="en-US" altLang="ko-KR" sz="3600" smtClean="0">
+              <a:rPr lang="en-US" altLang="ko-KR" sz="3600">
                 <a:solidFill>
                   <a:srgbClr val="FF0000"/>
                 </a:solidFill>
@@ -21389,7 +21127,7 @@
           <p:cNvPr id="10" name="그룹 1008">
             <a:extLst>
               <a:ext uri="{FF2B5EF4-FFF2-40B4-BE49-F238E27FC236}">
-                <a16:creationId xmlns="" xmlns:a16="http://schemas.microsoft.com/office/drawing/2014/main" id="{678F6342-C505-E8AD-ADA4-022CB2C2088E}"/>
+                <a16:creationId xmlns:a16="http://schemas.microsoft.com/office/drawing/2014/main" id="{678F6342-C505-E8AD-ADA4-022CB2C2088E}"/>
               </a:ext>
             </a:extLst>
           </p:cNvPr>
@@ -21409,7 +21147,7 @@
             <p:cNvPr id="11" name="그룹 1009">
               <a:extLst>
                 <a:ext uri="{FF2B5EF4-FFF2-40B4-BE49-F238E27FC236}">
-                  <a16:creationId xmlns="" xmlns:a16="http://schemas.microsoft.com/office/drawing/2014/main" id="{4E1F1FED-812B-9BBB-925A-84B54A077414}"/>
+                  <a16:creationId xmlns:a16="http://schemas.microsoft.com/office/drawing/2014/main" id="{4E1F1FED-812B-9BBB-925A-84B54A077414}"/>
                 </a:ext>
               </a:extLst>
             </p:cNvPr>
@@ -21429,7 +21167,7 @@
               <p:cNvPr id="16" name="Object 29">
                 <a:extLst>
                   <a:ext uri="{FF2B5EF4-FFF2-40B4-BE49-F238E27FC236}">
-                    <a16:creationId xmlns="" xmlns:a16="http://schemas.microsoft.com/office/drawing/2014/main" id="{7B078609-4286-7B00-51EB-809C8E2DE289}"/>
+                    <a16:creationId xmlns:a16="http://schemas.microsoft.com/office/drawing/2014/main" id="{7B078609-4286-7B00-51EB-809C8E2DE289}"/>
                   </a:ext>
                 </a:extLst>
               </p:cNvPr>
@@ -21460,7 +21198,7 @@
             <p:cNvPr id="12" name="그룹 1010">
               <a:extLst>
                 <a:ext uri="{FF2B5EF4-FFF2-40B4-BE49-F238E27FC236}">
-                  <a16:creationId xmlns="" xmlns:a16="http://schemas.microsoft.com/office/drawing/2014/main" id="{02A649BF-B5B5-FBAF-7DFD-E118A4DF8907}"/>
+                  <a16:creationId xmlns:a16="http://schemas.microsoft.com/office/drawing/2014/main" id="{02A649BF-B5B5-FBAF-7DFD-E118A4DF8907}"/>
                 </a:ext>
               </a:extLst>
             </p:cNvPr>
@@ -21480,7 +21218,7 @@
               <p:cNvPr id="15" name="Object 32">
                 <a:extLst>
                   <a:ext uri="{FF2B5EF4-FFF2-40B4-BE49-F238E27FC236}">
-                    <a16:creationId xmlns="" xmlns:a16="http://schemas.microsoft.com/office/drawing/2014/main" id="{2A0FFF23-B3C9-3EA0-1C1B-A87D4FF098AE}"/>
+                    <a16:creationId xmlns:a16="http://schemas.microsoft.com/office/drawing/2014/main" id="{2A0FFF23-B3C9-3EA0-1C1B-A87D4FF098AE}"/>
                   </a:ext>
                 </a:extLst>
               </p:cNvPr>
@@ -21511,7 +21249,7 @@
             <p:cNvPr id="13" name="그룹 1011">
               <a:extLst>
                 <a:ext uri="{FF2B5EF4-FFF2-40B4-BE49-F238E27FC236}">
-                  <a16:creationId xmlns="" xmlns:a16="http://schemas.microsoft.com/office/drawing/2014/main" id="{881F5410-F7FB-F261-A584-707359BAC593}"/>
+                  <a16:creationId xmlns:a16="http://schemas.microsoft.com/office/drawing/2014/main" id="{881F5410-F7FB-F261-A584-707359BAC593}"/>
                 </a:ext>
               </a:extLst>
             </p:cNvPr>
@@ -21531,7 +21269,7 @@
               <p:cNvPr id="14" name="Object 35">
                 <a:extLst>
                   <a:ext uri="{FF2B5EF4-FFF2-40B4-BE49-F238E27FC236}">
-                    <a16:creationId xmlns="" xmlns:a16="http://schemas.microsoft.com/office/drawing/2014/main" id="{4E99E669-73EB-F9F4-EFE8-DC107035C265}"/>
+                    <a16:creationId xmlns:a16="http://schemas.microsoft.com/office/drawing/2014/main" id="{4E99E669-73EB-F9F4-EFE8-DC107035C265}"/>
                   </a:ext>
                 </a:extLst>
               </p:cNvPr>
@@ -21866,7 +21604,7 @@
           <p:cNvPr id="4" name="TextBox 3">
             <a:extLst>
               <a:ext uri="{FF2B5EF4-FFF2-40B4-BE49-F238E27FC236}">
-                <a16:creationId xmlns:a16="http://schemas.microsoft.com/office/drawing/2014/main" xmlns="" id="{EE79C406-3461-D6A5-5346-D7C2FC38FCCD}"/>
+                <a16:creationId xmlns:a16="http://schemas.microsoft.com/office/drawing/2014/main" id="{EE79C406-3461-D6A5-5346-D7C2FC38FCCD}"/>
               </a:ext>
             </a:extLst>
           </p:cNvPr>
@@ -21890,7 +21628,7 @@
           <a:lstStyle/>
           <a:p>
             <a:r>
-              <a:rPr lang="ko-KR" altLang="en-US" sz="4800" smtClean="0">
+              <a:rPr lang="ko-KR" altLang="en-US" sz="4800">
                 <a:solidFill>
                   <a:srgbClr val="4C50BC"/>
                 </a:solidFill>
@@ -21986,7 +21724,7 @@
           <p:cNvPr id="8" name="TextBox 7">
             <a:extLst>
               <a:ext uri="{FF2B5EF4-FFF2-40B4-BE49-F238E27FC236}">
-                <a16:creationId xmlns="" xmlns:a16="http://schemas.microsoft.com/office/drawing/2014/main" id="{C6D113C6-EA5C-788F-0C77-E7CE6EBB865F}"/>
+                <a16:creationId xmlns:a16="http://schemas.microsoft.com/office/drawing/2014/main" id="{C6D113C6-EA5C-788F-0C77-E7CE6EBB865F}"/>
               </a:ext>
             </a:extLst>
           </p:cNvPr>
@@ -22010,7 +21748,7 @@
           <a:lstStyle/>
           <a:p>
             <a:r>
-              <a:rPr lang="ko-KR" altLang="en-US" sz="3600" smtClean="0">
+              <a:rPr lang="ko-KR" altLang="en-US" sz="3600">
                 <a:solidFill>
                   <a:srgbClr val="FF0000"/>
                 </a:solidFill>
@@ -22020,7 +21758,7 @@
               <a:t>서브쓰레드의 예외는 메인쓰레드에 영향이 없다</a:t>
             </a:r>
             <a:r>
-              <a:rPr lang="en-US" altLang="ko-KR" sz="3600" smtClean="0">
+              <a:rPr lang="en-US" altLang="ko-KR" sz="3600">
                 <a:solidFill>
                   <a:srgbClr val="FF0000"/>
                 </a:solidFill>
@@ -22044,7 +21782,7 @@
           <p:cNvPr id="9" name="직사각형 8">
             <a:extLst>
               <a:ext uri="{FF2B5EF4-FFF2-40B4-BE49-F238E27FC236}">
-                <a16:creationId xmlns="" xmlns:a16="http://schemas.microsoft.com/office/drawing/2014/main" id="{FFF506F9-840A-0508-4CAF-3AC711D8D5CE}"/>
+                <a16:creationId xmlns:a16="http://schemas.microsoft.com/office/drawing/2014/main" id="{FFF506F9-840A-0508-4CAF-3AC711D8D5CE}"/>
               </a:ext>
             </a:extLst>
           </p:cNvPr>
@@ -22096,7 +21834,7 @@
           <p:cNvPr id="10" name="직선 화살표 연결선 9">
             <a:extLst>
               <a:ext uri="{FF2B5EF4-FFF2-40B4-BE49-F238E27FC236}">
-                <a16:creationId xmlns="" xmlns:a16="http://schemas.microsoft.com/office/drawing/2014/main" id="{299DF5EC-9DF4-5255-06AC-0A7CE4FF58C3}"/>
+                <a16:creationId xmlns:a16="http://schemas.microsoft.com/office/drawing/2014/main" id="{299DF5EC-9DF4-5255-06AC-0A7CE4FF58C3}"/>
               </a:ext>
             </a:extLst>
           </p:cNvPr>
@@ -22137,7 +21875,7 @@
           <p:cNvPr id="11" name="TextBox 10">
             <a:extLst>
               <a:ext uri="{FF2B5EF4-FFF2-40B4-BE49-F238E27FC236}">
-                <a16:creationId xmlns="" xmlns:a16="http://schemas.microsoft.com/office/drawing/2014/main" id="{C6D113C6-EA5C-788F-0C77-E7CE6EBB865F}"/>
+                <a16:creationId xmlns:a16="http://schemas.microsoft.com/office/drawing/2014/main" id="{C6D113C6-EA5C-788F-0C77-E7CE6EBB865F}"/>
               </a:ext>
             </a:extLst>
           </p:cNvPr>
@@ -22161,7 +21899,7 @@
           <a:lstStyle/>
           <a:p>
             <a:r>
-              <a:rPr lang="ko-KR" altLang="en-US" sz="3600" smtClean="0">
+              <a:rPr lang="ko-KR" altLang="en-US" sz="3600">
                 <a:solidFill>
                   <a:srgbClr val="FF0000"/>
                 </a:solidFill>
@@ -22171,7 +21909,7 @@
               <a:t>호출스택에 </a:t>
             </a:r>
             <a:r>
-              <a:rPr lang="en-US" altLang="ko-KR" sz="3600" smtClean="0">
+              <a:rPr lang="en-US" altLang="ko-KR" sz="3600">
                 <a:solidFill>
                   <a:srgbClr val="FF0000"/>
                 </a:solidFill>
@@ -22181,7 +21919,7 @@
               <a:t>Main </a:t>
             </a:r>
             <a:r>
-              <a:rPr lang="ko-KR" altLang="en-US" sz="3600" smtClean="0">
+              <a:rPr lang="ko-KR" altLang="en-US" sz="3600">
                 <a:solidFill>
                   <a:srgbClr val="FF0000"/>
                 </a:solidFill>
@@ -22191,7 +21929,7 @@
               <a:t>메서드가 없다</a:t>
             </a:r>
             <a:r>
-              <a:rPr lang="en-US" altLang="ko-KR" sz="3600" smtClean="0">
+              <a:rPr lang="en-US" altLang="ko-KR" sz="3600">
                 <a:solidFill>
                   <a:srgbClr val="FF0000"/>
                 </a:solidFill>
@@ -22201,7 +21939,7 @@
               <a:t>. </a:t>
             </a:r>
             <a:r>
-              <a:rPr lang="ko-KR" altLang="en-US" sz="3600" smtClean="0">
+              <a:rPr lang="ko-KR" altLang="en-US" sz="3600">
                 <a:solidFill>
                   <a:srgbClr val="FF0000"/>
                 </a:solidFill>
@@ -22211,7 +21949,7 @@
               <a:t>즉 별도의 호출스택을 가지는것이다</a:t>
             </a:r>
             <a:r>
-              <a:rPr lang="en-US" altLang="ko-KR" sz="3600" smtClean="0">
+              <a:rPr lang="en-US" altLang="ko-KR" sz="3600">
                 <a:solidFill>
                   <a:srgbClr val="FF0000"/>
                 </a:solidFill>
@@ -22240,13 +21978,6 @@
   <p:clrMapOvr>
     <a:masterClrMapping/>
   </p:clrMapOvr>
-  <p:timing>
-    <p:tnLst>
-      <p:par>
-        <p:cTn id="1" dur="indefinite" restart="never" nodeType="tmRoot"/>
-      </p:par>
-    </p:tnLst>
-  </p:timing>
 </p:sld>
 </file>
 
@@ -22296,7 +22027,7 @@
           <p:cNvPr id="5" name="직선 화살표 연결선 4">
             <a:extLst>
               <a:ext uri="{FF2B5EF4-FFF2-40B4-BE49-F238E27FC236}">
-                <a16:creationId xmlns="" xmlns:a16="http://schemas.microsoft.com/office/drawing/2014/main" id="{299DF5EC-9DF4-5255-06AC-0A7CE4FF58C3}"/>
+                <a16:creationId xmlns:a16="http://schemas.microsoft.com/office/drawing/2014/main" id="{299DF5EC-9DF4-5255-06AC-0A7CE4FF58C3}"/>
               </a:ext>
             </a:extLst>
           </p:cNvPr>
@@ -22337,7 +22068,7 @@
           <p:cNvPr id="6" name="TextBox 5">
             <a:extLst>
               <a:ext uri="{FF2B5EF4-FFF2-40B4-BE49-F238E27FC236}">
-                <a16:creationId xmlns="" xmlns:a16="http://schemas.microsoft.com/office/drawing/2014/main" id="{C6D113C6-EA5C-788F-0C77-E7CE6EBB865F}"/>
+                <a16:creationId xmlns:a16="http://schemas.microsoft.com/office/drawing/2014/main" id="{C6D113C6-EA5C-788F-0C77-E7CE6EBB865F}"/>
               </a:ext>
             </a:extLst>
           </p:cNvPr>
@@ -22361,7 +22092,7 @@
           <a:lstStyle/>
           <a:p>
             <a:r>
-              <a:rPr lang="ko-KR" altLang="en-US" sz="4000" smtClean="0">
+              <a:rPr lang="ko-KR" altLang="en-US" sz="4000">
                 <a:solidFill>
                   <a:srgbClr val="FF0000"/>
                 </a:solidFill>
@@ -22371,7 +22102,7 @@
               <a:t>의도하지 않은 값을 넣는다면</a:t>
             </a:r>
             <a:r>
-              <a:rPr lang="en-US" altLang="ko-KR" sz="4000" smtClean="0">
+              <a:rPr lang="en-US" altLang="ko-KR" sz="4000">
                 <a:solidFill>
                   <a:srgbClr val="FF0000"/>
                 </a:solidFill>
@@ -22395,7 +22126,7 @@
           <p:cNvPr id="7" name="TextBox 6">
             <a:extLst>
               <a:ext uri="{FF2B5EF4-FFF2-40B4-BE49-F238E27FC236}">
-                <a16:creationId xmlns="" xmlns:a16="http://schemas.microsoft.com/office/drawing/2014/main" id="{C6D113C6-EA5C-788F-0C77-E7CE6EBB865F}"/>
+                <a16:creationId xmlns:a16="http://schemas.microsoft.com/office/drawing/2014/main" id="{C6D113C6-EA5C-788F-0C77-E7CE6EBB865F}"/>
               </a:ext>
             </a:extLst>
           </p:cNvPr>
@@ -22419,7 +22150,7 @@
           <a:lstStyle/>
           <a:p>
             <a:r>
-              <a:rPr lang="en-US" altLang="ko-KR" sz="4000" smtClean="0">
+              <a:rPr lang="en-US" altLang="ko-KR" sz="4000">
                 <a:solidFill>
                   <a:srgbClr val="FF0000"/>
                 </a:solidFill>
@@ -22429,7 +22160,7 @@
               <a:t>STATE</a:t>
             </a:r>
             <a:r>
-              <a:rPr lang="ko-KR" altLang="en-US" sz="4000" smtClean="0">
+              <a:rPr lang="ko-KR" altLang="en-US" sz="4000">
                 <a:solidFill>
                   <a:srgbClr val="FF0000"/>
                 </a:solidFill>
@@ -22439,7 +22170,7 @@
               <a:t>를 </a:t>
             </a:r>
             <a:r>
-              <a:rPr lang="en-US" altLang="ko-KR" sz="4000" smtClean="0">
+              <a:rPr lang="en-US" altLang="ko-KR" sz="4000">
                 <a:solidFill>
                   <a:srgbClr val="FF0000"/>
                 </a:solidFill>
@@ -22449,7 +22180,7 @@
               <a:t>private</a:t>
             </a:r>
             <a:r>
-              <a:rPr lang="ko-KR" altLang="en-US" sz="4000" smtClean="0">
+              <a:rPr lang="ko-KR" altLang="en-US" sz="4000">
                 <a:solidFill>
                   <a:srgbClr val="FF0000"/>
                 </a:solidFill>
@@ -22459,7 +22190,7 @@
               <a:t>으로 막고 </a:t>
             </a:r>
             <a:r>
-              <a:rPr lang="en-US" altLang="ko-KR" sz="4000" smtClean="0">
+              <a:rPr lang="en-US" altLang="ko-KR" sz="4000">
                 <a:solidFill>
                   <a:srgbClr val="FF0000"/>
                 </a:solidFill>
@@ -22469,7 +22200,7 @@
               <a:t>set</a:t>
             </a:r>
             <a:r>
-              <a:rPr lang="ko-KR" altLang="en-US" sz="4000" smtClean="0">
+              <a:rPr lang="ko-KR" altLang="en-US" sz="4000">
                 <a:solidFill>
                   <a:srgbClr val="FF0000"/>
                 </a:solidFill>
@@ -22479,7 +22210,7 @@
               <a:t>로만 값을 넣게 하고 필터링 하면 되잖아</a:t>
             </a:r>
             <a:r>
-              <a:rPr lang="en-US" altLang="ko-KR" sz="4000" smtClean="0">
+              <a:rPr lang="en-US" altLang="ko-KR" sz="4000">
                 <a:solidFill>
                   <a:srgbClr val="FF0000"/>
                 </a:solidFill>
@@ -22527,7 +22258,7 @@
           <p:cNvPr id="8" name="TextBox 7">
             <a:extLst>
               <a:ext uri="{FF2B5EF4-FFF2-40B4-BE49-F238E27FC236}">
-                <a16:creationId xmlns="" xmlns:a16="http://schemas.microsoft.com/office/drawing/2014/main" id="{C6D113C6-EA5C-788F-0C77-E7CE6EBB865F}"/>
+                <a16:creationId xmlns:a16="http://schemas.microsoft.com/office/drawing/2014/main" id="{C6D113C6-EA5C-788F-0C77-E7CE6EBB865F}"/>
               </a:ext>
             </a:extLst>
           </p:cNvPr>
@@ -22551,7 +22282,7 @@
           <a:lstStyle/>
           <a:p>
             <a:r>
-              <a:rPr lang="ko-KR" altLang="en-US" sz="3600" smtClean="0">
+              <a:rPr lang="ko-KR" altLang="en-US" sz="3600">
                 <a:solidFill>
                   <a:srgbClr val="FF0000"/>
                 </a:solidFill>
@@ -22561,7 +22292,7 @@
               <a:t>상태가 늘어날때마다 수정해야 하고 별로 좋아보이지 않는다</a:t>
             </a:r>
             <a:r>
-              <a:rPr lang="en-US" altLang="ko-KR" sz="3600" smtClean="0">
+              <a:rPr lang="en-US" altLang="ko-KR" sz="3600">
                 <a:solidFill>
                   <a:srgbClr val="FF0000"/>
                 </a:solidFill>
@@ -22573,7 +22304,7 @@
           </a:p>
           <a:p>
             <a:r>
-              <a:rPr lang="ko-KR" altLang="en-US" sz="3600" smtClean="0">
+              <a:rPr lang="ko-KR" altLang="en-US" sz="3600">
                 <a:solidFill>
                   <a:srgbClr val="FF0000"/>
                 </a:solidFill>
@@ -22583,7 +22314,7 @@
               <a:t>그리고 매개변수가 그냥 </a:t>
             </a:r>
             <a:r>
-              <a:rPr lang="en-US" altLang="ko-KR" sz="3600" smtClean="0">
+              <a:rPr lang="en-US" altLang="ko-KR" sz="3600">
                 <a:solidFill>
                   <a:srgbClr val="FF0000"/>
                 </a:solidFill>
@@ -22593,7 +22324,7 @@
               <a:t>int</a:t>
             </a:r>
             <a:r>
-              <a:rPr lang="ko-KR" altLang="en-US" sz="3600" smtClean="0">
+              <a:rPr lang="ko-KR" altLang="en-US" sz="3600">
                 <a:solidFill>
                   <a:srgbClr val="FF0000"/>
                 </a:solidFill>
@@ -22603,7 +22334,7 @@
               <a:t>이니 사용자입장에서 뭘넣어야할지 직관적이지 않다</a:t>
             </a:r>
             <a:r>
-              <a:rPr lang="en-US" altLang="ko-KR" sz="3600" smtClean="0">
+              <a:rPr lang="en-US" altLang="ko-KR" sz="3600">
                 <a:solidFill>
                   <a:srgbClr val="FF0000"/>
                 </a:solidFill>
@@ -22826,7 +22557,7 @@
           <p:cNvPr id="4" name="TextBox 3">
             <a:extLst>
               <a:ext uri="{FF2B5EF4-FFF2-40B4-BE49-F238E27FC236}">
-                <a16:creationId xmlns:a16="http://schemas.microsoft.com/office/drawing/2014/main" xmlns="" id="{EE79C406-3461-D6A5-5346-D7C2FC38FCCD}"/>
+                <a16:creationId xmlns:a16="http://schemas.microsoft.com/office/drawing/2014/main" id="{EE79C406-3461-D6A5-5346-D7C2FC38FCCD}"/>
               </a:ext>
             </a:extLst>
           </p:cNvPr>
@@ -22850,7 +22581,7 @@
           <a:lstStyle/>
           <a:p>
             <a:r>
-              <a:rPr lang="ko-KR" altLang="en-US" sz="4800" smtClean="0">
+              <a:rPr lang="ko-KR" altLang="en-US" sz="4800">
                 <a:solidFill>
                   <a:srgbClr val="4C50BC"/>
                 </a:solidFill>
@@ -22951,13 +22682,6 @@
   <p:clrMapOvr>
     <a:masterClrMapping/>
   </p:clrMapOvr>
-  <p:timing>
-    <p:tnLst>
-      <p:par>
-        <p:cTn id="1" dur="indefinite" restart="never" nodeType="tmRoot"/>
-      </p:par>
-    </p:tnLst>
-  </p:timing>
 </p:sld>
 </file>
 
@@ -22983,7 +22707,7 @@
           <p:cNvPr id="4" name="TextBox 3">
             <a:extLst>
               <a:ext uri="{FF2B5EF4-FFF2-40B4-BE49-F238E27FC236}">
-                <a16:creationId xmlns:a16="http://schemas.microsoft.com/office/drawing/2014/main" xmlns="" id="{EE79C406-3461-D6A5-5346-D7C2FC38FCCD}"/>
+                <a16:creationId xmlns:a16="http://schemas.microsoft.com/office/drawing/2014/main" id="{EE79C406-3461-D6A5-5346-D7C2FC38FCCD}"/>
               </a:ext>
             </a:extLst>
           </p:cNvPr>
@@ -23007,7 +22731,7 @@
           <a:lstStyle/>
           <a:p>
             <a:r>
-              <a:rPr lang="ko-KR" altLang="en-US" sz="4800" smtClean="0">
+              <a:rPr lang="ko-KR" altLang="en-US" sz="4800">
                 <a:solidFill>
                   <a:srgbClr val="4C50BC"/>
                 </a:solidFill>
@@ -23079,7 +22803,7 @@
           <p:cNvPr id="8" name="TextBox 7">
             <a:extLst>
               <a:ext uri="{FF2B5EF4-FFF2-40B4-BE49-F238E27FC236}">
-                <a16:creationId xmlns="" xmlns:a16="http://schemas.microsoft.com/office/drawing/2014/main" id="{C6D113C6-EA5C-788F-0C77-E7CE6EBB865F}"/>
+                <a16:creationId xmlns:a16="http://schemas.microsoft.com/office/drawing/2014/main" id="{C6D113C6-EA5C-788F-0C77-E7CE6EBB865F}"/>
               </a:ext>
             </a:extLst>
           </p:cNvPr>
@@ -23103,7 +22827,7 @@
           <a:lstStyle/>
           <a:p>
             <a:r>
-              <a:rPr lang="ko-KR" altLang="en-US" sz="3600" smtClean="0">
+              <a:rPr lang="ko-KR" altLang="en-US" sz="3600">
                 <a:solidFill>
                   <a:srgbClr val="FF0000"/>
                 </a:solidFill>
@@ -23113,7 +22837,7 @@
               <a:t>다이얼로그 </a:t>
             </a:r>
             <a:r>
-              <a:rPr lang="en-US" altLang="ko-KR" sz="3600" smtClean="0">
+              <a:rPr lang="en-US" altLang="ko-KR" sz="3600">
                 <a:solidFill>
                   <a:srgbClr val="FF0000"/>
                 </a:solidFill>
@@ -23123,7 +22847,7 @@
               <a:t>UI</a:t>
             </a:r>
             <a:r>
-              <a:rPr lang="ko-KR" altLang="en-US" sz="3600" smtClean="0">
+              <a:rPr lang="ko-KR" altLang="en-US" sz="3600">
                 <a:solidFill>
                   <a:srgbClr val="FF0000"/>
                 </a:solidFill>
@@ -23133,7 +22857,7 @@
               <a:t>를 띄우고 움직이고 등등의 일을 하는 동안 서브쓰레드는 카운트를 세고 있는다</a:t>
             </a:r>
             <a:r>
-              <a:rPr lang="en-US" altLang="ko-KR" sz="3600" smtClean="0">
+              <a:rPr lang="en-US" altLang="ko-KR" sz="3600">
                 <a:solidFill>
                   <a:srgbClr val="FF0000"/>
                 </a:solidFill>
@@ -23334,7 +23058,7 @@
           <p:cNvPr id="6" name="TextBox 5">
             <a:extLst>
               <a:ext uri="{FF2B5EF4-FFF2-40B4-BE49-F238E27FC236}">
-                <a16:creationId xmlns:a16="http://schemas.microsoft.com/office/drawing/2014/main" xmlns="" id="{EE79C406-3461-D6A5-5346-D7C2FC38FCCD}"/>
+                <a16:creationId xmlns:a16="http://schemas.microsoft.com/office/drawing/2014/main" id="{EE79C406-3461-D6A5-5346-D7C2FC38FCCD}"/>
               </a:ext>
             </a:extLst>
           </p:cNvPr>
@@ -23358,7 +23082,7 @@
           <a:lstStyle/>
           <a:p>
             <a:r>
-              <a:rPr lang="ko-KR" altLang="en-US" sz="4800" smtClean="0">
+              <a:rPr lang="ko-KR" altLang="en-US" sz="4800">
                 <a:solidFill>
                   <a:srgbClr val="4C50BC"/>
                 </a:solidFill>
@@ -23454,7 +23178,7 @@
           <p:cNvPr id="10" name="TextBox 9">
             <a:extLst>
               <a:ext uri="{FF2B5EF4-FFF2-40B4-BE49-F238E27FC236}">
-                <a16:creationId xmlns="" xmlns:a16="http://schemas.microsoft.com/office/drawing/2014/main" id="{A2AD056B-97A4-5BCC-4460-250160F3E171}"/>
+                <a16:creationId xmlns:a16="http://schemas.microsoft.com/office/drawing/2014/main" id="{A2AD056B-97A4-5BCC-4460-250160F3E171}"/>
               </a:ext>
             </a:extLst>
           </p:cNvPr>
@@ -23478,7 +23202,7 @@
           <a:lstStyle/>
           <a:p>
             <a:r>
-              <a:rPr lang="ko-KR" altLang="en-US" sz="4000" smtClean="0">
+              <a:rPr lang="ko-KR" altLang="en-US" sz="4000">
                 <a:solidFill>
                   <a:schemeClr val="tx1">
                     <a:lumMod val="50000"/>
@@ -23491,7 +23215,7 @@
               <a:t>시분할 방식으로 </a:t>
             </a:r>
             <a:r>
-              <a:rPr lang="en-US" altLang="ko-KR" sz="4000" smtClean="0">
+              <a:rPr lang="en-US" altLang="ko-KR" sz="4000">
                 <a:solidFill>
                   <a:schemeClr val="tx1">
                     <a:lumMod val="50000"/>
@@ -23504,7 +23228,7 @@
               <a:t>CPU</a:t>
             </a:r>
             <a:r>
-              <a:rPr lang="ko-KR" altLang="en-US" sz="4000" smtClean="0">
+              <a:rPr lang="ko-KR" altLang="en-US" sz="4000">
                 <a:solidFill>
                   <a:schemeClr val="tx1">
                     <a:lumMod val="50000"/>
@@ -23516,7 +23240,7 @@
               </a:rPr>
               <a:t>가 각각의 프로그램에게  번갈아 가면서 </a:t>
             </a:r>
-            <a:endParaRPr lang="en-US" altLang="ko-KR" sz="4000" smtClean="0">
+            <a:endParaRPr lang="en-US" altLang="ko-KR" sz="4000">
               <a:solidFill>
                 <a:schemeClr val="tx1">
                   <a:lumMod val="50000"/>
@@ -23529,7 +23253,7 @@
           </a:p>
           <a:p>
             <a:r>
-              <a:rPr lang="ko-KR" altLang="en-US" sz="4000" smtClean="0">
+              <a:rPr lang="ko-KR" altLang="en-US" sz="4000">
                 <a:solidFill>
                   <a:schemeClr val="tx1">
                     <a:lumMod val="50000"/>
@@ -23542,7 +23266,7 @@
               <a:t>방문하여 소스코드를 수행해준다</a:t>
             </a:r>
             <a:r>
-              <a:rPr lang="en-US" altLang="ko-KR" sz="4000" smtClean="0">
+              <a:rPr lang="en-US" altLang="ko-KR" sz="4000">
                 <a:solidFill>
                   <a:schemeClr val="tx1">
                     <a:lumMod val="50000"/>
@@ -23572,7 +23296,7 @@
           <p:cNvPr id="20" name="TextBox 19">
             <a:extLst>
               <a:ext uri="{FF2B5EF4-FFF2-40B4-BE49-F238E27FC236}">
-                <a16:creationId xmlns="" xmlns:a16="http://schemas.microsoft.com/office/drawing/2014/main" id="{C6D113C6-EA5C-788F-0C77-E7CE6EBB865F}"/>
+                <a16:creationId xmlns:a16="http://schemas.microsoft.com/office/drawing/2014/main" id="{C6D113C6-EA5C-788F-0C77-E7CE6EBB865F}"/>
               </a:ext>
             </a:extLst>
           </p:cNvPr>
@@ -23596,7 +23320,7 @@
           <a:lstStyle/>
           <a:p>
             <a:r>
-              <a:rPr lang="en-US" altLang="ko-KR" sz="4000" smtClean="0">
+              <a:rPr lang="en-US" altLang="ko-KR" sz="4000">
                 <a:solidFill>
                   <a:srgbClr val="FF0000"/>
                 </a:solidFill>
@@ -23606,7 +23330,7 @@
               <a:t>CPU</a:t>
             </a:r>
             <a:r>
-              <a:rPr lang="ko-KR" altLang="en-US" sz="4000" smtClean="0">
+              <a:rPr lang="ko-KR" altLang="en-US" sz="4000">
                 <a:solidFill>
                   <a:srgbClr val="FF0000"/>
                 </a:solidFill>
@@ -23615,7 +23339,7 @@
               </a:rPr>
               <a:t>가 메인쓰레드를 우리 프로그램에 할당해줬는데  </a:t>
             </a:r>
-            <a:endParaRPr lang="en-US" altLang="ko-KR" sz="4000" smtClean="0">
+            <a:endParaRPr lang="en-US" altLang="ko-KR" sz="4000">
               <a:solidFill>
                 <a:srgbClr val="FF0000"/>
               </a:solidFill>
@@ -23625,7 +23349,7 @@
           </a:p>
           <a:p>
             <a:r>
-              <a:rPr lang="ko-KR" altLang="en-US" sz="4000" smtClean="0">
+              <a:rPr lang="ko-KR" altLang="en-US" sz="4000">
                 <a:solidFill>
                   <a:srgbClr val="FF0000"/>
                 </a:solidFill>
@@ -23635,7 +23359,7 @@
               <a:t>중간에 끊을수 없는 작업으로 계속 잡고 있는다면</a:t>
             </a:r>
             <a:r>
-              <a:rPr lang="en-US" altLang="ko-KR" sz="4000" smtClean="0">
+              <a:rPr lang="en-US" altLang="ko-KR" sz="4000">
                 <a:solidFill>
                   <a:srgbClr val="FF0000"/>
                 </a:solidFill>
@@ -23808,7 +23532,7 @@
           <p:cNvPr id="5" name="TextBox 4">
             <a:extLst>
               <a:ext uri="{FF2B5EF4-FFF2-40B4-BE49-F238E27FC236}">
-                <a16:creationId xmlns="" xmlns:a16="http://schemas.microsoft.com/office/drawing/2014/main" id="{C6D113C6-EA5C-788F-0C77-E7CE6EBB865F}"/>
+                <a16:creationId xmlns:a16="http://schemas.microsoft.com/office/drawing/2014/main" id="{C6D113C6-EA5C-788F-0C77-E7CE6EBB865F}"/>
               </a:ext>
             </a:extLst>
           </p:cNvPr>
@@ -23832,7 +23556,7 @@
           <a:lstStyle/>
           <a:p>
             <a:r>
-              <a:rPr lang="ko-KR" altLang="en-US" sz="4000" smtClean="0">
+              <a:rPr lang="ko-KR" altLang="en-US" sz="4000">
                 <a:solidFill>
                   <a:srgbClr val="FF0000"/>
                 </a:solidFill>
@@ -23842,7 +23566,7 @@
               <a:t>운영체제에서 응답없음으로 간주하고 제한시간 지나면 가버린다</a:t>
             </a:r>
             <a:r>
-              <a:rPr lang="en-US" altLang="ko-KR" sz="4000" smtClean="0">
+              <a:rPr lang="en-US" altLang="ko-KR" sz="4000">
                 <a:solidFill>
                   <a:srgbClr val="FF0000"/>
                 </a:solidFill>
@@ -23974,7 +23698,7 @@
           <p:cNvPr id="4" name="TextBox 3">
             <a:extLst>
               <a:ext uri="{FF2B5EF4-FFF2-40B4-BE49-F238E27FC236}">
-                <a16:creationId xmlns:a16="http://schemas.microsoft.com/office/drawing/2014/main" xmlns="" id="{EE79C406-3461-D6A5-5346-D7C2FC38FCCD}"/>
+                <a16:creationId xmlns:a16="http://schemas.microsoft.com/office/drawing/2014/main" id="{EE79C406-3461-D6A5-5346-D7C2FC38FCCD}"/>
               </a:ext>
             </a:extLst>
           </p:cNvPr>
@@ -23998,7 +23722,7 @@
           <a:lstStyle/>
           <a:p>
             <a:r>
-              <a:rPr lang="ko-KR" altLang="en-US" sz="4800" smtClean="0">
+              <a:rPr lang="ko-KR" altLang="en-US" sz="4800">
                 <a:solidFill>
                   <a:srgbClr val="4C50BC"/>
                 </a:solidFill>
@@ -24022,7 +23746,7 @@
           <p:cNvPr id="5" name="TextBox 4">
             <a:extLst>
               <a:ext uri="{FF2B5EF4-FFF2-40B4-BE49-F238E27FC236}">
-                <a16:creationId xmlns="" xmlns:a16="http://schemas.microsoft.com/office/drawing/2014/main" id="{A2AD056B-97A4-5BCC-4460-250160F3E171}"/>
+                <a16:creationId xmlns:a16="http://schemas.microsoft.com/office/drawing/2014/main" id="{A2AD056B-97A4-5BCC-4460-250160F3E171}"/>
               </a:ext>
             </a:extLst>
           </p:cNvPr>
@@ -24046,7 +23770,7 @@
           <a:lstStyle/>
           <a:p>
             <a:r>
-              <a:rPr lang="ko-KR" altLang="en-US" sz="4400" smtClean="0">
+              <a:rPr lang="ko-KR" altLang="en-US" sz="4400">
                 <a:solidFill>
                   <a:srgbClr val="4C50BC"/>
                 </a:solidFill>
@@ -24056,7 +23780,7 @@
               <a:t>쓰레드가 없다면 서버와의 통신</a:t>
             </a:r>
             <a:r>
-              <a:rPr lang="en-US" altLang="ko-KR" sz="4400" smtClean="0">
+              <a:rPr lang="en-US" altLang="ko-KR" sz="4400">
                 <a:solidFill>
                   <a:srgbClr val="4C50BC"/>
                 </a:solidFill>
@@ -24066,7 +23790,7 @@
               <a:t>, </a:t>
             </a:r>
             <a:r>
-              <a:rPr lang="ko-KR" altLang="en-US" sz="4400" smtClean="0">
+              <a:rPr lang="ko-KR" altLang="en-US" sz="4400">
                 <a:solidFill>
                   <a:srgbClr val="4C50BC"/>
                 </a:solidFill>
@@ -24076,7 +23800,7 @@
               <a:t>프린터</a:t>
             </a:r>
             <a:r>
-              <a:rPr lang="en-US" altLang="ko-KR" sz="4400" smtClean="0">
+              <a:rPr lang="en-US" altLang="ko-KR" sz="4400">
                 <a:solidFill>
                   <a:srgbClr val="4C50BC"/>
                 </a:solidFill>
@@ -24086,7 +23810,7 @@
               <a:t>, </a:t>
             </a:r>
             <a:r>
-              <a:rPr lang="ko-KR" altLang="en-US" sz="4400" smtClean="0">
+              <a:rPr lang="ko-KR" altLang="en-US" sz="4400">
                 <a:solidFill>
                   <a:srgbClr val="4C50BC"/>
                 </a:solidFill>
@@ -24106,7 +23830,7 @@
               <a:t> </a:t>
             </a:r>
             <a:r>
-              <a:rPr lang="ko-KR" altLang="en-US" sz="4400" smtClean="0">
+              <a:rPr lang="ko-KR" altLang="en-US" sz="4400">
                 <a:solidFill>
                   <a:srgbClr val="4C50BC"/>
                 </a:solidFill>
@@ -24116,7 +23840,7 @@
               <a:t>등등 백그라운드에서 처리해야 하는 일을 수행할때 마다 </a:t>
             </a:r>
             <a:r>
-              <a:rPr lang="en-US" altLang="ko-KR" sz="4400" smtClean="0">
+              <a:rPr lang="en-US" altLang="ko-KR" sz="4400">
                 <a:solidFill>
                   <a:srgbClr val="4C50BC"/>
                 </a:solidFill>
@@ -24126,7 +23850,7 @@
               <a:t>UI</a:t>
             </a:r>
             <a:r>
-              <a:rPr lang="ko-KR" altLang="en-US" sz="4400" smtClean="0">
+              <a:rPr lang="ko-KR" altLang="en-US" sz="4400">
                 <a:solidFill>
                   <a:srgbClr val="4C50BC"/>
                 </a:solidFill>
@@ -24136,7 +23860,7 @@
               <a:t>가 멈춘다</a:t>
             </a:r>
             <a:r>
-              <a:rPr lang="en-US" altLang="ko-KR" sz="4400" smtClean="0">
+              <a:rPr lang="en-US" altLang="ko-KR" sz="4400">
                 <a:solidFill>
                   <a:srgbClr val="4C50BC"/>
                 </a:solidFill>
@@ -24165,13 +23889,6 @@
   <p:clrMapOvr>
     <a:masterClrMapping/>
   </p:clrMapOvr>
-  <p:timing>
-    <p:tnLst>
-      <p:par>
-        <p:cTn id="1" dur="indefinite" restart="never" nodeType="tmRoot"/>
-      </p:par>
-    </p:tnLst>
-  </p:timing>
 </p:sld>
 </file>
 
@@ -24197,7 +23914,7 @@
           <p:cNvPr id="4" name="TextBox 3">
             <a:extLst>
               <a:ext uri="{FF2B5EF4-FFF2-40B4-BE49-F238E27FC236}">
-                <a16:creationId xmlns:a16="http://schemas.microsoft.com/office/drawing/2014/main" xmlns="" id="{EE79C406-3461-D6A5-5346-D7C2FC38FCCD}"/>
+                <a16:creationId xmlns:a16="http://schemas.microsoft.com/office/drawing/2014/main" id="{EE79C406-3461-D6A5-5346-D7C2FC38FCCD}"/>
               </a:ext>
             </a:extLst>
           </p:cNvPr>
@@ -24221,7 +23938,7 @@
           <a:lstStyle/>
           <a:p>
             <a:r>
-              <a:rPr lang="ko-KR" altLang="en-US" sz="4800" smtClean="0">
+              <a:rPr lang="ko-KR" altLang="en-US" sz="4800">
                 <a:solidFill>
                   <a:srgbClr val="4C50BC"/>
                 </a:solidFill>
@@ -24245,7 +23962,7 @@
           <p:cNvPr id="5" name="TextBox 4">
             <a:extLst>
               <a:ext uri="{FF2B5EF4-FFF2-40B4-BE49-F238E27FC236}">
-                <a16:creationId xmlns="" xmlns:a16="http://schemas.microsoft.com/office/drawing/2014/main" id="{A2AD056B-97A4-5BCC-4460-250160F3E171}"/>
+                <a16:creationId xmlns:a16="http://schemas.microsoft.com/office/drawing/2014/main" id="{A2AD056B-97A4-5BCC-4460-250160F3E171}"/>
               </a:ext>
             </a:extLst>
           </p:cNvPr>
@@ -24269,7 +23986,7 @@
           <a:lstStyle/>
           <a:p>
             <a:r>
-              <a:rPr lang="ko-KR" altLang="en-US" sz="4400" smtClean="0">
+              <a:rPr lang="ko-KR" altLang="en-US" sz="4400">
                 <a:solidFill>
                   <a:srgbClr val="4C50BC"/>
                 </a:solidFill>
@@ -24279,7 +23996,7 @@
               <a:t>쓰레드를 쓰고싶을때 마다 </a:t>
             </a:r>
             <a:r>
-              <a:rPr lang="en-US" altLang="ko-KR" sz="4400" smtClean="0">
+              <a:rPr lang="en-US" altLang="ko-KR" sz="4400">
                 <a:solidFill>
                   <a:srgbClr val="4C50BC"/>
                 </a:solidFill>
@@ -24289,7 +24006,7 @@
               <a:t>Runnable </a:t>
             </a:r>
             <a:r>
-              <a:rPr lang="ko-KR" altLang="en-US" sz="4400" smtClean="0">
+              <a:rPr lang="ko-KR" altLang="en-US" sz="4400">
                 <a:solidFill>
                   <a:srgbClr val="4C50BC"/>
                 </a:solidFill>
@@ -24299,7 +24016,7 @@
               <a:t>인터페이스를 구현하는 클래스를 생성 해야 하나</a:t>
             </a:r>
             <a:r>
-              <a:rPr lang="en-US" altLang="ko-KR" sz="4400" smtClean="0">
+              <a:rPr lang="en-US" altLang="ko-KR" sz="4400">
                 <a:solidFill>
                   <a:srgbClr val="4C50BC"/>
                 </a:solidFill>
@@ -24347,7 +24064,7 @@
           <p:cNvPr id="8" name="TextBox 7">
             <a:extLst>
               <a:ext uri="{FF2B5EF4-FFF2-40B4-BE49-F238E27FC236}">
-                <a16:creationId xmlns="" xmlns:a16="http://schemas.microsoft.com/office/drawing/2014/main" id="{C6D113C6-EA5C-788F-0C77-E7CE6EBB865F}"/>
+                <a16:creationId xmlns:a16="http://schemas.microsoft.com/office/drawing/2014/main" id="{C6D113C6-EA5C-788F-0C77-E7CE6EBB865F}"/>
               </a:ext>
             </a:extLst>
           </p:cNvPr>
@@ -24371,7 +24088,7 @@
           <a:lstStyle/>
           <a:p>
             <a:r>
-              <a:rPr lang="ko-KR" altLang="en-US" sz="3600" smtClean="0">
+              <a:rPr lang="ko-KR" altLang="en-US" sz="3600">
                 <a:solidFill>
                   <a:srgbClr val="FF0000"/>
                 </a:solidFill>
@@ -24381,7 +24098,7 @@
               <a:t>게다가 이것들은 다 기능들 아닌가</a:t>
             </a:r>
             <a:r>
-              <a:rPr lang="en-US" altLang="ko-KR" sz="3600" smtClean="0">
+              <a:rPr lang="en-US" altLang="ko-KR" sz="3600">
                 <a:solidFill>
                   <a:srgbClr val="FF0000"/>
                 </a:solidFill>
@@ -24391,7 +24108,7 @@
               <a:t>..? </a:t>
             </a:r>
             <a:r>
-              <a:rPr lang="ko-KR" altLang="en-US" sz="3600" smtClean="0">
+              <a:rPr lang="ko-KR" altLang="en-US" sz="3600">
                 <a:solidFill>
                   <a:srgbClr val="FF0000"/>
                 </a:solidFill>
@@ -24401,7 +24118,7 @@
               <a:t>이건 하나의 객체라고 볼수 없는데</a:t>
             </a:r>
             <a:r>
-              <a:rPr lang="en-US" altLang="ko-KR" sz="3600" smtClean="0">
+              <a:rPr lang="en-US" altLang="ko-KR" sz="3600">
                 <a:solidFill>
                   <a:srgbClr val="FF0000"/>
                 </a:solidFill>
@@ -24411,7 +24128,7 @@
               <a:t>.. </a:t>
             </a:r>
             <a:r>
-              <a:rPr lang="ko-KR" altLang="en-US" sz="3600" smtClean="0">
+              <a:rPr lang="ko-KR" altLang="en-US" sz="3600">
                 <a:solidFill>
                   <a:srgbClr val="FF0000"/>
                 </a:solidFill>
@@ -24421,7 +24138,7 @@
               <a:t>메서드 단위여야 하는거 아닌가</a:t>
             </a:r>
             <a:r>
-              <a:rPr lang="en-US" altLang="ko-KR" sz="3600" smtClean="0">
+              <a:rPr lang="en-US" altLang="ko-KR" sz="3600">
                 <a:solidFill>
                   <a:srgbClr val="FF0000"/>
                 </a:solidFill>
@@ -24442,7 +24159,7 @@
           </a:p>
           <a:p>
             <a:r>
-              <a:rPr lang="ko-KR" altLang="en-US" sz="3600" smtClean="0">
+              <a:rPr lang="ko-KR" altLang="en-US" sz="3600">
                 <a:solidFill>
                   <a:srgbClr val="FF0000"/>
                 </a:solidFill>
@@ -24629,7 +24346,7 @@
           <p:cNvPr id="5" name="TextBox 4">
             <a:extLst>
               <a:ext uri="{FF2B5EF4-FFF2-40B4-BE49-F238E27FC236}">
-                <a16:creationId xmlns:a16="http://schemas.microsoft.com/office/drawing/2014/main" xmlns="" id="{EE79C406-3461-D6A5-5346-D7C2FC38FCCD}"/>
+                <a16:creationId xmlns:a16="http://schemas.microsoft.com/office/drawing/2014/main" id="{EE79C406-3461-D6A5-5346-D7C2FC38FCCD}"/>
               </a:ext>
             </a:extLst>
           </p:cNvPr>
@@ -24653,7 +24370,7 @@
           <a:lstStyle/>
           <a:p>
             <a:r>
-              <a:rPr lang="ko-KR" altLang="en-US" sz="4800" smtClean="0">
+              <a:rPr lang="ko-KR" altLang="en-US" sz="4800">
                 <a:solidFill>
                   <a:srgbClr val="4C50BC"/>
                 </a:solidFill>
@@ -24663,7 +24380,7 @@
               <a:t>무명클래스를 자주 이용한다</a:t>
             </a:r>
             <a:r>
-              <a:rPr lang="en-US" altLang="ko-KR" sz="4800" smtClean="0">
+              <a:rPr lang="en-US" altLang="ko-KR" sz="4800">
                 <a:solidFill>
                   <a:srgbClr val="4C50BC"/>
                 </a:solidFill>
@@ -24716,13 +24433,6 @@
   <p:clrMapOvr>
     <a:masterClrMapping/>
   </p:clrMapOvr>
-  <p:timing>
-    <p:tnLst>
-      <p:par>
-        <p:cTn id="1" dur="indefinite" restart="never" nodeType="tmRoot"/>
-      </p:par>
-    </p:tnLst>
-  </p:timing>
 </p:sld>
 </file>
 
@@ -24772,7 +24482,7 @@
           <p:cNvPr id="7" name="TextBox 6">
             <a:extLst>
               <a:ext uri="{FF2B5EF4-FFF2-40B4-BE49-F238E27FC236}">
-                <a16:creationId xmlns:a16="http://schemas.microsoft.com/office/drawing/2014/main" xmlns="" id="{EE79C406-3461-D6A5-5346-D7C2FC38FCCD}"/>
+                <a16:creationId xmlns:a16="http://schemas.microsoft.com/office/drawing/2014/main" id="{EE79C406-3461-D6A5-5346-D7C2FC38FCCD}"/>
               </a:ext>
             </a:extLst>
           </p:cNvPr>
@@ -24796,7 +24506,7 @@
           <a:lstStyle/>
           <a:p>
             <a:r>
-              <a:rPr lang="ko-KR" altLang="en-US" sz="4800" smtClean="0">
+              <a:rPr lang="ko-KR" altLang="en-US" sz="4800">
                 <a:solidFill>
                   <a:srgbClr val="4C50BC"/>
                 </a:solidFill>
@@ -24820,7 +24530,7 @@
           <p:cNvPr id="8" name="직선 화살표 연결선 7">
             <a:extLst>
               <a:ext uri="{FF2B5EF4-FFF2-40B4-BE49-F238E27FC236}">
-                <a16:creationId xmlns="" xmlns:a16="http://schemas.microsoft.com/office/drawing/2014/main" id="{299DF5EC-9DF4-5255-06AC-0A7CE4FF58C3}"/>
+                <a16:creationId xmlns:a16="http://schemas.microsoft.com/office/drawing/2014/main" id="{299DF5EC-9DF4-5255-06AC-0A7CE4FF58C3}"/>
               </a:ext>
             </a:extLst>
           </p:cNvPr>
@@ -24861,7 +24571,7 @@
           <p:cNvPr id="9" name="직사각형 8">
             <a:extLst>
               <a:ext uri="{FF2B5EF4-FFF2-40B4-BE49-F238E27FC236}">
-                <a16:creationId xmlns="" xmlns:a16="http://schemas.microsoft.com/office/drawing/2014/main" id="{FFF506F9-840A-0508-4CAF-3AC711D8D5CE}"/>
+                <a16:creationId xmlns:a16="http://schemas.microsoft.com/office/drawing/2014/main" id="{FFF506F9-840A-0508-4CAF-3AC711D8D5CE}"/>
               </a:ext>
             </a:extLst>
           </p:cNvPr>
@@ -24913,7 +24623,7 @@
           <p:cNvPr id="10" name="TextBox 9">
             <a:extLst>
               <a:ext uri="{FF2B5EF4-FFF2-40B4-BE49-F238E27FC236}">
-                <a16:creationId xmlns="" xmlns:a16="http://schemas.microsoft.com/office/drawing/2014/main" id="{C6D113C6-EA5C-788F-0C77-E7CE6EBB865F}"/>
+                <a16:creationId xmlns:a16="http://schemas.microsoft.com/office/drawing/2014/main" id="{C6D113C6-EA5C-788F-0C77-E7CE6EBB865F}"/>
               </a:ext>
             </a:extLst>
           </p:cNvPr>
@@ -24937,7 +24647,7 @@
           <a:lstStyle/>
           <a:p>
             <a:r>
-              <a:rPr lang="ko-KR" altLang="en-US" sz="3600" smtClean="0">
+              <a:rPr lang="ko-KR" altLang="en-US" sz="3600">
                 <a:solidFill>
                   <a:srgbClr val="FF0000"/>
                 </a:solidFill>
@@ -24947,7 +24657,7 @@
               <a:t>서브쓰레드가 종료되지 않아 프로그램이 끝나지 않았다</a:t>
             </a:r>
             <a:r>
-              <a:rPr lang="en-US" altLang="ko-KR" sz="3600" smtClean="0">
+              <a:rPr lang="en-US" altLang="ko-KR" sz="3600">
                 <a:solidFill>
                   <a:srgbClr val="FF0000"/>
                 </a:solidFill>
@@ -24976,13 +24686,6 @@
   <p:clrMapOvr>
     <a:masterClrMapping/>
   </p:clrMapOvr>
-  <p:timing>
-    <p:tnLst>
-      <p:par>
-        <p:cTn id="1" dur="indefinite" restart="never" nodeType="tmRoot"/>
-      </p:par>
-    </p:tnLst>
-  </p:timing>
 </p:sld>
 </file>
 
@@ -25008,7 +24711,7 @@
           <p:cNvPr id="4" name="TextBox 3">
             <a:extLst>
               <a:ext uri="{FF2B5EF4-FFF2-40B4-BE49-F238E27FC236}">
-                <a16:creationId xmlns="" xmlns:a16="http://schemas.microsoft.com/office/drawing/2014/main" id="{A2AD056B-97A4-5BCC-4460-250160F3E171}"/>
+                <a16:creationId xmlns:a16="http://schemas.microsoft.com/office/drawing/2014/main" id="{A2AD056B-97A4-5BCC-4460-250160F3E171}"/>
               </a:ext>
             </a:extLst>
           </p:cNvPr>
@@ -25032,7 +24735,7 @@
           <a:lstStyle/>
           <a:p>
             <a:r>
-              <a:rPr lang="ko-KR" altLang="en-US" sz="4400" smtClean="0">
+              <a:rPr lang="ko-KR" altLang="en-US" sz="4400">
                 <a:solidFill>
                   <a:srgbClr val="4C50BC"/>
                 </a:solidFill>
@@ -25042,7 +24745,7 @@
               <a:t>서브쓰레드가 무한루프로 계속 돌다가 메인쓰레드가 끝날때 자동으로 같이 끝내고 싶다면</a:t>
             </a:r>
             <a:r>
-              <a:rPr lang="en-US" altLang="ko-KR" sz="4400" smtClean="0">
+              <a:rPr lang="en-US" altLang="ko-KR" sz="4400">
                 <a:solidFill>
                   <a:srgbClr val="4C50BC"/>
                 </a:solidFill>
@@ -25054,7 +24757,7 @@
           </a:p>
           <a:p>
             <a:r>
-              <a:rPr lang="en-US" altLang="ko-KR" sz="4400" smtClean="0">
+              <a:rPr lang="en-US" altLang="ko-KR" sz="4400">
                 <a:solidFill>
                   <a:srgbClr val="4C50BC"/>
                 </a:solidFill>
@@ -25064,7 +24767,7 @@
               <a:t>ex) </a:t>
             </a:r>
             <a:r>
-              <a:rPr lang="ko-KR" altLang="en-US" sz="4400" smtClean="0">
+              <a:rPr lang="ko-KR" altLang="en-US" sz="4400">
                 <a:solidFill>
                   <a:srgbClr val="4C50BC"/>
                 </a:solidFill>
@@ -25093,13 +24796,6 @@
   <p:clrMapOvr>
     <a:masterClrMapping/>
   </p:clrMapOvr>
-  <p:timing>
-    <p:tnLst>
-      <p:par>
-        <p:cTn id="1" dur="indefinite" restart="never" nodeType="tmRoot"/>
-      </p:par>
-    </p:tnLst>
-  </p:timing>
 </p:sld>
 </file>
 
@@ -25149,7 +24845,7 @@
           <p:cNvPr id="5" name="직선 화살표 연결선 4">
             <a:extLst>
               <a:ext uri="{FF2B5EF4-FFF2-40B4-BE49-F238E27FC236}">
-                <a16:creationId xmlns="" xmlns:a16="http://schemas.microsoft.com/office/drawing/2014/main" id="{299DF5EC-9DF4-5255-06AC-0A7CE4FF58C3}"/>
+                <a16:creationId xmlns:a16="http://schemas.microsoft.com/office/drawing/2014/main" id="{299DF5EC-9DF4-5255-06AC-0A7CE4FF58C3}"/>
               </a:ext>
             </a:extLst>
           </p:cNvPr>
@@ -25190,7 +24886,7 @@
           <p:cNvPr id="6" name="직사각형 5">
             <a:extLst>
               <a:ext uri="{FF2B5EF4-FFF2-40B4-BE49-F238E27FC236}">
-                <a16:creationId xmlns="" xmlns:a16="http://schemas.microsoft.com/office/drawing/2014/main" id="{FFF506F9-840A-0508-4CAF-3AC711D8D5CE}"/>
+                <a16:creationId xmlns:a16="http://schemas.microsoft.com/office/drawing/2014/main" id="{FFF506F9-840A-0508-4CAF-3AC711D8D5CE}"/>
               </a:ext>
             </a:extLst>
           </p:cNvPr>
@@ -25242,7 +24938,7 @@
           <p:cNvPr id="7" name="TextBox 6">
             <a:extLst>
               <a:ext uri="{FF2B5EF4-FFF2-40B4-BE49-F238E27FC236}">
-                <a16:creationId xmlns="" xmlns:a16="http://schemas.microsoft.com/office/drawing/2014/main" id="{C6D113C6-EA5C-788F-0C77-E7CE6EBB865F}"/>
+                <a16:creationId xmlns:a16="http://schemas.microsoft.com/office/drawing/2014/main" id="{C6D113C6-EA5C-788F-0C77-E7CE6EBB865F}"/>
               </a:ext>
             </a:extLst>
           </p:cNvPr>
@@ -25266,7 +24962,7 @@
           <a:lstStyle/>
           <a:p>
             <a:r>
-              <a:rPr lang="ko-KR" altLang="en-US" sz="3600" smtClean="0">
+              <a:rPr lang="ko-KR" altLang="en-US" sz="3600">
                 <a:solidFill>
                   <a:srgbClr val="FF0000"/>
                 </a:solidFill>
@@ -25286,7 +24982,7 @@
               <a:t>,</a:t>
             </a:r>
             <a:r>
-              <a:rPr lang="en-US" altLang="ko-KR" sz="3600" smtClean="0">
+              <a:rPr lang="en-US" altLang="ko-KR" sz="3600">
                 <a:solidFill>
                   <a:srgbClr val="4C50BC"/>
                 </a:solidFill>
@@ -25296,7 +24992,7 @@
               <a:t>start() </a:t>
             </a:r>
             <a:r>
-              <a:rPr lang="ko-KR" altLang="en-US" sz="3600" smtClean="0">
+              <a:rPr lang="ko-KR" altLang="en-US" sz="3600">
                 <a:solidFill>
                   <a:srgbClr val="4C50BC"/>
                 </a:solidFill>
@@ -25320,7 +25016,7 @@
           <p:cNvPr id="9" name="TextBox 8">
             <a:extLst>
               <a:ext uri="{FF2B5EF4-FFF2-40B4-BE49-F238E27FC236}">
-                <a16:creationId xmlns="" xmlns:a16="http://schemas.microsoft.com/office/drawing/2014/main" id="{C6D113C6-EA5C-788F-0C77-E7CE6EBB865F}"/>
+                <a16:creationId xmlns:a16="http://schemas.microsoft.com/office/drawing/2014/main" id="{C6D113C6-EA5C-788F-0C77-E7CE6EBB865F}"/>
               </a:ext>
             </a:extLst>
           </p:cNvPr>
@@ -25344,7 +25040,7 @@
           <a:lstStyle/>
           <a:p>
             <a:r>
-              <a:rPr lang="ko-KR" altLang="en-US" sz="3600" smtClean="0">
+              <a:rPr lang="ko-KR" altLang="en-US" sz="3600">
                 <a:solidFill>
                   <a:srgbClr val="FF0000"/>
                 </a:solidFill>
@@ -25354,7 +25050,7 @@
               <a:t>자신을 호출한 부모 쓰레드가 종료되면 자동으로 본인도 종료된다</a:t>
             </a:r>
             <a:r>
-              <a:rPr lang="en-US" altLang="ko-KR" sz="3600" smtClean="0">
+              <a:rPr lang="en-US" altLang="ko-KR" sz="3600">
                 <a:solidFill>
                   <a:srgbClr val="FF0000"/>
                 </a:solidFill>
@@ -25407,13 +25103,6 @@
   <p:clrMapOvr>
     <a:masterClrMapping/>
   </p:clrMapOvr>
-  <p:timing>
-    <p:tnLst>
-      <p:par>
-        <p:cTn id="1" dur="indefinite" restart="never" nodeType="tmRoot"/>
-      </p:par>
-    </p:tnLst>
-  </p:timing>
 </p:sld>
 </file>
 
@@ -25439,7 +25128,7 @@
           <p:cNvPr id="4" name="TextBox 3">
             <a:extLst>
               <a:ext uri="{FF2B5EF4-FFF2-40B4-BE49-F238E27FC236}">
-                <a16:creationId xmlns:a16="http://schemas.microsoft.com/office/drawing/2014/main" xmlns="" id="{D15853EE-94B0-D08B-DCB7-3381290CC3FF}"/>
+                <a16:creationId xmlns:a16="http://schemas.microsoft.com/office/drawing/2014/main" id="{D15853EE-94B0-D08B-DCB7-3381290CC3FF}"/>
               </a:ext>
             </a:extLst>
           </p:cNvPr>
@@ -25463,7 +25152,7 @@
           <a:lstStyle/>
           <a:p>
             <a:r>
-              <a:rPr lang="ko-KR" altLang="en-US" sz="4800" smtClean="0">
+              <a:rPr lang="ko-KR" altLang="en-US" sz="4800">
                 <a:solidFill>
                   <a:srgbClr val="4C50BC"/>
                 </a:solidFill>
@@ -25511,7 +25200,7 @@
           <p:cNvPr id="6" name="직선 화살표 연결선 5">
             <a:extLst>
               <a:ext uri="{FF2B5EF4-FFF2-40B4-BE49-F238E27FC236}">
-                <a16:creationId xmlns="" xmlns:a16="http://schemas.microsoft.com/office/drawing/2014/main" id="{299DF5EC-9DF4-5255-06AC-0A7CE4FF58C3}"/>
+                <a16:creationId xmlns:a16="http://schemas.microsoft.com/office/drawing/2014/main" id="{299DF5EC-9DF4-5255-06AC-0A7CE4FF58C3}"/>
               </a:ext>
             </a:extLst>
           </p:cNvPr>
@@ -25552,7 +25241,7 @@
           <p:cNvPr id="8" name="TextBox 7">
             <a:extLst>
               <a:ext uri="{FF2B5EF4-FFF2-40B4-BE49-F238E27FC236}">
-                <a16:creationId xmlns="" xmlns:a16="http://schemas.microsoft.com/office/drawing/2014/main" id="{C6D113C6-EA5C-788F-0C77-E7CE6EBB865F}"/>
+                <a16:creationId xmlns:a16="http://schemas.microsoft.com/office/drawing/2014/main" id="{C6D113C6-EA5C-788F-0C77-E7CE6EBB865F}"/>
               </a:ext>
             </a:extLst>
           </p:cNvPr>
@@ -25576,7 +25265,7 @@
           <a:lstStyle/>
           <a:p>
             <a:r>
-              <a:rPr lang="ko-KR" altLang="en-US" sz="3600" smtClean="0">
+              <a:rPr lang="ko-KR" altLang="en-US" sz="3600">
                 <a:solidFill>
                   <a:srgbClr val="FF0000"/>
                 </a:solidFill>
@@ -25600,7 +25289,7 @@
           <p:cNvPr id="10" name="직선 화살표 연결선 9">
             <a:extLst>
               <a:ext uri="{FF2B5EF4-FFF2-40B4-BE49-F238E27FC236}">
-                <a16:creationId xmlns="" xmlns:a16="http://schemas.microsoft.com/office/drawing/2014/main" id="{299DF5EC-9DF4-5255-06AC-0A7CE4FF58C3}"/>
+                <a16:creationId xmlns:a16="http://schemas.microsoft.com/office/drawing/2014/main" id="{299DF5EC-9DF4-5255-06AC-0A7CE4FF58C3}"/>
               </a:ext>
             </a:extLst>
           </p:cNvPr>
@@ -25641,7 +25330,7 @@
           <p:cNvPr id="11" name="TextBox 10">
             <a:extLst>
               <a:ext uri="{FF2B5EF4-FFF2-40B4-BE49-F238E27FC236}">
-                <a16:creationId xmlns="" xmlns:a16="http://schemas.microsoft.com/office/drawing/2014/main" id="{C6D113C6-EA5C-788F-0C77-E7CE6EBB865F}"/>
+                <a16:creationId xmlns:a16="http://schemas.microsoft.com/office/drawing/2014/main" id="{C6D113C6-EA5C-788F-0C77-E7CE6EBB865F}"/>
               </a:ext>
             </a:extLst>
           </p:cNvPr>
@@ -25665,7 +25354,7 @@
           <a:lstStyle/>
           <a:p>
             <a:r>
-              <a:rPr lang="ko-KR" altLang="en-US" sz="3600" smtClean="0">
+              <a:rPr lang="ko-KR" altLang="en-US" sz="3600">
                 <a:solidFill>
                   <a:srgbClr val="FF0000"/>
                 </a:solidFill>
@@ -25689,7 +25378,7 @@
           <p:cNvPr id="14" name="직선 화살표 연결선 13">
             <a:extLst>
               <a:ext uri="{FF2B5EF4-FFF2-40B4-BE49-F238E27FC236}">
-                <a16:creationId xmlns="" xmlns:a16="http://schemas.microsoft.com/office/drawing/2014/main" id="{299DF5EC-9DF4-5255-06AC-0A7CE4FF58C3}"/>
+                <a16:creationId xmlns:a16="http://schemas.microsoft.com/office/drawing/2014/main" id="{299DF5EC-9DF4-5255-06AC-0A7CE4FF58C3}"/>
               </a:ext>
             </a:extLst>
           </p:cNvPr>
@@ -25730,7 +25419,7 @@
           <p:cNvPr id="15" name="직사각형 14">
             <a:extLst>
               <a:ext uri="{FF2B5EF4-FFF2-40B4-BE49-F238E27FC236}">
-                <a16:creationId xmlns="" xmlns:a16="http://schemas.microsoft.com/office/drawing/2014/main" id="{FFF506F9-840A-0508-4CAF-3AC711D8D5CE}"/>
+                <a16:creationId xmlns:a16="http://schemas.microsoft.com/office/drawing/2014/main" id="{FFF506F9-840A-0508-4CAF-3AC711D8D5CE}"/>
               </a:ext>
             </a:extLst>
           </p:cNvPr>
@@ -25782,7 +25471,7 @@
           <p:cNvPr id="16" name="TextBox 15">
             <a:extLst>
               <a:ext uri="{FF2B5EF4-FFF2-40B4-BE49-F238E27FC236}">
-                <a16:creationId xmlns="" xmlns:a16="http://schemas.microsoft.com/office/drawing/2014/main" id="{C6D113C6-EA5C-788F-0C77-E7CE6EBB865F}"/>
+                <a16:creationId xmlns:a16="http://schemas.microsoft.com/office/drawing/2014/main" id="{C6D113C6-EA5C-788F-0C77-E7CE6EBB865F}"/>
               </a:ext>
             </a:extLst>
           </p:cNvPr>
@@ -25806,7 +25495,7 @@
           <a:lstStyle/>
           <a:p>
             <a:r>
-              <a:rPr lang="ko-KR" altLang="en-US" sz="3600" smtClean="0">
+              <a:rPr lang="ko-KR" altLang="en-US" sz="3600">
                 <a:solidFill>
                   <a:srgbClr val="FF0000"/>
                 </a:solidFill>
@@ -25816,7 +25505,7 @@
               <a:t>타입이 열거형의 타입이다</a:t>
             </a:r>
             <a:r>
-              <a:rPr lang="en-US" altLang="ko-KR" sz="3600" smtClean="0">
+              <a:rPr lang="en-US" altLang="ko-KR" sz="3600">
                 <a:solidFill>
                   <a:srgbClr val="FF0000"/>
                 </a:solidFill>
@@ -25826,7 +25515,7 @@
               <a:t>. </a:t>
             </a:r>
             <a:r>
-              <a:rPr lang="ko-KR" altLang="en-US" sz="3600" smtClean="0">
+              <a:rPr lang="ko-KR" altLang="en-US" sz="3600">
                 <a:solidFill>
                   <a:srgbClr val="FF0000"/>
                 </a:solidFill>
@@ -25836,7 +25525,7 @@
               <a:t>따라서 열거형의 멤버가 아니면 들어갈수 없다</a:t>
             </a:r>
             <a:r>
-              <a:rPr lang="en-US" altLang="ko-KR" sz="3600" smtClean="0">
+              <a:rPr lang="en-US" altLang="ko-KR" sz="3600">
                 <a:solidFill>
                   <a:srgbClr val="FF0000"/>
                 </a:solidFill>
@@ -25860,7 +25549,7 @@
           <p:cNvPr id="17" name="직선 화살표 연결선 16">
             <a:extLst>
               <a:ext uri="{FF2B5EF4-FFF2-40B4-BE49-F238E27FC236}">
-                <a16:creationId xmlns="" xmlns:a16="http://schemas.microsoft.com/office/drawing/2014/main" id="{299DF5EC-9DF4-5255-06AC-0A7CE4FF58C3}"/>
+                <a16:creationId xmlns:a16="http://schemas.microsoft.com/office/drawing/2014/main" id="{299DF5EC-9DF4-5255-06AC-0A7CE4FF58C3}"/>
               </a:ext>
             </a:extLst>
           </p:cNvPr>
@@ -25901,7 +25590,7 @@
           <p:cNvPr id="18" name="TextBox 17">
             <a:extLst>
               <a:ext uri="{FF2B5EF4-FFF2-40B4-BE49-F238E27FC236}">
-                <a16:creationId xmlns="" xmlns:a16="http://schemas.microsoft.com/office/drawing/2014/main" id="{C6D113C6-EA5C-788F-0C77-E7CE6EBB865F}"/>
+                <a16:creationId xmlns:a16="http://schemas.microsoft.com/office/drawing/2014/main" id="{C6D113C6-EA5C-788F-0C77-E7CE6EBB865F}"/>
               </a:ext>
             </a:extLst>
           </p:cNvPr>
@@ -25925,7 +25614,7 @@
           <a:lstStyle/>
           <a:p>
             <a:r>
-              <a:rPr lang="en-US" altLang="ko-KR" sz="3600" smtClean="0">
+              <a:rPr lang="en-US" altLang="ko-KR" sz="3600">
                 <a:solidFill>
                   <a:srgbClr val="FF0000"/>
                 </a:solidFill>
@@ -25935,7 +25624,7 @@
               <a:t>switch</a:t>
             </a:r>
             <a:r>
-              <a:rPr lang="ko-KR" altLang="en-US" sz="3600" smtClean="0">
+              <a:rPr lang="ko-KR" altLang="en-US" sz="3600">
                 <a:solidFill>
                   <a:srgbClr val="FF0000"/>
                 </a:solidFill>
@@ -25945,7 +25634,7 @@
               <a:t>문에서는 열거형이름 없이 멤버를 바로 사용한다</a:t>
             </a:r>
             <a:r>
-              <a:rPr lang="en-US" altLang="ko-KR" sz="3600" smtClean="0">
+              <a:rPr lang="en-US" altLang="ko-KR" sz="3600">
                 <a:solidFill>
                   <a:srgbClr val="FF0000"/>
                 </a:solidFill>
@@ -25974,13 +25663,6 @@
   <p:clrMapOvr>
     <a:masterClrMapping/>
   </p:clrMapOvr>
-  <p:timing>
-    <p:tnLst>
-      <p:par>
-        <p:cTn id="1" dur="indefinite" restart="never" nodeType="tmRoot"/>
-      </p:par>
-    </p:tnLst>
-  </p:timing>
 </p:sld>
 </file>
 
@@ -26030,7 +25712,7 @@
           <p:cNvPr id="4" name="TextBox 3">
             <a:extLst>
               <a:ext uri="{FF2B5EF4-FFF2-40B4-BE49-F238E27FC236}">
-                <a16:creationId xmlns:a16="http://schemas.microsoft.com/office/drawing/2014/main" xmlns="" id="{EE79C406-3461-D6A5-5346-D7C2FC38FCCD}"/>
+                <a16:creationId xmlns:a16="http://schemas.microsoft.com/office/drawing/2014/main" id="{EE79C406-3461-D6A5-5346-D7C2FC38FCCD}"/>
               </a:ext>
             </a:extLst>
           </p:cNvPr>
@@ -26054,7 +25736,7 @@
           <a:lstStyle/>
           <a:p>
             <a:r>
-              <a:rPr lang="ko-KR" altLang="en-US" sz="4800" smtClean="0">
+              <a:rPr lang="ko-KR" altLang="en-US" sz="4800">
                 <a:solidFill>
                   <a:srgbClr val="4C50BC"/>
                 </a:solidFill>
@@ -26102,7 +25784,7 @@
           <p:cNvPr id="6" name="직선 화살표 연결선 5">
             <a:extLst>
               <a:ext uri="{FF2B5EF4-FFF2-40B4-BE49-F238E27FC236}">
-                <a16:creationId xmlns="" xmlns:a16="http://schemas.microsoft.com/office/drawing/2014/main" id="{299DF5EC-9DF4-5255-06AC-0A7CE4FF58C3}"/>
+                <a16:creationId xmlns:a16="http://schemas.microsoft.com/office/drawing/2014/main" id="{299DF5EC-9DF4-5255-06AC-0A7CE4FF58C3}"/>
               </a:ext>
             </a:extLst>
           </p:cNvPr>
@@ -26143,7 +25825,7 @@
           <p:cNvPr id="8" name="TextBox 7">
             <a:extLst>
               <a:ext uri="{FF2B5EF4-FFF2-40B4-BE49-F238E27FC236}">
-                <a16:creationId xmlns="" xmlns:a16="http://schemas.microsoft.com/office/drawing/2014/main" id="{C6D113C6-EA5C-788F-0C77-E7CE6EBB865F}"/>
+                <a16:creationId xmlns:a16="http://schemas.microsoft.com/office/drawing/2014/main" id="{C6D113C6-EA5C-788F-0C77-E7CE6EBB865F}"/>
               </a:ext>
             </a:extLst>
           </p:cNvPr>
@@ -26167,7 +25849,7 @@
           <a:lstStyle/>
           <a:p>
             <a:r>
-              <a:rPr lang="ko-KR" altLang="en-US" sz="3600" smtClean="0">
+              <a:rPr lang="ko-KR" altLang="en-US" sz="3600">
                 <a:solidFill>
                   <a:srgbClr val="FF0000"/>
                 </a:solidFill>
@@ -26177,7 +25859,7 @@
               <a:t>금액이 마이너스가 될수 없다</a:t>
             </a:r>
             <a:r>
-              <a:rPr lang="en-US" altLang="ko-KR" sz="3600" smtClean="0">
+              <a:rPr lang="en-US" altLang="ko-KR" sz="3600">
                 <a:solidFill>
                   <a:srgbClr val="FF0000"/>
                 </a:solidFill>
@@ -26254,13 +25936,6 @@
   <p:clrMapOvr>
     <a:masterClrMapping/>
   </p:clrMapOvr>
-  <p:timing>
-    <p:tnLst>
-      <p:par>
-        <p:cTn id="1" dur="indefinite" restart="never" nodeType="tmRoot"/>
-      </p:par>
-    </p:tnLst>
-  </p:timing>
 </p:sld>
 </file>
 
@@ -26358,7 +26033,7 @@
           <p:cNvPr id="5" name="직선 화살표 연결선 4">
             <a:extLst>
               <a:ext uri="{FF2B5EF4-FFF2-40B4-BE49-F238E27FC236}">
-                <a16:creationId xmlns="" xmlns:a16="http://schemas.microsoft.com/office/drawing/2014/main" id="{299DF5EC-9DF4-5255-06AC-0A7CE4FF58C3}"/>
+                <a16:creationId xmlns:a16="http://schemas.microsoft.com/office/drawing/2014/main" id="{299DF5EC-9DF4-5255-06AC-0A7CE4FF58C3}"/>
               </a:ext>
             </a:extLst>
           </p:cNvPr>
@@ -26399,7 +26074,7 @@
           <p:cNvPr id="7" name="TextBox 6">
             <a:extLst>
               <a:ext uri="{FF2B5EF4-FFF2-40B4-BE49-F238E27FC236}">
-                <a16:creationId xmlns="" xmlns:a16="http://schemas.microsoft.com/office/drawing/2014/main" id="{C6D113C6-EA5C-788F-0C77-E7CE6EBB865F}"/>
+                <a16:creationId xmlns:a16="http://schemas.microsoft.com/office/drawing/2014/main" id="{C6D113C6-EA5C-788F-0C77-E7CE6EBB865F}"/>
               </a:ext>
             </a:extLst>
           </p:cNvPr>
@@ -26423,7 +26098,7 @@
           <a:lstStyle/>
           <a:p>
             <a:r>
-              <a:rPr lang="ko-KR" altLang="en-US" sz="3600" smtClean="0">
+              <a:rPr lang="ko-KR" altLang="en-US" sz="3600">
                 <a:solidFill>
                   <a:srgbClr val="FF0000"/>
                 </a:solidFill>
@@ -26433,7 +26108,7 @@
               <a:t>아직 첫번째 쓰레드가 인출을 하지 않았다</a:t>
             </a:r>
             <a:r>
-              <a:rPr lang="en-US" altLang="ko-KR" sz="3600" smtClean="0">
+              <a:rPr lang="en-US" altLang="ko-KR" sz="3600">
                 <a:solidFill>
                   <a:srgbClr val="FF0000"/>
                 </a:solidFill>
@@ -26443,7 +26118,7 @@
               <a:t>. </a:t>
             </a:r>
             <a:r>
-              <a:rPr lang="ko-KR" altLang="en-US" sz="3600" smtClean="0">
+              <a:rPr lang="ko-KR" altLang="en-US" sz="3600">
                 <a:solidFill>
                   <a:srgbClr val="FF0000"/>
                 </a:solidFill>
@@ -26453,7 +26128,7 @@
               <a:t>그러므로 </a:t>
             </a:r>
             <a:r>
-              <a:rPr lang="en-US" altLang="ko-KR" sz="3600" smtClean="0">
+              <a:rPr lang="en-US" altLang="ko-KR" sz="3600">
                 <a:solidFill>
                   <a:srgbClr val="FF0000"/>
                 </a:solidFill>
@@ -26463,7 +26138,7 @@
               <a:t>7</a:t>
             </a:r>
             <a:r>
-              <a:rPr lang="ko-KR" altLang="en-US" sz="3600" smtClean="0">
+              <a:rPr lang="ko-KR" altLang="en-US" sz="3600">
                 <a:solidFill>
                   <a:srgbClr val="FF0000"/>
                 </a:solidFill>
@@ -26473,7 +26148,7 @@
               <a:t>천원 인출이 가능하다</a:t>
             </a:r>
             <a:r>
-              <a:rPr lang="en-US" altLang="ko-KR" sz="3600" smtClean="0">
+              <a:rPr lang="en-US" altLang="ko-KR" sz="3600">
                 <a:solidFill>
                   <a:srgbClr val="FF0000"/>
                 </a:solidFill>
@@ -26497,7 +26172,7 @@
           <p:cNvPr id="11" name="직선 화살표 연결선 10">
             <a:extLst>
               <a:ext uri="{FF2B5EF4-FFF2-40B4-BE49-F238E27FC236}">
-                <a16:creationId xmlns="" xmlns:a16="http://schemas.microsoft.com/office/drawing/2014/main" id="{299DF5EC-9DF4-5255-06AC-0A7CE4FF58C3}"/>
+                <a16:creationId xmlns:a16="http://schemas.microsoft.com/office/drawing/2014/main" id="{299DF5EC-9DF4-5255-06AC-0A7CE4FF58C3}"/>
               </a:ext>
             </a:extLst>
           </p:cNvPr>
@@ -26538,7 +26213,7 @@
           <p:cNvPr id="15" name="직선 화살표 연결선 14">
             <a:extLst>
               <a:ext uri="{FF2B5EF4-FFF2-40B4-BE49-F238E27FC236}">
-                <a16:creationId xmlns="" xmlns:a16="http://schemas.microsoft.com/office/drawing/2014/main" id="{299DF5EC-9DF4-5255-06AC-0A7CE4FF58C3}"/>
+                <a16:creationId xmlns:a16="http://schemas.microsoft.com/office/drawing/2014/main" id="{299DF5EC-9DF4-5255-06AC-0A7CE4FF58C3}"/>
               </a:ext>
             </a:extLst>
           </p:cNvPr>
@@ -26579,7 +26254,7 @@
           <p:cNvPr id="19" name="직선 화살표 연결선 18">
             <a:extLst>
               <a:ext uri="{FF2B5EF4-FFF2-40B4-BE49-F238E27FC236}">
-                <a16:creationId xmlns="" xmlns:a16="http://schemas.microsoft.com/office/drawing/2014/main" id="{299DF5EC-9DF4-5255-06AC-0A7CE4FF58C3}"/>
+                <a16:creationId xmlns:a16="http://schemas.microsoft.com/office/drawing/2014/main" id="{299DF5EC-9DF4-5255-06AC-0A7CE4FF58C3}"/>
               </a:ext>
             </a:extLst>
           </p:cNvPr>
@@ -26620,7 +26295,7 @@
           <p:cNvPr id="25" name="직선 화살표 연결선 24">
             <a:extLst>
               <a:ext uri="{FF2B5EF4-FFF2-40B4-BE49-F238E27FC236}">
-                <a16:creationId xmlns="" xmlns:a16="http://schemas.microsoft.com/office/drawing/2014/main" id="{299DF5EC-9DF4-5255-06AC-0A7CE4FF58C3}"/>
+                <a16:creationId xmlns:a16="http://schemas.microsoft.com/office/drawing/2014/main" id="{299DF5EC-9DF4-5255-06AC-0A7CE4FF58C3}"/>
               </a:ext>
             </a:extLst>
           </p:cNvPr>
@@ -26661,7 +26336,7 @@
           <p:cNvPr id="26" name="직선 화살표 연결선 25">
             <a:extLst>
               <a:ext uri="{FF2B5EF4-FFF2-40B4-BE49-F238E27FC236}">
-                <a16:creationId xmlns="" xmlns:a16="http://schemas.microsoft.com/office/drawing/2014/main" id="{299DF5EC-9DF4-5255-06AC-0A7CE4FF58C3}"/>
+                <a16:creationId xmlns:a16="http://schemas.microsoft.com/office/drawing/2014/main" id="{299DF5EC-9DF4-5255-06AC-0A7CE4FF58C3}"/>
               </a:ext>
             </a:extLst>
           </p:cNvPr>
@@ -26702,7 +26377,7 @@
           <p:cNvPr id="27" name="TextBox 26">
             <a:extLst>
               <a:ext uri="{FF2B5EF4-FFF2-40B4-BE49-F238E27FC236}">
-                <a16:creationId xmlns="" xmlns:a16="http://schemas.microsoft.com/office/drawing/2014/main" id="{C6D113C6-EA5C-788F-0C77-E7CE6EBB865F}"/>
+                <a16:creationId xmlns:a16="http://schemas.microsoft.com/office/drawing/2014/main" id="{C6D113C6-EA5C-788F-0C77-E7CE6EBB865F}"/>
               </a:ext>
             </a:extLst>
           </p:cNvPr>
@@ -26726,7 +26401,7 @@
           <a:lstStyle/>
           <a:p>
             <a:r>
-              <a:rPr lang="ko-KR" altLang="en-US" sz="3600" smtClean="0">
+              <a:rPr lang="ko-KR" altLang="en-US" sz="3600">
                 <a:solidFill>
                   <a:srgbClr val="FF0000"/>
                 </a:solidFill>
@@ -26736,7 +26411,7 @@
               <a:t>쓰레드끼리 공유해서 쓰는 자원일경우 한번에 하나의 쓰레드만 쓰는것이 안전하다</a:t>
             </a:r>
             <a:r>
-              <a:rPr lang="en-US" altLang="ko-KR" sz="3600" smtClean="0">
+              <a:rPr lang="en-US" altLang="ko-KR" sz="3600">
                 <a:solidFill>
                   <a:srgbClr val="FF0000"/>
                 </a:solidFill>
@@ -27144,7 +26819,7 @@
           <p:cNvPr id="5" name="직선 화살표 연결선 4">
             <a:extLst>
               <a:ext uri="{FF2B5EF4-FFF2-40B4-BE49-F238E27FC236}">
-                <a16:creationId xmlns="" xmlns:a16="http://schemas.microsoft.com/office/drawing/2014/main" id="{299DF5EC-9DF4-5255-06AC-0A7CE4FF58C3}"/>
+                <a16:creationId xmlns:a16="http://schemas.microsoft.com/office/drawing/2014/main" id="{299DF5EC-9DF4-5255-06AC-0A7CE4FF58C3}"/>
               </a:ext>
             </a:extLst>
           </p:cNvPr>
@@ -27186,7 +26861,7 @@
           <p:cNvPr id="6" name="TextBox 5">
             <a:extLst>
               <a:ext uri="{FF2B5EF4-FFF2-40B4-BE49-F238E27FC236}">
-                <a16:creationId xmlns="" xmlns:a16="http://schemas.microsoft.com/office/drawing/2014/main" id="{C6D113C6-EA5C-788F-0C77-E7CE6EBB865F}"/>
+                <a16:creationId xmlns:a16="http://schemas.microsoft.com/office/drawing/2014/main" id="{C6D113C6-EA5C-788F-0C77-E7CE6EBB865F}"/>
               </a:ext>
             </a:extLst>
           </p:cNvPr>
@@ -27210,7 +26885,7 @@
           <a:lstStyle/>
           <a:p>
             <a:r>
-              <a:rPr lang="en-US" altLang="ko-KR" sz="3600" smtClean="0">
+              <a:rPr lang="en-US" altLang="ko-KR" sz="3600">
                 <a:solidFill>
                   <a:srgbClr val="FF0000"/>
                 </a:solidFill>
@@ -27220,7 +26895,7 @@
               <a:t>withdraw </a:t>
             </a:r>
             <a:r>
-              <a:rPr lang="ko-KR" altLang="en-US" sz="3600" smtClean="0">
+              <a:rPr lang="ko-KR" altLang="en-US" sz="3600">
                 <a:solidFill>
                   <a:srgbClr val="FF0000"/>
                 </a:solidFill>
@@ -27237,30 +26912,20 @@
                 <a:latin typeface="G마켓 산스 Medium" panose="02000000000000000000" pitchFamily="50" charset="-127"/>
                 <a:ea typeface="G마켓 산스 Medium" panose="02000000000000000000" pitchFamily="50" charset="-127"/>
               </a:rPr>
-              <a:t> </a:t>
-            </a:r>
-            <a:r>
-              <a:rPr lang="en-US" altLang="ko-KR" sz="3600" smtClean="0">
+              <a:t> (</a:t>
+            </a:r>
+            <a:r>
+              <a:rPr lang="ko-KR" altLang="en-US" sz="3600">
                 <a:solidFill>
                   <a:srgbClr val="FF0000"/>
                 </a:solidFill>
                 <a:latin typeface="G마켓 산스 Medium" panose="02000000000000000000" pitchFamily="50" charset="-127"/>
                 <a:ea typeface="G마켓 산스 Medium" panose="02000000000000000000" pitchFamily="50" charset="-127"/>
               </a:rPr>
-              <a:t>(</a:t>
-            </a:r>
-            <a:r>
-              <a:rPr lang="ko-KR" altLang="en-US" sz="3600" smtClean="0">
-                <a:solidFill>
-                  <a:srgbClr val="FF0000"/>
-                </a:solidFill>
-                <a:latin typeface="G마켓 산스 Medium" panose="02000000000000000000" pitchFamily="50" charset="-127"/>
-                <a:ea typeface="G마켓 산스 Medium" panose="02000000000000000000" pitchFamily="50" charset="-127"/>
-              </a:rPr>
               <a:t>블록으로 특정영역만 설정도 가능하다</a:t>
             </a:r>
             <a:r>
-              <a:rPr lang="en-US" altLang="ko-KR" sz="3600" smtClean="0">
+              <a:rPr lang="en-US" altLang="ko-KR" sz="3600">
                 <a:solidFill>
                   <a:srgbClr val="FF0000"/>
                 </a:solidFill>
@@ -27289,13 +26954,6 @@
   <p:clrMapOvr>
     <a:masterClrMapping/>
   </p:clrMapOvr>
-  <p:timing>
-    <p:tnLst>
-      <p:par>
-        <p:cTn id="1" dur="indefinite" restart="never" nodeType="tmRoot"/>
-      </p:par>
-    </p:tnLst>
-  </p:timing>
 </p:sld>
 </file>
 
@@ -27321,7 +26979,7 @@
           <p:cNvPr id="4" name="TextBox 3">
             <a:extLst>
               <a:ext uri="{FF2B5EF4-FFF2-40B4-BE49-F238E27FC236}">
-                <a16:creationId xmlns:a16="http://schemas.microsoft.com/office/drawing/2014/main" xmlns="" id="{EE79C406-3461-D6A5-5346-D7C2FC38FCCD}"/>
+                <a16:creationId xmlns:a16="http://schemas.microsoft.com/office/drawing/2014/main" id="{EE79C406-3461-D6A5-5346-D7C2FC38FCCD}"/>
               </a:ext>
             </a:extLst>
           </p:cNvPr>
@@ -27345,7 +27003,7 @@
           <a:lstStyle/>
           <a:p>
             <a:r>
-              <a:rPr lang="ko-KR" altLang="en-US" sz="4800" smtClean="0">
+              <a:rPr lang="ko-KR" altLang="en-US" sz="4800">
                 <a:solidFill>
                   <a:srgbClr val="4C50BC"/>
                 </a:solidFill>
@@ -27355,7 +27013,7 @@
               <a:t>이 외에도 쓰레드에 관해 상태제어</a:t>
             </a:r>
             <a:r>
-              <a:rPr lang="en-US" altLang="ko-KR" sz="4800" smtClean="0">
+              <a:rPr lang="en-US" altLang="ko-KR" sz="4800">
                 <a:solidFill>
                   <a:srgbClr val="4C50BC"/>
                 </a:solidFill>
@@ -27365,7 +27023,7 @@
               <a:t>, </a:t>
             </a:r>
             <a:r>
-              <a:rPr lang="ko-KR" altLang="en-US" sz="4800" smtClean="0">
+              <a:rPr lang="ko-KR" altLang="en-US" sz="4800">
                 <a:solidFill>
                   <a:srgbClr val="4C50BC"/>
                 </a:solidFill>
@@ -27375,7 +27033,7 @@
               <a:t>동기화</a:t>
             </a:r>
             <a:r>
-              <a:rPr lang="en-US" altLang="ko-KR" sz="4800" smtClean="0">
+              <a:rPr lang="en-US" altLang="ko-KR" sz="4800">
                 <a:solidFill>
                   <a:srgbClr val="4C50BC"/>
                 </a:solidFill>
@@ -27385,7 +27043,7 @@
               <a:t>, </a:t>
             </a:r>
             <a:r>
-              <a:rPr lang="ko-KR" altLang="en-US" sz="4800" smtClean="0">
+              <a:rPr lang="ko-KR" altLang="en-US" sz="4800">
                 <a:solidFill>
                   <a:srgbClr val="4C50BC"/>
                 </a:solidFill>
@@ -27395,7 +27053,7 @@
               <a:t>데드락 등등 많은 내용들이 있다</a:t>
             </a:r>
             <a:r>
-              <a:rPr lang="en-US" altLang="ko-KR" sz="4800" smtClean="0">
+              <a:rPr lang="en-US" altLang="ko-KR" sz="4800">
                 <a:solidFill>
                   <a:srgbClr val="4C50BC"/>
                 </a:solidFill>
@@ -27424,13 +27082,6 @@
   <p:clrMapOvr>
     <a:masterClrMapping/>
   </p:clrMapOvr>
-  <p:timing>
-    <p:tnLst>
-      <p:par>
-        <p:cTn id="1" dur="indefinite" restart="never" nodeType="tmRoot"/>
-      </p:par>
-    </p:tnLst>
-  </p:timing>
 </p:sld>
 </file>
 
@@ -27644,7 +27295,7 @@
           <p:cNvPr id="15" name="TextBox 14">
             <a:extLst>
               <a:ext uri="{FF2B5EF4-FFF2-40B4-BE49-F238E27FC236}">
-                <a16:creationId xmlns:a16="http://schemas.microsoft.com/office/drawing/2014/main" xmlns="" id="{76F36AE5-79B5-0B9F-E510-1C27AAC4B649}"/>
+                <a16:creationId xmlns:a16="http://schemas.microsoft.com/office/drawing/2014/main" id="{76F36AE5-79B5-0B9F-E510-1C27AAC4B649}"/>
               </a:ext>
             </a:extLst>
           </p:cNvPr>
@@ -27697,13 +27348,6 @@
   <p:clrMapOvr>
     <a:masterClrMapping/>
   </p:clrMapOvr>
-  <p:timing>
-    <p:tnLst>
-      <p:par>
-        <p:cTn id="1" dur="indefinite" restart="never" nodeType="tmRoot"/>
-      </p:par>
-    </p:tnLst>
-  </p:timing>
 </p:sld>
 </file>
 
@@ -27729,7 +27373,7 @@
           <p:cNvPr id="7" name="TextBox 6">
             <a:extLst>
               <a:ext uri="{FF2B5EF4-FFF2-40B4-BE49-F238E27FC236}">
-                <a16:creationId xmlns:a16="http://schemas.microsoft.com/office/drawing/2014/main" xmlns="" id="{90E0C58D-4AB9-A52A-B53C-44A4B8F11990}"/>
+                <a16:creationId xmlns:a16="http://schemas.microsoft.com/office/drawing/2014/main" id="{90E0C58D-4AB9-A52A-B53C-44A4B8F11990}"/>
               </a:ext>
             </a:extLst>
           </p:cNvPr>
@@ -27787,7 +27431,7 @@
           <p:cNvPr id="12" name="TextBox 11">
             <a:extLst>
               <a:ext uri="{FF2B5EF4-FFF2-40B4-BE49-F238E27FC236}">
-                <a16:creationId xmlns:a16="http://schemas.microsoft.com/office/drawing/2014/main" xmlns="" id="{2FFEA572-0493-CB52-6BE5-4BCEFE8076B6}"/>
+                <a16:creationId xmlns:a16="http://schemas.microsoft.com/office/drawing/2014/main" id="{2FFEA572-0493-CB52-6BE5-4BCEFE8076B6}"/>
               </a:ext>
             </a:extLst>
           </p:cNvPr>
@@ -27814,7 +27458,7 @@
               <a:buAutoNum type="arabicPeriod"/>
             </a:pPr>
             <a:r>
-              <a:rPr lang="ko-KR" altLang="en-US" sz="4000" smtClean="0">
+              <a:rPr lang="ko-KR" altLang="en-US" sz="4000">
                 <a:solidFill>
                   <a:srgbClr val="4C50BB"/>
                 </a:solidFill>
@@ -27824,7 +27468,7 @@
               <a:t>다이얼로그를 띄우고 있는과 동시에 </a:t>
             </a:r>
             <a:r>
-              <a:rPr lang="en-US" altLang="ko-KR" sz="4000" smtClean="0">
+              <a:rPr lang="en-US" altLang="ko-KR" sz="4000">
                 <a:solidFill>
                   <a:srgbClr val="4C50BB"/>
                 </a:solidFill>
@@ -27834,7 +27478,7 @@
               <a:t>console </a:t>
             </a:r>
             <a:r>
-              <a:rPr lang="ko-KR" altLang="en-US" sz="4000" smtClean="0">
+              <a:rPr lang="ko-KR" altLang="en-US" sz="4000">
                 <a:solidFill>
                   <a:srgbClr val="4C50BB"/>
                 </a:solidFill>
@@ -27844,7 +27488,7 @@
               <a:t>창으로 </a:t>
             </a:r>
             <a:r>
-              <a:rPr lang="en-US" altLang="ko-KR" sz="4000" smtClean="0">
+              <a:rPr lang="en-US" altLang="ko-KR" sz="4000">
                 <a:solidFill>
                   <a:srgbClr val="4C50BB"/>
                 </a:solidFill>
@@ -27854,7 +27498,7 @@
               <a:t>1</a:t>
             </a:r>
             <a:r>
-              <a:rPr lang="ko-KR" altLang="en-US" sz="4000" smtClean="0">
+              <a:rPr lang="ko-KR" altLang="en-US" sz="4000">
                 <a:solidFill>
                   <a:srgbClr val="4C50BB"/>
                 </a:solidFill>
@@ -27864,7 +27508,7 @@
               <a:t>초마다 카운트를 출력하도록하자</a:t>
             </a:r>
             <a:r>
-              <a:rPr lang="en-US" altLang="ko-KR" sz="4000" smtClean="0">
+              <a:rPr lang="en-US" altLang="ko-KR" sz="4000">
                 <a:solidFill>
                   <a:srgbClr val="4C50BB"/>
                 </a:solidFill>
@@ -27874,7 +27518,7 @@
               <a:t>.(</a:t>
             </a:r>
             <a:r>
-              <a:rPr lang="ko-KR" altLang="en-US" sz="4000" smtClean="0">
+              <a:rPr lang="ko-KR" altLang="en-US" sz="4000">
                 <a:solidFill>
                   <a:srgbClr val="4C50BB"/>
                 </a:solidFill>
@@ -27884,7 +27528,7 @@
               <a:t>쓰레드를 활용할것</a:t>
             </a:r>
             <a:r>
-              <a:rPr lang="en-US" altLang="ko-KR" sz="4000" smtClean="0">
+              <a:rPr lang="en-US" altLang="ko-KR" sz="4000">
                 <a:solidFill>
                   <a:srgbClr val="4C50BB"/>
                 </a:solidFill>
@@ -27894,7 +27538,7 @@
               <a:t>) </a:t>
             </a:r>
             <a:r>
-              <a:rPr lang="ko-KR" altLang="en-US" sz="4000" smtClean="0">
+              <a:rPr lang="ko-KR" altLang="en-US" sz="4000">
                 <a:solidFill>
                   <a:srgbClr val="4C50BB"/>
                 </a:solidFill>
@@ -27904,7 +27548,7 @@
               <a:t>카운트는 </a:t>
             </a:r>
             <a:r>
-              <a:rPr lang="en-US" altLang="ko-KR" sz="4000" smtClean="0">
+              <a:rPr lang="en-US" altLang="ko-KR" sz="4000">
                 <a:solidFill>
                   <a:srgbClr val="4C50BB"/>
                 </a:solidFill>
@@ -27914,7 +27558,7 @@
               <a:t>10</a:t>
             </a:r>
             <a:r>
-              <a:rPr lang="ko-KR" altLang="en-US" sz="4000" smtClean="0">
+              <a:rPr lang="ko-KR" altLang="en-US" sz="4000">
                 <a:solidFill>
                   <a:srgbClr val="4C50BB"/>
                 </a:solidFill>
@@ -27924,7 +27568,7 @@
               <a:t>초까지 나온다</a:t>
             </a:r>
             <a:r>
-              <a:rPr lang="en-US" altLang="ko-KR" sz="4000" smtClean="0">
+              <a:rPr lang="en-US" altLang="ko-KR" sz="4000">
                 <a:solidFill>
                   <a:srgbClr val="4C50BB"/>
                 </a:solidFill>
@@ -27948,7 +27592,7 @@
           <p:cNvPr id="9" name="TextBox 8">
             <a:extLst>
               <a:ext uri="{FF2B5EF4-FFF2-40B4-BE49-F238E27FC236}">
-                <a16:creationId xmlns:a16="http://schemas.microsoft.com/office/drawing/2014/main" xmlns="" id="{2FFEA572-0493-CB52-6BE5-4BCEFE8076B6}"/>
+                <a16:creationId xmlns:a16="http://schemas.microsoft.com/office/drawing/2014/main" id="{2FFEA572-0493-CB52-6BE5-4BCEFE8076B6}"/>
               </a:ext>
             </a:extLst>
           </p:cNvPr>
@@ -27972,7 +27616,7 @@
           <a:lstStyle/>
           <a:p>
             <a:r>
-              <a:rPr lang="en-US" altLang="ko-KR" sz="4000" smtClean="0">
+              <a:rPr lang="en-US" altLang="ko-KR" sz="4000">
                 <a:solidFill>
                   <a:srgbClr val="4C50BB"/>
                 </a:solidFill>
@@ -27982,7 +27626,7 @@
               <a:t>2. 1</a:t>
             </a:r>
             <a:r>
-              <a:rPr lang="ko-KR" altLang="en-US" sz="4000" smtClean="0">
+              <a:rPr lang="ko-KR" altLang="en-US" sz="4000">
                 <a:solidFill>
                   <a:srgbClr val="4C50BB"/>
                 </a:solidFill>
@@ -27991,7 +27635,7 @@
               </a:rPr>
               <a:t>번 문제의 카운트가 다이얼로그창을 닫을때까지 계속 나오게 하고 다이얼로그창을 닫으면 프로그램이 종료되도록 하자</a:t>
             </a:r>
-            <a:endParaRPr lang="en-US" altLang="ko-KR" sz="4000" smtClean="0">
+            <a:endParaRPr lang="en-US" altLang="ko-KR" sz="4000">
               <a:solidFill>
                 <a:srgbClr val="4C50BB"/>
               </a:solidFill>
@@ -28035,13 +27679,6 @@
   <p:clrMapOvr>
     <a:masterClrMapping/>
   </p:clrMapOvr>
-  <p:timing>
-    <p:tnLst>
-      <p:par>
-        <p:cTn id="1" dur="indefinite" restart="never" nodeType="tmRoot"/>
-      </p:par>
-    </p:tnLst>
-  </p:timing>
 </p:sld>
 </file>
 
@@ -28132,13 +27769,6 @@
   <p:clrMapOvr>
     <a:masterClrMapping/>
   </p:clrMapOvr>
-  <p:timing>
-    <p:tnLst>
-      <p:par>
-        <p:cTn id="1" dur="indefinite" restart="never" nodeType="tmRoot"/>
-      </p:par>
-    </p:tnLst>
-  </p:timing>
 </p:sld>
 </file>
 
@@ -28229,13 +27859,6 @@
   <p:clrMapOvr>
     <a:masterClrMapping/>
   </p:clrMapOvr>
-  <p:timing>
-    <p:tnLst>
-      <p:par>
-        <p:cTn id="1" dur="indefinite" restart="never" nodeType="tmRoot"/>
-      </p:par>
-    </p:tnLst>
-  </p:timing>
 </p:sld>
 </file>
 
@@ -28527,7 +28150,7 @@
           <p:cNvPr id="2" name="TextBox 1">
             <a:extLst>
               <a:ext uri="{FF2B5EF4-FFF2-40B4-BE49-F238E27FC236}">
-                <a16:creationId xmlns:a16="http://schemas.microsoft.com/office/drawing/2014/main" xmlns="" id="{715D88A2-BD52-978B-A00A-540446126E3D}"/>
+                <a16:creationId xmlns:a16="http://schemas.microsoft.com/office/drawing/2014/main" id="{715D88A2-BD52-978B-A00A-540446126E3D}"/>
               </a:ext>
             </a:extLst>
           </p:cNvPr>
@@ -28575,13 +28198,6 @@
   <p:clrMapOvr>
     <a:masterClrMapping/>
   </p:clrMapOvr>
-  <p:timing>
-    <p:tnLst>
-      <p:par>
-        <p:cTn id="1" dur="indefinite" restart="never" nodeType="tmRoot"/>
-      </p:par>
-    </p:tnLst>
-  </p:timing>
 </p:sld>
 </file>
 
@@ -28631,7 +28247,7 @@
           <p:cNvPr id="5" name="TextBox 4">
             <a:extLst>
               <a:ext uri="{FF2B5EF4-FFF2-40B4-BE49-F238E27FC236}">
-                <a16:creationId xmlns:a16="http://schemas.microsoft.com/office/drawing/2014/main" xmlns="" id="{D15853EE-94B0-D08B-DCB7-3381290CC3FF}"/>
+                <a16:creationId xmlns:a16="http://schemas.microsoft.com/office/drawing/2014/main" id="{D15853EE-94B0-D08B-DCB7-3381290CC3FF}"/>
               </a:ext>
             </a:extLst>
           </p:cNvPr>
@@ -28655,7 +28271,7 @@
           <a:lstStyle/>
           <a:p>
             <a:r>
-              <a:rPr lang="ko-KR" altLang="en-US" sz="4800" smtClean="0">
+              <a:rPr lang="ko-KR" altLang="en-US" sz="4800">
                 <a:solidFill>
                   <a:srgbClr val="4C50BC"/>
                 </a:solidFill>
@@ -28703,7 +28319,7 @@
           <p:cNvPr id="7" name="TextBox 6">
             <a:extLst>
               <a:ext uri="{FF2B5EF4-FFF2-40B4-BE49-F238E27FC236}">
-                <a16:creationId xmlns="" xmlns:a16="http://schemas.microsoft.com/office/drawing/2014/main" id="{C6D113C6-EA5C-788F-0C77-E7CE6EBB865F}"/>
+                <a16:creationId xmlns:a16="http://schemas.microsoft.com/office/drawing/2014/main" id="{C6D113C6-EA5C-788F-0C77-E7CE6EBB865F}"/>
               </a:ext>
             </a:extLst>
           </p:cNvPr>
@@ -28727,7 +28343,7 @@
           <a:lstStyle/>
           <a:p>
             <a:r>
-              <a:rPr lang="ko-KR" altLang="en-US" sz="4800" smtClean="0">
+              <a:rPr lang="ko-KR" altLang="en-US" sz="4800">
                 <a:solidFill>
                   <a:srgbClr val="FF0000"/>
                 </a:solidFill>
@@ -28737,7 +28353,7 @@
               <a:t>열거형의 멤버변수들에 내가 특정한 값을 주고 싶으면</a:t>
             </a:r>
             <a:r>
-              <a:rPr lang="en-US" altLang="ko-KR" sz="4800" smtClean="0">
+              <a:rPr lang="en-US" altLang="ko-KR" sz="4800">
                 <a:solidFill>
                   <a:srgbClr val="FF0000"/>
                 </a:solidFill>
@@ -28886,7 +28502,7 @@
           <p:cNvPr id="8" name="직선 화살표 연결선 7">
             <a:extLst>
               <a:ext uri="{FF2B5EF4-FFF2-40B4-BE49-F238E27FC236}">
-                <a16:creationId xmlns="" xmlns:a16="http://schemas.microsoft.com/office/drawing/2014/main" id="{299DF5EC-9DF4-5255-06AC-0A7CE4FF58C3}"/>
+                <a16:creationId xmlns:a16="http://schemas.microsoft.com/office/drawing/2014/main" id="{299DF5EC-9DF4-5255-06AC-0A7CE4FF58C3}"/>
               </a:ext>
             </a:extLst>
           </p:cNvPr>
@@ -28927,7 +28543,7 @@
           <p:cNvPr id="9" name="TextBox 8">
             <a:extLst>
               <a:ext uri="{FF2B5EF4-FFF2-40B4-BE49-F238E27FC236}">
-                <a16:creationId xmlns="" xmlns:a16="http://schemas.microsoft.com/office/drawing/2014/main" id="{C6D113C6-EA5C-788F-0C77-E7CE6EBB865F}"/>
+                <a16:creationId xmlns:a16="http://schemas.microsoft.com/office/drawing/2014/main" id="{C6D113C6-EA5C-788F-0C77-E7CE6EBB865F}"/>
               </a:ext>
             </a:extLst>
           </p:cNvPr>
@@ -28951,7 +28567,7 @@
           <a:lstStyle/>
           <a:p>
             <a:r>
-              <a:rPr lang="ko-KR" altLang="en-US" sz="3600" smtClean="0">
+              <a:rPr lang="ko-KR" altLang="en-US" sz="3600">
                 <a:solidFill>
                   <a:srgbClr val="FF0000"/>
                 </a:solidFill>
@@ -28961,7 +28577,7 @@
               <a:t>이거 혹시</a:t>
             </a:r>
             <a:r>
-              <a:rPr lang="en-US" altLang="ko-KR" sz="3600" smtClean="0">
+              <a:rPr lang="en-US" altLang="ko-KR" sz="3600">
                 <a:solidFill>
                   <a:srgbClr val="FF0000"/>
                 </a:solidFill>
@@ -28971,7 +28587,7 @@
               <a:t>.. </a:t>
             </a:r>
             <a:r>
-              <a:rPr lang="ko-KR" altLang="en-US" sz="3600" smtClean="0">
+              <a:rPr lang="ko-KR" altLang="en-US" sz="3600">
                 <a:solidFill>
                   <a:srgbClr val="FF0000"/>
                 </a:solidFill>
@@ -28981,7 +28597,7 @@
               <a:t>생성자 아냐</a:t>
             </a:r>
             <a:r>
-              <a:rPr lang="en-US" altLang="ko-KR" sz="3600" smtClean="0">
+              <a:rPr lang="en-US" altLang="ko-KR" sz="3600">
                 <a:solidFill>
                   <a:srgbClr val="FF0000"/>
                 </a:solidFill>
@@ -29005,7 +28621,7 @@
           <p:cNvPr id="10" name="직선 화살표 연결선 9">
             <a:extLst>
               <a:ext uri="{FF2B5EF4-FFF2-40B4-BE49-F238E27FC236}">
-                <a16:creationId xmlns="" xmlns:a16="http://schemas.microsoft.com/office/drawing/2014/main" id="{299DF5EC-9DF4-5255-06AC-0A7CE4FF58C3}"/>
+                <a16:creationId xmlns:a16="http://schemas.microsoft.com/office/drawing/2014/main" id="{299DF5EC-9DF4-5255-06AC-0A7CE4FF58C3}"/>
               </a:ext>
             </a:extLst>
           </p:cNvPr>
@@ -29046,7 +28662,7 @@
           <p:cNvPr id="11" name="TextBox 10">
             <a:extLst>
               <a:ext uri="{FF2B5EF4-FFF2-40B4-BE49-F238E27FC236}">
-                <a16:creationId xmlns="" xmlns:a16="http://schemas.microsoft.com/office/drawing/2014/main" id="{C6D113C6-EA5C-788F-0C77-E7CE6EBB865F}"/>
+                <a16:creationId xmlns:a16="http://schemas.microsoft.com/office/drawing/2014/main" id="{C6D113C6-EA5C-788F-0C77-E7CE6EBB865F}"/>
               </a:ext>
             </a:extLst>
           </p:cNvPr>
@@ -29070,7 +28686,7 @@
           <a:lstStyle/>
           <a:p>
             <a:r>
-              <a:rPr lang="ko-KR" altLang="en-US" sz="3600" smtClean="0">
+              <a:rPr lang="ko-KR" altLang="en-US" sz="3600">
                 <a:solidFill>
                   <a:srgbClr val="FF0000"/>
                 </a:solidFill>
@@ -29080,7 +28696,7 @@
               <a:t>그러면 이거는 클래스명</a:t>
             </a:r>
             <a:r>
-              <a:rPr lang="en-US" altLang="ko-KR" sz="3600" smtClean="0">
+              <a:rPr lang="en-US" altLang="ko-KR" sz="3600">
                 <a:solidFill>
                   <a:srgbClr val="FF0000"/>
                 </a:solidFill>
@@ -29336,7 +28952,7 @@
           <p:cNvPr id="5" name="그룹 1008">
             <a:extLst>
               <a:ext uri="{FF2B5EF4-FFF2-40B4-BE49-F238E27FC236}">
-                <a16:creationId xmlns="" xmlns:a16="http://schemas.microsoft.com/office/drawing/2014/main" id="{E395BDE3-2EDE-065D-70E8-56E348228ACF}"/>
+                <a16:creationId xmlns:a16="http://schemas.microsoft.com/office/drawing/2014/main" id="{E395BDE3-2EDE-065D-70E8-56E348228ACF}"/>
               </a:ext>
             </a:extLst>
           </p:cNvPr>
@@ -29356,7 +28972,7 @@
             <p:cNvPr id="6" name="그룹 1009">
               <a:extLst>
                 <a:ext uri="{FF2B5EF4-FFF2-40B4-BE49-F238E27FC236}">
-                  <a16:creationId xmlns="" xmlns:a16="http://schemas.microsoft.com/office/drawing/2014/main" id="{852F4DEB-DB33-DB3F-9E9F-52A46CD0B10A}"/>
+                  <a16:creationId xmlns:a16="http://schemas.microsoft.com/office/drawing/2014/main" id="{852F4DEB-DB33-DB3F-9E9F-52A46CD0B10A}"/>
                 </a:ext>
               </a:extLst>
             </p:cNvPr>
@@ -29376,7 +28992,7 @@
               <p:cNvPr id="11" name="Object 29">
                 <a:extLst>
                   <a:ext uri="{FF2B5EF4-FFF2-40B4-BE49-F238E27FC236}">
-                    <a16:creationId xmlns="" xmlns:a16="http://schemas.microsoft.com/office/drawing/2014/main" id="{7E353D3B-14D4-8A64-5888-3F0C062C2CDD}"/>
+                    <a16:creationId xmlns:a16="http://schemas.microsoft.com/office/drawing/2014/main" id="{7E353D3B-14D4-8A64-5888-3F0C062C2CDD}"/>
                   </a:ext>
                 </a:extLst>
               </p:cNvPr>
@@ -29407,7 +29023,7 @@
             <p:cNvPr id="7" name="그룹 1010">
               <a:extLst>
                 <a:ext uri="{FF2B5EF4-FFF2-40B4-BE49-F238E27FC236}">
-                  <a16:creationId xmlns="" xmlns:a16="http://schemas.microsoft.com/office/drawing/2014/main" id="{001E38AB-1390-ABD0-BE01-9727136FEAEE}"/>
+                  <a16:creationId xmlns:a16="http://schemas.microsoft.com/office/drawing/2014/main" id="{001E38AB-1390-ABD0-BE01-9727136FEAEE}"/>
                 </a:ext>
               </a:extLst>
             </p:cNvPr>
@@ -29427,7 +29043,7 @@
               <p:cNvPr id="10" name="Object 32">
                 <a:extLst>
                   <a:ext uri="{FF2B5EF4-FFF2-40B4-BE49-F238E27FC236}">
-                    <a16:creationId xmlns="" xmlns:a16="http://schemas.microsoft.com/office/drawing/2014/main" id="{2ED1C30F-0D0B-F86C-8215-2598D332B5A3}"/>
+                    <a16:creationId xmlns:a16="http://schemas.microsoft.com/office/drawing/2014/main" id="{2ED1C30F-0D0B-F86C-8215-2598D332B5A3}"/>
                   </a:ext>
                 </a:extLst>
               </p:cNvPr>
@@ -29458,7 +29074,7 @@
             <p:cNvPr id="8" name="그룹 1011">
               <a:extLst>
                 <a:ext uri="{FF2B5EF4-FFF2-40B4-BE49-F238E27FC236}">
-                  <a16:creationId xmlns="" xmlns:a16="http://schemas.microsoft.com/office/drawing/2014/main" id="{1BCB8DE5-ABAF-4198-BC16-85BB76F2DB24}"/>
+                  <a16:creationId xmlns:a16="http://schemas.microsoft.com/office/drawing/2014/main" id="{1BCB8DE5-ABAF-4198-BC16-85BB76F2DB24}"/>
                 </a:ext>
               </a:extLst>
             </p:cNvPr>
@@ -29478,7 +29094,7 @@
               <p:cNvPr id="9" name="Object 35">
                 <a:extLst>
                   <a:ext uri="{FF2B5EF4-FFF2-40B4-BE49-F238E27FC236}">
-                    <a16:creationId xmlns="" xmlns:a16="http://schemas.microsoft.com/office/drawing/2014/main" id="{86E7BA23-0A1E-B581-CADC-06AB269DB2BD}"/>
+                    <a16:creationId xmlns:a16="http://schemas.microsoft.com/office/drawing/2014/main" id="{86E7BA23-0A1E-B581-CADC-06AB269DB2BD}"/>
                   </a:ext>
                 </a:extLst>
               </p:cNvPr>
@@ -29534,7 +29150,7 @@
           <p:cNvPr id="13" name="TextBox 12">
             <a:extLst>
               <a:ext uri="{FF2B5EF4-FFF2-40B4-BE49-F238E27FC236}">
-                <a16:creationId xmlns="" xmlns:a16="http://schemas.microsoft.com/office/drawing/2014/main" id="{C6D113C6-EA5C-788F-0C77-E7CE6EBB865F}"/>
+                <a16:creationId xmlns:a16="http://schemas.microsoft.com/office/drawing/2014/main" id="{C6D113C6-EA5C-788F-0C77-E7CE6EBB865F}"/>
               </a:ext>
             </a:extLst>
           </p:cNvPr>
@@ -29558,7 +29174,7 @@
           <a:lstStyle/>
           <a:p>
             <a:r>
-              <a:rPr lang="en-US" altLang="ko-KR" sz="3600" smtClean="0">
+              <a:rPr lang="en-US" altLang="ko-KR" sz="3600">
                 <a:solidFill>
                   <a:srgbClr val="FF0000"/>
                 </a:solidFill>
@@ -29568,7 +29184,7 @@
               <a:t>static </a:t>
             </a:r>
             <a:r>
-              <a:rPr lang="ko-KR" altLang="en-US" sz="3600" smtClean="0">
+              <a:rPr lang="ko-KR" altLang="en-US" sz="3600">
                 <a:solidFill>
                   <a:srgbClr val="FF0000"/>
                 </a:solidFill>
@@ -29578,7 +29194,7 @@
               <a:t>변수라서 자기자신의 객체를 담을수 없지만  열거형은 이러한 사항을 특별히 처리해놓은 형태인것이다</a:t>
             </a:r>
             <a:r>
-              <a:rPr lang="en-US" altLang="ko-KR" sz="3600" smtClean="0">
+              <a:rPr lang="en-US" altLang="ko-KR" sz="3600">
                 <a:solidFill>
                   <a:srgbClr val="FF0000"/>
                 </a:solidFill>
@@ -29607,13 +29223,6 @@
   <p:clrMapOvr>
     <a:masterClrMapping/>
   </p:clrMapOvr>
-  <p:timing>
-    <p:tnLst>
-      <p:par>
-        <p:cTn id="1" dur="indefinite" restart="never" nodeType="tmRoot"/>
-      </p:par>
-    </p:tnLst>
-  </p:timing>
 </p:sld>
 </file>
 

--- a/JavaLecture/LectureFile/java 14강 자료구조와 쓰레드.pptx
+++ b/JavaLecture/LectureFile/java 14강 자료구조와 쓰레드.pptx
@@ -5,7 +5,7 @@
     <p:sldMasterId id="2147483648" r:id="rId1"/>
   </p:sldMasterIdLst>
   <p:notesMasterIdLst>
-    <p:notesMasterId r:id="rId72"/>
+    <p:notesMasterId r:id="rId73"/>
   </p:notesMasterIdLst>
   <p:sldIdLst>
     <p:sldId id="257" r:id="rId2"/>
@@ -74,10 +74,11 @@
     <p:sldId id="949" r:id="rId65"/>
     <p:sldId id="759" r:id="rId66"/>
     <p:sldId id="760" r:id="rId67"/>
-    <p:sldId id="954" r:id="rId68"/>
-    <p:sldId id="893" r:id="rId69"/>
-    <p:sldId id="895" r:id="rId70"/>
-    <p:sldId id="275" r:id="rId71"/>
+    <p:sldId id="955" r:id="rId68"/>
+    <p:sldId id="895" r:id="rId69"/>
+    <p:sldId id="954" r:id="rId70"/>
+    <p:sldId id="893" r:id="rId71"/>
+    <p:sldId id="275" r:id="rId72"/>
   </p:sldIdLst>
   <p:sldSz cx="18288000" cy="10287000"/>
   <p:notesSz cx="7104063" cy="10234613"/>
@@ -277,7 +278,7 @@
           <a:p>
             <a:fld id="{D79F2C30-10E1-4C46-91DC-BBDB9629E720}" type="datetimeFigureOut">
               <a:rPr lang="ko-KR" altLang="en-US" smtClean="0"/>
-              <a:t>2023-05-07 Sunday</a:t>
+              <a:t>2023-09-16 Saturday</a:t>
             </a:fld>
             <a:endParaRPr lang="ko-KR" altLang="en-US"/>
           </a:p>
@@ -737,7 +738,7 @@
           <a:p>
             <a:fld id="{F8166F1F-CE9B-4651-A6AA-CD717754106B}" type="datetimeFigureOut">
               <a:rPr lang="en-US" smtClean="0"/>
-              <a:t>5/7/2023</a:t>
+              <a:t>9/16/2023</a:t>
             </a:fld>
             <a:endParaRPr lang="en-US"/>
           </a:p>
@@ -806,13 +807,6 @@
   <p:clrMapOvr>
     <a:masterClrMapping/>
   </p:clrMapOvr>
-  <p:timing>
-    <p:tnLst>
-      <p:par>
-        <p:cTn id="1" dur="indefinite" restart="never" nodeType="tmRoot"/>
-      </p:par>
-    </p:tnLst>
-  </p:timing>
 </p:sldLayout>
 </file>
 
@@ -947,7 +941,7 @@
           <a:p>
             <a:fld id="{A76116CE-C4A3-4A05-B2D7-7C2E9A889C0F}" type="datetimeFigureOut">
               <a:rPr lang="en-US" smtClean="0"/>
-              <a:t>5/7/2023</a:t>
+              <a:t>9/16/2023</a:t>
             </a:fld>
             <a:endParaRPr lang="en-US"/>
           </a:p>
@@ -1150,7 +1144,7 @@
           <a:p>
             <a:fld id="{A76116CE-C4A3-4A05-B2D7-7C2E9A889C0F}" type="datetimeFigureOut">
               <a:rPr lang="en-US" smtClean="0"/>
-              <a:t>5/7/2023</a:t>
+              <a:t>9/16/2023</a:t>
             </a:fld>
             <a:endParaRPr lang="en-US"/>
           </a:p>
@@ -1355,7 +1349,7 @@
           <a:p>
             <a:fld id="{A76116CE-C4A3-4A05-B2D7-7C2E9A889C0F}" type="datetimeFigureOut">
               <a:rPr lang="en-US" smtClean="0"/>
-              <a:t>5/7/2023</a:t>
+              <a:t>9/16/2023</a:t>
             </a:fld>
             <a:endParaRPr lang="en-US"/>
           </a:p>
@@ -1625,7 +1619,7 @@
           <a:p>
             <a:fld id="{A76116CE-C4A3-4A05-B2D7-7C2E9A889C0F}" type="datetimeFigureOut">
               <a:rPr lang="en-US" smtClean="0"/>
-              <a:t>5/7/2023</a:t>
+              <a:t>9/16/2023</a:t>
             </a:fld>
             <a:endParaRPr lang="en-US"/>
           </a:p>
@@ -1943,7 +1937,7 @@
           <a:p>
             <a:fld id="{A76116CE-C4A3-4A05-B2D7-7C2E9A889C0F}" type="datetimeFigureOut">
               <a:rPr lang="en-US" smtClean="0"/>
-              <a:t>5/7/2023</a:t>
+              <a:t>9/16/2023</a:t>
             </a:fld>
             <a:endParaRPr lang="en-US"/>
           </a:p>
@@ -2401,7 +2395,7 @@
           <a:p>
             <a:fld id="{A76116CE-C4A3-4A05-B2D7-7C2E9A889C0F}" type="datetimeFigureOut">
               <a:rPr lang="en-US" smtClean="0"/>
-              <a:t>5/7/2023</a:t>
+              <a:t>9/16/2023</a:t>
             </a:fld>
             <a:endParaRPr lang="en-US"/>
           </a:p>
@@ -2545,7 +2539,7 @@
           <a:p>
             <a:fld id="{A76116CE-C4A3-4A05-B2D7-7C2E9A889C0F}" type="datetimeFigureOut">
               <a:rPr lang="en-US" smtClean="0"/>
-              <a:t>5/7/2023</a:t>
+              <a:t>9/16/2023</a:t>
             </a:fld>
             <a:endParaRPr lang="en-US"/>
           </a:p>
@@ -2659,7 +2653,7 @@
           <a:p>
             <a:fld id="{A76116CE-C4A3-4A05-B2D7-7C2E9A889C0F}" type="datetimeFigureOut">
               <a:rPr lang="en-US" smtClean="0"/>
-              <a:t>5/7/2023</a:t>
+              <a:t>9/16/2023</a:t>
             </a:fld>
             <a:endParaRPr lang="en-US"/>
           </a:p>
@@ -2962,7 +2956,7 @@
           <a:p>
             <a:fld id="{A76116CE-C4A3-4A05-B2D7-7C2E9A889C0F}" type="datetimeFigureOut">
               <a:rPr lang="en-US" smtClean="0"/>
-              <a:t>5/7/2023</a:t>
+              <a:t>9/16/2023</a:t>
             </a:fld>
             <a:endParaRPr lang="en-US"/>
           </a:p>
@@ -3242,7 +3236,7 @@
           <a:p>
             <a:fld id="{A76116CE-C4A3-4A05-B2D7-7C2E9A889C0F}" type="datetimeFigureOut">
               <a:rPr lang="en-US" smtClean="0"/>
-              <a:t>5/7/2023</a:t>
+              <a:t>9/16/2023</a:t>
             </a:fld>
             <a:endParaRPr lang="en-US"/>
           </a:p>
@@ -3341,7 +3335,7 @@
           <p:cNvPr id="7" name="TextBox 6">
             <a:extLst>
               <a:ext uri="{FF2B5EF4-FFF2-40B4-BE49-F238E27FC236}">
-                <a16:creationId xmlns:a16="http://schemas.microsoft.com/office/drawing/2014/main" xmlns="" id="{ED98C3E1-0944-40F4-F276-BC2632E20DB5}"/>
+                <a16:creationId xmlns:a16="http://schemas.microsoft.com/office/drawing/2014/main" id="{ED98C3E1-0944-40F4-F276-BC2632E20DB5}"/>
               </a:ext>
             </a:extLst>
           </p:cNvPr>
@@ -3393,7 +3387,7 @@
           <p:cNvPr id="8" name="TextBox 7">
             <a:extLst>
               <a:ext uri="{FF2B5EF4-FFF2-40B4-BE49-F238E27FC236}">
-                <a16:creationId xmlns:a16="http://schemas.microsoft.com/office/drawing/2014/main" xmlns="" id="{44E2B849-0C40-FD6D-6731-0F029831B26B}"/>
+                <a16:creationId xmlns:a16="http://schemas.microsoft.com/office/drawing/2014/main" id="{44E2B849-0C40-FD6D-6731-0F029831B26B}"/>
               </a:ext>
             </a:extLst>
           </p:cNvPr>
@@ -3456,13 +3450,6 @@
     <p:sldLayoutId id="2147483658" r:id="rId10"/>
     <p:sldLayoutId id="2147483659" r:id="rId11"/>
   </p:sldLayoutIdLst>
-  <p:timing>
-    <p:tnLst>
-      <p:par>
-        <p:cTn id="1" dur="indefinite" restart="never" nodeType="tmRoot"/>
-      </p:par>
-    </p:tnLst>
-  </p:timing>
   <p:txStyles>
     <p:titleStyle>
       <a:lvl1pPr algn="ctr" defTabSz="914400" rtl="0" eaLnBrk="1" latinLnBrk="0" hangingPunct="1">
@@ -4019,7 +4006,7 @@
           <p:cNvPr id="2" name="TextBox 1">
             <a:extLst>
               <a:ext uri="{FF2B5EF4-FFF2-40B4-BE49-F238E27FC236}">
-                <a16:creationId xmlns:a16="http://schemas.microsoft.com/office/drawing/2014/main" xmlns="" id="{E9A453A8-9968-67AB-7B4A-83EEB4662AA6}"/>
+                <a16:creationId xmlns:a16="http://schemas.microsoft.com/office/drawing/2014/main" id="{E9A453A8-9968-67AB-7B4A-83EEB4662AA6}"/>
               </a:ext>
             </a:extLst>
           </p:cNvPr>
@@ -4067,7 +4054,7 @@
           <p:cNvPr id="4" name="TextBox 3">
             <a:extLst>
               <a:ext uri="{FF2B5EF4-FFF2-40B4-BE49-F238E27FC236}">
-                <a16:creationId xmlns:a16="http://schemas.microsoft.com/office/drawing/2014/main" xmlns="" id="{F4B7A35A-8AAC-4622-64BC-CAD1472D4115}"/>
+                <a16:creationId xmlns:a16="http://schemas.microsoft.com/office/drawing/2014/main" id="{F4B7A35A-8AAC-4622-64BC-CAD1472D4115}"/>
               </a:ext>
             </a:extLst>
           </p:cNvPr>
@@ -4139,7 +4126,7 @@
           <p:cNvPr id="7" name="TextBox 6">
             <a:extLst>
               <a:ext uri="{FF2B5EF4-FFF2-40B4-BE49-F238E27FC236}">
-                <a16:creationId xmlns:a16="http://schemas.microsoft.com/office/drawing/2014/main" xmlns="" id="{3ACE900A-D779-4343-6623-8588B376F0A1}"/>
+                <a16:creationId xmlns:a16="http://schemas.microsoft.com/office/drawing/2014/main" id="{3ACE900A-D779-4343-6623-8588B376F0A1}"/>
               </a:ext>
             </a:extLst>
           </p:cNvPr>
@@ -4178,13 +4165,6 @@
   <p:clrMapOvr>
     <a:masterClrMapping/>
   </p:clrMapOvr>
-  <p:timing>
-    <p:tnLst>
-      <p:par>
-        <p:cTn id="1" dur="indefinite" restart="never" nodeType="tmRoot"/>
-      </p:par>
-    </p:tnLst>
-  </p:timing>
 </p:sld>
 </file>
 
@@ -4234,7 +4214,7 @@
           <p:cNvPr id="5" name="그룹 1008">
             <a:extLst>
               <a:ext uri="{FF2B5EF4-FFF2-40B4-BE49-F238E27FC236}">
-                <a16:creationId xmlns:a16="http://schemas.microsoft.com/office/drawing/2014/main" xmlns="" id="{E395BDE3-2EDE-065D-70E8-56E348228ACF}"/>
+                <a16:creationId xmlns:a16="http://schemas.microsoft.com/office/drawing/2014/main" id="{E395BDE3-2EDE-065D-70E8-56E348228ACF}"/>
               </a:ext>
             </a:extLst>
           </p:cNvPr>
@@ -4254,7 +4234,7 @@
             <p:cNvPr id="6" name="그룹 1009">
               <a:extLst>
                 <a:ext uri="{FF2B5EF4-FFF2-40B4-BE49-F238E27FC236}">
-                  <a16:creationId xmlns:a16="http://schemas.microsoft.com/office/drawing/2014/main" xmlns="" id="{852F4DEB-DB33-DB3F-9E9F-52A46CD0B10A}"/>
+                  <a16:creationId xmlns:a16="http://schemas.microsoft.com/office/drawing/2014/main" id="{852F4DEB-DB33-DB3F-9E9F-52A46CD0B10A}"/>
                 </a:ext>
               </a:extLst>
             </p:cNvPr>
@@ -4274,7 +4254,7 @@
               <p:cNvPr id="11" name="Object 29">
                 <a:extLst>
                   <a:ext uri="{FF2B5EF4-FFF2-40B4-BE49-F238E27FC236}">
-                    <a16:creationId xmlns:a16="http://schemas.microsoft.com/office/drawing/2014/main" xmlns="" id="{7E353D3B-14D4-8A64-5888-3F0C062C2CDD}"/>
+                    <a16:creationId xmlns:a16="http://schemas.microsoft.com/office/drawing/2014/main" id="{7E353D3B-14D4-8A64-5888-3F0C062C2CDD}"/>
                   </a:ext>
                 </a:extLst>
               </p:cNvPr>
@@ -4305,7 +4285,7 @@
             <p:cNvPr id="7" name="그룹 1010">
               <a:extLst>
                 <a:ext uri="{FF2B5EF4-FFF2-40B4-BE49-F238E27FC236}">
-                  <a16:creationId xmlns:a16="http://schemas.microsoft.com/office/drawing/2014/main" xmlns="" id="{001E38AB-1390-ABD0-BE01-9727136FEAEE}"/>
+                  <a16:creationId xmlns:a16="http://schemas.microsoft.com/office/drawing/2014/main" id="{001E38AB-1390-ABD0-BE01-9727136FEAEE}"/>
                 </a:ext>
               </a:extLst>
             </p:cNvPr>
@@ -4325,7 +4305,7 @@
               <p:cNvPr id="10" name="Object 32">
                 <a:extLst>
                   <a:ext uri="{FF2B5EF4-FFF2-40B4-BE49-F238E27FC236}">
-                    <a16:creationId xmlns:a16="http://schemas.microsoft.com/office/drawing/2014/main" xmlns="" id="{2ED1C30F-0D0B-F86C-8215-2598D332B5A3}"/>
+                    <a16:creationId xmlns:a16="http://schemas.microsoft.com/office/drawing/2014/main" id="{2ED1C30F-0D0B-F86C-8215-2598D332B5A3}"/>
                   </a:ext>
                 </a:extLst>
               </p:cNvPr>
@@ -4356,7 +4336,7 @@
             <p:cNvPr id="8" name="그룹 1011">
               <a:extLst>
                 <a:ext uri="{FF2B5EF4-FFF2-40B4-BE49-F238E27FC236}">
-                  <a16:creationId xmlns:a16="http://schemas.microsoft.com/office/drawing/2014/main" xmlns="" id="{1BCB8DE5-ABAF-4198-BC16-85BB76F2DB24}"/>
+                  <a16:creationId xmlns:a16="http://schemas.microsoft.com/office/drawing/2014/main" id="{1BCB8DE5-ABAF-4198-BC16-85BB76F2DB24}"/>
                 </a:ext>
               </a:extLst>
             </p:cNvPr>
@@ -4376,7 +4356,7 @@
               <p:cNvPr id="9" name="Object 35">
                 <a:extLst>
                   <a:ext uri="{FF2B5EF4-FFF2-40B4-BE49-F238E27FC236}">
-                    <a16:creationId xmlns:a16="http://schemas.microsoft.com/office/drawing/2014/main" xmlns="" id="{86E7BA23-0A1E-B581-CADC-06AB269DB2BD}"/>
+                    <a16:creationId xmlns:a16="http://schemas.microsoft.com/office/drawing/2014/main" id="{86E7BA23-0A1E-B581-CADC-06AB269DB2BD}"/>
                   </a:ext>
                 </a:extLst>
               </p:cNvPr>
@@ -4432,7 +4412,7 @@
           <p:cNvPr id="13" name="TextBox 12">
             <a:extLst>
               <a:ext uri="{FF2B5EF4-FFF2-40B4-BE49-F238E27FC236}">
-                <a16:creationId xmlns:a16="http://schemas.microsoft.com/office/drawing/2014/main" xmlns="" id="{C6D113C6-EA5C-788F-0C77-E7CE6EBB865F}"/>
+                <a16:creationId xmlns:a16="http://schemas.microsoft.com/office/drawing/2014/main" id="{C6D113C6-EA5C-788F-0C77-E7CE6EBB865F}"/>
               </a:ext>
             </a:extLst>
           </p:cNvPr>
@@ -4505,13 +4485,6 @@
   <p:clrMapOvr>
     <a:masterClrMapping/>
   </p:clrMapOvr>
-  <p:timing>
-    <p:tnLst>
-      <p:par>
-        <p:cTn id="1" dur="indefinite" restart="never" nodeType="tmRoot"/>
-      </p:par>
-    </p:tnLst>
-  </p:timing>
 </p:sld>
 </file>
 
@@ -4561,7 +4534,7 @@
           <p:cNvPr id="6" name="직선 화살표 연결선 5">
             <a:extLst>
               <a:ext uri="{FF2B5EF4-FFF2-40B4-BE49-F238E27FC236}">
-                <a16:creationId xmlns:a16="http://schemas.microsoft.com/office/drawing/2014/main" xmlns="" id="{299DF5EC-9DF4-5255-06AC-0A7CE4FF58C3}"/>
+                <a16:creationId xmlns:a16="http://schemas.microsoft.com/office/drawing/2014/main" id="{299DF5EC-9DF4-5255-06AC-0A7CE4FF58C3}"/>
               </a:ext>
             </a:extLst>
           </p:cNvPr>
@@ -4602,7 +4575,7 @@
           <p:cNvPr id="7" name="TextBox 6">
             <a:extLst>
               <a:ext uri="{FF2B5EF4-FFF2-40B4-BE49-F238E27FC236}">
-                <a16:creationId xmlns:a16="http://schemas.microsoft.com/office/drawing/2014/main" xmlns="" id="{C6D113C6-EA5C-788F-0C77-E7CE6EBB865F}"/>
+                <a16:creationId xmlns:a16="http://schemas.microsoft.com/office/drawing/2014/main" id="{C6D113C6-EA5C-788F-0C77-E7CE6EBB865F}"/>
               </a:ext>
             </a:extLst>
           </p:cNvPr>
@@ -4684,7 +4657,7 @@
           <p:cNvPr id="9" name="직선 화살표 연결선 8">
             <a:extLst>
               <a:ext uri="{FF2B5EF4-FFF2-40B4-BE49-F238E27FC236}">
-                <a16:creationId xmlns:a16="http://schemas.microsoft.com/office/drawing/2014/main" xmlns="" id="{299DF5EC-9DF4-5255-06AC-0A7CE4FF58C3}"/>
+                <a16:creationId xmlns:a16="http://schemas.microsoft.com/office/drawing/2014/main" id="{299DF5EC-9DF4-5255-06AC-0A7CE4FF58C3}"/>
               </a:ext>
             </a:extLst>
           </p:cNvPr>
@@ -4725,7 +4698,7 @@
           <p:cNvPr id="10" name="TextBox 9">
             <a:extLst>
               <a:ext uri="{FF2B5EF4-FFF2-40B4-BE49-F238E27FC236}">
-                <a16:creationId xmlns:a16="http://schemas.microsoft.com/office/drawing/2014/main" xmlns="" id="{C6D113C6-EA5C-788F-0C77-E7CE6EBB865F}"/>
+                <a16:creationId xmlns:a16="http://schemas.microsoft.com/office/drawing/2014/main" id="{C6D113C6-EA5C-788F-0C77-E7CE6EBB865F}"/>
               </a:ext>
             </a:extLst>
           </p:cNvPr>
@@ -4773,7 +4746,7 @@
           <p:cNvPr id="12" name="직선 화살표 연결선 11">
             <a:extLst>
               <a:ext uri="{FF2B5EF4-FFF2-40B4-BE49-F238E27FC236}">
-                <a16:creationId xmlns:a16="http://schemas.microsoft.com/office/drawing/2014/main" xmlns="" id="{299DF5EC-9DF4-5255-06AC-0A7CE4FF58C3}"/>
+                <a16:creationId xmlns:a16="http://schemas.microsoft.com/office/drawing/2014/main" id="{299DF5EC-9DF4-5255-06AC-0A7CE4FF58C3}"/>
               </a:ext>
             </a:extLst>
           </p:cNvPr>
@@ -4814,7 +4787,7 @@
           <p:cNvPr id="13" name="TextBox 12">
             <a:extLst>
               <a:ext uri="{FF2B5EF4-FFF2-40B4-BE49-F238E27FC236}">
-                <a16:creationId xmlns:a16="http://schemas.microsoft.com/office/drawing/2014/main" xmlns="" id="{C6D113C6-EA5C-788F-0C77-E7CE6EBB865F}"/>
+                <a16:creationId xmlns:a16="http://schemas.microsoft.com/office/drawing/2014/main" id="{C6D113C6-EA5C-788F-0C77-E7CE6EBB865F}"/>
               </a:ext>
             </a:extLst>
           </p:cNvPr>
@@ -4901,7 +4874,7 @@
           <p:cNvPr id="15" name="직선 화살표 연결선 14">
             <a:extLst>
               <a:ext uri="{FF2B5EF4-FFF2-40B4-BE49-F238E27FC236}">
-                <a16:creationId xmlns:a16="http://schemas.microsoft.com/office/drawing/2014/main" xmlns="" id="{299DF5EC-9DF4-5255-06AC-0A7CE4FF58C3}"/>
+                <a16:creationId xmlns:a16="http://schemas.microsoft.com/office/drawing/2014/main" id="{299DF5EC-9DF4-5255-06AC-0A7CE4FF58C3}"/>
               </a:ext>
             </a:extLst>
           </p:cNvPr>
@@ -4942,7 +4915,7 @@
           <p:cNvPr id="16" name="TextBox 15">
             <a:extLst>
               <a:ext uri="{FF2B5EF4-FFF2-40B4-BE49-F238E27FC236}">
-                <a16:creationId xmlns:a16="http://schemas.microsoft.com/office/drawing/2014/main" xmlns="" id="{C6D113C6-EA5C-788F-0C77-E7CE6EBB865F}"/>
+                <a16:creationId xmlns:a16="http://schemas.microsoft.com/office/drawing/2014/main" id="{C6D113C6-EA5C-788F-0C77-E7CE6EBB865F}"/>
               </a:ext>
             </a:extLst>
           </p:cNvPr>
@@ -5005,13 +4978,6 @@
   <p:clrMapOvr>
     <a:masterClrMapping/>
   </p:clrMapOvr>
-  <p:timing>
-    <p:tnLst>
-      <p:par>
-        <p:cTn id="1" dur="indefinite" restart="never" nodeType="tmRoot"/>
-      </p:par>
-    </p:tnLst>
-  </p:timing>
 </p:sld>
 </file>
 
@@ -5225,7 +5191,7 @@
           <p:cNvPr id="2" name="TextBox 1">
             <a:extLst>
               <a:ext uri="{FF2B5EF4-FFF2-40B4-BE49-F238E27FC236}">
-                <a16:creationId xmlns:a16="http://schemas.microsoft.com/office/drawing/2014/main" xmlns="" id="{76F36AE5-79B5-0B9F-E510-1C27AAC4B649}"/>
+                <a16:creationId xmlns:a16="http://schemas.microsoft.com/office/drawing/2014/main" id="{76F36AE5-79B5-0B9F-E510-1C27AAC4B649}"/>
               </a:ext>
             </a:extLst>
           </p:cNvPr>
@@ -5278,13 +5244,6 @@
   <p:clrMapOvr>
     <a:masterClrMapping/>
   </p:clrMapOvr>
-  <p:timing>
-    <p:tnLst>
-      <p:par>
-        <p:cTn id="1" dur="indefinite" restart="never" nodeType="tmRoot"/>
-      </p:par>
-    </p:tnLst>
-  </p:timing>
 </p:sld>
 </file>
 
@@ -5334,7 +5293,7 @@
           <p:cNvPr id="6" name="TextBox 5">
             <a:extLst>
               <a:ext uri="{FF2B5EF4-FFF2-40B4-BE49-F238E27FC236}">
-                <a16:creationId xmlns:a16="http://schemas.microsoft.com/office/drawing/2014/main" xmlns="" id="{EE79C406-3461-D6A5-5346-D7C2FC38FCCD}"/>
+                <a16:creationId xmlns:a16="http://schemas.microsoft.com/office/drawing/2014/main" id="{EE79C406-3461-D6A5-5346-D7C2FC38FCCD}"/>
               </a:ext>
             </a:extLst>
           </p:cNvPr>
@@ -5490,7 +5449,7 @@
           <p:cNvPr id="6" name="TextBox 5">
             <a:extLst>
               <a:ext uri="{FF2B5EF4-FFF2-40B4-BE49-F238E27FC236}">
-                <a16:creationId xmlns:a16="http://schemas.microsoft.com/office/drawing/2014/main" xmlns="" id="{EE79C406-3461-D6A5-5346-D7C2FC38FCCD}"/>
+                <a16:creationId xmlns:a16="http://schemas.microsoft.com/office/drawing/2014/main" id="{EE79C406-3461-D6A5-5346-D7C2FC38FCCD}"/>
               </a:ext>
             </a:extLst>
           </p:cNvPr>
@@ -5538,7 +5497,7 @@
           <p:cNvPr id="16" name="그룹 1018">
             <a:extLst>
               <a:ext uri="{FF2B5EF4-FFF2-40B4-BE49-F238E27FC236}">
-                <a16:creationId xmlns:a16="http://schemas.microsoft.com/office/drawing/2014/main" xmlns="" id="{0C5247D1-E285-7CDC-25F8-F1ABCDE304BE}"/>
+                <a16:creationId xmlns:a16="http://schemas.microsoft.com/office/drawing/2014/main" id="{0C5247D1-E285-7CDC-25F8-F1ABCDE304BE}"/>
               </a:ext>
             </a:extLst>
           </p:cNvPr>
@@ -5558,7 +5517,7 @@
             <p:cNvPr id="17" name="Object 61">
               <a:extLst>
                 <a:ext uri="{FF2B5EF4-FFF2-40B4-BE49-F238E27FC236}">
-                  <a16:creationId xmlns:a16="http://schemas.microsoft.com/office/drawing/2014/main" xmlns="" id="{29C480AF-46D1-D9A5-6C87-226E5620D948}"/>
+                  <a16:creationId xmlns:a16="http://schemas.microsoft.com/office/drawing/2014/main" id="{29C480AF-46D1-D9A5-6C87-226E5620D948}"/>
                 </a:ext>
               </a:extLst>
             </p:cNvPr>
@@ -5589,7 +5548,7 @@
           <p:cNvPr id="18" name="그룹 1018">
             <a:extLst>
               <a:ext uri="{FF2B5EF4-FFF2-40B4-BE49-F238E27FC236}">
-                <a16:creationId xmlns:a16="http://schemas.microsoft.com/office/drawing/2014/main" xmlns="" id="{F53BC57C-78A5-6AFC-CB34-7E3FD29B339F}"/>
+                <a16:creationId xmlns:a16="http://schemas.microsoft.com/office/drawing/2014/main" id="{F53BC57C-78A5-6AFC-CB34-7E3FD29B339F}"/>
               </a:ext>
             </a:extLst>
           </p:cNvPr>
@@ -5609,7 +5568,7 @@
             <p:cNvPr id="19" name="Object 61">
               <a:extLst>
                 <a:ext uri="{FF2B5EF4-FFF2-40B4-BE49-F238E27FC236}">
-                  <a16:creationId xmlns:a16="http://schemas.microsoft.com/office/drawing/2014/main" xmlns="" id="{E6F73685-14E5-06A9-813C-1C372BD6F4DE}"/>
+                  <a16:creationId xmlns:a16="http://schemas.microsoft.com/office/drawing/2014/main" id="{E6F73685-14E5-06A9-813C-1C372BD6F4DE}"/>
                 </a:ext>
               </a:extLst>
             </p:cNvPr>
@@ -5640,7 +5599,7 @@
           <p:cNvPr id="20" name="직선 연결선 19">
             <a:extLst>
               <a:ext uri="{FF2B5EF4-FFF2-40B4-BE49-F238E27FC236}">
-                <a16:creationId xmlns:a16="http://schemas.microsoft.com/office/drawing/2014/main" xmlns="" id="{1172879B-889D-0C2F-EEA8-003E6793F36F}"/>
+                <a16:creationId xmlns:a16="http://schemas.microsoft.com/office/drawing/2014/main" id="{1172879B-889D-0C2F-EEA8-003E6793F36F}"/>
               </a:ext>
             </a:extLst>
           </p:cNvPr>
@@ -5685,7 +5644,7 @@
           <p:cNvPr id="21" name="직선 연결선 20">
             <a:extLst>
               <a:ext uri="{FF2B5EF4-FFF2-40B4-BE49-F238E27FC236}">
-                <a16:creationId xmlns:a16="http://schemas.microsoft.com/office/drawing/2014/main" xmlns="" id="{466D5656-813B-296D-F08F-2E57C8EBA1E1}"/>
+                <a16:creationId xmlns:a16="http://schemas.microsoft.com/office/drawing/2014/main" id="{466D5656-813B-296D-F08F-2E57C8EBA1E1}"/>
               </a:ext>
             </a:extLst>
           </p:cNvPr>
@@ -5730,7 +5689,7 @@
           <p:cNvPr id="22" name="그룹 1018">
             <a:extLst>
               <a:ext uri="{FF2B5EF4-FFF2-40B4-BE49-F238E27FC236}">
-                <a16:creationId xmlns:a16="http://schemas.microsoft.com/office/drawing/2014/main" xmlns="" id="{6422EA0E-12C8-4264-ABC7-17F8CE933867}"/>
+                <a16:creationId xmlns:a16="http://schemas.microsoft.com/office/drawing/2014/main" id="{6422EA0E-12C8-4264-ABC7-17F8CE933867}"/>
               </a:ext>
             </a:extLst>
           </p:cNvPr>
@@ -5750,7 +5709,7 @@
             <p:cNvPr id="23" name="Object 61">
               <a:extLst>
                 <a:ext uri="{FF2B5EF4-FFF2-40B4-BE49-F238E27FC236}">
-                  <a16:creationId xmlns:a16="http://schemas.microsoft.com/office/drawing/2014/main" xmlns="" id="{B8EE3D0F-6DDF-413D-3D54-0B0C4905D65D}"/>
+                  <a16:creationId xmlns:a16="http://schemas.microsoft.com/office/drawing/2014/main" id="{B8EE3D0F-6DDF-413D-3D54-0B0C4905D65D}"/>
                 </a:ext>
               </a:extLst>
             </p:cNvPr>
@@ -5781,7 +5740,7 @@
           <p:cNvPr id="24" name="그룹 1018">
             <a:extLst>
               <a:ext uri="{FF2B5EF4-FFF2-40B4-BE49-F238E27FC236}">
-                <a16:creationId xmlns:a16="http://schemas.microsoft.com/office/drawing/2014/main" xmlns="" id="{11F8DF7C-F95F-B0B5-FC7F-85E369D002C6}"/>
+                <a16:creationId xmlns:a16="http://schemas.microsoft.com/office/drawing/2014/main" id="{11F8DF7C-F95F-B0B5-FC7F-85E369D002C6}"/>
               </a:ext>
             </a:extLst>
           </p:cNvPr>
@@ -5801,7 +5760,7 @@
             <p:cNvPr id="25" name="Object 61">
               <a:extLst>
                 <a:ext uri="{FF2B5EF4-FFF2-40B4-BE49-F238E27FC236}">
-                  <a16:creationId xmlns:a16="http://schemas.microsoft.com/office/drawing/2014/main" xmlns="" id="{B8B15D9F-D5FD-93DD-D076-037E1D6FFEC7}"/>
+                  <a16:creationId xmlns:a16="http://schemas.microsoft.com/office/drawing/2014/main" id="{B8B15D9F-D5FD-93DD-D076-037E1D6FFEC7}"/>
                 </a:ext>
               </a:extLst>
             </p:cNvPr>
@@ -5832,7 +5791,7 @@
           <p:cNvPr id="27" name="TextBox 26">
             <a:extLst>
               <a:ext uri="{FF2B5EF4-FFF2-40B4-BE49-F238E27FC236}">
-                <a16:creationId xmlns:a16="http://schemas.microsoft.com/office/drawing/2014/main" xmlns="" id="{A06D4055-10A8-4A24-5EDC-0761473BA40F}"/>
+                <a16:creationId xmlns:a16="http://schemas.microsoft.com/office/drawing/2014/main" id="{A06D4055-10A8-4A24-5EDC-0761473BA40F}"/>
               </a:ext>
             </a:extLst>
           </p:cNvPr>
@@ -5876,7 +5835,7 @@
           <p:cNvPr id="28" name="TextBox 27">
             <a:extLst>
               <a:ext uri="{FF2B5EF4-FFF2-40B4-BE49-F238E27FC236}">
-                <a16:creationId xmlns:a16="http://schemas.microsoft.com/office/drawing/2014/main" xmlns="" id="{044C5ACF-17B6-5920-7904-E16248F54A6A}"/>
+                <a16:creationId xmlns:a16="http://schemas.microsoft.com/office/drawing/2014/main" id="{044C5ACF-17B6-5920-7904-E16248F54A6A}"/>
               </a:ext>
             </a:extLst>
           </p:cNvPr>
@@ -5930,7 +5889,7 @@
           <p:cNvPr id="29" name="TextBox 28">
             <a:extLst>
               <a:ext uri="{FF2B5EF4-FFF2-40B4-BE49-F238E27FC236}">
-                <a16:creationId xmlns:a16="http://schemas.microsoft.com/office/drawing/2014/main" xmlns="" id="{A7091AF6-2AB0-08A8-8A31-E96D2EBC6A65}"/>
+                <a16:creationId xmlns:a16="http://schemas.microsoft.com/office/drawing/2014/main" id="{A7091AF6-2AB0-08A8-8A31-E96D2EBC6A65}"/>
               </a:ext>
             </a:extLst>
           </p:cNvPr>
@@ -5984,7 +5943,7 @@
           <p:cNvPr id="30" name="TextBox 29">
             <a:extLst>
               <a:ext uri="{FF2B5EF4-FFF2-40B4-BE49-F238E27FC236}">
-                <a16:creationId xmlns:a16="http://schemas.microsoft.com/office/drawing/2014/main" xmlns="" id="{101E227B-A9BD-20A0-66DD-A013FA376D02}"/>
+                <a16:creationId xmlns:a16="http://schemas.microsoft.com/office/drawing/2014/main" id="{101E227B-A9BD-20A0-66DD-A013FA376D02}"/>
               </a:ext>
             </a:extLst>
           </p:cNvPr>
@@ -6038,7 +5997,7 @@
           <p:cNvPr id="31" name="그룹 1018">
             <a:extLst>
               <a:ext uri="{FF2B5EF4-FFF2-40B4-BE49-F238E27FC236}">
-                <a16:creationId xmlns:a16="http://schemas.microsoft.com/office/drawing/2014/main" xmlns="" id="{F53BC57C-78A5-6AFC-CB34-7E3FD29B339F}"/>
+                <a16:creationId xmlns:a16="http://schemas.microsoft.com/office/drawing/2014/main" id="{F53BC57C-78A5-6AFC-CB34-7E3FD29B339F}"/>
               </a:ext>
             </a:extLst>
           </p:cNvPr>
@@ -6058,7 +6017,7 @@
             <p:cNvPr id="32" name="Object 61">
               <a:extLst>
                 <a:ext uri="{FF2B5EF4-FFF2-40B4-BE49-F238E27FC236}">
-                  <a16:creationId xmlns:a16="http://schemas.microsoft.com/office/drawing/2014/main" xmlns="" id="{E6F73685-14E5-06A9-813C-1C372BD6F4DE}"/>
+                  <a16:creationId xmlns:a16="http://schemas.microsoft.com/office/drawing/2014/main" id="{E6F73685-14E5-06A9-813C-1C372BD6F4DE}"/>
                 </a:ext>
               </a:extLst>
             </p:cNvPr>
@@ -6089,7 +6048,7 @@
           <p:cNvPr id="33" name="TextBox 32">
             <a:extLst>
               <a:ext uri="{FF2B5EF4-FFF2-40B4-BE49-F238E27FC236}">
-                <a16:creationId xmlns:a16="http://schemas.microsoft.com/office/drawing/2014/main" xmlns="" id="{A06D4055-10A8-4A24-5EDC-0761473BA40F}"/>
+                <a16:creationId xmlns:a16="http://schemas.microsoft.com/office/drawing/2014/main" id="{A06D4055-10A8-4A24-5EDC-0761473BA40F}"/>
               </a:ext>
             </a:extLst>
           </p:cNvPr>
@@ -6143,7 +6102,7 @@
           <p:cNvPr id="34" name="직선 연결선 33">
             <a:extLst>
               <a:ext uri="{FF2B5EF4-FFF2-40B4-BE49-F238E27FC236}">
-                <a16:creationId xmlns:a16="http://schemas.microsoft.com/office/drawing/2014/main" xmlns="" id="{1172879B-889D-0C2F-EEA8-003E6793F36F}"/>
+                <a16:creationId xmlns:a16="http://schemas.microsoft.com/office/drawing/2014/main" id="{1172879B-889D-0C2F-EEA8-003E6793F36F}"/>
               </a:ext>
             </a:extLst>
           </p:cNvPr>
@@ -6188,7 +6147,7 @@
           <p:cNvPr id="37" name="TextBox 36">
             <a:extLst>
               <a:ext uri="{FF2B5EF4-FFF2-40B4-BE49-F238E27FC236}">
-                <a16:creationId xmlns:a16="http://schemas.microsoft.com/office/drawing/2014/main" xmlns="" id="{C6D113C6-EA5C-788F-0C77-E7CE6EBB865F}"/>
+                <a16:creationId xmlns:a16="http://schemas.microsoft.com/office/drawing/2014/main" id="{C6D113C6-EA5C-788F-0C77-E7CE6EBB865F}"/>
               </a:ext>
             </a:extLst>
           </p:cNvPr>
@@ -6271,13 +6230,6 @@
   <p:clrMapOvr>
     <a:masterClrMapping/>
   </p:clrMapOvr>
-  <p:timing>
-    <p:tnLst>
-      <p:par>
-        <p:cTn id="1" dur="indefinite" restart="never" nodeType="tmRoot"/>
-      </p:par>
-    </p:tnLst>
-  </p:timing>
 </p:sld>
 </file>
 
@@ -6326,14 +6278,14 @@
                 <a:gridCol w="2057400">
                   <a:extLst>
                     <a:ext uri="{9D8B030D-6E8A-4147-A177-3AD203B41FA5}">
-                      <a16:colId xmlns:a16="http://schemas.microsoft.com/office/drawing/2014/main" xmlns="" val="20000"/>
+                      <a16:colId xmlns:a16="http://schemas.microsoft.com/office/drawing/2014/main" val="20000"/>
                     </a:ext>
                   </a:extLst>
                 </a:gridCol>
                 <a:gridCol w="9067800">
                   <a:extLst>
                     <a:ext uri="{9D8B030D-6E8A-4147-A177-3AD203B41FA5}">
-                      <a16:colId xmlns:a16="http://schemas.microsoft.com/office/drawing/2014/main" xmlns="" val="20001"/>
+                      <a16:colId xmlns:a16="http://schemas.microsoft.com/office/drawing/2014/main" val="20001"/>
                     </a:ext>
                   </a:extLst>
                 </a:gridCol>
@@ -6471,7 +6423,7 @@
                 </a:tc>
                 <a:extLst>
                   <a:ext uri="{0D108BD9-81ED-4DB2-BD59-A6C34878D82A}">
-                    <a16:rowId xmlns:a16="http://schemas.microsoft.com/office/drawing/2014/main" xmlns="" val="10000"/>
+                    <a16:rowId xmlns:a16="http://schemas.microsoft.com/office/drawing/2014/main" val="10000"/>
                   </a:ext>
                 </a:extLst>
               </a:tr>
@@ -6682,7 +6634,7 @@
                 </a:tc>
                 <a:extLst>
                   <a:ext uri="{0D108BD9-81ED-4DB2-BD59-A6C34878D82A}">
-                    <a16:rowId xmlns:a16="http://schemas.microsoft.com/office/drawing/2014/main" xmlns="" val="10001"/>
+                    <a16:rowId xmlns:a16="http://schemas.microsoft.com/office/drawing/2014/main" val="10001"/>
                   </a:ext>
                 </a:extLst>
               </a:tr>
@@ -6842,7 +6794,7 @@
                 </a:tc>
                 <a:extLst>
                   <a:ext uri="{0D108BD9-81ED-4DB2-BD59-A6C34878D82A}">
-                    <a16:rowId xmlns:a16="http://schemas.microsoft.com/office/drawing/2014/main" xmlns="" val="10002"/>
+                    <a16:rowId xmlns:a16="http://schemas.microsoft.com/office/drawing/2014/main" val="10002"/>
                   </a:ext>
                 </a:extLst>
               </a:tr>
@@ -6999,7 +6951,7 @@
                 </a:tc>
                 <a:extLst>
                   <a:ext uri="{0D108BD9-81ED-4DB2-BD59-A6C34878D82A}">
-                    <a16:rowId xmlns:a16="http://schemas.microsoft.com/office/drawing/2014/main" xmlns="" val="10003"/>
+                    <a16:rowId xmlns:a16="http://schemas.microsoft.com/office/drawing/2014/main" val="10003"/>
                   </a:ext>
                 </a:extLst>
               </a:tr>
@@ -7017,13 +6969,6 @@
   <p:clrMapOvr>
     <a:masterClrMapping/>
   </p:clrMapOvr>
-  <p:timing>
-    <p:tnLst>
-      <p:par>
-        <p:cTn id="1" dur="indefinite" restart="never" nodeType="tmRoot"/>
-      </p:par>
-    </p:tnLst>
-  </p:timing>
 </p:sld>
 </file>
 
@@ -7049,7 +6994,7 @@
           <p:cNvPr id="4" name="TextBox 3">
             <a:extLst>
               <a:ext uri="{FF2B5EF4-FFF2-40B4-BE49-F238E27FC236}">
-                <a16:creationId xmlns:a16="http://schemas.microsoft.com/office/drawing/2014/main" xmlns="" id="{EE79C406-3461-D6A5-5346-D7C2FC38FCCD}"/>
+                <a16:creationId xmlns:a16="http://schemas.microsoft.com/office/drawing/2014/main" id="{EE79C406-3461-D6A5-5346-D7C2FC38FCCD}"/>
               </a:ext>
             </a:extLst>
           </p:cNvPr>
@@ -7107,7 +7052,7 @@
           <p:cNvPr id="5" name="TextBox 4">
             <a:extLst>
               <a:ext uri="{FF2B5EF4-FFF2-40B4-BE49-F238E27FC236}">
-                <a16:creationId xmlns:a16="http://schemas.microsoft.com/office/drawing/2014/main" xmlns="" id="{A2AD056B-97A4-5BCC-4460-250160F3E171}"/>
+                <a16:creationId xmlns:a16="http://schemas.microsoft.com/office/drawing/2014/main" id="{A2AD056B-97A4-5BCC-4460-250160F3E171}"/>
               </a:ext>
             </a:extLst>
           </p:cNvPr>
@@ -7192,7 +7137,7 @@
           <p:cNvPr id="6" name="그룹 1018">
             <a:extLst>
               <a:ext uri="{FF2B5EF4-FFF2-40B4-BE49-F238E27FC236}">
-                <a16:creationId xmlns:a16="http://schemas.microsoft.com/office/drawing/2014/main" xmlns="" id="{0C5247D1-E285-7CDC-25F8-F1ABCDE304BE}"/>
+                <a16:creationId xmlns:a16="http://schemas.microsoft.com/office/drawing/2014/main" id="{0C5247D1-E285-7CDC-25F8-F1ABCDE304BE}"/>
               </a:ext>
             </a:extLst>
           </p:cNvPr>
@@ -7212,7 +7157,7 @@
             <p:cNvPr id="7" name="Object 61">
               <a:extLst>
                 <a:ext uri="{FF2B5EF4-FFF2-40B4-BE49-F238E27FC236}">
-                  <a16:creationId xmlns:a16="http://schemas.microsoft.com/office/drawing/2014/main" xmlns="" id="{29C480AF-46D1-D9A5-6C87-226E5620D948}"/>
+                  <a16:creationId xmlns:a16="http://schemas.microsoft.com/office/drawing/2014/main" id="{29C480AF-46D1-D9A5-6C87-226E5620D948}"/>
                 </a:ext>
               </a:extLst>
             </p:cNvPr>
@@ -7243,7 +7188,7 @@
           <p:cNvPr id="8" name="그룹 1018">
             <a:extLst>
               <a:ext uri="{FF2B5EF4-FFF2-40B4-BE49-F238E27FC236}">
-                <a16:creationId xmlns:a16="http://schemas.microsoft.com/office/drawing/2014/main" xmlns="" id="{F53BC57C-78A5-6AFC-CB34-7E3FD29B339F}"/>
+                <a16:creationId xmlns:a16="http://schemas.microsoft.com/office/drawing/2014/main" id="{F53BC57C-78A5-6AFC-CB34-7E3FD29B339F}"/>
               </a:ext>
             </a:extLst>
           </p:cNvPr>
@@ -7263,7 +7208,7 @@
             <p:cNvPr id="9" name="Object 61">
               <a:extLst>
                 <a:ext uri="{FF2B5EF4-FFF2-40B4-BE49-F238E27FC236}">
-                  <a16:creationId xmlns:a16="http://schemas.microsoft.com/office/drawing/2014/main" xmlns="" id="{E6F73685-14E5-06A9-813C-1C372BD6F4DE}"/>
+                  <a16:creationId xmlns:a16="http://schemas.microsoft.com/office/drawing/2014/main" id="{E6F73685-14E5-06A9-813C-1C372BD6F4DE}"/>
                 </a:ext>
               </a:extLst>
             </p:cNvPr>
@@ -7294,7 +7239,7 @@
           <p:cNvPr id="10" name="직선 연결선 9">
             <a:extLst>
               <a:ext uri="{FF2B5EF4-FFF2-40B4-BE49-F238E27FC236}">
-                <a16:creationId xmlns:a16="http://schemas.microsoft.com/office/drawing/2014/main" xmlns="" id="{1172879B-889D-0C2F-EEA8-003E6793F36F}"/>
+                <a16:creationId xmlns:a16="http://schemas.microsoft.com/office/drawing/2014/main" id="{1172879B-889D-0C2F-EEA8-003E6793F36F}"/>
               </a:ext>
             </a:extLst>
           </p:cNvPr>
@@ -7339,7 +7284,7 @@
           <p:cNvPr id="11" name="직선 연결선 10">
             <a:extLst>
               <a:ext uri="{FF2B5EF4-FFF2-40B4-BE49-F238E27FC236}">
-                <a16:creationId xmlns:a16="http://schemas.microsoft.com/office/drawing/2014/main" xmlns="" id="{466D5656-813B-296D-F08F-2E57C8EBA1E1}"/>
+                <a16:creationId xmlns:a16="http://schemas.microsoft.com/office/drawing/2014/main" id="{466D5656-813B-296D-F08F-2E57C8EBA1E1}"/>
               </a:ext>
             </a:extLst>
           </p:cNvPr>
@@ -7384,7 +7329,7 @@
           <p:cNvPr id="12" name="그룹 1018">
             <a:extLst>
               <a:ext uri="{FF2B5EF4-FFF2-40B4-BE49-F238E27FC236}">
-                <a16:creationId xmlns:a16="http://schemas.microsoft.com/office/drawing/2014/main" xmlns="" id="{6422EA0E-12C8-4264-ABC7-17F8CE933867}"/>
+                <a16:creationId xmlns:a16="http://schemas.microsoft.com/office/drawing/2014/main" id="{6422EA0E-12C8-4264-ABC7-17F8CE933867}"/>
               </a:ext>
             </a:extLst>
           </p:cNvPr>
@@ -7404,7 +7349,7 @@
             <p:cNvPr id="13" name="Object 61">
               <a:extLst>
                 <a:ext uri="{FF2B5EF4-FFF2-40B4-BE49-F238E27FC236}">
-                  <a16:creationId xmlns:a16="http://schemas.microsoft.com/office/drawing/2014/main" xmlns="" id="{B8EE3D0F-6DDF-413D-3D54-0B0C4905D65D}"/>
+                  <a16:creationId xmlns:a16="http://schemas.microsoft.com/office/drawing/2014/main" id="{B8EE3D0F-6DDF-413D-3D54-0B0C4905D65D}"/>
                 </a:ext>
               </a:extLst>
             </p:cNvPr>
@@ -7435,7 +7380,7 @@
           <p:cNvPr id="14" name="TextBox 13">
             <a:extLst>
               <a:ext uri="{FF2B5EF4-FFF2-40B4-BE49-F238E27FC236}">
-                <a16:creationId xmlns:a16="http://schemas.microsoft.com/office/drawing/2014/main" xmlns="" id="{A06D4055-10A8-4A24-5EDC-0761473BA40F}"/>
+                <a16:creationId xmlns:a16="http://schemas.microsoft.com/office/drawing/2014/main" id="{A06D4055-10A8-4A24-5EDC-0761473BA40F}"/>
               </a:ext>
             </a:extLst>
           </p:cNvPr>
@@ -7489,7 +7434,7 @@
           <p:cNvPr id="15" name="TextBox 14">
             <a:extLst>
               <a:ext uri="{FF2B5EF4-FFF2-40B4-BE49-F238E27FC236}">
-                <a16:creationId xmlns:a16="http://schemas.microsoft.com/office/drawing/2014/main" xmlns="" id="{044C5ACF-17B6-5920-7904-E16248F54A6A}"/>
+                <a16:creationId xmlns:a16="http://schemas.microsoft.com/office/drawing/2014/main" id="{044C5ACF-17B6-5920-7904-E16248F54A6A}"/>
               </a:ext>
             </a:extLst>
           </p:cNvPr>
@@ -7543,7 +7488,7 @@
           <p:cNvPr id="16" name="TextBox 15">
             <a:extLst>
               <a:ext uri="{FF2B5EF4-FFF2-40B4-BE49-F238E27FC236}">
-                <a16:creationId xmlns:a16="http://schemas.microsoft.com/office/drawing/2014/main" xmlns="" id="{A7091AF6-2AB0-08A8-8A31-E96D2EBC6A65}"/>
+                <a16:creationId xmlns:a16="http://schemas.microsoft.com/office/drawing/2014/main" id="{A7091AF6-2AB0-08A8-8A31-E96D2EBC6A65}"/>
               </a:ext>
             </a:extLst>
           </p:cNvPr>
@@ -7597,7 +7542,7 @@
           <p:cNvPr id="17" name="그룹 1018">
             <a:extLst>
               <a:ext uri="{FF2B5EF4-FFF2-40B4-BE49-F238E27FC236}">
-                <a16:creationId xmlns:a16="http://schemas.microsoft.com/office/drawing/2014/main" xmlns="" id="{0C5247D1-E285-7CDC-25F8-F1ABCDE304BE}"/>
+                <a16:creationId xmlns:a16="http://schemas.microsoft.com/office/drawing/2014/main" id="{0C5247D1-E285-7CDC-25F8-F1ABCDE304BE}"/>
               </a:ext>
             </a:extLst>
           </p:cNvPr>
@@ -7617,7 +7562,7 @@
             <p:cNvPr id="18" name="Object 61">
               <a:extLst>
                 <a:ext uri="{FF2B5EF4-FFF2-40B4-BE49-F238E27FC236}">
-                  <a16:creationId xmlns:a16="http://schemas.microsoft.com/office/drawing/2014/main" xmlns="" id="{29C480AF-46D1-D9A5-6C87-226E5620D948}"/>
+                  <a16:creationId xmlns:a16="http://schemas.microsoft.com/office/drawing/2014/main" id="{29C480AF-46D1-D9A5-6C87-226E5620D948}"/>
                 </a:ext>
               </a:extLst>
             </p:cNvPr>
@@ -7648,7 +7593,7 @@
           <p:cNvPr id="19" name="직선 연결선 18">
             <a:extLst>
               <a:ext uri="{FF2B5EF4-FFF2-40B4-BE49-F238E27FC236}">
-                <a16:creationId xmlns:a16="http://schemas.microsoft.com/office/drawing/2014/main" xmlns="" id="{1172879B-889D-0C2F-EEA8-003E6793F36F}"/>
+                <a16:creationId xmlns:a16="http://schemas.microsoft.com/office/drawing/2014/main" id="{1172879B-889D-0C2F-EEA8-003E6793F36F}"/>
               </a:ext>
             </a:extLst>
           </p:cNvPr>
@@ -7693,7 +7638,7 @@
           <p:cNvPr id="20" name="TextBox 19">
             <a:extLst>
               <a:ext uri="{FF2B5EF4-FFF2-40B4-BE49-F238E27FC236}">
-                <a16:creationId xmlns:a16="http://schemas.microsoft.com/office/drawing/2014/main" xmlns="" id="{044C5ACF-17B6-5920-7904-E16248F54A6A}"/>
+                <a16:creationId xmlns:a16="http://schemas.microsoft.com/office/drawing/2014/main" id="{044C5ACF-17B6-5920-7904-E16248F54A6A}"/>
               </a:ext>
             </a:extLst>
           </p:cNvPr>
@@ -7747,7 +7692,7 @@
           <p:cNvPr id="22" name="그룹 1018">
             <a:extLst>
               <a:ext uri="{FF2B5EF4-FFF2-40B4-BE49-F238E27FC236}">
-                <a16:creationId xmlns:a16="http://schemas.microsoft.com/office/drawing/2014/main" xmlns="" id="{0C5247D1-E285-7CDC-25F8-F1ABCDE304BE}"/>
+                <a16:creationId xmlns:a16="http://schemas.microsoft.com/office/drawing/2014/main" id="{0C5247D1-E285-7CDC-25F8-F1ABCDE304BE}"/>
               </a:ext>
             </a:extLst>
           </p:cNvPr>
@@ -7767,7 +7712,7 @@
             <p:cNvPr id="23" name="Object 61">
               <a:extLst>
                 <a:ext uri="{FF2B5EF4-FFF2-40B4-BE49-F238E27FC236}">
-                  <a16:creationId xmlns:a16="http://schemas.microsoft.com/office/drawing/2014/main" xmlns="" id="{29C480AF-46D1-D9A5-6C87-226E5620D948}"/>
+                  <a16:creationId xmlns:a16="http://schemas.microsoft.com/office/drawing/2014/main" id="{29C480AF-46D1-D9A5-6C87-226E5620D948}"/>
                 </a:ext>
               </a:extLst>
             </p:cNvPr>
@@ -7798,7 +7743,7 @@
           <p:cNvPr id="24" name="직선 연결선 23">
             <a:extLst>
               <a:ext uri="{FF2B5EF4-FFF2-40B4-BE49-F238E27FC236}">
-                <a16:creationId xmlns:a16="http://schemas.microsoft.com/office/drawing/2014/main" xmlns="" id="{1172879B-889D-0C2F-EEA8-003E6793F36F}"/>
+                <a16:creationId xmlns:a16="http://schemas.microsoft.com/office/drawing/2014/main" id="{1172879B-889D-0C2F-EEA8-003E6793F36F}"/>
               </a:ext>
             </a:extLst>
           </p:cNvPr>
@@ -7843,7 +7788,7 @@
           <p:cNvPr id="25" name="TextBox 24">
             <a:extLst>
               <a:ext uri="{FF2B5EF4-FFF2-40B4-BE49-F238E27FC236}">
-                <a16:creationId xmlns:a16="http://schemas.microsoft.com/office/drawing/2014/main" xmlns="" id="{044C5ACF-17B6-5920-7904-E16248F54A6A}"/>
+                <a16:creationId xmlns:a16="http://schemas.microsoft.com/office/drawing/2014/main" id="{044C5ACF-17B6-5920-7904-E16248F54A6A}"/>
               </a:ext>
             </a:extLst>
           </p:cNvPr>
@@ -7902,13 +7847,6 @@
   <p:clrMapOvr>
     <a:masterClrMapping/>
   </p:clrMapOvr>
-  <p:timing>
-    <p:tnLst>
-      <p:par>
-        <p:cTn id="1" dur="indefinite" restart="never" nodeType="tmRoot"/>
-      </p:par>
-    </p:tnLst>
-  </p:timing>
 </p:sld>
 </file>
 
@@ -7934,7 +7872,7 @@
           <p:cNvPr id="4" name="TextBox 3">
             <a:extLst>
               <a:ext uri="{FF2B5EF4-FFF2-40B4-BE49-F238E27FC236}">
-                <a16:creationId xmlns:a16="http://schemas.microsoft.com/office/drawing/2014/main" xmlns="" id="{EE79C406-3461-D6A5-5346-D7C2FC38FCCD}"/>
+                <a16:creationId xmlns:a16="http://schemas.microsoft.com/office/drawing/2014/main" id="{EE79C406-3461-D6A5-5346-D7C2FC38FCCD}"/>
               </a:ext>
             </a:extLst>
           </p:cNvPr>
@@ -7982,7 +7920,7 @@
           <p:cNvPr id="5" name="TextBox 4">
             <a:extLst>
               <a:ext uri="{FF2B5EF4-FFF2-40B4-BE49-F238E27FC236}">
-                <a16:creationId xmlns:a16="http://schemas.microsoft.com/office/drawing/2014/main" xmlns="" id="{A2AD056B-97A4-5BCC-4460-250160F3E171}"/>
+                <a16:creationId xmlns:a16="http://schemas.microsoft.com/office/drawing/2014/main" id="{A2AD056B-97A4-5BCC-4460-250160F3E171}"/>
               </a:ext>
             </a:extLst>
           </p:cNvPr>
@@ -8244,13 +8182,6 @@
   <p:clrMapOvr>
     <a:masterClrMapping/>
   </p:clrMapOvr>
-  <p:timing>
-    <p:tnLst>
-      <p:par>
-        <p:cTn id="1" dur="indefinite" restart="never" nodeType="tmRoot"/>
-      </p:par>
-    </p:tnLst>
-  </p:timing>
 </p:sld>
 </file>
 
@@ -8300,7 +8231,7 @@
           <p:cNvPr id="5" name="TextBox 4">
             <a:extLst>
               <a:ext uri="{FF2B5EF4-FFF2-40B4-BE49-F238E27FC236}">
-                <a16:creationId xmlns:a16="http://schemas.microsoft.com/office/drawing/2014/main" xmlns="" id="{C6D113C6-EA5C-788F-0C77-E7CE6EBB865F}"/>
+                <a16:creationId xmlns:a16="http://schemas.microsoft.com/office/drawing/2014/main" id="{C6D113C6-EA5C-788F-0C77-E7CE6EBB865F}"/>
               </a:ext>
             </a:extLst>
           </p:cNvPr>
@@ -8514,7 +8445,7 @@
           <p:cNvPr id="5" name="직선 화살표 연결선 4">
             <a:extLst>
               <a:ext uri="{FF2B5EF4-FFF2-40B4-BE49-F238E27FC236}">
-                <a16:creationId xmlns:a16="http://schemas.microsoft.com/office/drawing/2014/main" xmlns="" id="{299DF5EC-9DF4-5255-06AC-0A7CE4FF58C3}"/>
+                <a16:creationId xmlns:a16="http://schemas.microsoft.com/office/drawing/2014/main" id="{299DF5EC-9DF4-5255-06AC-0A7CE4FF58C3}"/>
               </a:ext>
             </a:extLst>
           </p:cNvPr>
@@ -8555,7 +8486,7 @@
           <p:cNvPr id="6" name="TextBox 5">
             <a:extLst>
               <a:ext uri="{FF2B5EF4-FFF2-40B4-BE49-F238E27FC236}">
-                <a16:creationId xmlns:a16="http://schemas.microsoft.com/office/drawing/2014/main" xmlns="" id="{C6D113C6-EA5C-788F-0C77-E7CE6EBB865F}"/>
+                <a16:creationId xmlns:a16="http://schemas.microsoft.com/office/drawing/2014/main" id="{C6D113C6-EA5C-788F-0C77-E7CE6EBB865F}"/>
               </a:ext>
             </a:extLst>
           </p:cNvPr>
@@ -8613,7 +8544,7 @@
           <p:cNvPr id="9" name="직선 화살표 연결선 8">
             <a:extLst>
               <a:ext uri="{FF2B5EF4-FFF2-40B4-BE49-F238E27FC236}">
-                <a16:creationId xmlns:a16="http://schemas.microsoft.com/office/drawing/2014/main" xmlns="" id="{299DF5EC-9DF4-5255-06AC-0A7CE4FF58C3}"/>
+                <a16:creationId xmlns:a16="http://schemas.microsoft.com/office/drawing/2014/main" id="{299DF5EC-9DF4-5255-06AC-0A7CE4FF58C3}"/>
               </a:ext>
             </a:extLst>
           </p:cNvPr>
@@ -8654,7 +8585,7 @@
           <p:cNvPr id="10" name="TextBox 9">
             <a:extLst>
               <a:ext uri="{FF2B5EF4-FFF2-40B4-BE49-F238E27FC236}">
-                <a16:creationId xmlns:a16="http://schemas.microsoft.com/office/drawing/2014/main" xmlns="" id="{C6D113C6-EA5C-788F-0C77-E7CE6EBB865F}"/>
+                <a16:creationId xmlns:a16="http://schemas.microsoft.com/office/drawing/2014/main" id="{C6D113C6-EA5C-788F-0C77-E7CE6EBB865F}"/>
               </a:ext>
             </a:extLst>
           </p:cNvPr>
@@ -8756,7 +8687,7 @@
           <p:cNvPr id="14" name="직선 화살표 연결선 13">
             <a:extLst>
               <a:ext uri="{FF2B5EF4-FFF2-40B4-BE49-F238E27FC236}">
-                <a16:creationId xmlns:a16="http://schemas.microsoft.com/office/drawing/2014/main" xmlns="" id="{299DF5EC-9DF4-5255-06AC-0A7CE4FF58C3}"/>
+                <a16:creationId xmlns:a16="http://schemas.microsoft.com/office/drawing/2014/main" id="{299DF5EC-9DF4-5255-06AC-0A7CE4FF58C3}"/>
               </a:ext>
             </a:extLst>
           </p:cNvPr>
@@ -8797,7 +8728,7 @@
           <p:cNvPr id="15" name="TextBox 14">
             <a:extLst>
               <a:ext uri="{FF2B5EF4-FFF2-40B4-BE49-F238E27FC236}">
-                <a16:creationId xmlns:a16="http://schemas.microsoft.com/office/drawing/2014/main" xmlns="" id="{C6D113C6-EA5C-788F-0C77-E7CE6EBB865F}"/>
+                <a16:creationId xmlns:a16="http://schemas.microsoft.com/office/drawing/2014/main" id="{C6D113C6-EA5C-788F-0C77-E7CE6EBB865F}"/>
               </a:ext>
             </a:extLst>
           </p:cNvPr>
@@ -9330,7 +9261,7 @@
           <p:cNvPr id="11" name="TextBox 10">
             <a:extLst>
               <a:ext uri="{FF2B5EF4-FFF2-40B4-BE49-F238E27FC236}">
-                <a16:creationId xmlns:a16="http://schemas.microsoft.com/office/drawing/2014/main" xmlns="" id="{9F88F580-08BE-88C2-D640-13F0026591CB}"/>
+                <a16:creationId xmlns:a16="http://schemas.microsoft.com/office/drawing/2014/main" id="{9F88F580-08BE-88C2-D640-13F0026591CB}"/>
               </a:ext>
             </a:extLst>
           </p:cNvPr>
@@ -9388,7 +9319,7 @@
           <p:cNvPr id="13" name="TextBox 12">
             <a:extLst>
               <a:ext uri="{FF2B5EF4-FFF2-40B4-BE49-F238E27FC236}">
-                <a16:creationId xmlns:a16="http://schemas.microsoft.com/office/drawing/2014/main" xmlns="" id="{72769C28-9BB6-DE9C-7B6F-264B77B8DD0E}"/>
+                <a16:creationId xmlns:a16="http://schemas.microsoft.com/office/drawing/2014/main" id="{72769C28-9BB6-DE9C-7B6F-264B77B8DD0E}"/>
               </a:ext>
             </a:extLst>
           </p:cNvPr>
@@ -9436,7 +9367,7 @@
           <p:cNvPr id="14" name="TextBox 13">
             <a:extLst>
               <a:ext uri="{FF2B5EF4-FFF2-40B4-BE49-F238E27FC236}">
-                <a16:creationId xmlns:a16="http://schemas.microsoft.com/office/drawing/2014/main" xmlns="" id="{270FBB6A-01CE-5637-78DA-58F0C974145C}"/>
+                <a16:creationId xmlns:a16="http://schemas.microsoft.com/office/drawing/2014/main" id="{270FBB6A-01CE-5637-78DA-58F0C974145C}"/>
               </a:ext>
             </a:extLst>
           </p:cNvPr>
@@ -9484,7 +9415,7 @@
           <p:cNvPr id="2" name="Object 17">
             <a:extLst>
               <a:ext uri="{FF2B5EF4-FFF2-40B4-BE49-F238E27FC236}">
-                <a16:creationId xmlns:a16="http://schemas.microsoft.com/office/drawing/2014/main" xmlns="" id="{140B283D-FE58-FA6F-6F7C-E0F1DBB62A65}"/>
+                <a16:creationId xmlns:a16="http://schemas.microsoft.com/office/drawing/2014/main" id="{140B283D-FE58-FA6F-6F7C-E0F1DBB62A65}"/>
               </a:ext>
             </a:extLst>
           </p:cNvPr>
@@ -9514,7 +9445,7 @@
           <p:cNvPr id="4" name="TextBox 3">
             <a:extLst>
               <a:ext uri="{FF2B5EF4-FFF2-40B4-BE49-F238E27FC236}">
-                <a16:creationId xmlns:a16="http://schemas.microsoft.com/office/drawing/2014/main" xmlns="" id="{2C8D0998-79BC-6FD2-59D9-8052B4A25F65}"/>
+                <a16:creationId xmlns:a16="http://schemas.microsoft.com/office/drawing/2014/main" id="{2C8D0998-79BC-6FD2-59D9-8052B4A25F65}"/>
               </a:ext>
             </a:extLst>
           </p:cNvPr>
@@ -9562,7 +9493,7 @@
           <p:cNvPr id="5" name="Object 18">
             <a:extLst>
               <a:ext uri="{FF2B5EF4-FFF2-40B4-BE49-F238E27FC236}">
-                <a16:creationId xmlns:a16="http://schemas.microsoft.com/office/drawing/2014/main" xmlns="" id="{3F58EA3E-1018-64D3-FAB2-4F6B9618FA56}"/>
+                <a16:creationId xmlns:a16="http://schemas.microsoft.com/office/drawing/2014/main" id="{3F58EA3E-1018-64D3-FAB2-4F6B9618FA56}"/>
               </a:ext>
             </a:extLst>
           </p:cNvPr>
@@ -9592,7 +9523,7 @@
           <p:cNvPr id="8" name="TextBox 7">
             <a:extLst>
               <a:ext uri="{FF2B5EF4-FFF2-40B4-BE49-F238E27FC236}">
-                <a16:creationId xmlns:a16="http://schemas.microsoft.com/office/drawing/2014/main" xmlns="" id="{681D3F16-7DCF-41AD-F5F1-0558C78C0E4D}"/>
+                <a16:creationId xmlns:a16="http://schemas.microsoft.com/office/drawing/2014/main" id="{681D3F16-7DCF-41AD-F5F1-0558C78C0E4D}"/>
               </a:ext>
             </a:extLst>
           </p:cNvPr>
@@ -9640,13 +9571,6 @@
   <p:clrMapOvr>
     <a:masterClrMapping/>
   </p:clrMapOvr>
-  <p:timing>
-    <p:tnLst>
-      <p:par>
-        <p:cTn id="1" dur="indefinite" restart="never" nodeType="tmRoot"/>
-      </p:par>
-    </p:tnLst>
-  </p:timing>
 </p:sld>
 </file>
 
@@ -9672,7 +9596,7 @@
           <p:cNvPr id="4" name="TextBox 3">
             <a:extLst>
               <a:ext uri="{FF2B5EF4-FFF2-40B4-BE49-F238E27FC236}">
-                <a16:creationId xmlns:a16="http://schemas.microsoft.com/office/drawing/2014/main" xmlns="" id="{EE79C406-3461-D6A5-5346-D7C2FC38FCCD}"/>
+                <a16:creationId xmlns:a16="http://schemas.microsoft.com/office/drawing/2014/main" id="{EE79C406-3461-D6A5-5346-D7C2FC38FCCD}"/>
               </a:ext>
             </a:extLst>
           </p:cNvPr>
@@ -9720,7 +9644,7 @@
           <p:cNvPr id="5" name="TextBox 4">
             <a:extLst>
               <a:ext uri="{FF2B5EF4-FFF2-40B4-BE49-F238E27FC236}">
-                <a16:creationId xmlns:a16="http://schemas.microsoft.com/office/drawing/2014/main" xmlns="" id="{A2AD056B-97A4-5BCC-4460-250160F3E171}"/>
+                <a16:creationId xmlns:a16="http://schemas.microsoft.com/office/drawing/2014/main" id="{A2AD056B-97A4-5BCC-4460-250160F3E171}"/>
               </a:ext>
             </a:extLst>
           </p:cNvPr>
@@ -9774,7 +9698,7 @@
           <p:cNvPr id="6" name="TextBox 5">
             <a:extLst>
               <a:ext uri="{FF2B5EF4-FFF2-40B4-BE49-F238E27FC236}">
-                <a16:creationId xmlns:a16="http://schemas.microsoft.com/office/drawing/2014/main" xmlns="" id="{EE79C406-3461-D6A5-5346-D7C2FC38FCCD}"/>
+                <a16:creationId xmlns:a16="http://schemas.microsoft.com/office/drawing/2014/main" id="{EE79C406-3461-D6A5-5346-D7C2FC38FCCD}"/>
               </a:ext>
             </a:extLst>
           </p:cNvPr>
@@ -9822,7 +9746,7 @@
           <p:cNvPr id="7" name="TextBox 6">
             <a:extLst>
               <a:ext uri="{FF2B5EF4-FFF2-40B4-BE49-F238E27FC236}">
-                <a16:creationId xmlns:a16="http://schemas.microsoft.com/office/drawing/2014/main" xmlns="" id="{EE79C406-3461-D6A5-5346-D7C2FC38FCCD}"/>
+                <a16:creationId xmlns:a16="http://schemas.microsoft.com/office/drawing/2014/main" id="{EE79C406-3461-D6A5-5346-D7C2FC38FCCD}"/>
               </a:ext>
             </a:extLst>
           </p:cNvPr>
@@ -9870,7 +9794,7 @@
           <p:cNvPr id="8" name="그룹 1018">
             <a:extLst>
               <a:ext uri="{FF2B5EF4-FFF2-40B4-BE49-F238E27FC236}">
-                <a16:creationId xmlns:a16="http://schemas.microsoft.com/office/drawing/2014/main" xmlns="" id="{0804D430-F42E-AE32-A065-FFA8C471F092}"/>
+                <a16:creationId xmlns:a16="http://schemas.microsoft.com/office/drawing/2014/main" id="{0804D430-F42E-AE32-A065-FFA8C471F092}"/>
               </a:ext>
             </a:extLst>
           </p:cNvPr>
@@ -9890,7 +9814,7 @@
             <p:cNvPr id="9" name="Object 61">
               <a:extLst>
                 <a:ext uri="{FF2B5EF4-FFF2-40B4-BE49-F238E27FC236}">
-                  <a16:creationId xmlns:a16="http://schemas.microsoft.com/office/drawing/2014/main" xmlns="" id="{334A4C3A-641C-7CD9-8FEE-5EC92B28D640}"/>
+                  <a16:creationId xmlns:a16="http://schemas.microsoft.com/office/drawing/2014/main" id="{334A4C3A-641C-7CD9-8FEE-5EC92B28D640}"/>
                 </a:ext>
               </a:extLst>
             </p:cNvPr>
@@ -9921,7 +9845,7 @@
           <p:cNvPr id="10" name="TextBox 9">
             <a:extLst>
               <a:ext uri="{FF2B5EF4-FFF2-40B4-BE49-F238E27FC236}">
-                <a16:creationId xmlns:a16="http://schemas.microsoft.com/office/drawing/2014/main" xmlns="" id="{52176D31-35F7-8916-46FA-6095EFEC1E49}"/>
+                <a16:creationId xmlns:a16="http://schemas.microsoft.com/office/drawing/2014/main" id="{52176D31-35F7-8916-46FA-6095EFEC1E49}"/>
               </a:ext>
             </a:extLst>
           </p:cNvPr>
@@ -9975,7 +9899,7 @@
           <p:cNvPr id="11" name="그룹 1018">
             <a:extLst>
               <a:ext uri="{FF2B5EF4-FFF2-40B4-BE49-F238E27FC236}">
-                <a16:creationId xmlns:a16="http://schemas.microsoft.com/office/drawing/2014/main" xmlns="" id="{0804D430-F42E-AE32-A065-FFA8C471F092}"/>
+                <a16:creationId xmlns:a16="http://schemas.microsoft.com/office/drawing/2014/main" id="{0804D430-F42E-AE32-A065-FFA8C471F092}"/>
               </a:ext>
             </a:extLst>
           </p:cNvPr>
@@ -9995,7 +9919,7 @@
             <p:cNvPr id="12" name="Object 61">
               <a:extLst>
                 <a:ext uri="{FF2B5EF4-FFF2-40B4-BE49-F238E27FC236}">
-                  <a16:creationId xmlns:a16="http://schemas.microsoft.com/office/drawing/2014/main" xmlns="" id="{334A4C3A-641C-7CD9-8FEE-5EC92B28D640}"/>
+                  <a16:creationId xmlns:a16="http://schemas.microsoft.com/office/drawing/2014/main" id="{334A4C3A-641C-7CD9-8FEE-5EC92B28D640}"/>
                 </a:ext>
               </a:extLst>
             </p:cNvPr>
@@ -10026,7 +9950,7 @@
           <p:cNvPr id="13" name="TextBox 12">
             <a:extLst>
               <a:ext uri="{FF2B5EF4-FFF2-40B4-BE49-F238E27FC236}">
-                <a16:creationId xmlns:a16="http://schemas.microsoft.com/office/drawing/2014/main" xmlns="" id="{52176D31-35F7-8916-46FA-6095EFEC1E49}"/>
+                <a16:creationId xmlns:a16="http://schemas.microsoft.com/office/drawing/2014/main" id="{52176D31-35F7-8916-46FA-6095EFEC1E49}"/>
               </a:ext>
             </a:extLst>
           </p:cNvPr>
@@ -10080,7 +10004,7 @@
           <p:cNvPr id="14" name="그룹 1018">
             <a:extLst>
               <a:ext uri="{FF2B5EF4-FFF2-40B4-BE49-F238E27FC236}">
-                <a16:creationId xmlns:a16="http://schemas.microsoft.com/office/drawing/2014/main" xmlns="" id="{0804D430-F42E-AE32-A065-FFA8C471F092}"/>
+                <a16:creationId xmlns:a16="http://schemas.microsoft.com/office/drawing/2014/main" id="{0804D430-F42E-AE32-A065-FFA8C471F092}"/>
               </a:ext>
             </a:extLst>
           </p:cNvPr>
@@ -10100,7 +10024,7 @@
             <p:cNvPr id="15" name="Object 61">
               <a:extLst>
                 <a:ext uri="{FF2B5EF4-FFF2-40B4-BE49-F238E27FC236}">
-                  <a16:creationId xmlns:a16="http://schemas.microsoft.com/office/drawing/2014/main" xmlns="" id="{334A4C3A-641C-7CD9-8FEE-5EC92B28D640}"/>
+                  <a16:creationId xmlns:a16="http://schemas.microsoft.com/office/drawing/2014/main" id="{334A4C3A-641C-7CD9-8FEE-5EC92B28D640}"/>
                 </a:ext>
               </a:extLst>
             </p:cNvPr>
@@ -10131,7 +10055,7 @@
           <p:cNvPr id="16" name="TextBox 15">
             <a:extLst>
               <a:ext uri="{FF2B5EF4-FFF2-40B4-BE49-F238E27FC236}">
-                <a16:creationId xmlns:a16="http://schemas.microsoft.com/office/drawing/2014/main" xmlns="" id="{52176D31-35F7-8916-46FA-6095EFEC1E49}"/>
+                <a16:creationId xmlns:a16="http://schemas.microsoft.com/office/drawing/2014/main" id="{52176D31-35F7-8916-46FA-6095EFEC1E49}"/>
               </a:ext>
             </a:extLst>
           </p:cNvPr>
@@ -10185,7 +10109,7 @@
           <p:cNvPr id="17" name="그룹 1018">
             <a:extLst>
               <a:ext uri="{FF2B5EF4-FFF2-40B4-BE49-F238E27FC236}">
-                <a16:creationId xmlns:a16="http://schemas.microsoft.com/office/drawing/2014/main" xmlns="" id="{0804D430-F42E-AE32-A065-FFA8C471F092}"/>
+                <a16:creationId xmlns:a16="http://schemas.microsoft.com/office/drawing/2014/main" id="{0804D430-F42E-AE32-A065-FFA8C471F092}"/>
               </a:ext>
             </a:extLst>
           </p:cNvPr>
@@ -10205,7 +10129,7 @@
             <p:cNvPr id="18" name="Object 61">
               <a:extLst>
                 <a:ext uri="{FF2B5EF4-FFF2-40B4-BE49-F238E27FC236}">
-                  <a16:creationId xmlns:a16="http://schemas.microsoft.com/office/drawing/2014/main" xmlns="" id="{334A4C3A-641C-7CD9-8FEE-5EC92B28D640}"/>
+                  <a16:creationId xmlns:a16="http://schemas.microsoft.com/office/drawing/2014/main" id="{334A4C3A-641C-7CD9-8FEE-5EC92B28D640}"/>
                 </a:ext>
               </a:extLst>
             </p:cNvPr>
@@ -10236,7 +10160,7 @@
           <p:cNvPr id="19" name="TextBox 18">
             <a:extLst>
               <a:ext uri="{FF2B5EF4-FFF2-40B4-BE49-F238E27FC236}">
-                <a16:creationId xmlns:a16="http://schemas.microsoft.com/office/drawing/2014/main" xmlns="" id="{52176D31-35F7-8916-46FA-6095EFEC1E49}"/>
+                <a16:creationId xmlns:a16="http://schemas.microsoft.com/office/drawing/2014/main" id="{52176D31-35F7-8916-46FA-6095EFEC1E49}"/>
               </a:ext>
             </a:extLst>
           </p:cNvPr>
@@ -10290,7 +10214,7 @@
           <p:cNvPr id="20" name="직선 화살표 연결선 19">
             <a:extLst>
               <a:ext uri="{FF2B5EF4-FFF2-40B4-BE49-F238E27FC236}">
-                <a16:creationId xmlns:a16="http://schemas.microsoft.com/office/drawing/2014/main" xmlns="" id="{299DF5EC-9DF4-5255-06AC-0A7CE4FF58C3}"/>
+                <a16:creationId xmlns:a16="http://schemas.microsoft.com/office/drawing/2014/main" id="{299DF5EC-9DF4-5255-06AC-0A7CE4FF58C3}"/>
               </a:ext>
             </a:extLst>
           </p:cNvPr>
@@ -10332,7 +10256,7 @@
           <p:cNvPr id="21" name="TextBox 20">
             <a:extLst>
               <a:ext uri="{FF2B5EF4-FFF2-40B4-BE49-F238E27FC236}">
-                <a16:creationId xmlns:a16="http://schemas.microsoft.com/office/drawing/2014/main" xmlns="" id="{C6D113C6-EA5C-788F-0C77-E7CE6EBB865F}"/>
+                <a16:creationId xmlns:a16="http://schemas.microsoft.com/office/drawing/2014/main" id="{C6D113C6-EA5C-788F-0C77-E7CE6EBB865F}"/>
               </a:ext>
             </a:extLst>
           </p:cNvPr>
@@ -10436,13 +10360,6 @@
   <p:clrMapOvr>
     <a:masterClrMapping/>
   </p:clrMapOvr>
-  <p:timing>
-    <p:tnLst>
-      <p:par>
-        <p:cTn id="1" dur="indefinite" restart="never" nodeType="tmRoot"/>
-      </p:par>
-    </p:tnLst>
-  </p:timing>
 </p:sld>
 </file>
 
@@ -10492,7 +10409,7 @@
           <p:cNvPr id="5" name="직선 화살표 연결선 4">
             <a:extLst>
               <a:ext uri="{FF2B5EF4-FFF2-40B4-BE49-F238E27FC236}">
-                <a16:creationId xmlns:a16="http://schemas.microsoft.com/office/drawing/2014/main" xmlns="" id="{299DF5EC-9DF4-5255-06AC-0A7CE4FF58C3}"/>
+                <a16:creationId xmlns:a16="http://schemas.microsoft.com/office/drawing/2014/main" id="{299DF5EC-9DF4-5255-06AC-0A7CE4FF58C3}"/>
               </a:ext>
             </a:extLst>
           </p:cNvPr>
@@ -10533,7 +10450,7 @@
           <p:cNvPr id="6" name="TextBox 5">
             <a:extLst>
               <a:ext uri="{FF2B5EF4-FFF2-40B4-BE49-F238E27FC236}">
-                <a16:creationId xmlns:a16="http://schemas.microsoft.com/office/drawing/2014/main" xmlns="" id="{C6D113C6-EA5C-788F-0C77-E7CE6EBB865F}"/>
+                <a16:creationId xmlns:a16="http://schemas.microsoft.com/office/drawing/2014/main" id="{C6D113C6-EA5C-788F-0C77-E7CE6EBB865F}"/>
               </a:ext>
             </a:extLst>
           </p:cNvPr>
@@ -10640,7 +10557,7 @@
           <p:cNvPr id="8" name="TextBox 7">
             <a:extLst>
               <a:ext uri="{FF2B5EF4-FFF2-40B4-BE49-F238E27FC236}">
-                <a16:creationId xmlns:a16="http://schemas.microsoft.com/office/drawing/2014/main" xmlns="" id="{C6D113C6-EA5C-788F-0C77-E7CE6EBB865F}"/>
+                <a16:creationId xmlns:a16="http://schemas.microsoft.com/office/drawing/2014/main" id="{C6D113C6-EA5C-788F-0C77-E7CE6EBB865F}"/>
               </a:ext>
             </a:extLst>
           </p:cNvPr>
@@ -10703,13 +10620,6 @@
   <p:clrMapOvr>
     <a:masterClrMapping/>
   </p:clrMapOvr>
-  <p:timing>
-    <p:tnLst>
-      <p:par>
-        <p:cTn id="1" dur="indefinite" restart="never" nodeType="tmRoot"/>
-      </p:par>
-    </p:tnLst>
-  </p:timing>
 </p:sld>
 </file>
 
@@ -10735,7 +10645,7 @@
           <p:cNvPr id="4" name="TextBox 3">
             <a:extLst>
               <a:ext uri="{FF2B5EF4-FFF2-40B4-BE49-F238E27FC236}">
-                <a16:creationId xmlns:a16="http://schemas.microsoft.com/office/drawing/2014/main" xmlns="" id="{EE79C406-3461-D6A5-5346-D7C2FC38FCCD}"/>
+                <a16:creationId xmlns:a16="http://schemas.microsoft.com/office/drawing/2014/main" id="{EE79C406-3461-D6A5-5346-D7C2FC38FCCD}"/>
               </a:ext>
             </a:extLst>
           </p:cNvPr>
@@ -11256,7 +11166,7 @@
           <p:cNvPr id="29" name="TextBox 28">
             <a:extLst>
               <a:ext uri="{FF2B5EF4-FFF2-40B4-BE49-F238E27FC236}">
-                <a16:creationId xmlns:a16="http://schemas.microsoft.com/office/drawing/2014/main" xmlns="" id="{A2AD056B-97A4-5BCC-4460-250160F3E171}"/>
+                <a16:creationId xmlns:a16="http://schemas.microsoft.com/office/drawing/2014/main" id="{A2AD056B-97A4-5BCC-4460-250160F3E171}"/>
               </a:ext>
             </a:extLst>
           </p:cNvPr>
@@ -11338,7 +11248,7 @@
           <p:cNvPr id="30" name="TextBox 29">
             <a:extLst>
               <a:ext uri="{FF2B5EF4-FFF2-40B4-BE49-F238E27FC236}">
-                <a16:creationId xmlns:a16="http://schemas.microsoft.com/office/drawing/2014/main" xmlns="" id="{A2AD056B-97A4-5BCC-4460-250160F3E171}"/>
+                <a16:creationId xmlns:a16="http://schemas.microsoft.com/office/drawing/2014/main" id="{A2AD056B-97A4-5BCC-4460-250160F3E171}"/>
               </a:ext>
             </a:extLst>
           </p:cNvPr>
@@ -11395,7 +11305,7 @@
           <p:cNvPr id="31" name="TextBox 30">
             <a:extLst>
               <a:ext uri="{FF2B5EF4-FFF2-40B4-BE49-F238E27FC236}">
-                <a16:creationId xmlns:a16="http://schemas.microsoft.com/office/drawing/2014/main" xmlns="" id="{A2AD056B-97A4-5BCC-4460-250160F3E171}"/>
+                <a16:creationId xmlns:a16="http://schemas.microsoft.com/office/drawing/2014/main" id="{A2AD056B-97A4-5BCC-4460-250160F3E171}"/>
               </a:ext>
             </a:extLst>
           </p:cNvPr>
@@ -11504,7 +11414,7 @@
           <p:cNvPr id="32" name="TextBox 31">
             <a:extLst>
               <a:ext uri="{FF2B5EF4-FFF2-40B4-BE49-F238E27FC236}">
-                <a16:creationId xmlns:a16="http://schemas.microsoft.com/office/drawing/2014/main" xmlns="" id="{A2AD056B-97A4-5BCC-4460-250160F3E171}"/>
+                <a16:creationId xmlns:a16="http://schemas.microsoft.com/office/drawing/2014/main" id="{A2AD056B-97A4-5BCC-4460-250160F3E171}"/>
               </a:ext>
             </a:extLst>
           </p:cNvPr>
@@ -11600,7 +11510,7 @@
           <p:cNvPr id="33" name="TextBox 32">
             <a:extLst>
               <a:ext uri="{FF2B5EF4-FFF2-40B4-BE49-F238E27FC236}">
-                <a16:creationId xmlns:a16="http://schemas.microsoft.com/office/drawing/2014/main" xmlns="" id="{A2AD056B-97A4-5BCC-4460-250160F3E171}"/>
+                <a16:creationId xmlns:a16="http://schemas.microsoft.com/office/drawing/2014/main" id="{A2AD056B-97A4-5BCC-4460-250160F3E171}"/>
               </a:ext>
             </a:extLst>
           </p:cNvPr>
@@ -11657,7 +11567,7 @@
           <p:cNvPr id="34" name="TextBox 33">
             <a:extLst>
               <a:ext uri="{FF2B5EF4-FFF2-40B4-BE49-F238E27FC236}">
-                <a16:creationId xmlns:a16="http://schemas.microsoft.com/office/drawing/2014/main" xmlns="" id="{A2AD056B-97A4-5BCC-4460-250160F3E171}"/>
+                <a16:creationId xmlns:a16="http://schemas.microsoft.com/office/drawing/2014/main" id="{A2AD056B-97A4-5BCC-4460-250160F3E171}"/>
               </a:ext>
             </a:extLst>
           </p:cNvPr>
@@ -11719,13 +11629,6 @@
   <p:clrMapOvr>
     <a:masterClrMapping/>
   </p:clrMapOvr>
-  <p:timing>
-    <p:tnLst>
-      <p:par>
-        <p:cTn id="1" dur="indefinite" restart="never" nodeType="tmRoot"/>
-      </p:par>
-    </p:tnLst>
-  </p:timing>
 </p:sld>
 </file>
 
@@ -11751,7 +11654,7 @@
           <p:cNvPr id="4" name="TextBox 3">
             <a:extLst>
               <a:ext uri="{FF2B5EF4-FFF2-40B4-BE49-F238E27FC236}">
-                <a16:creationId xmlns:a16="http://schemas.microsoft.com/office/drawing/2014/main" xmlns="" id="{EE79C406-3461-D6A5-5346-D7C2FC38FCCD}"/>
+                <a16:creationId xmlns:a16="http://schemas.microsoft.com/office/drawing/2014/main" id="{EE79C406-3461-D6A5-5346-D7C2FC38FCCD}"/>
               </a:ext>
             </a:extLst>
           </p:cNvPr>
@@ -11840,7 +11743,7 @@
           <p:cNvPr id="6" name="TextBox 5">
             <a:extLst>
               <a:ext uri="{FF2B5EF4-FFF2-40B4-BE49-F238E27FC236}">
-                <a16:creationId xmlns:a16="http://schemas.microsoft.com/office/drawing/2014/main" xmlns="" id="{A2AD056B-97A4-5BCC-4460-250160F3E171}"/>
+                <a16:creationId xmlns:a16="http://schemas.microsoft.com/office/drawing/2014/main" id="{A2AD056B-97A4-5BCC-4460-250160F3E171}"/>
               </a:ext>
             </a:extLst>
           </p:cNvPr>
@@ -11951,13 +11854,6 @@
   <p:clrMapOvr>
     <a:masterClrMapping/>
   </p:clrMapOvr>
-  <p:timing>
-    <p:tnLst>
-      <p:par>
-        <p:cTn id="1" dur="indefinite" restart="never" nodeType="tmRoot"/>
-      </p:par>
-    </p:tnLst>
-  </p:timing>
 </p:sld>
 </file>
 
@@ -12012,13 +11908,6 @@
   <p:clrMapOvr>
     <a:masterClrMapping/>
   </p:clrMapOvr>
-  <p:timing>
-    <p:tnLst>
-      <p:par>
-        <p:cTn id="1" dur="indefinite" restart="never" nodeType="tmRoot"/>
-      </p:par>
-    </p:tnLst>
-  </p:timing>
 </p:sld>
 </file>
 
@@ -12044,7 +11933,7 @@
           <p:cNvPr id="4" name="TextBox 3">
             <a:extLst>
               <a:ext uri="{FF2B5EF4-FFF2-40B4-BE49-F238E27FC236}">
-                <a16:creationId xmlns:a16="http://schemas.microsoft.com/office/drawing/2014/main" xmlns="" id="{EE79C406-3461-D6A5-5346-D7C2FC38FCCD}"/>
+                <a16:creationId xmlns:a16="http://schemas.microsoft.com/office/drawing/2014/main" id="{EE79C406-3461-D6A5-5346-D7C2FC38FCCD}"/>
               </a:ext>
             </a:extLst>
           </p:cNvPr>
@@ -12092,7 +11981,7 @@
           <p:cNvPr id="5" name="TextBox 4">
             <a:extLst>
               <a:ext uri="{FF2B5EF4-FFF2-40B4-BE49-F238E27FC236}">
-                <a16:creationId xmlns:a16="http://schemas.microsoft.com/office/drawing/2014/main" xmlns="" id="{A2AD056B-97A4-5BCC-4460-250160F3E171}"/>
+                <a16:creationId xmlns:a16="http://schemas.microsoft.com/office/drawing/2014/main" id="{A2AD056B-97A4-5BCC-4460-250160F3E171}"/>
               </a:ext>
             </a:extLst>
           </p:cNvPr>
@@ -12244,13 +12133,6 @@
   <p:clrMapOvr>
     <a:masterClrMapping/>
   </p:clrMapOvr>
-  <p:timing>
-    <p:tnLst>
-      <p:par>
-        <p:cTn id="1" dur="indefinite" restart="never" nodeType="tmRoot"/>
-      </p:par>
-    </p:tnLst>
-  </p:timing>
 </p:sld>
 </file>
 
@@ -12329,13 +12211,6 @@
   <p:clrMapOvr>
     <a:masterClrMapping/>
   </p:clrMapOvr>
-  <p:timing>
-    <p:tnLst>
-      <p:par>
-        <p:cTn id="1" dur="indefinite" restart="never" nodeType="tmRoot"/>
-      </p:par>
-    </p:tnLst>
-  </p:timing>
 </p:sld>
 </file>
 
@@ -12361,7 +12236,7 @@
           <p:cNvPr id="4" name="TextBox 3">
             <a:extLst>
               <a:ext uri="{FF2B5EF4-FFF2-40B4-BE49-F238E27FC236}">
-                <a16:creationId xmlns:a16="http://schemas.microsoft.com/office/drawing/2014/main" xmlns="" id="{EE79C406-3461-D6A5-5346-D7C2FC38FCCD}"/>
+                <a16:creationId xmlns:a16="http://schemas.microsoft.com/office/drawing/2014/main" id="{EE79C406-3461-D6A5-5346-D7C2FC38FCCD}"/>
               </a:ext>
             </a:extLst>
           </p:cNvPr>
@@ -12409,7 +12284,7 @@
           <p:cNvPr id="5" name="TextBox 4">
             <a:extLst>
               <a:ext uri="{FF2B5EF4-FFF2-40B4-BE49-F238E27FC236}">
-                <a16:creationId xmlns:a16="http://schemas.microsoft.com/office/drawing/2014/main" xmlns="" id="{A2AD056B-97A4-5BCC-4460-250160F3E171}"/>
+                <a16:creationId xmlns:a16="http://schemas.microsoft.com/office/drawing/2014/main" id="{A2AD056B-97A4-5BCC-4460-250160F3E171}"/>
               </a:ext>
             </a:extLst>
           </p:cNvPr>
@@ -12466,7 +12341,7 @@
           <p:cNvPr id="6" name="TextBox 5">
             <a:extLst>
               <a:ext uri="{FF2B5EF4-FFF2-40B4-BE49-F238E27FC236}">
-                <a16:creationId xmlns:a16="http://schemas.microsoft.com/office/drawing/2014/main" xmlns="" id="{A2AD056B-97A4-5BCC-4460-250160F3E171}"/>
+                <a16:creationId xmlns:a16="http://schemas.microsoft.com/office/drawing/2014/main" id="{A2AD056B-97A4-5BCC-4460-250160F3E171}"/>
               </a:ext>
             </a:extLst>
           </p:cNvPr>
@@ -12562,7 +12437,7 @@
           <p:cNvPr id="7" name="TextBox 6">
             <a:extLst>
               <a:ext uri="{FF2B5EF4-FFF2-40B4-BE49-F238E27FC236}">
-                <a16:creationId xmlns:a16="http://schemas.microsoft.com/office/drawing/2014/main" xmlns="" id="{EE79C406-3461-D6A5-5346-D7C2FC38FCCD}"/>
+                <a16:creationId xmlns:a16="http://schemas.microsoft.com/office/drawing/2014/main" id="{EE79C406-3461-D6A5-5346-D7C2FC38FCCD}"/>
               </a:ext>
             </a:extLst>
           </p:cNvPr>
@@ -12610,7 +12485,7 @@
           <p:cNvPr id="8" name="TextBox 7">
             <a:extLst>
               <a:ext uri="{FF2B5EF4-FFF2-40B4-BE49-F238E27FC236}">
-                <a16:creationId xmlns:a16="http://schemas.microsoft.com/office/drawing/2014/main" xmlns="" id="{A2AD056B-97A4-5BCC-4460-250160F3E171}"/>
+                <a16:creationId xmlns:a16="http://schemas.microsoft.com/office/drawing/2014/main" id="{A2AD056B-97A4-5BCC-4460-250160F3E171}"/>
               </a:ext>
             </a:extLst>
           </p:cNvPr>
@@ -12634,7 +12509,7 @@
           <a:lstStyle/>
           <a:p>
             <a:r>
-              <a:rPr lang="ko-KR" altLang="en-US" sz="4000" dirty="0" smtClean="0">
+              <a:rPr lang="ko-KR" altLang="en-US" sz="4000" dirty="0">
                 <a:solidFill>
                   <a:schemeClr val="tx1">
                     <a:lumMod val="50000"/>
@@ -12647,7 +12522,7 @@
               <a:t>먼저 </a:t>
             </a:r>
             <a:r>
-              <a:rPr lang="ko-KR" altLang="en-US" sz="4000" dirty="0" err="1" smtClean="0">
+              <a:rPr lang="ko-KR" altLang="en-US" sz="4000" dirty="0" err="1">
                 <a:solidFill>
                   <a:schemeClr val="tx1">
                     <a:lumMod val="50000"/>
@@ -12660,7 +12535,7 @@
               <a:t>들어간것이</a:t>
             </a:r>
             <a:r>
-              <a:rPr lang="ko-KR" altLang="en-US" sz="4000" dirty="0" smtClean="0">
+              <a:rPr lang="ko-KR" altLang="en-US" sz="4000" dirty="0">
                 <a:solidFill>
                   <a:schemeClr val="tx1">
                     <a:lumMod val="50000"/>
@@ -12670,20 +12545,7 @@
                 <a:latin typeface="G마켓 산스 Medium" panose="02000000000000000000" pitchFamily="50" charset="-127"/>
                 <a:ea typeface="G마켓 산스 Medium" panose="02000000000000000000" pitchFamily="50" charset="-127"/>
               </a:rPr>
-              <a:t> </a:t>
-            </a:r>
-            <a:r>
-              <a:rPr lang="ko-KR" altLang="en-US" sz="4000" dirty="0">
-                <a:solidFill>
-                  <a:schemeClr val="tx1">
-                    <a:lumMod val="50000"/>
-                    <a:lumOff val="50000"/>
-                  </a:schemeClr>
-                </a:solidFill>
-                <a:latin typeface="G마켓 산스 Medium" panose="02000000000000000000" pitchFamily="50" charset="-127"/>
-                <a:ea typeface="G마켓 산스 Medium" panose="02000000000000000000" pitchFamily="50" charset="-127"/>
-              </a:rPr>
-              <a:t>먼저 삭제된다</a:t>
+              <a:t> 먼저 삭제된다</a:t>
             </a:r>
             <a:r>
               <a:rPr lang="en-US" altLang="ko-KR" sz="4000" dirty="0">
@@ -12817,13 +12679,6 @@
   <p:clrMapOvr>
     <a:masterClrMapping/>
   </p:clrMapOvr>
-  <p:timing>
-    <p:tnLst>
-      <p:par>
-        <p:cTn id="1" dur="indefinite" restart="never" nodeType="tmRoot"/>
-      </p:par>
-    </p:tnLst>
-  </p:timing>
 </p:sld>
 </file>
 
@@ -12849,7 +12704,7 @@
           <p:cNvPr id="4" name="TextBox 3">
             <a:extLst>
               <a:ext uri="{FF2B5EF4-FFF2-40B4-BE49-F238E27FC236}">
-                <a16:creationId xmlns:a16="http://schemas.microsoft.com/office/drawing/2014/main" xmlns="" id="{EE79C406-3461-D6A5-5346-D7C2FC38FCCD}"/>
+                <a16:creationId xmlns:a16="http://schemas.microsoft.com/office/drawing/2014/main" id="{EE79C406-3461-D6A5-5346-D7C2FC38FCCD}"/>
               </a:ext>
             </a:extLst>
           </p:cNvPr>
@@ -12897,7 +12752,7 @@
           <p:cNvPr id="5" name="TextBox 4">
             <a:extLst>
               <a:ext uri="{FF2B5EF4-FFF2-40B4-BE49-F238E27FC236}">
-                <a16:creationId xmlns:a16="http://schemas.microsoft.com/office/drawing/2014/main" xmlns="" id="{A2AD056B-97A4-5BCC-4460-250160F3E171}"/>
+                <a16:creationId xmlns:a16="http://schemas.microsoft.com/office/drawing/2014/main" id="{A2AD056B-97A4-5BCC-4460-250160F3E171}"/>
               </a:ext>
             </a:extLst>
           </p:cNvPr>
@@ -13027,13 +12882,6 @@
   <p:clrMapOvr>
     <a:masterClrMapping/>
   </p:clrMapOvr>
-  <p:timing>
-    <p:tnLst>
-      <p:par>
-        <p:cTn id="1" dur="indefinite" restart="never" nodeType="tmRoot"/>
-      </p:par>
-    </p:tnLst>
-  </p:timing>
 </p:sld>
 </file>
 
@@ -13107,7 +12955,7 @@
           <p:cNvPr id="11" name="TextBox 10">
             <a:extLst>
               <a:ext uri="{FF2B5EF4-FFF2-40B4-BE49-F238E27FC236}">
-                <a16:creationId xmlns:a16="http://schemas.microsoft.com/office/drawing/2014/main" xmlns="" id="{C6D113C6-EA5C-788F-0C77-E7CE6EBB865F}"/>
+                <a16:creationId xmlns:a16="http://schemas.microsoft.com/office/drawing/2014/main" id="{C6D113C6-EA5C-788F-0C77-E7CE6EBB865F}"/>
               </a:ext>
             </a:extLst>
           </p:cNvPr>
@@ -13200,13 +13048,6 @@
   <p:clrMapOvr>
     <a:masterClrMapping/>
   </p:clrMapOvr>
-  <p:timing>
-    <p:tnLst>
-      <p:par>
-        <p:cTn id="1" dur="indefinite" restart="never" nodeType="tmRoot"/>
-      </p:par>
-    </p:tnLst>
-  </p:timing>
 </p:sld>
 </file>
 
@@ -13420,7 +13261,7 @@
           <p:cNvPr id="2" name="TextBox 1">
             <a:extLst>
               <a:ext uri="{FF2B5EF4-FFF2-40B4-BE49-F238E27FC236}">
-                <a16:creationId xmlns:a16="http://schemas.microsoft.com/office/drawing/2014/main" xmlns="" id="{8D19D88B-9541-32D7-90F1-0C45C993E21C}"/>
+                <a16:creationId xmlns:a16="http://schemas.microsoft.com/office/drawing/2014/main" id="{8D19D88B-9541-32D7-90F1-0C45C993E21C}"/>
               </a:ext>
             </a:extLst>
           </p:cNvPr>
@@ -13468,13 +13309,6 @@
   <p:clrMapOvr>
     <a:masterClrMapping/>
   </p:clrMapOvr>
-  <p:timing>
-    <p:tnLst>
-      <p:par>
-        <p:cTn id="1" dur="indefinite" restart="never" nodeType="tmRoot"/>
-      </p:par>
-    </p:tnLst>
-  </p:timing>
 </p:sld>
 </file>
 
@@ -13500,7 +13334,7 @@
           <p:cNvPr id="4" name="TextBox 3">
             <a:extLst>
               <a:ext uri="{FF2B5EF4-FFF2-40B4-BE49-F238E27FC236}">
-                <a16:creationId xmlns:a16="http://schemas.microsoft.com/office/drawing/2014/main" xmlns="" id="{EE79C406-3461-D6A5-5346-D7C2FC38FCCD}"/>
+                <a16:creationId xmlns:a16="http://schemas.microsoft.com/office/drawing/2014/main" id="{EE79C406-3461-D6A5-5346-D7C2FC38FCCD}"/>
               </a:ext>
             </a:extLst>
           </p:cNvPr>
@@ -13548,7 +13382,7 @@
           <p:cNvPr id="5" name="TextBox 4">
             <a:extLst>
               <a:ext uri="{FF2B5EF4-FFF2-40B4-BE49-F238E27FC236}">
-                <a16:creationId xmlns:a16="http://schemas.microsoft.com/office/drawing/2014/main" xmlns="" id="{A2AD056B-97A4-5BCC-4460-250160F3E171}"/>
+                <a16:creationId xmlns:a16="http://schemas.microsoft.com/office/drawing/2014/main" id="{A2AD056B-97A4-5BCC-4460-250160F3E171}"/>
               </a:ext>
             </a:extLst>
           </p:cNvPr>
@@ -13725,7 +13559,7 @@
           <p:cNvPr id="9" name="직선 화살표 연결선 8">
             <a:extLst>
               <a:ext uri="{FF2B5EF4-FFF2-40B4-BE49-F238E27FC236}">
-                <a16:creationId xmlns:a16="http://schemas.microsoft.com/office/drawing/2014/main" xmlns="" id="{299DF5EC-9DF4-5255-06AC-0A7CE4FF58C3}"/>
+                <a16:creationId xmlns:a16="http://schemas.microsoft.com/office/drawing/2014/main" id="{299DF5EC-9DF4-5255-06AC-0A7CE4FF58C3}"/>
               </a:ext>
             </a:extLst>
           </p:cNvPr>
@@ -13766,7 +13600,7 @@
           <p:cNvPr id="10" name="TextBox 9">
             <a:extLst>
               <a:ext uri="{FF2B5EF4-FFF2-40B4-BE49-F238E27FC236}">
-                <a16:creationId xmlns:a16="http://schemas.microsoft.com/office/drawing/2014/main" xmlns="" id="{C6D113C6-EA5C-788F-0C77-E7CE6EBB865F}"/>
+                <a16:creationId xmlns:a16="http://schemas.microsoft.com/office/drawing/2014/main" id="{C6D113C6-EA5C-788F-0C77-E7CE6EBB865F}"/>
               </a:ext>
             </a:extLst>
           </p:cNvPr>
@@ -13829,13 +13663,6 @@
   <p:clrMapOvr>
     <a:masterClrMapping/>
   </p:clrMapOvr>
-  <p:timing>
-    <p:tnLst>
-      <p:par>
-        <p:cTn id="1" dur="indefinite" restart="never" nodeType="tmRoot"/>
-      </p:par>
-    </p:tnLst>
-  </p:timing>
 </p:sld>
 </file>
 
@@ -13861,7 +13688,7 @@
           <p:cNvPr id="4" name="TextBox 3">
             <a:extLst>
               <a:ext uri="{FF2B5EF4-FFF2-40B4-BE49-F238E27FC236}">
-                <a16:creationId xmlns:a16="http://schemas.microsoft.com/office/drawing/2014/main" xmlns="" id="{EE79C406-3461-D6A5-5346-D7C2FC38FCCD}"/>
+                <a16:creationId xmlns:a16="http://schemas.microsoft.com/office/drawing/2014/main" id="{EE79C406-3461-D6A5-5346-D7C2FC38FCCD}"/>
               </a:ext>
             </a:extLst>
           </p:cNvPr>
@@ -13919,7 +13746,7 @@
           <p:cNvPr id="8" name="TextBox 7">
             <a:extLst>
               <a:ext uri="{FF2B5EF4-FFF2-40B4-BE49-F238E27FC236}">
-                <a16:creationId xmlns:a16="http://schemas.microsoft.com/office/drawing/2014/main" xmlns="" id="{2FFEA572-0493-CB52-6BE5-4BCEFE8076B6}"/>
+                <a16:creationId xmlns:a16="http://schemas.microsoft.com/office/drawing/2014/main" id="{2FFEA572-0493-CB52-6BE5-4BCEFE8076B6}"/>
               </a:ext>
             </a:extLst>
           </p:cNvPr>
@@ -13986,7 +13813,7 @@
               <a:t> 사용하여 취미를 저장하는 멤버변수를 만들어 보자</a:t>
             </a:r>
             <a:r>
-              <a:rPr lang="en-US" altLang="ko-KR" sz="4000" dirty="0" smtClean="0">
+              <a:rPr lang="en-US" altLang="ko-KR" sz="4000" dirty="0">
                 <a:solidFill>
                   <a:srgbClr val="4C50BB"/>
                 </a:solidFill>
@@ -14063,7 +13890,7 @@
               <a:t>가 있다</a:t>
             </a:r>
             <a:r>
-              <a:rPr lang="en-US" altLang="ko-KR" sz="4000" dirty="0" smtClean="0">
+              <a:rPr lang="en-US" altLang="ko-KR" sz="4000" dirty="0">
                 <a:solidFill>
                   <a:schemeClr val="tx1">
                     <a:lumMod val="50000"/>
@@ -14075,16 +13902,6 @@
               </a:rPr>
               <a:t>.</a:t>
             </a:r>
-            <a:endParaRPr lang="en-US" altLang="ko-KR" sz="4000" dirty="0">
-              <a:solidFill>
-                <a:schemeClr val="tx1">
-                  <a:lumMod val="50000"/>
-                  <a:lumOff val="50000"/>
-                </a:schemeClr>
-              </a:solidFill>
-              <a:latin typeface="G마켓 산스 Medium" panose="02000000000000000000" pitchFamily="50" charset="-127"/>
-              <a:ea typeface="G마켓 산스 Medium" panose="02000000000000000000" pitchFamily="50" charset="-127"/>
-            </a:endParaRPr>
           </a:p>
         </p:txBody>
       </p:sp>
@@ -14146,13 +13963,6 @@
   <p:clrMapOvr>
     <a:masterClrMapping/>
   </p:clrMapOvr>
-  <p:timing>
-    <p:tnLst>
-      <p:par>
-        <p:cTn id="1" dur="indefinite" restart="never" nodeType="tmRoot"/>
-      </p:par>
-    </p:tnLst>
-  </p:timing>
 </p:sld>
 </file>
 
@@ -14391,7 +14201,7 @@
           <p:cNvPr id="6" name="TextBox 5">
             <a:extLst>
               <a:ext uri="{FF2B5EF4-FFF2-40B4-BE49-F238E27FC236}">
-                <a16:creationId xmlns:a16="http://schemas.microsoft.com/office/drawing/2014/main" xmlns="" id="{2FFEA572-0493-CB52-6BE5-4BCEFE8076B6}"/>
+                <a16:creationId xmlns:a16="http://schemas.microsoft.com/office/drawing/2014/main" id="{2FFEA572-0493-CB52-6BE5-4BCEFE8076B6}"/>
               </a:ext>
             </a:extLst>
           </p:cNvPr>
@@ -14497,10 +14307,10 @@
                 <a:latin typeface="G마켓 산스 Medium" panose="02000000000000000000" pitchFamily="50" charset="-127"/>
                 <a:ea typeface="G마켓 산스 Medium" panose="02000000000000000000" pitchFamily="50" charset="-127"/>
               </a:rPr>
-              <a:t>     </a:t>
-            </a:r>
-            <a:r>
-              <a:rPr lang="en-US" altLang="ko-KR" sz="3600" dirty="0" smtClean="0">
+              <a:t>     - void</a:t>
+            </a:r>
+            <a:r>
+              <a:rPr lang="ko-KR" altLang="en-US" sz="3600" dirty="0">
                 <a:solidFill>
                   <a:schemeClr val="tx1">
                     <a:lumMod val="50000"/>
@@ -14510,10 +14320,10 @@
                 <a:latin typeface="G마켓 산스 Medium" panose="02000000000000000000" pitchFamily="50" charset="-127"/>
                 <a:ea typeface="G마켓 산스 Medium" panose="02000000000000000000" pitchFamily="50" charset="-127"/>
               </a:rPr>
-              <a:t>- void</a:t>
-            </a:r>
-            <a:r>
-              <a:rPr lang="ko-KR" altLang="en-US" sz="3600" dirty="0" smtClean="0">
+              <a:t> </a:t>
+            </a:r>
+            <a:r>
+              <a:rPr lang="en-US" altLang="ko-KR" sz="3600" dirty="0">
                 <a:solidFill>
                   <a:schemeClr val="tx1">
                     <a:lumMod val="50000"/>
@@ -14523,10 +14333,10 @@
                 <a:latin typeface="G마켓 산스 Medium" panose="02000000000000000000" pitchFamily="50" charset="-127"/>
                 <a:ea typeface="G마켓 산스 Medium" panose="02000000000000000000" pitchFamily="50" charset="-127"/>
               </a:rPr>
-              <a:t> </a:t>
-            </a:r>
-            <a:r>
-              <a:rPr lang="en-US" altLang="ko-KR" sz="3600" dirty="0">
+              <a:t>push(T value), T pop()  </a:t>
+            </a:r>
+            <a:r>
+              <a:rPr lang="ko-KR" altLang="en-US" sz="3600" dirty="0" err="1">
                 <a:solidFill>
                   <a:schemeClr val="tx1">
                     <a:lumMod val="50000"/>
@@ -14536,10 +14346,10 @@
                 <a:latin typeface="G마켓 산스 Medium" panose="02000000000000000000" pitchFamily="50" charset="-127"/>
                 <a:ea typeface="G마켓 산스 Medium" panose="02000000000000000000" pitchFamily="50" charset="-127"/>
               </a:rPr>
-              <a:t>push(T value), T pop()  </a:t>
-            </a:r>
-            <a:r>
-              <a:rPr lang="ko-KR" altLang="en-US" sz="3600" dirty="0" err="1">
+              <a:t>메서드를</a:t>
+            </a:r>
+            <a:r>
+              <a:rPr lang="ko-KR" altLang="en-US" sz="3600" dirty="0">
                 <a:solidFill>
                   <a:schemeClr val="tx1">
                     <a:lumMod val="50000"/>
@@ -14549,10 +14359,10 @@
                 <a:latin typeface="G마켓 산스 Medium" panose="02000000000000000000" pitchFamily="50" charset="-127"/>
                 <a:ea typeface="G마켓 산스 Medium" panose="02000000000000000000" pitchFamily="50" charset="-127"/>
               </a:rPr>
-              <a:t>메서드를</a:t>
-            </a:r>
-            <a:r>
-              <a:rPr lang="ko-KR" altLang="en-US" sz="3600" dirty="0">
+              <a:t> 구현하자</a:t>
+            </a:r>
+            <a:r>
+              <a:rPr lang="en-US" altLang="ko-KR" sz="3600" dirty="0">
                 <a:solidFill>
                   <a:schemeClr val="tx1">
                     <a:lumMod val="50000"/>
@@ -14562,8 +14372,10 @@
                 <a:latin typeface="G마켓 산스 Medium" panose="02000000000000000000" pitchFamily="50" charset="-127"/>
                 <a:ea typeface="G마켓 산스 Medium" panose="02000000000000000000" pitchFamily="50" charset="-127"/>
               </a:rPr>
-              <a:t> 구현하자</a:t>
-            </a:r>
+              <a:t>.</a:t>
+            </a:r>
+          </a:p>
+          <a:p>
             <a:r>
               <a:rPr lang="en-US" altLang="ko-KR" sz="3600" dirty="0">
                 <a:solidFill>
@@ -14575,12 +14387,10 @@
                 <a:latin typeface="G마켓 산스 Medium" panose="02000000000000000000" pitchFamily="50" charset="-127"/>
                 <a:ea typeface="G마켓 산스 Medium" panose="02000000000000000000" pitchFamily="50" charset="-127"/>
               </a:rPr>
-              <a:t>.</a:t>
-            </a:r>
-          </a:p>
-          <a:p>
-            <a:r>
-              <a:rPr lang="en-US" altLang="ko-KR" sz="3600" dirty="0">
+              <a:t>     - </a:t>
+            </a:r>
+            <a:r>
+              <a:rPr lang="ko-KR" altLang="en-US" sz="3600" dirty="0">
                 <a:solidFill>
                   <a:schemeClr val="tx1">
                     <a:lumMod val="50000"/>
@@ -14590,46 +14400,7 @@
                 <a:latin typeface="G마켓 산스 Medium" panose="02000000000000000000" pitchFamily="50" charset="-127"/>
                 <a:ea typeface="G마켓 산스 Medium" panose="02000000000000000000" pitchFamily="50" charset="-127"/>
               </a:rPr>
-              <a:t>     </a:t>
-            </a:r>
-            <a:r>
-              <a:rPr lang="en-US" altLang="ko-KR" sz="3600" dirty="0" smtClean="0">
-                <a:solidFill>
-                  <a:schemeClr val="tx1">
-                    <a:lumMod val="50000"/>
-                    <a:lumOff val="50000"/>
-                  </a:schemeClr>
-                </a:solidFill>
-                <a:latin typeface="G마켓 산스 Medium" panose="02000000000000000000" pitchFamily="50" charset="-127"/>
-                <a:ea typeface="G마켓 산스 Medium" panose="02000000000000000000" pitchFamily="50" charset="-127"/>
-              </a:rPr>
-              <a:t>- </a:t>
-            </a:r>
-            <a:r>
-              <a:rPr lang="ko-KR" altLang="en-US" sz="3600" dirty="0" smtClean="0">
-                <a:solidFill>
-                  <a:schemeClr val="tx1">
-                    <a:lumMod val="50000"/>
-                    <a:lumOff val="50000"/>
-                  </a:schemeClr>
-                </a:solidFill>
-                <a:latin typeface="G마켓 산스 Medium" panose="02000000000000000000" pitchFamily="50" charset="-127"/>
-                <a:ea typeface="G마켓 산스 Medium" panose="02000000000000000000" pitchFamily="50" charset="-127"/>
-              </a:rPr>
-              <a:t>내부에서 </a:t>
-            </a:r>
-            <a:r>
-              <a:rPr lang="ko-KR" altLang="en-US" sz="3600" dirty="0">
-                <a:solidFill>
-                  <a:schemeClr val="tx1">
-                    <a:lumMod val="50000"/>
-                    <a:lumOff val="50000"/>
-                  </a:schemeClr>
-                </a:solidFill>
-                <a:latin typeface="G마켓 산스 Medium" panose="02000000000000000000" pitchFamily="50" charset="-127"/>
-                <a:ea typeface="G마켓 산스 Medium" panose="02000000000000000000" pitchFamily="50" charset="-127"/>
-              </a:rPr>
-              <a:t>실질적으로 데이터는 </a:t>
+              <a:t>내부에서 실질적으로 데이터는 </a:t>
             </a:r>
             <a:r>
               <a:rPr lang="en-US" altLang="ko-KR" sz="3600" dirty="0" err="1">
@@ -14788,13 +14559,6 @@
   <p:clrMapOvr>
     <a:masterClrMapping/>
   </p:clrMapOvr>
-  <p:timing>
-    <p:tnLst>
-      <p:par>
-        <p:cTn id="1" dur="indefinite" restart="never" nodeType="tmRoot"/>
-      </p:par>
-    </p:tnLst>
-  </p:timing>
 </p:sld>
 </file>
 
@@ -15054,7 +14818,7 @@
           <p:cNvPr id="4" name="Object 1">
             <a:extLst>
               <a:ext uri="{FF2B5EF4-FFF2-40B4-BE49-F238E27FC236}">
-                <a16:creationId xmlns:a16="http://schemas.microsoft.com/office/drawing/2014/main" xmlns="" id="{B0329035-BE76-33A8-0F2E-44624FCC1DED}"/>
+                <a16:creationId xmlns:a16="http://schemas.microsoft.com/office/drawing/2014/main" id="{B0329035-BE76-33A8-0F2E-44624FCC1DED}"/>
               </a:ext>
             </a:extLst>
           </p:cNvPr>
@@ -15084,7 +14848,7 @@
           <p:cNvPr id="7" name="그룹 1001">
             <a:extLst>
               <a:ext uri="{FF2B5EF4-FFF2-40B4-BE49-F238E27FC236}">
-                <a16:creationId xmlns:a16="http://schemas.microsoft.com/office/drawing/2014/main" xmlns="" id="{CD24CE9D-AC18-B6CD-F397-7E8E03D6FE26}"/>
+                <a16:creationId xmlns:a16="http://schemas.microsoft.com/office/drawing/2014/main" id="{CD24CE9D-AC18-B6CD-F397-7E8E03D6FE26}"/>
               </a:ext>
             </a:extLst>
           </p:cNvPr>
@@ -15104,7 +14868,7 @@
             <p:cNvPr id="8" name="Object 5">
               <a:extLst>
                 <a:ext uri="{FF2B5EF4-FFF2-40B4-BE49-F238E27FC236}">
-                  <a16:creationId xmlns:a16="http://schemas.microsoft.com/office/drawing/2014/main" xmlns="" id="{0EEF25E8-3BA8-EBAA-6DC2-66D70C3F9F4D}"/>
+                  <a16:creationId xmlns:a16="http://schemas.microsoft.com/office/drawing/2014/main" id="{0EEF25E8-3BA8-EBAA-6DC2-66D70C3F9F4D}"/>
                 </a:ext>
               </a:extLst>
             </p:cNvPr>
@@ -15135,7 +14899,7 @@
           <p:cNvPr id="9" name="그룹 1002">
             <a:extLst>
               <a:ext uri="{FF2B5EF4-FFF2-40B4-BE49-F238E27FC236}">
-                <a16:creationId xmlns:a16="http://schemas.microsoft.com/office/drawing/2014/main" xmlns="" id="{0F281BC9-DE1F-D1FE-E64C-C4640398F00C}"/>
+                <a16:creationId xmlns:a16="http://schemas.microsoft.com/office/drawing/2014/main" id="{0F281BC9-DE1F-D1FE-E64C-C4640398F00C}"/>
               </a:ext>
             </a:extLst>
           </p:cNvPr>
@@ -15155,7 +14919,7 @@
             <p:cNvPr id="10" name="Object 8">
               <a:extLst>
                 <a:ext uri="{FF2B5EF4-FFF2-40B4-BE49-F238E27FC236}">
-                  <a16:creationId xmlns:a16="http://schemas.microsoft.com/office/drawing/2014/main" xmlns="" id="{F669DCEF-04BB-7046-3F7F-5B513213556E}"/>
+                  <a16:creationId xmlns:a16="http://schemas.microsoft.com/office/drawing/2014/main" id="{F669DCEF-04BB-7046-3F7F-5B513213556E}"/>
                 </a:ext>
               </a:extLst>
             </p:cNvPr>
@@ -15186,7 +14950,7 @@
           <p:cNvPr id="11" name="그룹 1003">
             <a:extLst>
               <a:ext uri="{FF2B5EF4-FFF2-40B4-BE49-F238E27FC236}">
-                <a16:creationId xmlns:a16="http://schemas.microsoft.com/office/drawing/2014/main" xmlns="" id="{1F91EEF9-13EA-BB7F-B056-D35E7DB989AC}"/>
+                <a16:creationId xmlns:a16="http://schemas.microsoft.com/office/drawing/2014/main" id="{1F91EEF9-13EA-BB7F-B056-D35E7DB989AC}"/>
               </a:ext>
             </a:extLst>
           </p:cNvPr>
@@ -15206,7 +14970,7 @@
             <p:cNvPr id="12" name="Object 11">
               <a:extLst>
                 <a:ext uri="{FF2B5EF4-FFF2-40B4-BE49-F238E27FC236}">
-                  <a16:creationId xmlns:a16="http://schemas.microsoft.com/office/drawing/2014/main" xmlns="" id="{2CFFB217-AEFB-2C9E-5F86-6EE19510FFC6}"/>
+                  <a16:creationId xmlns:a16="http://schemas.microsoft.com/office/drawing/2014/main" id="{2CFFB217-AEFB-2C9E-5F86-6EE19510FFC6}"/>
                 </a:ext>
               </a:extLst>
             </p:cNvPr>
@@ -15237,7 +15001,7 @@
           <p:cNvPr id="13" name="그룹 1004">
             <a:extLst>
               <a:ext uri="{FF2B5EF4-FFF2-40B4-BE49-F238E27FC236}">
-                <a16:creationId xmlns:a16="http://schemas.microsoft.com/office/drawing/2014/main" xmlns="" id="{123B9C7E-94E8-E7E1-81BE-D59EA0299187}"/>
+                <a16:creationId xmlns:a16="http://schemas.microsoft.com/office/drawing/2014/main" id="{123B9C7E-94E8-E7E1-81BE-D59EA0299187}"/>
               </a:ext>
             </a:extLst>
           </p:cNvPr>
@@ -15257,7 +15021,7 @@
             <p:cNvPr id="14" name="Object 14">
               <a:extLst>
                 <a:ext uri="{FF2B5EF4-FFF2-40B4-BE49-F238E27FC236}">
-                  <a16:creationId xmlns:a16="http://schemas.microsoft.com/office/drawing/2014/main" xmlns="" id="{B6291552-2D89-A79F-7ACD-EA0EF9A4C389}"/>
+                  <a16:creationId xmlns:a16="http://schemas.microsoft.com/office/drawing/2014/main" id="{B6291552-2D89-A79F-7ACD-EA0EF9A4C389}"/>
                 </a:ext>
               </a:extLst>
             </p:cNvPr>
@@ -15288,7 +15052,7 @@
           <p:cNvPr id="15" name="TextBox 14">
             <a:extLst>
               <a:ext uri="{FF2B5EF4-FFF2-40B4-BE49-F238E27FC236}">
-                <a16:creationId xmlns:a16="http://schemas.microsoft.com/office/drawing/2014/main" xmlns="" id="{7D99763A-FC24-23F5-5BA9-D7B042E0F323}"/>
+                <a16:creationId xmlns:a16="http://schemas.microsoft.com/office/drawing/2014/main" id="{7D99763A-FC24-23F5-5BA9-D7B042E0F323}"/>
               </a:ext>
             </a:extLst>
           </p:cNvPr>
@@ -15341,13 +15105,6 @@
   <p:clrMapOvr>
     <a:masterClrMapping/>
   </p:clrMapOvr>
-  <p:timing>
-    <p:tnLst>
-      <p:par>
-        <p:cTn id="1" dur="indefinite" restart="never" nodeType="tmRoot"/>
-      </p:par>
-    </p:tnLst>
-  </p:timing>
 </p:sld>
 </file>
 
@@ -15373,7 +15130,7 @@
           <p:cNvPr id="4" name="TextBox 3">
             <a:extLst>
               <a:ext uri="{FF2B5EF4-FFF2-40B4-BE49-F238E27FC236}">
-                <a16:creationId xmlns:a16="http://schemas.microsoft.com/office/drawing/2014/main" xmlns="" id="{EE79C406-3461-D6A5-5346-D7C2FC38FCCD}"/>
+                <a16:creationId xmlns:a16="http://schemas.microsoft.com/office/drawing/2014/main" id="{EE79C406-3461-D6A5-5346-D7C2FC38FCCD}"/>
               </a:ext>
             </a:extLst>
           </p:cNvPr>
@@ -15486,7 +15243,7 @@
           <p:cNvPr id="7" name="TextBox 6">
             <a:extLst>
               <a:ext uri="{FF2B5EF4-FFF2-40B4-BE49-F238E27FC236}">
-                <a16:creationId xmlns:a16="http://schemas.microsoft.com/office/drawing/2014/main" xmlns="" id="{EE79C406-3461-D6A5-5346-D7C2FC38FCCD}"/>
+                <a16:creationId xmlns:a16="http://schemas.microsoft.com/office/drawing/2014/main" id="{EE79C406-3461-D6A5-5346-D7C2FC38FCCD}"/>
               </a:ext>
             </a:extLst>
           </p:cNvPr>
@@ -15549,13 +15306,6 @@
   <p:clrMapOvr>
     <a:masterClrMapping/>
   </p:clrMapOvr>
-  <p:timing>
-    <p:tnLst>
-      <p:par>
-        <p:cTn id="1" dur="indefinite" restart="never" nodeType="tmRoot"/>
-      </p:par>
-    </p:tnLst>
-  </p:timing>
 </p:sld>
 </file>
 
@@ -15605,7 +15355,7 @@
           <p:cNvPr id="5" name="TextBox 4">
             <a:extLst>
               <a:ext uri="{FF2B5EF4-FFF2-40B4-BE49-F238E27FC236}">
-                <a16:creationId xmlns:a16="http://schemas.microsoft.com/office/drawing/2014/main" xmlns="" id="{EE79C406-3461-D6A5-5346-D7C2FC38FCCD}"/>
+                <a16:creationId xmlns:a16="http://schemas.microsoft.com/office/drawing/2014/main" id="{EE79C406-3461-D6A5-5346-D7C2FC38FCCD}"/>
               </a:ext>
             </a:extLst>
           </p:cNvPr>
@@ -15708,13 +15458,6 @@
   <p:clrMapOvr>
     <a:masterClrMapping/>
   </p:clrMapOvr>
-  <p:timing>
-    <p:tnLst>
-      <p:par>
-        <p:cTn id="1" dur="indefinite" restart="never" nodeType="tmRoot"/>
-      </p:par>
-    </p:tnLst>
-  </p:timing>
 </p:sld>
 </file>
 
@@ -15740,7 +15483,7 @@
           <p:cNvPr id="4" name="TextBox 3">
             <a:extLst>
               <a:ext uri="{FF2B5EF4-FFF2-40B4-BE49-F238E27FC236}">
-                <a16:creationId xmlns:a16="http://schemas.microsoft.com/office/drawing/2014/main" xmlns="" id="{EE79C406-3461-D6A5-5346-D7C2FC38FCCD}"/>
+                <a16:creationId xmlns:a16="http://schemas.microsoft.com/office/drawing/2014/main" id="{EE79C406-3461-D6A5-5346-D7C2FC38FCCD}"/>
               </a:ext>
             </a:extLst>
           </p:cNvPr>
@@ -15788,7 +15531,7 @@
           <p:cNvPr id="5" name="TextBox 4">
             <a:extLst>
               <a:ext uri="{FF2B5EF4-FFF2-40B4-BE49-F238E27FC236}">
-                <a16:creationId xmlns:a16="http://schemas.microsoft.com/office/drawing/2014/main" xmlns="" id="{A2AD056B-97A4-5BCC-4460-250160F3E171}"/>
+                <a16:creationId xmlns:a16="http://schemas.microsoft.com/office/drawing/2014/main" id="{A2AD056B-97A4-5BCC-4460-250160F3E171}"/>
               </a:ext>
             </a:extLst>
           </p:cNvPr>
@@ -15906,7 +15649,7 @@
           <p:cNvPr id="6" name="TextBox 5">
             <a:extLst>
               <a:ext uri="{FF2B5EF4-FFF2-40B4-BE49-F238E27FC236}">
-                <a16:creationId xmlns:a16="http://schemas.microsoft.com/office/drawing/2014/main" xmlns="" id="{EE79C406-3461-D6A5-5346-D7C2FC38FCCD}"/>
+                <a16:creationId xmlns:a16="http://schemas.microsoft.com/office/drawing/2014/main" id="{EE79C406-3461-D6A5-5346-D7C2FC38FCCD}"/>
               </a:ext>
             </a:extLst>
           </p:cNvPr>
@@ -15954,7 +15697,7 @@
           <p:cNvPr id="7" name="그룹 1018">
             <a:extLst>
               <a:ext uri="{FF2B5EF4-FFF2-40B4-BE49-F238E27FC236}">
-                <a16:creationId xmlns:a16="http://schemas.microsoft.com/office/drawing/2014/main" xmlns="" id="{0804D430-F42E-AE32-A065-FFA8C471F092}"/>
+                <a16:creationId xmlns:a16="http://schemas.microsoft.com/office/drawing/2014/main" id="{0804D430-F42E-AE32-A065-FFA8C471F092}"/>
               </a:ext>
             </a:extLst>
           </p:cNvPr>
@@ -15974,7 +15717,7 @@
             <p:cNvPr id="8" name="Object 61">
               <a:extLst>
                 <a:ext uri="{FF2B5EF4-FFF2-40B4-BE49-F238E27FC236}">
-                  <a16:creationId xmlns:a16="http://schemas.microsoft.com/office/drawing/2014/main" xmlns="" id="{334A4C3A-641C-7CD9-8FEE-5EC92B28D640}"/>
+                  <a16:creationId xmlns:a16="http://schemas.microsoft.com/office/drawing/2014/main" id="{334A4C3A-641C-7CD9-8FEE-5EC92B28D640}"/>
                 </a:ext>
               </a:extLst>
             </p:cNvPr>
@@ -16005,7 +15748,7 @@
           <p:cNvPr id="9" name="직선 화살표 연결선 8">
             <a:extLst>
               <a:ext uri="{FF2B5EF4-FFF2-40B4-BE49-F238E27FC236}">
-                <a16:creationId xmlns:a16="http://schemas.microsoft.com/office/drawing/2014/main" xmlns="" id="{299DF5EC-9DF4-5255-06AC-0A7CE4FF58C3}"/>
+                <a16:creationId xmlns:a16="http://schemas.microsoft.com/office/drawing/2014/main" id="{299DF5EC-9DF4-5255-06AC-0A7CE4FF58C3}"/>
               </a:ext>
             </a:extLst>
           </p:cNvPr>
@@ -16046,7 +15789,7 @@
           <p:cNvPr id="11" name="TextBox 10">
             <a:extLst>
               <a:ext uri="{FF2B5EF4-FFF2-40B4-BE49-F238E27FC236}">
-                <a16:creationId xmlns:a16="http://schemas.microsoft.com/office/drawing/2014/main" xmlns="" id="{C6D113C6-EA5C-788F-0C77-E7CE6EBB865F}"/>
+                <a16:creationId xmlns:a16="http://schemas.microsoft.com/office/drawing/2014/main" id="{C6D113C6-EA5C-788F-0C77-E7CE6EBB865F}"/>
               </a:ext>
             </a:extLst>
           </p:cNvPr>
@@ -16148,7 +15891,7 @@
           <p:cNvPr id="17" name="TextBox 16">
             <a:extLst>
               <a:ext uri="{FF2B5EF4-FFF2-40B4-BE49-F238E27FC236}">
-                <a16:creationId xmlns:a16="http://schemas.microsoft.com/office/drawing/2014/main" xmlns="" id="{C6D113C6-EA5C-788F-0C77-E7CE6EBB865F}"/>
+                <a16:creationId xmlns:a16="http://schemas.microsoft.com/office/drawing/2014/main" id="{C6D113C6-EA5C-788F-0C77-E7CE6EBB865F}"/>
               </a:ext>
             </a:extLst>
           </p:cNvPr>
@@ -16234,13 +15977,6 @@
   <p:clrMapOvr>
     <a:masterClrMapping/>
   </p:clrMapOvr>
-  <p:timing>
-    <p:tnLst>
-      <p:par>
-        <p:cTn id="1" dur="indefinite" restart="never" nodeType="tmRoot"/>
-      </p:par>
-    </p:tnLst>
-  </p:timing>
 </p:sld>
 </file>
 
@@ -16266,7 +16002,7 @@
           <p:cNvPr id="4" name="TextBox 3">
             <a:extLst>
               <a:ext uri="{FF2B5EF4-FFF2-40B4-BE49-F238E27FC236}">
-                <a16:creationId xmlns:a16="http://schemas.microsoft.com/office/drawing/2014/main" xmlns="" id="{EE79C406-3461-D6A5-5346-D7C2FC38FCCD}"/>
+                <a16:creationId xmlns:a16="http://schemas.microsoft.com/office/drawing/2014/main" id="{EE79C406-3461-D6A5-5346-D7C2FC38FCCD}"/>
               </a:ext>
             </a:extLst>
           </p:cNvPr>
@@ -16314,7 +16050,7 @@
           <p:cNvPr id="5" name="TextBox 4">
             <a:extLst>
               <a:ext uri="{FF2B5EF4-FFF2-40B4-BE49-F238E27FC236}">
-                <a16:creationId xmlns:a16="http://schemas.microsoft.com/office/drawing/2014/main" xmlns="" id="{EE79C406-3461-D6A5-5346-D7C2FC38FCCD}"/>
+                <a16:creationId xmlns:a16="http://schemas.microsoft.com/office/drawing/2014/main" id="{EE79C406-3461-D6A5-5346-D7C2FC38FCCD}"/>
               </a:ext>
             </a:extLst>
           </p:cNvPr>
@@ -16362,7 +16098,7 @@
           <p:cNvPr id="6" name="그룹 1018">
             <a:extLst>
               <a:ext uri="{FF2B5EF4-FFF2-40B4-BE49-F238E27FC236}">
-                <a16:creationId xmlns:a16="http://schemas.microsoft.com/office/drawing/2014/main" xmlns="" id="{0804D430-F42E-AE32-A065-FFA8C471F092}"/>
+                <a16:creationId xmlns:a16="http://schemas.microsoft.com/office/drawing/2014/main" id="{0804D430-F42E-AE32-A065-FFA8C471F092}"/>
               </a:ext>
             </a:extLst>
           </p:cNvPr>
@@ -16382,7 +16118,7 @@
             <p:cNvPr id="7" name="Object 61">
               <a:extLst>
                 <a:ext uri="{FF2B5EF4-FFF2-40B4-BE49-F238E27FC236}">
-                  <a16:creationId xmlns:a16="http://schemas.microsoft.com/office/drawing/2014/main" xmlns="" id="{334A4C3A-641C-7CD9-8FEE-5EC92B28D640}"/>
+                  <a16:creationId xmlns:a16="http://schemas.microsoft.com/office/drawing/2014/main" id="{334A4C3A-641C-7CD9-8FEE-5EC92B28D640}"/>
                 </a:ext>
               </a:extLst>
             </p:cNvPr>
@@ -16413,7 +16149,7 @@
           <p:cNvPr id="8" name="직선 화살표 연결선 7">
             <a:extLst>
               <a:ext uri="{FF2B5EF4-FFF2-40B4-BE49-F238E27FC236}">
-                <a16:creationId xmlns:a16="http://schemas.microsoft.com/office/drawing/2014/main" xmlns="" id="{299DF5EC-9DF4-5255-06AC-0A7CE4FF58C3}"/>
+                <a16:creationId xmlns:a16="http://schemas.microsoft.com/office/drawing/2014/main" id="{299DF5EC-9DF4-5255-06AC-0A7CE4FF58C3}"/>
               </a:ext>
             </a:extLst>
           </p:cNvPr>
@@ -16454,7 +16190,7 @@
           <p:cNvPr id="9" name="TextBox 8">
             <a:extLst>
               <a:ext uri="{FF2B5EF4-FFF2-40B4-BE49-F238E27FC236}">
-                <a16:creationId xmlns:a16="http://schemas.microsoft.com/office/drawing/2014/main" xmlns="" id="{C6D113C6-EA5C-788F-0C77-E7CE6EBB865F}"/>
+                <a16:creationId xmlns:a16="http://schemas.microsoft.com/office/drawing/2014/main" id="{C6D113C6-EA5C-788F-0C77-E7CE6EBB865F}"/>
               </a:ext>
             </a:extLst>
           </p:cNvPr>
@@ -16502,7 +16238,7 @@
           <p:cNvPr id="12" name="직선 화살표 연결선 11">
             <a:extLst>
               <a:ext uri="{FF2B5EF4-FFF2-40B4-BE49-F238E27FC236}">
-                <a16:creationId xmlns:a16="http://schemas.microsoft.com/office/drawing/2014/main" xmlns="" id="{299DF5EC-9DF4-5255-06AC-0A7CE4FF58C3}"/>
+                <a16:creationId xmlns:a16="http://schemas.microsoft.com/office/drawing/2014/main" id="{299DF5EC-9DF4-5255-06AC-0A7CE4FF58C3}"/>
               </a:ext>
             </a:extLst>
           </p:cNvPr>
@@ -16543,7 +16279,7 @@
           <p:cNvPr id="13" name="TextBox 12">
             <a:extLst>
               <a:ext uri="{FF2B5EF4-FFF2-40B4-BE49-F238E27FC236}">
-                <a16:creationId xmlns:a16="http://schemas.microsoft.com/office/drawing/2014/main" xmlns="" id="{C6D113C6-EA5C-788F-0C77-E7CE6EBB865F}"/>
+                <a16:creationId xmlns:a16="http://schemas.microsoft.com/office/drawing/2014/main" id="{C6D113C6-EA5C-788F-0C77-E7CE6EBB865F}"/>
               </a:ext>
             </a:extLst>
           </p:cNvPr>
@@ -16644,13 +16380,6 @@
   <p:clrMapOvr>
     <a:masterClrMapping/>
   </p:clrMapOvr>
-  <p:timing>
-    <p:tnLst>
-      <p:par>
-        <p:cTn id="1" dur="indefinite" restart="never" nodeType="tmRoot"/>
-      </p:par>
-    </p:tnLst>
-  </p:timing>
 </p:sld>
 </file>
 
@@ -16700,7 +16429,7 @@
           <p:cNvPr id="5" name="TextBox 4">
             <a:extLst>
               <a:ext uri="{FF2B5EF4-FFF2-40B4-BE49-F238E27FC236}">
-                <a16:creationId xmlns:a16="http://schemas.microsoft.com/office/drawing/2014/main" xmlns="" id="{D15853EE-94B0-D08B-DCB7-3381290CC3FF}"/>
+                <a16:creationId xmlns:a16="http://schemas.microsoft.com/office/drawing/2014/main" id="{D15853EE-94B0-D08B-DCB7-3381290CC3FF}"/>
               </a:ext>
             </a:extLst>
           </p:cNvPr>
@@ -16763,13 +16492,6 @@
   <p:clrMapOvr>
     <a:masterClrMapping/>
   </p:clrMapOvr>
-  <p:timing>
-    <p:tnLst>
-      <p:par>
-        <p:cTn id="1" dur="indefinite" restart="never" nodeType="tmRoot"/>
-      </p:par>
-    </p:tnLst>
-  </p:timing>
 </p:sld>
 </file>
 
@@ -16819,7 +16541,7 @@
           <p:cNvPr id="5" name="직선 화살표 연결선 4">
             <a:extLst>
               <a:ext uri="{FF2B5EF4-FFF2-40B4-BE49-F238E27FC236}">
-                <a16:creationId xmlns:a16="http://schemas.microsoft.com/office/drawing/2014/main" xmlns="" id="{299DF5EC-9DF4-5255-06AC-0A7CE4FF58C3}"/>
+                <a16:creationId xmlns:a16="http://schemas.microsoft.com/office/drawing/2014/main" id="{299DF5EC-9DF4-5255-06AC-0A7CE4FF58C3}"/>
               </a:ext>
             </a:extLst>
           </p:cNvPr>
@@ -16860,7 +16582,7 @@
           <p:cNvPr id="6" name="TextBox 5">
             <a:extLst>
               <a:ext uri="{FF2B5EF4-FFF2-40B4-BE49-F238E27FC236}">
-                <a16:creationId xmlns:a16="http://schemas.microsoft.com/office/drawing/2014/main" xmlns="" id="{C6D113C6-EA5C-788F-0C77-E7CE6EBB865F}"/>
+                <a16:creationId xmlns:a16="http://schemas.microsoft.com/office/drawing/2014/main" id="{C6D113C6-EA5C-788F-0C77-E7CE6EBB865F}"/>
               </a:ext>
             </a:extLst>
           </p:cNvPr>
@@ -16918,7 +16640,7 @@
           <p:cNvPr id="7" name="그룹 1008">
             <a:extLst>
               <a:ext uri="{FF2B5EF4-FFF2-40B4-BE49-F238E27FC236}">
-                <a16:creationId xmlns:a16="http://schemas.microsoft.com/office/drawing/2014/main" xmlns="" id="{E395BDE3-2EDE-065D-70E8-56E348228ACF}"/>
+                <a16:creationId xmlns:a16="http://schemas.microsoft.com/office/drawing/2014/main" id="{E395BDE3-2EDE-065D-70E8-56E348228ACF}"/>
               </a:ext>
             </a:extLst>
           </p:cNvPr>
@@ -16938,7 +16660,7 @@
             <p:cNvPr id="8" name="그룹 1009">
               <a:extLst>
                 <a:ext uri="{FF2B5EF4-FFF2-40B4-BE49-F238E27FC236}">
-                  <a16:creationId xmlns:a16="http://schemas.microsoft.com/office/drawing/2014/main" xmlns="" id="{852F4DEB-DB33-DB3F-9E9F-52A46CD0B10A}"/>
+                  <a16:creationId xmlns:a16="http://schemas.microsoft.com/office/drawing/2014/main" id="{852F4DEB-DB33-DB3F-9E9F-52A46CD0B10A}"/>
                 </a:ext>
               </a:extLst>
             </p:cNvPr>
@@ -16958,7 +16680,7 @@
               <p:cNvPr id="13" name="Object 29">
                 <a:extLst>
                   <a:ext uri="{FF2B5EF4-FFF2-40B4-BE49-F238E27FC236}">
-                    <a16:creationId xmlns:a16="http://schemas.microsoft.com/office/drawing/2014/main" xmlns="" id="{7E353D3B-14D4-8A64-5888-3F0C062C2CDD}"/>
+                    <a16:creationId xmlns:a16="http://schemas.microsoft.com/office/drawing/2014/main" id="{7E353D3B-14D4-8A64-5888-3F0C062C2CDD}"/>
                   </a:ext>
                 </a:extLst>
               </p:cNvPr>
@@ -16989,7 +16711,7 @@
             <p:cNvPr id="9" name="그룹 1010">
               <a:extLst>
                 <a:ext uri="{FF2B5EF4-FFF2-40B4-BE49-F238E27FC236}">
-                  <a16:creationId xmlns:a16="http://schemas.microsoft.com/office/drawing/2014/main" xmlns="" id="{001E38AB-1390-ABD0-BE01-9727136FEAEE}"/>
+                  <a16:creationId xmlns:a16="http://schemas.microsoft.com/office/drawing/2014/main" id="{001E38AB-1390-ABD0-BE01-9727136FEAEE}"/>
                 </a:ext>
               </a:extLst>
             </p:cNvPr>
@@ -17009,7 +16731,7 @@
               <p:cNvPr id="12" name="Object 32">
                 <a:extLst>
                   <a:ext uri="{FF2B5EF4-FFF2-40B4-BE49-F238E27FC236}">
-                    <a16:creationId xmlns:a16="http://schemas.microsoft.com/office/drawing/2014/main" xmlns="" id="{2ED1C30F-0D0B-F86C-8215-2598D332B5A3}"/>
+                    <a16:creationId xmlns:a16="http://schemas.microsoft.com/office/drawing/2014/main" id="{2ED1C30F-0D0B-F86C-8215-2598D332B5A3}"/>
                   </a:ext>
                 </a:extLst>
               </p:cNvPr>
@@ -17040,7 +16762,7 @@
             <p:cNvPr id="10" name="그룹 1011">
               <a:extLst>
                 <a:ext uri="{FF2B5EF4-FFF2-40B4-BE49-F238E27FC236}">
-                  <a16:creationId xmlns:a16="http://schemas.microsoft.com/office/drawing/2014/main" xmlns="" id="{1BCB8DE5-ABAF-4198-BC16-85BB76F2DB24}"/>
+                  <a16:creationId xmlns:a16="http://schemas.microsoft.com/office/drawing/2014/main" id="{1BCB8DE5-ABAF-4198-BC16-85BB76F2DB24}"/>
                 </a:ext>
               </a:extLst>
             </p:cNvPr>
@@ -17060,7 +16782,7 @@
               <p:cNvPr id="11" name="Object 35">
                 <a:extLst>
                   <a:ext uri="{FF2B5EF4-FFF2-40B4-BE49-F238E27FC236}">
-                    <a16:creationId xmlns:a16="http://schemas.microsoft.com/office/drawing/2014/main" xmlns="" id="{86E7BA23-0A1E-B581-CADC-06AB269DB2BD}"/>
+                    <a16:creationId xmlns:a16="http://schemas.microsoft.com/office/drawing/2014/main" id="{86E7BA23-0A1E-B581-CADC-06AB269DB2BD}"/>
                   </a:ext>
                 </a:extLst>
               </p:cNvPr>
@@ -17092,7 +16814,7 @@
           <p:cNvPr id="14" name="TextBox 13">
             <a:extLst>
               <a:ext uri="{FF2B5EF4-FFF2-40B4-BE49-F238E27FC236}">
-                <a16:creationId xmlns:a16="http://schemas.microsoft.com/office/drawing/2014/main" xmlns="" id="{C6D113C6-EA5C-788F-0C77-E7CE6EBB865F}"/>
+                <a16:creationId xmlns:a16="http://schemas.microsoft.com/office/drawing/2014/main" id="{C6D113C6-EA5C-788F-0C77-E7CE6EBB865F}"/>
               </a:ext>
             </a:extLst>
           </p:cNvPr>
@@ -17150,7 +16872,7 @@
           <p:cNvPr id="15" name="직선 화살표 연결선 14">
             <a:extLst>
               <a:ext uri="{FF2B5EF4-FFF2-40B4-BE49-F238E27FC236}">
-                <a16:creationId xmlns:a16="http://schemas.microsoft.com/office/drawing/2014/main" xmlns="" id="{299DF5EC-9DF4-5255-06AC-0A7CE4FF58C3}"/>
+                <a16:creationId xmlns:a16="http://schemas.microsoft.com/office/drawing/2014/main" id="{299DF5EC-9DF4-5255-06AC-0A7CE4FF58C3}"/>
               </a:ext>
             </a:extLst>
           </p:cNvPr>
@@ -17191,7 +16913,7 @@
           <p:cNvPr id="16" name="TextBox 15">
             <a:extLst>
               <a:ext uri="{FF2B5EF4-FFF2-40B4-BE49-F238E27FC236}">
-                <a16:creationId xmlns:a16="http://schemas.microsoft.com/office/drawing/2014/main" xmlns="" id="{C6D113C6-EA5C-788F-0C77-E7CE6EBB865F}"/>
+                <a16:creationId xmlns:a16="http://schemas.microsoft.com/office/drawing/2014/main" id="{C6D113C6-EA5C-788F-0C77-E7CE6EBB865F}"/>
               </a:ext>
             </a:extLst>
           </p:cNvPr>
@@ -17239,7 +16961,7 @@
           <p:cNvPr id="17" name="직선 화살표 연결선 16">
             <a:extLst>
               <a:ext uri="{FF2B5EF4-FFF2-40B4-BE49-F238E27FC236}">
-                <a16:creationId xmlns:a16="http://schemas.microsoft.com/office/drawing/2014/main" xmlns="" id="{299DF5EC-9DF4-5255-06AC-0A7CE4FF58C3}"/>
+                <a16:creationId xmlns:a16="http://schemas.microsoft.com/office/drawing/2014/main" id="{299DF5EC-9DF4-5255-06AC-0A7CE4FF58C3}"/>
               </a:ext>
             </a:extLst>
           </p:cNvPr>
@@ -17280,7 +17002,7 @@
           <p:cNvPr id="18" name="TextBox 17">
             <a:extLst>
               <a:ext uri="{FF2B5EF4-FFF2-40B4-BE49-F238E27FC236}">
-                <a16:creationId xmlns:a16="http://schemas.microsoft.com/office/drawing/2014/main" xmlns="" id="{C6D113C6-EA5C-788F-0C77-E7CE6EBB865F}"/>
+                <a16:creationId xmlns:a16="http://schemas.microsoft.com/office/drawing/2014/main" id="{C6D113C6-EA5C-788F-0C77-E7CE6EBB865F}"/>
               </a:ext>
             </a:extLst>
           </p:cNvPr>
@@ -17333,13 +17055,6 @@
   <p:clrMapOvr>
     <a:masterClrMapping/>
   </p:clrMapOvr>
-  <p:timing>
-    <p:tnLst>
-      <p:par>
-        <p:cTn id="1" dur="indefinite" restart="never" nodeType="tmRoot"/>
-      </p:par>
-    </p:tnLst>
-  </p:timing>
 </p:sld>
 </file>
 
@@ -17389,7 +17104,7 @@
           <p:cNvPr id="15" name="직선 화살표 연결선 14">
             <a:extLst>
               <a:ext uri="{FF2B5EF4-FFF2-40B4-BE49-F238E27FC236}">
-                <a16:creationId xmlns:a16="http://schemas.microsoft.com/office/drawing/2014/main" xmlns="" id="{299DF5EC-9DF4-5255-06AC-0A7CE4FF58C3}"/>
+                <a16:creationId xmlns:a16="http://schemas.microsoft.com/office/drawing/2014/main" id="{299DF5EC-9DF4-5255-06AC-0A7CE4FF58C3}"/>
               </a:ext>
             </a:extLst>
           </p:cNvPr>
@@ -17430,7 +17145,7 @@
           <p:cNvPr id="16" name="TextBox 15">
             <a:extLst>
               <a:ext uri="{FF2B5EF4-FFF2-40B4-BE49-F238E27FC236}">
-                <a16:creationId xmlns:a16="http://schemas.microsoft.com/office/drawing/2014/main" xmlns="" id="{C6D113C6-EA5C-788F-0C77-E7CE6EBB865F}"/>
+                <a16:creationId xmlns:a16="http://schemas.microsoft.com/office/drawing/2014/main" id="{C6D113C6-EA5C-788F-0C77-E7CE6EBB865F}"/>
               </a:ext>
             </a:extLst>
           </p:cNvPr>
@@ -17478,7 +17193,7 @@
           <p:cNvPr id="17" name="직선 화살표 연결선 16">
             <a:extLst>
               <a:ext uri="{FF2B5EF4-FFF2-40B4-BE49-F238E27FC236}">
-                <a16:creationId xmlns:a16="http://schemas.microsoft.com/office/drawing/2014/main" xmlns="" id="{299DF5EC-9DF4-5255-06AC-0A7CE4FF58C3}"/>
+                <a16:creationId xmlns:a16="http://schemas.microsoft.com/office/drawing/2014/main" id="{299DF5EC-9DF4-5255-06AC-0A7CE4FF58C3}"/>
               </a:ext>
             </a:extLst>
           </p:cNvPr>
@@ -17519,7 +17234,7 @@
           <p:cNvPr id="19" name="직선 화살표 연결선 18">
             <a:extLst>
               <a:ext uri="{FF2B5EF4-FFF2-40B4-BE49-F238E27FC236}">
-                <a16:creationId xmlns:a16="http://schemas.microsoft.com/office/drawing/2014/main" xmlns="" id="{299DF5EC-9DF4-5255-06AC-0A7CE4FF58C3}"/>
+                <a16:creationId xmlns:a16="http://schemas.microsoft.com/office/drawing/2014/main" id="{299DF5EC-9DF4-5255-06AC-0A7CE4FF58C3}"/>
               </a:ext>
             </a:extLst>
           </p:cNvPr>
@@ -17560,7 +17275,7 @@
           <p:cNvPr id="24" name="TextBox 23">
             <a:extLst>
               <a:ext uri="{FF2B5EF4-FFF2-40B4-BE49-F238E27FC236}">
-                <a16:creationId xmlns:a16="http://schemas.microsoft.com/office/drawing/2014/main" xmlns="" id="{C6D113C6-EA5C-788F-0C77-E7CE6EBB865F}"/>
+                <a16:creationId xmlns:a16="http://schemas.microsoft.com/office/drawing/2014/main" id="{C6D113C6-EA5C-788F-0C77-E7CE6EBB865F}"/>
               </a:ext>
             </a:extLst>
           </p:cNvPr>
@@ -17682,7 +17397,7 @@
           <p:cNvPr id="34" name="TextBox 33">
             <a:extLst>
               <a:ext uri="{FF2B5EF4-FFF2-40B4-BE49-F238E27FC236}">
-                <a16:creationId xmlns:a16="http://schemas.microsoft.com/office/drawing/2014/main" xmlns="" id="{C6D113C6-EA5C-788F-0C77-E7CE6EBB865F}"/>
+                <a16:creationId xmlns:a16="http://schemas.microsoft.com/office/drawing/2014/main" id="{C6D113C6-EA5C-788F-0C77-E7CE6EBB865F}"/>
               </a:ext>
             </a:extLst>
           </p:cNvPr>
@@ -17735,13 +17450,6 @@
   <p:clrMapOvr>
     <a:masterClrMapping/>
   </p:clrMapOvr>
-  <p:timing>
-    <p:tnLst>
-      <p:par>
-        <p:cTn id="1" dur="indefinite" restart="never" nodeType="tmRoot"/>
-      </p:par>
-    </p:tnLst>
-  </p:timing>
 </p:sld>
 </file>
 
@@ -17767,7 +17475,7 @@
           <p:cNvPr id="4" name="TextBox 3">
             <a:extLst>
               <a:ext uri="{FF2B5EF4-FFF2-40B4-BE49-F238E27FC236}">
-                <a16:creationId xmlns:a16="http://schemas.microsoft.com/office/drawing/2014/main" xmlns="" id="{EE79C406-3461-D6A5-5346-D7C2FC38FCCD}"/>
+                <a16:creationId xmlns:a16="http://schemas.microsoft.com/office/drawing/2014/main" id="{EE79C406-3461-D6A5-5346-D7C2FC38FCCD}"/>
               </a:ext>
             </a:extLst>
           </p:cNvPr>
@@ -17815,7 +17523,7 @@
           <p:cNvPr id="5" name="TextBox 4">
             <a:extLst>
               <a:ext uri="{FF2B5EF4-FFF2-40B4-BE49-F238E27FC236}">
-                <a16:creationId xmlns:a16="http://schemas.microsoft.com/office/drawing/2014/main" xmlns="" id="{A2AD056B-97A4-5BCC-4460-250160F3E171}"/>
+                <a16:creationId xmlns:a16="http://schemas.microsoft.com/office/drawing/2014/main" id="{A2AD056B-97A4-5BCC-4460-250160F3E171}"/>
               </a:ext>
             </a:extLst>
           </p:cNvPr>
@@ -18037,7 +17745,7 @@
           <p:cNvPr id="20" name="직선 화살표 연결선 19">
             <a:extLst>
               <a:ext uri="{FF2B5EF4-FFF2-40B4-BE49-F238E27FC236}">
-                <a16:creationId xmlns:a16="http://schemas.microsoft.com/office/drawing/2014/main" xmlns="" id="{299DF5EC-9DF4-5255-06AC-0A7CE4FF58C3}"/>
+                <a16:creationId xmlns:a16="http://schemas.microsoft.com/office/drawing/2014/main" id="{299DF5EC-9DF4-5255-06AC-0A7CE4FF58C3}"/>
               </a:ext>
             </a:extLst>
           </p:cNvPr>
@@ -18078,7 +17786,7 @@
           <p:cNvPr id="22" name="TextBox 21">
             <a:extLst>
               <a:ext uri="{FF2B5EF4-FFF2-40B4-BE49-F238E27FC236}">
-                <a16:creationId xmlns:a16="http://schemas.microsoft.com/office/drawing/2014/main" xmlns="" id="{C6D113C6-EA5C-788F-0C77-E7CE6EBB865F}"/>
+                <a16:creationId xmlns:a16="http://schemas.microsoft.com/office/drawing/2014/main" id="{C6D113C6-EA5C-788F-0C77-E7CE6EBB865F}"/>
               </a:ext>
             </a:extLst>
           </p:cNvPr>
@@ -18126,7 +17834,7 @@
           <p:cNvPr id="23" name="직선 화살표 연결선 22">
             <a:extLst>
               <a:ext uri="{FF2B5EF4-FFF2-40B4-BE49-F238E27FC236}">
-                <a16:creationId xmlns:a16="http://schemas.microsoft.com/office/drawing/2014/main" xmlns="" id="{299DF5EC-9DF4-5255-06AC-0A7CE4FF58C3}"/>
+                <a16:creationId xmlns:a16="http://schemas.microsoft.com/office/drawing/2014/main" id="{299DF5EC-9DF4-5255-06AC-0A7CE4FF58C3}"/>
               </a:ext>
             </a:extLst>
           </p:cNvPr>
@@ -18167,7 +17875,7 @@
           <p:cNvPr id="24" name="TextBox 23">
             <a:extLst>
               <a:ext uri="{FF2B5EF4-FFF2-40B4-BE49-F238E27FC236}">
-                <a16:creationId xmlns:a16="http://schemas.microsoft.com/office/drawing/2014/main" xmlns="" id="{C6D113C6-EA5C-788F-0C77-E7CE6EBB865F}"/>
+                <a16:creationId xmlns:a16="http://schemas.microsoft.com/office/drawing/2014/main" id="{C6D113C6-EA5C-788F-0C77-E7CE6EBB865F}"/>
               </a:ext>
             </a:extLst>
           </p:cNvPr>
@@ -18215,7 +17923,7 @@
           <p:cNvPr id="27" name="직선 화살표 연결선 26">
             <a:extLst>
               <a:ext uri="{FF2B5EF4-FFF2-40B4-BE49-F238E27FC236}">
-                <a16:creationId xmlns:a16="http://schemas.microsoft.com/office/drawing/2014/main" xmlns="" id="{299DF5EC-9DF4-5255-06AC-0A7CE4FF58C3}"/>
+                <a16:creationId xmlns:a16="http://schemas.microsoft.com/office/drawing/2014/main" id="{299DF5EC-9DF4-5255-06AC-0A7CE4FF58C3}"/>
               </a:ext>
             </a:extLst>
           </p:cNvPr>
@@ -18617,7 +18325,7 @@
           <p:cNvPr id="4" name="TextBox 3">
             <a:extLst>
               <a:ext uri="{FF2B5EF4-FFF2-40B4-BE49-F238E27FC236}">
-                <a16:creationId xmlns:a16="http://schemas.microsoft.com/office/drawing/2014/main" xmlns="" id="{EE79C406-3461-D6A5-5346-D7C2FC38FCCD}"/>
+                <a16:creationId xmlns:a16="http://schemas.microsoft.com/office/drawing/2014/main" id="{EE79C406-3461-D6A5-5346-D7C2FC38FCCD}"/>
               </a:ext>
             </a:extLst>
           </p:cNvPr>
@@ -18723,7 +18431,7 @@
           <p:cNvPr id="7" name="직선 화살표 연결선 6">
             <a:extLst>
               <a:ext uri="{FF2B5EF4-FFF2-40B4-BE49-F238E27FC236}">
-                <a16:creationId xmlns:a16="http://schemas.microsoft.com/office/drawing/2014/main" xmlns="" id="{299DF5EC-9DF4-5255-06AC-0A7CE4FF58C3}"/>
+                <a16:creationId xmlns:a16="http://schemas.microsoft.com/office/drawing/2014/main" id="{299DF5EC-9DF4-5255-06AC-0A7CE4FF58C3}"/>
               </a:ext>
             </a:extLst>
           </p:cNvPr>
@@ -18764,7 +18472,7 @@
           <p:cNvPr id="8" name="TextBox 7">
             <a:extLst>
               <a:ext uri="{FF2B5EF4-FFF2-40B4-BE49-F238E27FC236}">
-                <a16:creationId xmlns:a16="http://schemas.microsoft.com/office/drawing/2014/main" xmlns="" id="{C6D113C6-EA5C-788F-0C77-E7CE6EBB865F}"/>
+                <a16:creationId xmlns:a16="http://schemas.microsoft.com/office/drawing/2014/main" id="{C6D113C6-EA5C-788F-0C77-E7CE6EBB865F}"/>
               </a:ext>
             </a:extLst>
           </p:cNvPr>
@@ -18830,13 +18538,6 @@
   <p:clrMapOvr>
     <a:masterClrMapping/>
   </p:clrMapOvr>
-  <p:timing>
-    <p:tnLst>
-      <p:par>
-        <p:cTn id="1" dur="indefinite" restart="never" nodeType="tmRoot"/>
-      </p:par>
-    </p:tnLst>
-  </p:timing>
 </p:sld>
 </file>
 
@@ -18862,7 +18563,7 @@
           <p:cNvPr id="4" name="TextBox 3">
             <a:extLst>
               <a:ext uri="{FF2B5EF4-FFF2-40B4-BE49-F238E27FC236}">
-                <a16:creationId xmlns:a16="http://schemas.microsoft.com/office/drawing/2014/main" xmlns="" id="{EE79C406-3461-D6A5-5346-D7C2FC38FCCD}"/>
+                <a16:creationId xmlns:a16="http://schemas.microsoft.com/office/drawing/2014/main" id="{EE79C406-3461-D6A5-5346-D7C2FC38FCCD}"/>
               </a:ext>
             </a:extLst>
           </p:cNvPr>
@@ -18965,13 +18666,6 @@
   <p:clrMapOvr>
     <a:masterClrMapping/>
   </p:clrMapOvr>
-  <p:timing>
-    <p:tnLst>
-      <p:par>
-        <p:cTn id="1" dur="indefinite" restart="never" nodeType="tmRoot"/>
-      </p:par>
-    </p:tnLst>
-  </p:timing>
 </p:sld>
 </file>
 
@@ -19117,7 +18811,7 @@
           <p:cNvPr id="31" name="그룹 1018">
             <a:extLst>
               <a:ext uri="{FF2B5EF4-FFF2-40B4-BE49-F238E27FC236}">
-                <a16:creationId xmlns:a16="http://schemas.microsoft.com/office/drawing/2014/main" xmlns="" id="{0804D430-F42E-AE32-A065-FFA8C471F092}"/>
+                <a16:creationId xmlns:a16="http://schemas.microsoft.com/office/drawing/2014/main" id="{0804D430-F42E-AE32-A065-FFA8C471F092}"/>
               </a:ext>
             </a:extLst>
           </p:cNvPr>
@@ -19137,7 +18831,7 @@
             <p:cNvPr id="32" name="Object 61">
               <a:extLst>
                 <a:ext uri="{FF2B5EF4-FFF2-40B4-BE49-F238E27FC236}">
-                  <a16:creationId xmlns:a16="http://schemas.microsoft.com/office/drawing/2014/main" xmlns="" id="{334A4C3A-641C-7CD9-8FEE-5EC92B28D640}"/>
+                  <a16:creationId xmlns:a16="http://schemas.microsoft.com/office/drawing/2014/main" id="{334A4C3A-641C-7CD9-8FEE-5EC92B28D640}"/>
                 </a:ext>
               </a:extLst>
             </p:cNvPr>
@@ -19168,7 +18862,7 @@
           <p:cNvPr id="33" name="TextBox 32">
             <a:extLst>
               <a:ext uri="{FF2B5EF4-FFF2-40B4-BE49-F238E27FC236}">
-                <a16:creationId xmlns:a16="http://schemas.microsoft.com/office/drawing/2014/main" xmlns="" id="{52176D31-35F7-8916-46FA-6095EFEC1E49}"/>
+                <a16:creationId xmlns:a16="http://schemas.microsoft.com/office/drawing/2014/main" id="{52176D31-35F7-8916-46FA-6095EFEC1E49}"/>
               </a:ext>
             </a:extLst>
           </p:cNvPr>
@@ -19246,7 +18940,7 @@
           <p:cNvPr id="36" name="그룹 1018">
             <a:extLst>
               <a:ext uri="{FF2B5EF4-FFF2-40B4-BE49-F238E27FC236}">
-                <a16:creationId xmlns:a16="http://schemas.microsoft.com/office/drawing/2014/main" xmlns="" id="{0804D430-F42E-AE32-A065-FFA8C471F092}"/>
+                <a16:creationId xmlns:a16="http://schemas.microsoft.com/office/drawing/2014/main" id="{0804D430-F42E-AE32-A065-FFA8C471F092}"/>
               </a:ext>
             </a:extLst>
           </p:cNvPr>
@@ -19266,7 +18960,7 @@
             <p:cNvPr id="37" name="Object 61">
               <a:extLst>
                 <a:ext uri="{FF2B5EF4-FFF2-40B4-BE49-F238E27FC236}">
-                  <a16:creationId xmlns:a16="http://schemas.microsoft.com/office/drawing/2014/main" xmlns="" id="{334A4C3A-641C-7CD9-8FEE-5EC92B28D640}"/>
+                  <a16:creationId xmlns:a16="http://schemas.microsoft.com/office/drawing/2014/main" id="{334A4C3A-641C-7CD9-8FEE-5EC92B28D640}"/>
                 </a:ext>
               </a:extLst>
             </p:cNvPr>
@@ -19297,7 +18991,7 @@
           <p:cNvPr id="38" name="TextBox 37">
             <a:extLst>
               <a:ext uri="{FF2B5EF4-FFF2-40B4-BE49-F238E27FC236}">
-                <a16:creationId xmlns:a16="http://schemas.microsoft.com/office/drawing/2014/main" xmlns="" id="{52176D31-35F7-8916-46FA-6095EFEC1E49}"/>
+                <a16:creationId xmlns:a16="http://schemas.microsoft.com/office/drawing/2014/main" id="{52176D31-35F7-8916-46FA-6095EFEC1E49}"/>
               </a:ext>
             </a:extLst>
           </p:cNvPr>
@@ -19354,7 +19048,7 @@
           <p:cNvPr id="39" name="그룹 1018">
             <a:extLst>
               <a:ext uri="{FF2B5EF4-FFF2-40B4-BE49-F238E27FC236}">
-                <a16:creationId xmlns:a16="http://schemas.microsoft.com/office/drawing/2014/main" xmlns="" id="{0804D430-F42E-AE32-A065-FFA8C471F092}"/>
+                <a16:creationId xmlns:a16="http://schemas.microsoft.com/office/drawing/2014/main" id="{0804D430-F42E-AE32-A065-FFA8C471F092}"/>
               </a:ext>
             </a:extLst>
           </p:cNvPr>
@@ -19374,7 +19068,7 @@
             <p:cNvPr id="40" name="Object 61">
               <a:extLst>
                 <a:ext uri="{FF2B5EF4-FFF2-40B4-BE49-F238E27FC236}">
-                  <a16:creationId xmlns:a16="http://schemas.microsoft.com/office/drawing/2014/main" xmlns="" id="{334A4C3A-641C-7CD9-8FEE-5EC92B28D640}"/>
+                  <a16:creationId xmlns:a16="http://schemas.microsoft.com/office/drawing/2014/main" id="{334A4C3A-641C-7CD9-8FEE-5EC92B28D640}"/>
                 </a:ext>
               </a:extLst>
             </p:cNvPr>
@@ -19405,7 +19099,7 @@
           <p:cNvPr id="41" name="TextBox 40">
             <a:extLst>
               <a:ext uri="{FF2B5EF4-FFF2-40B4-BE49-F238E27FC236}">
-                <a16:creationId xmlns:a16="http://schemas.microsoft.com/office/drawing/2014/main" xmlns="" id="{52176D31-35F7-8916-46FA-6095EFEC1E49}"/>
+                <a16:creationId xmlns:a16="http://schemas.microsoft.com/office/drawing/2014/main" id="{52176D31-35F7-8916-46FA-6095EFEC1E49}"/>
               </a:ext>
             </a:extLst>
           </p:cNvPr>
@@ -19459,7 +19153,7 @@
           <p:cNvPr id="42" name="그룹 1018">
             <a:extLst>
               <a:ext uri="{FF2B5EF4-FFF2-40B4-BE49-F238E27FC236}">
-                <a16:creationId xmlns:a16="http://schemas.microsoft.com/office/drawing/2014/main" xmlns="" id="{0804D430-F42E-AE32-A065-FFA8C471F092}"/>
+                <a16:creationId xmlns:a16="http://schemas.microsoft.com/office/drawing/2014/main" id="{0804D430-F42E-AE32-A065-FFA8C471F092}"/>
               </a:ext>
             </a:extLst>
           </p:cNvPr>
@@ -19479,7 +19173,7 @@
             <p:cNvPr id="43" name="Object 61">
               <a:extLst>
                 <a:ext uri="{FF2B5EF4-FFF2-40B4-BE49-F238E27FC236}">
-                  <a16:creationId xmlns:a16="http://schemas.microsoft.com/office/drawing/2014/main" xmlns="" id="{334A4C3A-641C-7CD9-8FEE-5EC92B28D640}"/>
+                  <a16:creationId xmlns:a16="http://schemas.microsoft.com/office/drawing/2014/main" id="{334A4C3A-641C-7CD9-8FEE-5EC92B28D640}"/>
                 </a:ext>
               </a:extLst>
             </p:cNvPr>
@@ -19510,7 +19204,7 @@
           <p:cNvPr id="44" name="TextBox 43">
             <a:extLst>
               <a:ext uri="{FF2B5EF4-FFF2-40B4-BE49-F238E27FC236}">
-                <a16:creationId xmlns:a16="http://schemas.microsoft.com/office/drawing/2014/main" xmlns="" id="{52176D31-35F7-8916-46FA-6095EFEC1E49}"/>
+                <a16:creationId xmlns:a16="http://schemas.microsoft.com/office/drawing/2014/main" id="{52176D31-35F7-8916-46FA-6095EFEC1E49}"/>
               </a:ext>
             </a:extLst>
           </p:cNvPr>
@@ -19608,7 +19302,7 @@
           <p:cNvPr id="46" name="직선 화살표 연결선 45">
             <a:extLst>
               <a:ext uri="{FF2B5EF4-FFF2-40B4-BE49-F238E27FC236}">
-                <a16:creationId xmlns:a16="http://schemas.microsoft.com/office/drawing/2014/main" xmlns="" id="{299DF5EC-9DF4-5255-06AC-0A7CE4FF58C3}"/>
+                <a16:creationId xmlns:a16="http://schemas.microsoft.com/office/drawing/2014/main" id="{299DF5EC-9DF4-5255-06AC-0A7CE4FF58C3}"/>
               </a:ext>
             </a:extLst>
           </p:cNvPr>
@@ -20366,7 +20060,7 @@
           <p:cNvPr id="9" name="그룹 1018">
             <a:extLst>
               <a:ext uri="{FF2B5EF4-FFF2-40B4-BE49-F238E27FC236}">
-                <a16:creationId xmlns:a16="http://schemas.microsoft.com/office/drawing/2014/main" xmlns="" id="{0804D430-F42E-AE32-A065-FFA8C471F092}"/>
+                <a16:creationId xmlns:a16="http://schemas.microsoft.com/office/drawing/2014/main" id="{0804D430-F42E-AE32-A065-FFA8C471F092}"/>
               </a:ext>
             </a:extLst>
           </p:cNvPr>
@@ -20386,7 +20080,7 @@
             <p:cNvPr id="10" name="Object 61">
               <a:extLst>
                 <a:ext uri="{FF2B5EF4-FFF2-40B4-BE49-F238E27FC236}">
-                  <a16:creationId xmlns:a16="http://schemas.microsoft.com/office/drawing/2014/main" xmlns="" id="{334A4C3A-641C-7CD9-8FEE-5EC92B28D640}"/>
+                  <a16:creationId xmlns:a16="http://schemas.microsoft.com/office/drawing/2014/main" id="{334A4C3A-641C-7CD9-8FEE-5EC92B28D640}"/>
                 </a:ext>
               </a:extLst>
             </p:cNvPr>
@@ -20417,7 +20111,7 @@
           <p:cNvPr id="11" name="TextBox 10">
             <a:extLst>
               <a:ext uri="{FF2B5EF4-FFF2-40B4-BE49-F238E27FC236}">
-                <a16:creationId xmlns:a16="http://schemas.microsoft.com/office/drawing/2014/main" xmlns="" id="{52176D31-35F7-8916-46FA-6095EFEC1E49}"/>
+                <a16:creationId xmlns:a16="http://schemas.microsoft.com/office/drawing/2014/main" id="{52176D31-35F7-8916-46FA-6095EFEC1E49}"/>
               </a:ext>
             </a:extLst>
           </p:cNvPr>
@@ -20471,7 +20165,7 @@
           <p:cNvPr id="12" name="그룹 1018">
             <a:extLst>
               <a:ext uri="{FF2B5EF4-FFF2-40B4-BE49-F238E27FC236}">
-                <a16:creationId xmlns:a16="http://schemas.microsoft.com/office/drawing/2014/main" xmlns="" id="{0804D430-F42E-AE32-A065-FFA8C471F092}"/>
+                <a16:creationId xmlns:a16="http://schemas.microsoft.com/office/drawing/2014/main" id="{0804D430-F42E-AE32-A065-FFA8C471F092}"/>
               </a:ext>
             </a:extLst>
           </p:cNvPr>
@@ -20491,7 +20185,7 @@
             <p:cNvPr id="13" name="Object 61">
               <a:extLst>
                 <a:ext uri="{FF2B5EF4-FFF2-40B4-BE49-F238E27FC236}">
-                  <a16:creationId xmlns:a16="http://schemas.microsoft.com/office/drawing/2014/main" xmlns="" id="{334A4C3A-641C-7CD9-8FEE-5EC92B28D640}"/>
+                  <a16:creationId xmlns:a16="http://schemas.microsoft.com/office/drawing/2014/main" id="{334A4C3A-641C-7CD9-8FEE-5EC92B28D640}"/>
                 </a:ext>
               </a:extLst>
             </p:cNvPr>
@@ -20522,7 +20216,7 @@
           <p:cNvPr id="14" name="TextBox 13">
             <a:extLst>
               <a:ext uri="{FF2B5EF4-FFF2-40B4-BE49-F238E27FC236}">
-                <a16:creationId xmlns:a16="http://schemas.microsoft.com/office/drawing/2014/main" xmlns="" id="{52176D31-35F7-8916-46FA-6095EFEC1E49}"/>
+                <a16:creationId xmlns:a16="http://schemas.microsoft.com/office/drawing/2014/main" id="{52176D31-35F7-8916-46FA-6095EFEC1E49}"/>
               </a:ext>
             </a:extLst>
           </p:cNvPr>
@@ -20696,7 +20390,7 @@
           <p:cNvPr id="19" name="그룹 1018">
             <a:extLst>
               <a:ext uri="{FF2B5EF4-FFF2-40B4-BE49-F238E27FC236}">
-                <a16:creationId xmlns:a16="http://schemas.microsoft.com/office/drawing/2014/main" xmlns="" id="{0804D430-F42E-AE32-A065-FFA8C471F092}"/>
+                <a16:creationId xmlns:a16="http://schemas.microsoft.com/office/drawing/2014/main" id="{0804D430-F42E-AE32-A065-FFA8C471F092}"/>
               </a:ext>
             </a:extLst>
           </p:cNvPr>
@@ -20716,7 +20410,7 @@
             <p:cNvPr id="20" name="Object 61">
               <a:extLst>
                 <a:ext uri="{FF2B5EF4-FFF2-40B4-BE49-F238E27FC236}">
-                  <a16:creationId xmlns:a16="http://schemas.microsoft.com/office/drawing/2014/main" xmlns="" id="{334A4C3A-641C-7CD9-8FEE-5EC92B28D640}"/>
+                  <a16:creationId xmlns:a16="http://schemas.microsoft.com/office/drawing/2014/main" id="{334A4C3A-641C-7CD9-8FEE-5EC92B28D640}"/>
                 </a:ext>
               </a:extLst>
             </p:cNvPr>
@@ -20747,7 +20441,7 @@
           <p:cNvPr id="21" name="TextBox 20">
             <a:extLst>
               <a:ext uri="{FF2B5EF4-FFF2-40B4-BE49-F238E27FC236}">
-                <a16:creationId xmlns:a16="http://schemas.microsoft.com/office/drawing/2014/main" xmlns="" id="{52176D31-35F7-8916-46FA-6095EFEC1E49}"/>
+                <a16:creationId xmlns:a16="http://schemas.microsoft.com/office/drawing/2014/main" id="{52176D31-35F7-8916-46FA-6095EFEC1E49}"/>
               </a:ext>
             </a:extLst>
           </p:cNvPr>
@@ -20801,7 +20495,7 @@
           <p:cNvPr id="22" name="그룹 1018">
             <a:extLst>
               <a:ext uri="{FF2B5EF4-FFF2-40B4-BE49-F238E27FC236}">
-                <a16:creationId xmlns:a16="http://schemas.microsoft.com/office/drawing/2014/main" xmlns="" id="{0804D430-F42E-AE32-A065-FFA8C471F092}"/>
+                <a16:creationId xmlns:a16="http://schemas.microsoft.com/office/drawing/2014/main" id="{0804D430-F42E-AE32-A065-FFA8C471F092}"/>
               </a:ext>
             </a:extLst>
           </p:cNvPr>
@@ -20821,7 +20515,7 @@
             <p:cNvPr id="23" name="Object 61">
               <a:extLst>
                 <a:ext uri="{FF2B5EF4-FFF2-40B4-BE49-F238E27FC236}">
-                  <a16:creationId xmlns:a16="http://schemas.microsoft.com/office/drawing/2014/main" xmlns="" id="{334A4C3A-641C-7CD9-8FEE-5EC92B28D640}"/>
+                  <a16:creationId xmlns:a16="http://schemas.microsoft.com/office/drawing/2014/main" id="{334A4C3A-641C-7CD9-8FEE-5EC92B28D640}"/>
                 </a:ext>
               </a:extLst>
             </p:cNvPr>
@@ -20852,7 +20546,7 @@
           <p:cNvPr id="24" name="TextBox 23">
             <a:extLst>
               <a:ext uri="{FF2B5EF4-FFF2-40B4-BE49-F238E27FC236}">
-                <a16:creationId xmlns:a16="http://schemas.microsoft.com/office/drawing/2014/main" xmlns="" id="{52176D31-35F7-8916-46FA-6095EFEC1E49}"/>
+                <a16:creationId xmlns:a16="http://schemas.microsoft.com/office/drawing/2014/main" id="{52176D31-35F7-8916-46FA-6095EFEC1E49}"/>
               </a:ext>
             </a:extLst>
           </p:cNvPr>
@@ -20906,7 +20600,7 @@
           <p:cNvPr id="25" name="직선 화살표 연결선 24">
             <a:extLst>
               <a:ext uri="{FF2B5EF4-FFF2-40B4-BE49-F238E27FC236}">
-                <a16:creationId xmlns:a16="http://schemas.microsoft.com/office/drawing/2014/main" xmlns="" id="{299DF5EC-9DF4-5255-06AC-0A7CE4FF58C3}"/>
+                <a16:creationId xmlns:a16="http://schemas.microsoft.com/office/drawing/2014/main" id="{299DF5EC-9DF4-5255-06AC-0A7CE4FF58C3}"/>
               </a:ext>
             </a:extLst>
           </p:cNvPr>
@@ -20947,7 +20641,7 @@
           <p:cNvPr id="27" name="TextBox 26">
             <a:extLst>
               <a:ext uri="{FF2B5EF4-FFF2-40B4-BE49-F238E27FC236}">
-                <a16:creationId xmlns:a16="http://schemas.microsoft.com/office/drawing/2014/main" xmlns="" id="{C6D113C6-EA5C-788F-0C77-E7CE6EBB865F}"/>
+                <a16:creationId xmlns:a16="http://schemas.microsoft.com/office/drawing/2014/main" id="{C6D113C6-EA5C-788F-0C77-E7CE6EBB865F}"/>
               </a:ext>
             </a:extLst>
           </p:cNvPr>
@@ -21434,7 +21128,7 @@
           <p:cNvPr id="5" name="TextBox 4">
             <a:extLst>
               <a:ext uri="{FF2B5EF4-FFF2-40B4-BE49-F238E27FC236}">
-                <a16:creationId xmlns:a16="http://schemas.microsoft.com/office/drawing/2014/main" xmlns="" id="{EE79C406-3461-D6A5-5346-D7C2FC38FCCD}"/>
+                <a16:creationId xmlns:a16="http://schemas.microsoft.com/office/drawing/2014/main" id="{EE79C406-3461-D6A5-5346-D7C2FC38FCCD}"/>
               </a:ext>
             </a:extLst>
           </p:cNvPr>
@@ -21527,13 +21221,6 @@
   <p:clrMapOvr>
     <a:masterClrMapping/>
   </p:clrMapOvr>
-  <p:timing>
-    <p:tnLst>
-      <p:par>
-        <p:cTn id="1" dur="indefinite" restart="never" nodeType="tmRoot"/>
-      </p:par>
-    </p:tnLst>
-  </p:timing>
 </p:sld>
 </file>
 
@@ -21727,7 +21414,7 @@
           <p:cNvPr id="10" name="그룹 1018">
             <a:extLst>
               <a:ext uri="{FF2B5EF4-FFF2-40B4-BE49-F238E27FC236}">
-                <a16:creationId xmlns:a16="http://schemas.microsoft.com/office/drawing/2014/main" xmlns="" id="{0804D430-F42E-AE32-A065-FFA8C471F092}"/>
+                <a16:creationId xmlns:a16="http://schemas.microsoft.com/office/drawing/2014/main" id="{0804D430-F42E-AE32-A065-FFA8C471F092}"/>
               </a:ext>
             </a:extLst>
           </p:cNvPr>
@@ -21747,7 +21434,7 @@
             <p:cNvPr id="11" name="Object 61">
               <a:extLst>
                 <a:ext uri="{FF2B5EF4-FFF2-40B4-BE49-F238E27FC236}">
-                  <a16:creationId xmlns:a16="http://schemas.microsoft.com/office/drawing/2014/main" xmlns="" id="{334A4C3A-641C-7CD9-8FEE-5EC92B28D640}"/>
+                  <a16:creationId xmlns:a16="http://schemas.microsoft.com/office/drawing/2014/main" id="{334A4C3A-641C-7CD9-8FEE-5EC92B28D640}"/>
                 </a:ext>
               </a:extLst>
             </p:cNvPr>
@@ -21778,7 +21465,7 @@
           <p:cNvPr id="12" name="TextBox 11">
             <a:extLst>
               <a:ext uri="{FF2B5EF4-FFF2-40B4-BE49-F238E27FC236}">
-                <a16:creationId xmlns:a16="http://schemas.microsoft.com/office/drawing/2014/main" xmlns="" id="{52176D31-35F7-8916-46FA-6095EFEC1E49}"/>
+                <a16:creationId xmlns:a16="http://schemas.microsoft.com/office/drawing/2014/main" id="{52176D31-35F7-8916-46FA-6095EFEC1E49}"/>
               </a:ext>
             </a:extLst>
           </p:cNvPr>
@@ -21832,7 +21519,7 @@
           <p:cNvPr id="13" name="그룹 1018">
             <a:extLst>
               <a:ext uri="{FF2B5EF4-FFF2-40B4-BE49-F238E27FC236}">
-                <a16:creationId xmlns:a16="http://schemas.microsoft.com/office/drawing/2014/main" xmlns="" id="{0804D430-F42E-AE32-A065-FFA8C471F092}"/>
+                <a16:creationId xmlns:a16="http://schemas.microsoft.com/office/drawing/2014/main" id="{0804D430-F42E-AE32-A065-FFA8C471F092}"/>
               </a:ext>
             </a:extLst>
           </p:cNvPr>
@@ -21852,7 +21539,7 @@
             <p:cNvPr id="14" name="Object 61">
               <a:extLst>
                 <a:ext uri="{FF2B5EF4-FFF2-40B4-BE49-F238E27FC236}">
-                  <a16:creationId xmlns:a16="http://schemas.microsoft.com/office/drawing/2014/main" xmlns="" id="{334A4C3A-641C-7CD9-8FEE-5EC92B28D640}"/>
+                  <a16:creationId xmlns:a16="http://schemas.microsoft.com/office/drawing/2014/main" id="{334A4C3A-641C-7CD9-8FEE-5EC92B28D640}"/>
                 </a:ext>
               </a:extLst>
             </p:cNvPr>
@@ -21883,7 +21570,7 @@
           <p:cNvPr id="15" name="TextBox 14">
             <a:extLst>
               <a:ext uri="{FF2B5EF4-FFF2-40B4-BE49-F238E27FC236}">
-                <a16:creationId xmlns:a16="http://schemas.microsoft.com/office/drawing/2014/main" xmlns="" id="{52176D31-35F7-8916-46FA-6095EFEC1E49}"/>
+                <a16:creationId xmlns:a16="http://schemas.microsoft.com/office/drawing/2014/main" id="{52176D31-35F7-8916-46FA-6095EFEC1E49}"/>
               </a:ext>
             </a:extLst>
           </p:cNvPr>
@@ -21937,7 +21624,7 @@
           <p:cNvPr id="16" name="TextBox 15">
             <a:extLst>
               <a:ext uri="{FF2B5EF4-FFF2-40B4-BE49-F238E27FC236}">
-                <a16:creationId xmlns:a16="http://schemas.microsoft.com/office/drawing/2014/main" xmlns="" id="{C6D113C6-EA5C-788F-0C77-E7CE6EBB865F}"/>
+                <a16:creationId xmlns:a16="http://schemas.microsoft.com/office/drawing/2014/main" id="{C6D113C6-EA5C-788F-0C77-E7CE6EBB865F}"/>
               </a:ext>
             </a:extLst>
           </p:cNvPr>
@@ -22040,13 +21727,6 @@
   <p:clrMapOvr>
     <a:masterClrMapping/>
   </p:clrMapOvr>
-  <p:timing>
-    <p:tnLst>
-      <p:par>
-        <p:cTn id="1" dur="indefinite" restart="never" nodeType="tmRoot"/>
-      </p:par>
-    </p:tnLst>
-  </p:timing>
 </p:sld>
 </file>
 
@@ -22072,7 +21752,7 @@
           <p:cNvPr id="4" name="TextBox 3">
             <a:extLst>
               <a:ext uri="{FF2B5EF4-FFF2-40B4-BE49-F238E27FC236}">
-                <a16:creationId xmlns:a16="http://schemas.microsoft.com/office/drawing/2014/main" xmlns="" id="{EE79C406-3461-D6A5-5346-D7C2FC38FCCD}"/>
+                <a16:creationId xmlns:a16="http://schemas.microsoft.com/office/drawing/2014/main" id="{EE79C406-3461-D6A5-5346-D7C2FC38FCCD}"/>
               </a:ext>
             </a:extLst>
           </p:cNvPr>
@@ -22120,7 +21800,7 @@
           <p:cNvPr id="5" name="TextBox 4">
             <a:extLst>
               <a:ext uri="{FF2B5EF4-FFF2-40B4-BE49-F238E27FC236}">
-                <a16:creationId xmlns:a16="http://schemas.microsoft.com/office/drawing/2014/main" xmlns="" id="{A2AD056B-97A4-5BCC-4460-250160F3E171}"/>
+                <a16:creationId xmlns:a16="http://schemas.microsoft.com/office/drawing/2014/main" id="{A2AD056B-97A4-5BCC-4460-250160F3E171}"/>
               </a:ext>
             </a:extLst>
           </p:cNvPr>
@@ -22130,7 +21810,7 @@
         <p:spPr>
           <a:xfrm>
             <a:off x="2057400" y="1409700"/>
-            <a:ext cx="13106400" cy="707886"/>
+            <a:ext cx="14859000" cy="707886"/>
           </a:xfrm>
           <a:prstGeom prst="rect">
             <a:avLst/>
@@ -22144,7 +21824,7 @@
           <a:lstStyle/>
           <a:p>
             <a:r>
-              <a:rPr lang="en-US" altLang="ko-KR" sz="4000">
+              <a:rPr lang="en-US" altLang="ko-KR" sz="4000" dirty="0">
                 <a:solidFill>
                   <a:schemeClr val="tx1">
                     <a:lumMod val="50000"/>
@@ -22157,7 +21837,7 @@
               <a:t>OS</a:t>
             </a:r>
             <a:r>
-              <a:rPr lang="ko-KR" altLang="en-US" sz="4000">
+              <a:rPr lang="ko-KR" altLang="en-US" sz="4000" dirty="0">
                 <a:solidFill>
                   <a:schemeClr val="tx1">
                     <a:lumMod val="50000"/>
@@ -22167,10 +21847,36 @@
                 <a:latin typeface="G마켓 산스 Medium" panose="02000000000000000000" pitchFamily="50" charset="-127"/>
                 <a:ea typeface="G마켓 산스 Medium" panose="02000000000000000000" pitchFamily="50" charset="-127"/>
               </a:rPr>
-              <a:t>가 쓰레드 스케쥴러를 통해 언제 실행 할지를 결정한다</a:t>
-            </a:r>
-            <a:r>
-              <a:rPr lang="en-US" altLang="ko-KR" sz="4000">
+              <a:t>가 쓰레드 </a:t>
+            </a:r>
+            <a:r>
+              <a:rPr lang="ko-KR" altLang="en-US" sz="4000" dirty="0" err="1">
+                <a:solidFill>
+                  <a:schemeClr val="tx1">
+                    <a:lumMod val="50000"/>
+                    <a:lumOff val="50000"/>
+                  </a:schemeClr>
+                </a:solidFill>
+                <a:latin typeface="G마켓 산스 Medium" panose="02000000000000000000" pitchFamily="50" charset="-127"/>
+                <a:ea typeface="G마켓 산스 Medium" panose="02000000000000000000" pitchFamily="50" charset="-127"/>
+              </a:rPr>
+              <a:t>스케쥴러를</a:t>
+            </a:r>
+            <a:r>
+              <a:rPr lang="ko-KR" altLang="en-US" sz="4000" dirty="0">
+                <a:solidFill>
+                  <a:schemeClr val="tx1">
+                    <a:lumMod val="50000"/>
+                    <a:lumOff val="50000"/>
+                  </a:schemeClr>
+                </a:solidFill>
+                <a:latin typeface="G마켓 산스 Medium" panose="02000000000000000000" pitchFamily="50" charset="-127"/>
+                <a:ea typeface="G마켓 산스 Medium" panose="02000000000000000000" pitchFamily="50" charset="-127"/>
+              </a:rPr>
+              <a:t> 통해 언제 실행 할지를 결정한다</a:t>
+            </a:r>
+            <a:r>
+              <a:rPr lang="en-US" altLang="ko-KR" sz="4000" dirty="0">
                 <a:solidFill>
                   <a:schemeClr val="tx1">
                     <a:lumMod val="50000"/>
@@ -22214,7 +21920,7 @@
           <p:cNvPr id="7" name="직선 화살표 연결선 6">
             <a:extLst>
               <a:ext uri="{FF2B5EF4-FFF2-40B4-BE49-F238E27FC236}">
-                <a16:creationId xmlns:a16="http://schemas.microsoft.com/office/drawing/2014/main" xmlns="" id="{299DF5EC-9DF4-5255-06AC-0A7CE4FF58C3}"/>
+                <a16:creationId xmlns:a16="http://schemas.microsoft.com/office/drawing/2014/main" id="{299DF5EC-9DF4-5255-06AC-0A7CE4FF58C3}"/>
               </a:ext>
             </a:extLst>
           </p:cNvPr>
@@ -22255,7 +21961,7 @@
           <p:cNvPr id="8" name="TextBox 7">
             <a:extLst>
               <a:ext uri="{FF2B5EF4-FFF2-40B4-BE49-F238E27FC236}">
-                <a16:creationId xmlns:a16="http://schemas.microsoft.com/office/drawing/2014/main" xmlns="" id="{C6D113C6-EA5C-788F-0C77-E7CE6EBB865F}"/>
+                <a16:creationId xmlns:a16="http://schemas.microsoft.com/office/drawing/2014/main" id="{C6D113C6-EA5C-788F-0C77-E7CE6EBB865F}"/>
               </a:ext>
             </a:extLst>
           </p:cNvPr>
@@ -22337,7 +22043,7 @@
           <p:cNvPr id="10" name="그룹 1008">
             <a:extLst>
               <a:ext uri="{FF2B5EF4-FFF2-40B4-BE49-F238E27FC236}">
-                <a16:creationId xmlns:a16="http://schemas.microsoft.com/office/drawing/2014/main" xmlns="" id="{678F6342-C505-E8AD-ADA4-022CB2C2088E}"/>
+                <a16:creationId xmlns:a16="http://schemas.microsoft.com/office/drawing/2014/main" id="{678F6342-C505-E8AD-ADA4-022CB2C2088E}"/>
               </a:ext>
             </a:extLst>
           </p:cNvPr>
@@ -22357,7 +22063,7 @@
             <p:cNvPr id="11" name="그룹 1009">
               <a:extLst>
                 <a:ext uri="{FF2B5EF4-FFF2-40B4-BE49-F238E27FC236}">
-                  <a16:creationId xmlns:a16="http://schemas.microsoft.com/office/drawing/2014/main" xmlns="" id="{4E1F1FED-812B-9BBB-925A-84B54A077414}"/>
+                  <a16:creationId xmlns:a16="http://schemas.microsoft.com/office/drawing/2014/main" id="{4E1F1FED-812B-9BBB-925A-84B54A077414}"/>
                 </a:ext>
               </a:extLst>
             </p:cNvPr>
@@ -22377,7 +22083,7 @@
               <p:cNvPr id="16" name="Object 29">
                 <a:extLst>
                   <a:ext uri="{FF2B5EF4-FFF2-40B4-BE49-F238E27FC236}">
-                    <a16:creationId xmlns:a16="http://schemas.microsoft.com/office/drawing/2014/main" xmlns="" id="{7B078609-4286-7B00-51EB-809C8E2DE289}"/>
+                    <a16:creationId xmlns:a16="http://schemas.microsoft.com/office/drawing/2014/main" id="{7B078609-4286-7B00-51EB-809C8E2DE289}"/>
                   </a:ext>
                 </a:extLst>
               </p:cNvPr>
@@ -22408,7 +22114,7 @@
             <p:cNvPr id="12" name="그룹 1010">
               <a:extLst>
                 <a:ext uri="{FF2B5EF4-FFF2-40B4-BE49-F238E27FC236}">
-                  <a16:creationId xmlns:a16="http://schemas.microsoft.com/office/drawing/2014/main" xmlns="" id="{02A649BF-B5B5-FBAF-7DFD-E118A4DF8907}"/>
+                  <a16:creationId xmlns:a16="http://schemas.microsoft.com/office/drawing/2014/main" id="{02A649BF-B5B5-FBAF-7DFD-E118A4DF8907}"/>
                 </a:ext>
               </a:extLst>
             </p:cNvPr>
@@ -22428,7 +22134,7 @@
               <p:cNvPr id="15" name="Object 32">
                 <a:extLst>
                   <a:ext uri="{FF2B5EF4-FFF2-40B4-BE49-F238E27FC236}">
-                    <a16:creationId xmlns:a16="http://schemas.microsoft.com/office/drawing/2014/main" xmlns="" id="{2A0FFF23-B3C9-3EA0-1C1B-A87D4FF098AE}"/>
+                    <a16:creationId xmlns:a16="http://schemas.microsoft.com/office/drawing/2014/main" id="{2A0FFF23-B3C9-3EA0-1C1B-A87D4FF098AE}"/>
                   </a:ext>
                 </a:extLst>
               </p:cNvPr>
@@ -22459,7 +22165,7 @@
             <p:cNvPr id="13" name="그룹 1011">
               <a:extLst>
                 <a:ext uri="{FF2B5EF4-FFF2-40B4-BE49-F238E27FC236}">
-                  <a16:creationId xmlns:a16="http://schemas.microsoft.com/office/drawing/2014/main" xmlns="" id="{881F5410-F7FB-F261-A584-707359BAC593}"/>
+                  <a16:creationId xmlns:a16="http://schemas.microsoft.com/office/drawing/2014/main" id="{881F5410-F7FB-F261-A584-707359BAC593}"/>
                 </a:ext>
               </a:extLst>
             </p:cNvPr>
@@ -22479,7 +22185,7 @@
               <p:cNvPr id="14" name="Object 35">
                 <a:extLst>
                   <a:ext uri="{FF2B5EF4-FFF2-40B4-BE49-F238E27FC236}">
-                    <a16:creationId xmlns:a16="http://schemas.microsoft.com/office/drawing/2014/main" xmlns="" id="{4E99E669-73EB-F9F4-EFE8-DC107035C265}"/>
+                    <a16:creationId xmlns:a16="http://schemas.microsoft.com/office/drawing/2014/main" id="{4E99E669-73EB-F9F4-EFE8-DC107035C265}"/>
                   </a:ext>
                 </a:extLst>
               </p:cNvPr>
@@ -22838,7 +22544,7 @@
           <p:cNvPr id="5" name="직선 화살표 연결선 4">
             <a:extLst>
               <a:ext uri="{FF2B5EF4-FFF2-40B4-BE49-F238E27FC236}">
-                <a16:creationId xmlns:a16="http://schemas.microsoft.com/office/drawing/2014/main" xmlns="" id="{299DF5EC-9DF4-5255-06AC-0A7CE4FF58C3}"/>
+                <a16:creationId xmlns:a16="http://schemas.microsoft.com/office/drawing/2014/main" id="{299DF5EC-9DF4-5255-06AC-0A7CE4FF58C3}"/>
               </a:ext>
             </a:extLst>
           </p:cNvPr>
@@ -22879,7 +22585,7 @@
           <p:cNvPr id="6" name="TextBox 5">
             <a:extLst>
               <a:ext uri="{FF2B5EF4-FFF2-40B4-BE49-F238E27FC236}">
-                <a16:creationId xmlns:a16="http://schemas.microsoft.com/office/drawing/2014/main" xmlns="" id="{C6D113C6-EA5C-788F-0C77-E7CE6EBB865F}"/>
+                <a16:creationId xmlns:a16="http://schemas.microsoft.com/office/drawing/2014/main" id="{C6D113C6-EA5C-788F-0C77-E7CE6EBB865F}"/>
               </a:ext>
             </a:extLst>
           </p:cNvPr>
@@ -22937,7 +22643,7 @@
           <p:cNvPr id="7" name="TextBox 6">
             <a:extLst>
               <a:ext uri="{FF2B5EF4-FFF2-40B4-BE49-F238E27FC236}">
-                <a16:creationId xmlns:a16="http://schemas.microsoft.com/office/drawing/2014/main" xmlns="" id="{C6D113C6-EA5C-788F-0C77-E7CE6EBB865F}"/>
+                <a16:creationId xmlns:a16="http://schemas.microsoft.com/office/drawing/2014/main" id="{C6D113C6-EA5C-788F-0C77-E7CE6EBB865F}"/>
               </a:ext>
             </a:extLst>
           </p:cNvPr>
@@ -23021,42 +22727,25 @@
               <a:t>로만 값을 넣게 하고 </a:t>
             </a:r>
             <a:r>
-              <a:rPr lang="ko-KR" altLang="en-US" sz="4000" dirty="0" err="1" smtClean="0">
+              <a:rPr lang="ko-KR" altLang="en-US" sz="4000" dirty="0" err="1">
                 <a:solidFill>
                   <a:srgbClr val="FF0000"/>
                 </a:solidFill>
                 <a:latin typeface="G마켓 산스 Medium" panose="02000000000000000000" pitchFamily="50" charset="-127"/>
                 <a:ea typeface="G마켓 산스 Medium" panose="02000000000000000000" pitchFamily="50" charset="-127"/>
               </a:rPr>
-              <a:t>필터링</a:t>
-            </a:r>
-            <a:r>
-              <a:rPr lang="ko-KR" altLang="en-US" sz="4000" dirty="0" err="1" smtClean="0">
+              <a:t>필터링하면</a:t>
+            </a:r>
+            <a:r>
+              <a:rPr lang="en-US" altLang="ko-KR" sz="4000" dirty="0">
                 <a:solidFill>
                   <a:srgbClr val="FF0000"/>
                 </a:solidFill>
                 <a:latin typeface="G마켓 산스 Medium" panose="02000000000000000000" pitchFamily="50" charset="-127"/>
                 <a:ea typeface="G마켓 산스 Medium" panose="02000000000000000000" pitchFamily="50" charset="-127"/>
               </a:rPr>
-              <a:t>하면</a:t>
-            </a:r>
-            <a:r>
-              <a:rPr lang="en-US" altLang="ko-KR" sz="4000" dirty="0" smtClean="0">
-                <a:solidFill>
-                  <a:srgbClr val="FF0000"/>
-                </a:solidFill>
-                <a:latin typeface="G마켓 산스 Medium" panose="02000000000000000000" pitchFamily="50" charset="-127"/>
-                <a:ea typeface="G마켓 산스 Medium" panose="02000000000000000000" pitchFamily="50" charset="-127"/>
-              </a:rPr>
               <a:t>?</a:t>
             </a:r>
-            <a:endParaRPr lang="en-US" altLang="ko-KR" sz="4000" dirty="0">
-              <a:solidFill>
-                <a:srgbClr val="FF0000"/>
-              </a:solidFill>
-              <a:latin typeface="G마켓 산스 Medium" panose="02000000000000000000" pitchFamily="50" charset="-127"/>
-              <a:ea typeface="G마켓 산스 Medium" panose="02000000000000000000" pitchFamily="50" charset="-127"/>
-            </a:endParaRPr>
           </a:p>
         </p:txBody>
       </p:sp>
@@ -23089,7 +22778,7 @@
           <p:cNvPr id="8" name="TextBox 7">
             <a:extLst>
               <a:ext uri="{FF2B5EF4-FFF2-40B4-BE49-F238E27FC236}">
-                <a16:creationId xmlns:a16="http://schemas.microsoft.com/office/drawing/2014/main" xmlns="" id="{C6D113C6-EA5C-788F-0C77-E7CE6EBB865F}"/>
+                <a16:creationId xmlns:a16="http://schemas.microsoft.com/office/drawing/2014/main" id="{C6D113C6-EA5C-788F-0C77-E7CE6EBB865F}"/>
               </a:ext>
             </a:extLst>
           </p:cNvPr>
@@ -23441,7 +23130,7 @@
           <p:cNvPr id="4" name="TextBox 3">
             <a:extLst>
               <a:ext uri="{FF2B5EF4-FFF2-40B4-BE49-F238E27FC236}">
-                <a16:creationId xmlns:a16="http://schemas.microsoft.com/office/drawing/2014/main" xmlns="" id="{EE79C406-3461-D6A5-5346-D7C2FC38FCCD}"/>
+                <a16:creationId xmlns:a16="http://schemas.microsoft.com/office/drawing/2014/main" id="{EE79C406-3461-D6A5-5346-D7C2FC38FCCD}"/>
               </a:ext>
             </a:extLst>
           </p:cNvPr>
@@ -23561,7 +23250,7 @@
           <p:cNvPr id="8" name="TextBox 7">
             <a:extLst>
               <a:ext uri="{FF2B5EF4-FFF2-40B4-BE49-F238E27FC236}">
-                <a16:creationId xmlns:a16="http://schemas.microsoft.com/office/drawing/2014/main" xmlns="" id="{C6D113C6-EA5C-788F-0C77-E7CE6EBB865F}"/>
+                <a16:creationId xmlns:a16="http://schemas.microsoft.com/office/drawing/2014/main" id="{C6D113C6-EA5C-788F-0C77-E7CE6EBB865F}"/>
               </a:ext>
             </a:extLst>
           </p:cNvPr>
@@ -23642,7 +23331,7 @@
           <p:cNvPr id="9" name="직사각형 8">
             <a:extLst>
               <a:ext uri="{FF2B5EF4-FFF2-40B4-BE49-F238E27FC236}">
-                <a16:creationId xmlns:a16="http://schemas.microsoft.com/office/drawing/2014/main" xmlns="" id="{FFF506F9-840A-0508-4CAF-3AC711D8D5CE}"/>
+                <a16:creationId xmlns:a16="http://schemas.microsoft.com/office/drawing/2014/main" id="{FFF506F9-840A-0508-4CAF-3AC711D8D5CE}"/>
               </a:ext>
             </a:extLst>
           </p:cNvPr>
@@ -23694,7 +23383,7 @@
           <p:cNvPr id="10" name="직선 화살표 연결선 9">
             <a:extLst>
               <a:ext uri="{FF2B5EF4-FFF2-40B4-BE49-F238E27FC236}">
-                <a16:creationId xmlns:a16="http://schemas.microsoft.com/office/drawing/2014/main" xmlns="" id="{299DF5EC-9DF4-5255-06AC-0A7CE4FF58C3}"/>
+                <a16:creationId xmlns:a16="http://schemas.microsoft.com/office/drawing/2014/main" id="{299DF5EC-9DF4-5255-06AC-0A7CE4FF58C3}"/>
               </a:ext>
             </a:extLst>
           </p:cNvPr>
@@ -23735,7 +23424,7 @@
           <p:cNvPr id="11" name="TextBox 10">
             <a:extLst>
               <a:ext uri="{FF2B5EF4-FFF2-40B4-BE49-F238E27FC236}">
-                <a16:creationId xmlns:a16="http://schemas.microsoft.com/office/drawing/2014/main" xmlns="" id="{C6D113C6-EA5C-788F-0C77-E7CE6EBB865F}"/>
+                <a16:creationId xmlns:a16="http://schemas.microsoft.com/office/drawing/2014/main" id="{C6D113C6-EA5C-788F-0C77-E7CE6EBB865F}"/>
               </a:ext>
             </a:extLst>
           </p:cNvPr>
@@ -24051,7 +23740,7 @@
           <p:cNvPr id="4" name="TextBox 3">
             <a:extLst>
               <a:ext uri="{FF2B5EF4-FFF2-40B4-BE49-F238E27FC236}">
-                <a16:creationId xmlns:a16="http://schemas.microsoft.com/office/drawing/2014/main" xmlns="" id="{EE79C406-3461-D6A5-5346-D7C2FC38FCCD}"/>
+                <a16:creationId xmlns:a16="http://schemas.microsoft.com/office/drawing/2014/main" id="{EE79C406-3461-D6A5-5346-D7C2FC38FCCD}"/>
               </a:ext>
             </a:extLst>
           </p:cNvPr>
@@ -24176,13 +23865,6 @@
   <p:clrMapOvr>
     <a:masterClrMapping/>
   </p:clrMapOvr>
-  <p:timing>
-    <p:tnLst>
-      <p:par>
-        <p:cTn id="1" dur="indefinite" restart="never" nodeType="tmRoot"/>
-      </p:par>
-    </p:tnLst>
-  </p:timing>
 </p:sld>
 </file>
 
@@ -24208,7 +23890,7 @@
           <p:cNvPr id="4" name="TextBox 3">
             <a:extLst>
               <a:ext uri="{FF2B5EF4-FFF2-40B4-BE49-F238E27FC236}">
-                <a16:creationId xmlns:a16="http://schemas.microsoft.com/office/drawing/2014/main" xmlns="" id="{EE79C406-3461-D6A5-5346-D7C2FC38FCCD}"/>
+                <a16:creationId xmlns:a16="http://schemas.microsoft.com/office/drawing/2014/main" id="{EE79C406-3461-D6A5-5346-D7C2FC38FCCD}"/>
               </a:ext>
             </a:extLst>
           </p:cNvPr>
@@ -24304,7 +23986,7 @@
           <p:cNvPr id="8" name="TextBox 7">
             <a:extLst>
               <a:ext uri="{FF2B5EF4-FFF2-40B4-BE49-F238E27FC236}">
-                <a16:creationId xmlns:a16="http://schemas.microsoft.com/office/drawing/2014/main" xmlns="" id="{C6D113C6-EA5C-788F-0C77-E7CE6EBB865F}"/>
+                <a16:creationId xmlns:a16="http://schemas.microsoft.com/office/drawing/2014/main" id="{C6D113C6-EA5C-788F-0C77-E7CE6EBB865F}"/>
               </a:ext>
             </a:extLst>
           </p:cNvPr>
@@ -24559,7 +24241,7 @@
           <p:cNvPr id="6" name="TextBox 5">
             <a:extLst>
               <a:ext uri="{FF2B5EF4-FFF2-40B4-BE49-F238E27FC236}">
-                <a16:creationId xmlns:a16="http://schemas.microsoft.com/office/drawing/2014/main" xmlns="" id="{EE79C406-3461-D6A5-5346-D7C2FC38FCCD}"/>
+                <a16:creationId xmlns:a16="http://schemas.microsoft.com/office/drawing/2014/main" id="{EE79C406-3461-D6A5-5346-D7C2FC38FCCD}"/>
               </a:ext>
             </a:extLst>
           </p:cNvPr>
@@ -24679,7 +24361,7 @@
           <p:cNvPr id="10" name="TextBox 9">
             <a:extLst>
               <a:ext uri="{FF2B5EF4-FFF2-40B4-BE49-F238E27FC236}">
-                <a16:creationId xmlns:a16="http://schemas.microsoft.com/office/drawing/2014/main" xmlns="" id="{A2AD056B-97A4-5BCC-4460-250160F3E171}"/>
+                <a16:creationId xmlns:a16="http://schemas.microsoft.com/office/drawing/2014/main" id="{A2AD056B-97A4-5BCC-4460-250160F3E171}"/>
               </a:ext>
             </a:extLst>
           </p:cNvPr>
@@ -24797,7 +24479,7 @@
           <p:cNvPr id="20" name="TextBox 19">
             <a:extLst>
               <a:ext uri="{FF2B5EF4-FFF2-40B4-BE49-F238E27FC236}">
-                <a16:creationId xmlns:a16="http://schemas.microsoft.com/office/drawing/2014/main" xmlns="" id="{C6D113C6-EA5C-788F-0C77-E7CE6EBB865F}"/>
+                <a16:creationId xmlns:a16="http://schemas.microsoft.com/office/drawing/2014/main" id="{C6D113C6-EA5C-788F-0C77-E7CE6EBB865F}"/>
               </a:ext>
             </a:extLst>
           </p:cNvPr>
@@ -25033,7 +24715,7 @@
           <p:cNvPr id="5" name="TextBox 4">
             <a:extLst>
               <a:ext uri="{FF2B5EF4-FFF2-40B4-BE49-F238E27FC236}">
-                <a16:creationId xmlns:a16="http://schemas.microsoft.com/office/drawing/2014/main" xmlns="" id="{C6D113C6-EA5C-788F-0C77-E7CE6EBB865F}"/>
+                <a16:creationId xmlns:a16="http://schemas.microsoft.com/office/drawing/2014/main" id="{C6D113C6-EA5C-788F-0C77-E7CE6EBB865F}"/>
               </a:ext>
             </a:extLst>
           </p:cNvPr>
@@ -25199,7 +24881,7 @@
           <p:cNvPr id="4" name="TextBox 3">
             <a:extLst>
               <a:ext uri="{FF2B5EF4-FFF2-40B4-BE49-F238E27FC236}">
-                <a16:creationId xmlns:a16="http://schemas.microsoft.com/office/drawing/2014/main" xmlns="" id="{EE79C406-3461-D6A5-5346-D7C2FC38FCCD}"/>
+                <a16:creationId xmlns:a16="http://schemas.microsoft.com/office/drawing/2014/main" id="{EE79C406-3461-D6A5-5346-D7C2FC38FCCD}"/>
               </a:ext>
             </a:extLst>
           </p:cNvPr>
@@ -25247,7 +24929,7 @@
           <p:cNvPr id="5" name="TextBox 4">
             <a:extLst>
               <a:ext uri="{FF2B5EF4-FFF2-40B4-BE49-F238E27FC236}">
-                <a16:creationId xmlns:a16="http://schemas.microsoft.com/office/drawing/2014/main" xmlns="" id="{A2AD056B-97A4-5BCC-4460-250160F3E171}"/>
+                <a16:creationId xmlns:a16="http://schemas.microsoft.com/office/drawing/2014/main" id="{A2AD056B-97A4-5BCC-4460-250160F3E171}"/>
               </a:ext>
             </a:extLst>
           </p:cNvPr>
@@ -25390,13 +25072,6 @@
   <p:clrMapOvr>
     <a:masterClrMapping/>
   </p:clrMapOvr>
-  <p:timing>
-    <p:tnLst>
-      <p:par>
-        <p:cTn id="1" dur="indefinite" restart="never" nodeType="tmRoot"/>
-      </p:par>
-    </p:tnLst>
-  </p:timing>
 </p:sld>
 </file>
 
@@ -25422,7 +25097,7 @@
           <p:cNvPr id="4" name="TextBox 3">
             <a:extLst>
               <a:ext uri="{FF2B5EF4-FFF2-40B4-BE49-F238E27FC236}">
-                <a16:creationId xmlns:a16="http://schemas.microsoft.com/office/drawing/2014/main" xmlns="" id="{EE79C406-3461-D6A5-5346-D7C2FC38FCCD}"/>
+                <a16:creationId xmlns:a16="http://schemas.microsoft.com/office/drawing/2014/main" id="{EE79C406-3461-D6A5-5346-D7C2FC38FCCD}"/>
               </a:ext>
             </a:extLst>
           </p:cNvPr>
@@ -25470,7 +25145,7 @@
           <p:cNvPr id="5" name="TextBox 4">
             <a:extLst>
               <a:ext uri="{FF2B5EF4-FFF2-40B4-BE49-F238E27FC236}">
-                <a16:creationId xmlns:a16="http://schemas.microsoft.com/office/drawing/2014/main" xmlns="" id="{A2AD056B-97A4-5BCC-4460-250160F3E171}"/>
+                <a16:creationId xmlns:a16="http://schemas.microsoft.com/office/drawing/2014/main" id="{A2AD056B-97A4-5BCC-4460-250160F3E171}"/>
               </a:ext>
             </a:extLst>
           </p:cNvPr>
@@ -25572,7 +25247,7 @@
           <p:cNvPr id="8" name="TextBox 7">
             <a:extLst>
               <a:ext uri="{FF2B5EF4-FFF2-40B4-BE49-F238E27FC236}">
-                <a16:creationId xmlns:a16="http://schemas.microsoft.com/office/drawing/2014/main" xmlns="" id="{C6D113C6-EA5C-788F-0C77-E7CE6EBB865F}"/>
+                <a16:creationId xmlns:a16="http://schemas.microsoft.com/office/drawing/2014/main" id="{C6D113C6-EA5C-788F-0C77-E7CE6EBB865F}"/>
               </a:ext>
             </a:extLst>
           </p:cNvPr>
@@ -25854,7 +25529,7 @@
           <p:cNvPr id="5" name="TextBox 4">
             <a:extLst>
               <a:ext uri="{FF2B5EF4-FFF2-40B4-BE49-F238E27FC236}">
-                <a16:creationId xmlns:a16="http://schemas.microsoft.com/office/drawing/2014/main" xmlns="" id="{EE79C406-3461-D6A5-5346-D7C2FC38FCCD}"/>
+                <a16:creationId xmlns:a16="http://schemas.microsoft.com/office/drawing/2014/main" id="{EE79C406-3461-D6A5-5346-D7C2FC38FCCD}"/>
               </a:ext>
             </a:extLst>
           </p:cNvPr>
@@ -25941,13 +25616,6 @@
   <p:clrMapOvr>
     <a:masterClrMapping/>
   </p:clrMapOvr>
-  <p:timing>
-    <p:tnLst>
-      <p:par>
-        <p:cTn id="1" dur="indefinite" restart="never" nodeType="tmRoot"/>
-      </p:par>
-    </p:tnLst>
-  </p:timing>
 </p:sld>
 </file>
 
@@ -25997,7 +25665,7 @@
           <p:cNvPr id="7" name="TextBox 6">
             <a:extLst>
               <a:ext uri="{FF2B5EF4-FFF2-40B4-BE49-F238E27FC236}">
-                <a16:creationId xmlns:a16="http://schemas.microsoft.com/office/drawing/2014/main" xmlns="" id="{EE79C406-3461-D6A5-5346-D7C2FC38FCCD}"/>
+                <a16:creationId xmlns:a16="http://schemas.microsoft.com/office/drawing/2014/main" id="{EE79C406-3461-D6A5-5346-D7C2FC38FCCD}"/>
               </a:ext>
             </a:extLst>
           </p:cNvPr>
@@ -26045,7 +25713,7 @@
           <p:cNvPr id="8" name="직선 화살표 연결선 7">
             <a:extLst>
               <a:ext uri="{FF2B5EF4-FFF2-40B4-BE49-F238E27FC236}">
-                <a16:creationId xmlns:a16="http://schemas.microsoft.com/office/drawing/2014/main" xmlns="" id="{299DF5EC-9DF4-5255-06AC-0A7CE4FF58C3}"/>
+                <a16:creationId xmlns:a16="http://schemas.microsoft.com/office/drawing/2014/main" id="{299DF5EC-9DF4-5255-06AC-0A7CE4FF58C3}"/>
               </a:ext>
             </a:extLst>
           </p:cNvPr>
@@ -26086,7 +25754,7 @@
           <p:cNvPr id="9" name="직사각형 8">
             <a:extLst>
               <a:ext uri="{FF2B5EF4-FFF2-40B4-BE49-F238E27FC236}">
-                <a16:creationId xmlns:a16="http://schemas.microsoft.com/office/drawing/2014/main" xmlns="" id="{FFF506F9-840A-0508-4CAF-3AC711D8D5CE}"/>
+                <a16:creationId xmlns:a16="http://schemas.microsoft.com/office/drawing/2014/main" id="{FFF506F9-840A-0508-4CAF-3AC711D8D5CE}"/>
               </a:ext>
             </a:extLst>
           </p:cNvPr>
@@ -26138,7 +25806,7 @@
           <p:cNvPr id="10" name="TextBox 9">
             <a:extLst>
               <a:ext uri="{FF2B5EF4-FFF2-40B4-BE49-F238E27FC236}">
-                <a16:creationId xmlns:a16="http://schemas.microsoft.com/office/drawing/2014/main" xmlns="" id="{C6D113C6-EA5C-788F-0C77-E7CE6EBB865F}"/>
+                <a16:creationId xmlns:a16="http://schemas.microsoft.com/office/drawing/2014/main" id="{C6D113C6-EA5C-788F-0C77-E7CE6EBB865F}"/>
               </a:ext>
             </a:extLst>
           </p:cNvPr>
@@ -26201,13 +25869,6 @@
   <p:clrMapOvr>
     <a:masterClrMapping/>
   </p:clrMapOvr>
-  <p:timing>
-    <p:tnLst>
-      <p:par>
-        <p:cTn id="1" dur="indefinite" restart="never" nodeType="tmRoot"/>
-      </p:par>
-    </p:tnLst>
-  </p:timing>
 </p:sld>
 </file>
 
@@ -26233,7 +25894,7 @@
           <p:cNvPr id="4" name="TextBox 3">
             <a:extLst>
               <a:ext uri="{FF2B5EF4-FFF2-40B4-BE49-F238E27FC236}">
-                <a16:creationId xmlns:a16="http://schemas.microsoft.com/office/drawing/2014/main" xmlns="" id="{A2AD056B-97A4-5BCC-4460-250160F3E171}"/>
+                <a16:creationId xmlns:a16="http://schemas.microsoft.com/office/drawing/2014/main" id="{A2AD056B-97A4-5BCC-4460-250160F3E171}"/>
               </a:ext>
             </a:extLst>
           </p:cNvPr>
@@ -26318,13 +25979,6 @@
   <p:clrMapOvr>
     <a:masterClrMapping/>
   </p:clrMapOvr>
-  <p:timing>
-    <p:tnLst>
-      <p:par>
-        <p:cTn id="1" dur="indefinite" restart="never" nodeType="tmRoot"/>
-      </p:par>
-    </p:tnLst>
-  </p:timing>
 </p:sld>
 </file>
 
@@ -26350,7 +26004,7 @@
           <p:cNvPr id="4" name="TextBox 3">
             <a:extLst>
               <a:ext uri="{FF2B5EF4-FFF2-40B4-BE49-F238E27FC236}">
-                <a16:creationId xmlns:a16="http://schemas.microsoft.com/office/drawing/2014/main" xmlns="" id="{D15853EE-94B0-D08B-DCB7-3381290CC3FF}"/>
+                <a16:creationId xmlns:a16="http://schemas.microsoft.com/office/drawing/2014/main" id="{D15853EE-94B0-D08B-DCB7-3381290CC3FF}"/>
               </a:ext>
             </a:extLst>
           </p:cNvPr>
@@ -26422,7 +26076,7 @@
           <p:cNvPr id="6" name="직선 화살표 연결선 5">
             <a:extLst>
               <a:ext uri="{FF2B5EF4-FFF2-40B4-BE49-F238E27FC236}">
-                <a16:creationId xmlns:a16="http://schemas.microsoft.com/office/drawing/2014/main" xmlns="" id="{299DF5EC-9DF4-5255-06AC-0A7CE4FF58C3}"/>
+                <a16:creationId xmlns:a16="http://schemas.microsoft.com/office/drawing/2014/main" id="{299DF5EC-9DF4-5255-06AC-0A7CE4FF58C3}"/>
               </a:ext>
             </a:extLst>
           </p:cNvPr>
@@ -26463,7 +26117,7 @@
           <p:cNvPr id="8" name="TextBox 7">
             <a:extLst>
               <a:ext uri="{FF2B5EF4-FFF2-40B4-BE49-F238E27FC236}">
-                <a16:creationId xmlns:a16="http://schemas.microsoft.com/office/drawing/2014/main" xmlns="" id="{C6D113C6-EA5C-788F-0C77-E7CE6EBB865F}"/>
+                <a16:creationId xmlns:a16="http://schemas.microsoft.com/office/drawing/2014/main" id="{C6D113C6-EA5C-788F-0C77-E7CE6EBB865F}"/>
               </a:ext>
             </a:extLst>
           </p:cNvPr>
@@ -26511,7 +26165,7 @@
           <p:cNvPr id="10" name="직선 화살표 연결선 9">
             <a:extLst>
               <a:ext uri="{FF2B5EF4-FFF2-40B4-BE49-F238E27FC236}">
-                <a16:creationId xmlns:a16="http://schemas.microsoft.com/office/drawing/2014/main" xmlns="" id="{299DF5EC-9DF4-5255-06AC-0A7CE4FF58C3}"/>
+                <a16:creationId xmlns:a16="http://schemas.microsoft.com/office/drawing/2014/main" id="{299DF5EC-9DF4-5255-06AC-0A7CE4FF58C3}"/>
               </a:ext>
             </a:extLst>
           </p:cNvPr>
@@ -26552,7 +26206,7 @@
           <p:cNvPr id="11" name="TextBox 10">
             <a:extLst>
               <a:ext uri="{FF2B5EF4-FFF2-40B4-BE49-F238E27FC236}">
-                <a16:creationId xmlns:a16="http://schemas.microsoft.com/office/drawing/2014/main" xmlns="" id="{C6D113C6-EA5C-788F-0C77-E7CE6EBB865F}"/>
+                <a16:creationId xmlns:a16="http://schemas.microsoft.com/office/drawing/2014/main" id="{C6D113C6-EA5C-788F-0C77-E7CE6EBB865F}"/>
               </a:ext>
             </a:extLst>
           </p:cNvPr>
@@ -26600,7 +26254,7 @@
           <p:cNvPr id="14" name="직선 화살표 연결선 13">
             <a:extLst>
               <a:ext uri="{FF2B5EF4-FFF2-40B4-BE49-F238E27FC236}">
-                <a16:creationId xmlns:a16="http://schemas.microsoft.com/office/drawing/2014/main" xmlns="" id="{299DF5EC-9DF4-5255-06AC-0A7CE4FF58C3}"/>
+                <a16:creationId xmlns:a16="http://schemas.microsoft.com/office/drawing/2014/main" id="{299DF5EC-9DF4-5255-06AC-0A7CE4FF58C3}"/>
               </a:ext>
             </a:extLst>
           </p:cNvPr>
@@ -26641,7 +26295,7 @@
           <p:cNvPr id="15" name="직사각형 14">
             <a:extLst>
               <a:ext uri="{FF2B5EF4-FFF2-40B4-BE49-F238E27FC236}">
-                <a16:creationId xmlns:a16="http://schemas.microsoft.com/office/drawing/2014/main" xmlns="" id="{FFF506F9-840A-0508-4CAF-3AC711D8D5CE}"/>
+                <a16:creationId xmlns:a16="http://schemas.microsoft.com/office/drawing/2014/main" id="{FFF506F9-840A-0508-4CAF-3AC711D8D5CE}"/>
               </a:ext>
             </a:extLst>
           </p:cNvPr>
@@ -26693,7 +26347,7 @@
           <p:cNvPr id="16" name="TextBox 15">
             <a:extLst>
               <a:ext uri="{FF2B5EF4-FFF2-40B4-BE49-F238E27FC236}">
-                <a16:creationId xmlns:a16="http://schemas.microsoft.com/office/drawing/2014/main" xmlns="" id="{C6D113C6-EA5C-788F-0C77-E7CE6EBB865F}"/>
+                <a16:creationId xmlns:a16="http://schemas.microsoft.com/office/drawing/2014/main" id="{C6D113C6-EA5C-788F-0C77-E7CE6EBB865F}"/>
               </a:ext>
             </a:extLst>
           </p:cNvPr>
@@ -26771,7 +26425,7 @@
           <p:cNvPr id="17" name="직선 화살표 연결선 16">
             <a:extLst>
               <a:ext uri="{FF2B5EF4-FFF2-40B4-BE49-F238E27FC236}">
-                <a16:creationId xmlns:a16="http://schemas.microsoft.com/office/drawing/2014/main" xmlns="" id="{299DF5EC-9DF4-5255-06AC-0A7CE4FF58C3}"/>
+                <a16:creationId xmlns:a16="http://schemas.microsoft.com/office/drawing/2014/main" id="{299DF5EC-9DF4-5255-06AC-0A7CE4FF58C3}"/>
               </a:ext>
             </a:extLst>
           </p:cNvPr>
@@ -26812,7 +26466,7 @@
           <p:cNvPr id="18" name="TextBox 17">
             <a:extLst>
               <a:ext uri="{FF2B5EF4-FFF2-40B4-BE49-F238E27FC236}">
-                <a16:creationId xmlns:a16="http://schemas.microsoft.com/office/drawing/2014/main" xmlns="" id="{C6D113C6-EA5C-788F-0C77-E7CE6EBB865F}"/>
+                <a16:creationId xmlns:a16="http://schemas.microsoft.com/office/drawing/2014/main" id="{C6D113C6-EA5C-788F-0C77-E7CE6EBB865F}"/>
               </a:ext>
             </a:extLst>
           </p:cNvPr>
@@ -27052,7 +26706,7 @@
           <p:cNvPr id="5" name="직선 화살표 연결선 4">
             <a:extLst>
               <a:ext uri="{FF2B5EF4-FFF2-40B4-BE49-F238E27FC236}">
-                <a16:creationId xmlns:a16="http://schemas.microsoft.com/office/drawing/2014/main" xmlns="" id="{299DF5EC-9DF4-5255-06AC-0A7CE4FF58C3}"/>
+                <a16:creationId xmlns:a16="http://schemas.microsoft.com/office/drawing/2014/main" id="{299DF5EC-9DF4-5255-06AC-0A7CE4FF58C3}"/>
               </a:ext>
             </a:extLst>
           </p:cNvPr>
@@ -27093,7 +26747,7 @@
           <p:cNvPr id="6" name="직사각형 5">
             <a:extLst>
               <a:ext uri="{FF2B5EF4-FFF2-40B4-BE49-F238E27FC236}">
-                <a16:creationId xmlns:a16="http://schemas.microsoft.com/office/drawing/2014/main" xmlns="" id="{FFF506F9-840A-0508-4CAF-3AC711D8D5CE}"/>
+                <a16:creationId xmlns:a16="http://schemas.microsoft.com/office/drawing/2014/main" id="{FFF506F9-840A-0508-4CAF-3AC711D8D5CE}"/>
               </a:ext>
             </a:extLst>
           </p:cNvPr>
@@ -27145,7 +26799,7 @@
           <p:cNvPr id="7" name="TextBox 6">
             <a:extLst>
               <a:ext uri="{FF2B5EF4-FFF2-40B4-BE49-F238E27FC236}">
-                <a16:creationId xmlns:a16="http://schemas.microsoft.com/office/drawing/2014/main" xmlns="" id="{C6D113C6-EA5C-788F-0C77-E7CE6EBB865F}"/>
+                <a16:creationId xmlns:a16="http://schemas.microsoft.com/office/drawing/2014/main" id="{C6D113C6-EA5C-788F-0C77-E7CE6EBB865F}"/>
               </a:ext>
             </a:extLst>
           </p:cNvPr>
@@ -27223,7 +26877,7 @@
           <p:cNvPr id="9" name="TextBox 8">
             <a:extLst>
               <a:ext uri="{FF2B5EF4-FFF2-40B4-BE49-F238E27FC236}">
-                <a16:creationId xmlns:a16="http://schemas.microsoft.com/office/drawing/2014/main" xmlns="" id="{C6D113C6-EA5C-788F-0C77-E7CE6EBB865F}"/>
+                <a16:creationId xmlns:a16="http://schemas.microsoft.com/office/drawing/2014/main" id="{C6D113C6-EA5C-788F-0C77-E7CE6EBB865F}"/>
               </a:ext>
             </a:extLst>
           </p:cNvPr>
@@ -27310,13 +26964,6 @@
   <p:clrMapOvr>
     <a:masterClrMapping/>
   </p:clrMapOvr>
-  <p:timing>
-    <p:tnLst>
-      <p:par>
-        <p:cTn id="1" dur="indefinite" restart="never" nodeType="tmRoot"/>
-      </p:par>
-    </p:tnLst>
-  </p:timing>
 </p:sld>
 </file>
 
@@ -27366,7 +27013,7 @@
           <p:cNvPr id="4" name="TextBox 3">
             <a:extLst>
               <a:ext uri="{FF2B5EF4-FFF2-40B4-BE49-F238E27FC236}">
-                <a16:creationId xmlns:a16="http://schemas.microsoft.com/office/drawing/2014/main" xmlns="" id="{EE79C406-3461-D6A5-5346-D7C2FC38FCCD}"/>
+                <a16:creationId xmlns:a16="http://schemas.microsoft.com/office/drawing/2014/main" id="{EE79C406-3461-D6A5-5346-D7C2FC38FCCD}"/>
               </a:ext>
             </a:extLst>
           </p:cNvPr>
@@ -27438,7 +27085,7 @@
           <p:cNvPr id="6" name="직선 화살표 연결선 5">
             <a:extLst>
               <a:ext uri="{FF2B5EF4-FFF2-40B4-BE49-F238E27FC236}">
-                <a16:creationId xmlns:a16="http://schemas.microsoft.com/office/drawing/2014/main" xmlns="" id="{299DF5EC-9DF4-5255-06AC-0A7CE4FF58C3}"/>
+                <a16:creationId xmlns:a16="http://schemas.microsoft.com/office/drawing/2014/main" id="{299DF5EC-9DF4-5255-06AC-0A7CE4FF58C3}"/>
               </a:ext>
             </a:extLst>
           </p:cNvPr>
@@ -27479,7 +27126,7 @@
           <p:cNvPr id="8" name="TextBox 7">
             <a:extLst>
               <a:ext uri="{FF2B5EF4-FFF2-40B4-BE49-F238E27FC236}">
-                <a16:creationId xmlns:a16="http://schemas.microsoft.com/office/drawing/2014/main" xmlns="" id="{C6D113C6-EA5C-788F-0C77-E7CE6EBB865F}"/>
+                <a16:creationId xmlns:a16="http://schemas.microsoft.com/office/drawing/2014/main" id="{C6D113C6-EA5C-788F-0C77-E7CE6EBB865F}"/>
               </a:ext>
             </a:extLst>
           </p:cNvPr>
@@ -27603,13 +27250,6 @@
   <p:clrMapOvr>
     <a:masterClrMapping/>
   </p:clrMapOvr>
-  <p:timing>
-    <p:tnLst>
-      <p:par>
-        <p:cTn id="1" dur="indefinite" restart="never" nodeType="tmRoot"/>
-      </p:par>
-    </p:tnLst>
-  </p:timing>
 </p:sld>
 </file>
 
@@ -27707,7 +27347,7 @@
           <p:cNvPr id="5" name="직선 화살표 연결선 4">
             <a:extLst>
               <a:ext uri="{FF2B5EF4-FFF2-40B4-BE49-F238E27FC236}">
-                <a16:creationId xmlns:a16="http://schemas.microsoft.com/office/drawing/2014/main" xmlns="" id="{299DF5EC-9DF4-5255-06AC-0A7CE4FF58C3}"/>
+                <a16:creationId xmlns:a16="http://schemas.microsoft.com/office/drawing/2014/main" id="{299DF5EC-9DF4-5255-06AC-0A7CE4FF58C3}"/>
               </a:ext>
             </a:extLst>
           </p:cNvPr>
@@ -27748,7 +27388,7 @@
           <p:cNvPr id="7" name="TextBox 6">
             <a:extLst>
               <a:ext uri="{FF2B5EF4-FFF2-40B4-BE49-F238E27FC236}">
-                <a16:creationId xmlns:a16="http://schemas.microsoft.com/office/drawing/2014/main" xmlns="" id="{C6D113C6-EA5C-788F-0C77-E7CE6EBB865F}"/>
+                <a16:creationId xmlns:a16="http://schemas.microsoft.com/office/drawing/2014/main" id="{C6D113C6-EA5C-788F-0C77-E7CE6EBB865F}"/>
               </a:ext>
             </a:extLst>
           </p:cNvPr>
@@ -27846,7 +27486,7 @@
           <p:cNvPr id="11" name="직선 화살표 연결선 10">
             <a:extLst>
               <a:ext uri="{FF2B5EF4-FFF2-40B4-BE49-F238E27FC236}">
-                <a16:creationId xmlns:a16="http://schemas.microsoft.com/office/drawing/2014/main" xmlns="" id="{299DF5EC-9DF4-5255-06AC-0A7CE4FF58C3}"/>
+                <a16:creationId xmlns:a16="http://schemas.microsoft.com/office/drawing/2014/main" id="{299DF5EC-9DF4-5255-06AC-0A7CE4FF58C3}"/>
               </a:ext>
             </a:extLst>
           </p:cNvPr>
@@ -27887,7 +27527,7 @@
           <p:cNvPr id="15" name="직선 화살표 연결선 14">
             <a:extLst>
               <a:ext uri="{FF2B5EF4-FFF2-40B4-BE49-F238E27FC236}">
-                <a16:creationId xmlns:a16="http://schemas.microsoft.com/office/drawing/2014/main" xmlns="" id="{299DF5EC-9DF4-5255-06AC-0A7CE4FF58C3}"/>
+                <a16:creationId xmlns:a16="http://schemas.microsoft.com/office/drawing/2014/main" id="{299DF5EC-9DF4-5255-06AC-0A7CE4FF58C3}"/>
               </a:ext>
             </a:extLst>
           </p:cNvPr>
@@ -27928,7 +27568,7 @@
           <p:cNvPr id="19" name="직선 화살표 연결선 18">
             <a:extLst>
               <a:ext uri="{FF2B5EF4-FFF2-40B4-BE49-F238E27FC236}">
-                <a16:creationId xmlns:a16="http://schemas.microsoft.com/office/drawing/2014/main" xmlns="" id="{299DF5EC-9DF4-5255-06AC-0A7CE4FF58C3}"/>
+                <a16:creationId xmlns:a16="http://schemas.microsoft.com/office/drawing/2014/main" id="{299DF5EC-9DF4-5255-06AC-0A7CE4FF58C3}"/>
               </a:ext>
             </a:extLst>
           </p:cNvPr>
@@ -27969,7 +27609,7 @@
           <p:cNvPr id="25" name="직선 화살표 연결선 24">
             <a:extLst>
               <a:ext uri="{FF2B5EF4-FFF2-40B4-BE49-F238E27FC236}">
-                <a16:creationId xmlns:a16="http://schemas.microsoft.com/office/drawing/2014/main" xmlns="" id="{299DF5EC-9DF4-5255-06AC-0A7CE4FF58C3}"/>
+                <a16:creationId xmlns:a16="http://schemas.microsoft.com/office/drawing/2014/main" id="{299DF5EC-9DF4-5255-06AC-0A7CE4FF58C3}"/>
               </a:ext>
             </a:extLst>
           </p:cNvPr>
@@ -28010,7 +27650,7 @@
           <p:cNvPr id="26" name="직선 화살표 연결선 25">
             <a:extLst>
               <a:ext uri="{FF2B5EF4-FFF2-40B4-BE49-F238E27FC236}">
-                <a16:creationId xmlns:a16="http://schemas.microsoft.com/office/drawing/2014/main" xmlns="" id="{299DF5EC-9DF4-5255-06AC-0A7CE4FF58C3}"/>
+                <a16:creationId xmlns:a16="http://schemas.microsoft.com/office/drawing/2014/main" id="{299DF5EC-9DF4-5255-06AC-0A7CE4FF58C3}"/>
               </a:ext>
             </a:extLst>
           </p:cNvPr>
@@ -28051,7 +27691,7 @@
           <p:cNvPr id="27" name="TextBox 26">
             <a:extLst>
               <a:ext uri="{FF2B5EF4-FFF2-40B4-BE49-F238E27FC236}">
-                <a16:creationId xmlns:a16="http://schemas.microsoft.com/office/drawing/2014/main" xmlns="" id="{C6D113C6-EA5C-788F-0C77-E7CE6EBB865F}"/>
+                <a16:creationId xmlns:a16="http://schemas.microsoft.com/office/drawing/2014/main" id="{C6D113C6-EA5C-788F-0C77-E7CE6EBB865F}"/>
               </a:ext>
             </a:extLst>
           </p:cNvPr>
@@ -28493,7 +28133,7 @@
           <p:cNvPr id="5" name="직선 화살표 연결선 4">
             <a:extLst>
               <a:ext uri="{FF2B5EF4-FFF2-40B4-BE49-F238E27FC236}">
-                <a16:creationId xmlns:a16="http://schemas.microsoft.com/office/drawing/2014/main" xmlns="" id="{299DF5EC-9DF4-5255-06AC-0A7CE4FF58C3}"/>
+                <a16:creationId xmlns:a16="http://schemas.microsoft.com/office/drawing/2014/main" id="{299DF5EC-9DF4-5255-06AC-0A7CE4FF58C3}"/>
               </a:ext>
             </a:extLst>
           </p:cNvPr>
@@ -28535,7 +28175,7 @@
           <p:cNvPr id="6" name="TextBox 5">
             <a:extLst>
               <a:ext uri="{FF2B5EF4-FFF2-40B4-BE49-F238E27FC236}">
-                <a16:creationId xmlns:a16="http://schemas.microsoft.com/office/drawing/2014/main" xmlns="" id="{C6D113C6-EA5C-788F-0C77-E7CE6EBB865F}"/>
+                <a16:creationId xmlns:a16="http://schemas.microsoft.com/office/drawing/2014/main" id="{C6D113C6-EA5C-788F-0C77-E7CE6EBB865F}"/>
               </a:ext>
             </a:extLst>
           </p:cNvPr>
@@ -28545,7 +28185,7 @@
         <p:spPr>
           <a:xfrm>
             <a:off x="9753600" y="666571"/>
-            <a:ext cx="6400800" cy="1754326"/>
+            <a:ext cx="8077200" cy="1754326"/>
           </a:xfrm>
           <a:prstGeom prst="rect">
             <a:avLst/>
@@ -28559,7 +28199,7 @@
           <a:lstStyle/>
           <a:p>
             <a:r>
-              <a:rPr lang="en-US" altLang="ko-KR" sz="3600">
+              <a:rPr lang="en-US" altLang="ko-KR" sz="3600" dirty="0">
                 <a:solidFill>
                   <a:srgbClr val="FF0000"/>
                 </a:solidFill>
@@ -28569,7 +28209,7 @@
               <a:t>withdraw </a:t>
             </a:r>
             <a:r>
-              <a:rPr lang="ko-KR" altLang="en-US" sz="3600">
+              <a:rPr lang="ko-KR" altLang="en-US" sz="3600" dirty="0">
                 <a:solidFill>
                   <a:srgbClr val="FF0000"/>
                 </a:solidFill>
@@ -28579,7 +28219,7 @@
               <a:t>메서드 전체를 임계영역 설정</a:t>
             </a:r>
             <a:r>
-              <a:rPr lang="en-US" altLang="ko-KR" sz="3600">
+              <a:rPr lang="en-US" altLang="ko-KR" sz="3600" dirty="0">
                 <a:solidFill>
                   <a:srgbClr val="FF0000"/>
                 </a:solidFill>
@@ -28589,7 +28229,7 @@
               <a:t> (</a:t>
             </a:r>
             <a:r>
-              <a:rPr lang="ko-KR" altLang="en-US" sz="3600">
+              <a:rPr lang="ko-KR" altLang="en-US" sz="3600" dirty="0">
                 <a:solidFill>
                   <a:srgbClr val="FF0000"/>
                 </a:solidFill>
@@ -28599,7 +28239,7 @@
               <a:t>블록으로 특정영역만 설정도 가능하다</a:t>
             </a:r>
             <a:r>
-              <a:rPr lang="en-US" altLang="ko-KR" sz="3600">
+              <a:rPr lang="en-US" altLang="ko-KR" sz="3600" dirty="0">
                 <a:solidFill>
                   <a:srgbClr val="FF0000"/>
                 </a:solidFill>
@@ -28608,13 +28248,6 @@
               </a:rPr>
               <a:t>)</a:t>
             </a:r>
-            <a:endParaRPr lang="en-US" altLang="ko-KR" sz="3600" dirty="0">
-              <a:solidFill>
-                <a:srgbClr val="FF0000"/>
-              </a:solidFill>
-              <a:latin typeface="G마켓 산스 Medium" panose="02000000000000000000" pitchFamily="50" charset="-127"/>
-              <a:ea typeface="G마켓 산스 Medium" panose="02000000000000000000" pitchFamily="50" charset="-127"/>
-            </a:endParaRPr>
           </a:p>
         </p:txBody>
       </p:sp>
@@ -28628,13 +28261,6 @@
   <p:clrMapOvr>
     <a:masterClrMapping/>
   </p:clrMapOvr>
-  <p:timing>
-    <p:tnLst>
-      <p:par>
-        <p:cTn id="1" dur="indefinite" restart="never" nodeType="tmRoot"/>
-      </p:par>
-    </p:tnLst>
-  </p:timing>
 </p:sld>
 </file>
 
@@ -28660,7 +28286,7 @@
           <p:cNvPr id="4" name="TextBox 3">
             <a:extLst>
               <a:ext uri="{FF2B5EF4-FFF2-40B4-BE49-F238E27FC236}">
-                <a16:creationId xmlns:a16="http://schemas.microsoft.com/office/drawing/2014/main" xmlns="" id="{EE79C406-3461-D6A5-5346-D7C2FC38FCCD}"/>
+                <a16:creationId xmlns:a16="http://schemas.microsoft.com/office/drawing/2014/main" id="{EE79C406-3461-D6A5-5346-D7C2FC38FCCD}"/>
               </a:ext>
             </a:extLst>
           </p:cNvPr>
@@ -28763,13 +28389,6 @@
   <p:clrMapOvr>
     <a:masterClrMapping/>
   </p:clrMapOvr>
-  <p:timing>
-    <p:tnLst>
-      <p:par>
-        <p:cTn id="1" dur="indefinite" restart="never" nodeType="tmRoot"/>
-      </p:par>
-    </p:tnLst>
-  </p:timing>
 </p:sld>
 </file>
 
@@ -28983,7 +28602,7 @@
           <p:cNvPr id="15" name="TextBox 14">
             <a:extLst>
               <a:ext uri="{FF2B5EF4-FFF2-40B4-BE49-F238E27FC236}">
-                <a16:creationId xmlns:a16="http://schemas.microsoft.com/office/drawing/2014/main" xmlns="" id="{76F36AE5-79B5-0B9F-E510-1C27AAC4B649}"/>
+                <a16:creationId xmlns:a16="http://schemas.microsoft.com/office/drawing/2014/main" id="{76F36AE5-79B5-0B9F-E510-1C27AAC4B649}"/>
               </a:ext>
             </a:extLst>
           </p:cNvPr>
@@ -29036,13 +28655,6 @@
   <p:clrMapOvr>
     <a:masterClrMapping/>
   </p:clrMapOvr>
-  <p:timing>
-    <p:tnLst>
-      <p:par>
-        <p:cTn id="1" dur="indefinite" restart="never" nodeType="tmRoot"/>
-      </p:par>
-    </p:tnLst>
-  </p:timing>
 </p:sld>
 </file>
 
@@ -29068,7 +28680,7 @@
           <p:cNvPr id="7" name="TextBox 6">
             <a:extLst>
               <a:ext uri="{FF2B5EF4-FFF2-40B4-BE49-F238E27FC236}">
-                <a16:creationId xmlns:a16="http://schemas.microsoft.com/office/drawing/2014/main" xmlns="" id="{90E0C58D-4AB9-A52A-B53C-44A4B8F11990}"/>
+                <a16:creationId xmlns:a16="http://schemas.microsoft.com/office/drawing/2014/main" id="{90E0C58D-4AB9-A52A-B53C-44A4B8F11990}"/>
               </a:ext>
             </a:extLst>
           </p:cNvPr>
@@ -29126,7 +28738,7 @@
           <p:cNvPr id="12" name="TextBox 11">
             <a:extLst>
               <a:ext uri="{FF2B5EF4-FFF2-40B4-BE49-F238E27FC236}">
-                <a16:creationId xmlns:a16="http://schemas.microsoft.com/office/drawing/2014/main" xmlns="" id="{2FFEA572-0493-CB52-6BE5-4BCEFE8076B6}"/>
+                <a16:creationId xmlns:a16="http://schemas.microsoft.com/office/drawing/2014/main" id="{2FFEA572-0493-CB52-6BE5-4BCEFE8076B6}"/>
               </a:ext>
             </a:extLst>
           </p:cNvPr>
@@ -29136,7 +28748,7 @@
         <p:spPr>
           <a:xfrm>
             <a:off x="1066800" y="924461"/>
-            <a:ext cx="16154400" cy="2308324"/>
+            <a:ext cx="16154400" cy="1754326"/>
           </a:xfrm>
           <a:prstGeom prst="rect">
             <a:avLst/>
@@ -29153,7 +28765,7 @@
               <a:buAutoNum type="arabicPeriod"/>
             </a:pPr>
             <a:r>
-              <a:rPr lang="ko-KR" altLang="en-US" sz="3600" dirty="0">
+              <a:rPr lang="en-US" altLang="ko-KR" sz="3600" dirty="0">
                 <a:solidFill>
                   <a:schemeClr val="bg1">
                     <a:lumMod val="50000"/>
@@ -29162,10 +28774,10 @@
                 <a:latin typeface="G마켓 산스 Medium" panose="02000000000000000000" pitchFamily="50" charset="-127"/>
                 <a:ea typeface="G마켓 산스 Medium" panose="02000000000000000000" pitchFamily="50" charset="-127"/>
               </a:rPr>
-              <a:t>다이얼로그를 띄우고 </a:t>
-            </a:r>
-            <a:r>
-              <a:rPr lang="ko-KR" altLang="en-US" sz="3600" dirty="0" smtClean="0">
+              <a:t>0~10</a:t>
+            </a:r>
+            <a:r>
+              <a:rPr lang="ko-KR" altLang="en-US" sz="3600" dirty="0">
                 <a:solidFill>
                   <a:schemeClr val="bg1">
                     <a:lumMod val="50000"/>
@@ -29174,141 +28786,7 @@
                 <a:latin typeface="G마켓 산스 Medium" panose="02000000000000000000" pitchFamily="50" charset="-127"/>
                 <a:ea typeface="G마켓 산스 Medium" panose="02000000000000000000" pitchFamily="50" charset="-127"/>
               </a:rPr>
-              <a:t>있는 과 </a:t>
-            </a:r>
-            <a:r>
-              <a:rPr lang="ko-KR" altLang="en-US" sz="3600" dirty="0">
-                <a:solidFill>
-                  <a:schemeClr val="bg1">
-                    <a:lumMod val="50000"/>
-                  </a:schemeClr>
-                </a:solidFill>
-                <a:latin typeface="G마켓 산스 Medium" panose="02000000000000000000" pitchFamily="50" charset="-127"/>
-                <a:ea typeface="G마켓 산스 Medium" panose="02000000000000000000" pitchFamily="50" charset="-127"/>
-              </a:rPr>
-              <a:t>동시에 </a:t>
-            </a:r>
-            <a:r>
-              <a:rPr lang="en-US" altLang="ko-KR" sz="3600" dirty="0">
-                <a:solidFill>
-                  <a:schemeClr val="bg1">
-                    <a:lumMod val="50000"/>
-                  </a:schemeClr>
-                </a:solidFill>
-                <a:latin typeface="G마켓 산스 Medium" panose="02000000000000000000" pitchFamily="50" charset="-127"/>
-                <a:ea typeface="G마켓 산스 Medium" panose="02000000000000000000" pitchFamily="50" charset="-127"/>
-              </a:rPr>
-              <a:t>console </a:t>
-            </a:r>
-            <a:r>
-              <a:rPr lang="ko-KR" altLang="en-US" sz="3600" dirty="0">
-                <a:solidFill>
-                  <a:schemeClr val="bg1">
-                    <a:lumMod val="50000"/>
-                  </a:schemeClr>
-                </a:solidFill>
-                <a:latin typeface="G마켓 산스 Medium" panose="02000000000000000000" pitchFamily="50" charset="-127"/>
-                <a:ea typeface="G마켓 산스 Medium" panose="02000000000000000000" pitchFamily="50" charset="-127"/>
-              </a:rPr>
-              <a:t>창으로 </a:t>
-            </a:r>
-            <a:r>
-              <a:rPr lang="en-US" altLang="ko-KR" sz="3600" dirty="0">
-                <a:solidFill>
-                  <a:schemeClr val="bg1">
-                    <a:lumMod val="50000"/>
-                  </a:schemeClr>
-                </a:solidFill>
-                <a:latin typeface="G마켓 산스 Medium" panose="02000000000000000000" pitchFamily="50" charset="-127"/>
-                <a:ea typeface="G마켓 산스 Medium" panose="02000000000000000000" pitchFamily="50" charset="-127"/>
-              </a:rPr>
-              <a:t>1</a:t>
-            </a:r>
-            <a:r>
-              <a:rPr lang="ko-KR" altLang="en-US" sz="3600" dirty="0">
-                <a:solidFill>
-                  <a:schemeClr val="bg1">
-                    <a:lumMod val="50000"/>
-                  </a:schemeClr>
-                </a:solidFill>
-                <a:latin typeface="G마켓 산스 Medium" panose="02000000000000000000" pitchFamily="50" charset="-127"/>
-                <a:ea typeface="G마켓 산스 Medium" panose="02000000000000000000" pitchFamily="50" charset="-127"/>
-              </a:rPr>
-              <a:t>초마다 카운트를 </a:t>
-            </a:r>
-            <a:r>
-              <a:rPr lang="ko-KR" altLang="en-US" sz="3600" dirty="0" smtClean="0">
-                <a:solidFill>
-                  <a:schemeClr val="bg1">
-                    <a:lumMod val="50000"/>
-                  </a:schemeClr>
-                </a:solidFill>
-                <a:latin typeface="G마켓 산스 Medium" panose="02000000000000000000" pitchFamily="50" charset="-127"/>
-                <a:ea typeface="G마켓 산스 Medium" panose="02000000000000000000" pitchFamily="50" charset="-127"/>
-              </a:rPr>
-              <a:t>출력 </a:t>
-            </a:r>
-            <a:r>
-              <a:rPr lang="ko-KR" altLang="en-US" sz="3600" dirty="0" err="1" smtClean="0">
-                <a:solidFill>
-                  <a:schemeClr val="bg1">
-                    <a:lumMod val="50000"/>
-                  </a:schemeClr>
-                </a:solidFill>
-                <a:latin typeface="G마켓 산스 Medium" panose="02000000000000000000" pitchFamily="50" charset="-127"/>
-                <a:ea typeface="G마켓 산스 Medium" panose="02000000000000000000" pitchFamily="50" charset="-127"/>
-              </a:rPr>
-              <a:t>하도록하자</a:t>
-            </a:r>
-            <a:r>
-              <a:rPr lang="en-US" altLang="ko-KR" sz="3600" dirty="0" smtClean="0">
-                <a:solidFill>
-                  <a:schemeClr val="bg1">
-                    <a:lumMod val="50000"/>
-                  </a:schemeClr>
-                </a:solidFill>
-                <a:latin typeface="G마켓 산스 Medium" panose="02000000000000000000" pitchFamily="50" charset="-127"/>
-                <a:ea typeface="G마켓 산스 Medium" panose="02000000000000000000" pitchFamily="50" charset="-127"/>
-              </a:rPr>
-              <a:t>.</a:t>
-            </a:r>
-          </a:p>
-          <a:p>
-            <a:r>
-              <a:rPr lang="en-US" altLang="ko-KR" sz="3600" dirty="0" smtClean="0">
-                <a:solidFill>
-                  <a:schemeClr val="bg1">
-                    <a:lumMod val="50000"/>
-                  </a:schemeClr>
-                </a:solidFill>
-                <a:latin typeface="G마켓 산스 Medium" panose="02000000000000000000" pitchFamily="50" charset="-127"/>
-                <a:ea typeface="G마켓 산스 Medium" panose="02000000000000000000" pitchFamily="50" charset="-127"/>
-              </a:rPr>
-              <a:t>   - </a:t>
-            </a:r>
-            <a:r>
-              <a:rPr lang="ko-KR" altLang="en-US" sz="3600" dirty="0" err="1" smtClean="0">
-                <a:solidFill>
-                  <a:schemeClr val="bg1">
-                    <a:lumMod val="50000"/>
-                  </a:schemeClr>
-                </a:solidFill>
-                <a:latin typeface="G마켓 산스 Medium" panose="02000000000000000000" pitchFamily="50" charset="-127"/>
-                <a:ea typeface="G마켓 산스 Medium" panose="02000000000000000000" pitchFamily="50" charset="-127"/>
-              </a:rPr>
-              <a:t>쓰레드를</a:t>
-            </a:r>
-            <a:r>
-              <a:rPr lang="ko-KR" altLang="en-US" sz="3600" dirty="0" smtClean="0">
-                <a:solidFill>
-                  <a:schemeClr val="bg1">
-                    <a:lumMod val="50000"/>
-                  </a:schemeClr>
-                </a:solidFill>
-                <a:latin typeface="G마켓 산스 Medium" panose="02000000000000000000" pitchFamily="50" charset="-127"/>
-                <a:ea typeface="G마켓 산스 Medium" panose="02000000000000000000" pitchFamily="50" charset="-127"/>
-              </a:rPr>
-              <a:t> 활용할 것</a:t>
+              <a:t>초까지 카운트를 출력해보자</a:t>
             </a:r>
             <a:endParaRPr lang="en-US" altLang="ko-KR" sz="3600" dirty="0">
               <a:solidFill>
@@ -29322,7 +28800,7 @@
           </a:p>
           <a:p>
             <a:r>
-              <a:rPr lang="en-US" altLang="ko-KR" sz="3600" dirty="0" smtClean="0">
+              <a:rPr lang="en-US" altLang="ko-KR" sz="3600" dirty="0">
                 <a:solidFill>
                   <a:schemeClr val="bg1">
                     <a:lumMod val="50000"/>
@@ -29331,10 +28809,10 @@
                 <a:latin typeface="G마켓 산스 Medium" panose="02000000000000000000" pitchFamily="50" charset="-127"/>
                 <a:ea typeface="G마켓 산스 Medium" panose="02000000000000000000" pitchFamily="50" charset="-127"/>
               </a:rPr>
-              <a:t>   - </a:t>
-            </a:r>
-            <a:r>
-              <a:rPr lang="ko-KR" altLang="en-US" sz="3600" dirty="0" smtClean="0">
+              <a:t>    - 1</a:t>
+            </a:r>
+            <a:r>
+              <a:rPr lang="ko-KR" altLang="en-US" sz="3600" dirty="0">
                 <a:solidFill>
                   <a:schemeClr val="bg1">
                     <a:lumMod val="50000"/>
@@ -29343,7 +28821,7 @@
                 <a:latin typeface="G마켓 산스 Medium" panose="02000000000000000000" pitchFamily="50" charset="-127"/>
                 <a:ea typeface="G마켓 산스 Medium" panose="02000000000000000000" pitchFamily="50" charset="-127"/>
               </a:rPr>
-              <a:t>카운트는 </a:t>
+              <a:t>초에 한번 숫자가 출력되어야 한다</a:t>
             </a:r>
             <a:r>
               <a:rPr lang="en-US" altLang="ko-KR" sz="3600" dirty="0">
@@ -29355,10 +28833,12 @@
                 <a:latin typeface="G마켓 산스 Medium" panose="02000000000000000000" pitchFamily="50" charset="-127"/>
                 <a:ea typeface="G마켓 산스 Medium" panose="02000000000000000000" pitchFamily="50" charset="-127"/>
               </a:rPr>
-              <a:t>10</a:t>
-            </a:r>
-            <a:r>
-              <a:rPr lang="ko-KR" altLang="en-US" sz="3600" dirty="0">
+              <a:t>.</a:t>
+            </a:r>
+          </a:p>
+          <a:p>
+            <a:r>
+              <a:rPr lang="en-US" altLang="ko-KR" sz="3600" dirty="0">
                 <a:solidFill>
                   <a:schemeClr val="bg1">
                     <a:lumMod val="50000"/>
@@ -29367,7 +28847,43 @@
                 <a:latin typeface="G마켓 산스 Medium" panose="02000000000000000000" pitchFamily="50" charset="-127"/>
                 <a:ea typeface="G마켓 산스 Medium" panose="02000000000000000000" pitchFamily="50" charset="-127"/>
               </a:rPr>
-              <a:t>초까지 나온다</a:t>
+              <a:t>    - </a:t>
+            </a:r>
+            <a:r>
+              <a:rPr lang="ko-KR" altLang="en-US" sz="3600" dirty="0">
+                <a:solidFill>
+                  <a:schemeClr val="bg1">
+                    <a:lumMod val="50000"/>
+                  </a:schemeClr>
+                </a:solidFill>
+                <a:latin typeface="G마켓 산스 Medium" panose="02000000000000000000" pitchFamily="50" charset="-127"/>
+                <a:ea typeface="G마켓 산스 Medium" panose="02000000000000000000" pitchFamily="50" charset="-127"/>
+              </a:rPr>
+              <a:t>출력하기전 현재의 쓰레드를 </a:t>
+            </a:r>
+            <a:r>
+              <a:rPr lang="en-US" altLang="ko-KR" sz="3600" dirty="0">
+                <a:solidFill>
+                  <a:schemeClr val="bg1">
+                    <a:lumMod val="50000"/>
+                  </a:schemeClr>
+                </a:solidFill>
+                <a:latin typeface="G마켓 산스 Medium" panose="02000000000000000000" pitchFamily="50" charset="-127"/>
+                <a:ea typeface="G마켓 산스 Medium" panose="02000000000000000000" pitchFamily="50" charset="-127"/>
+              </a:rPr>
+              <a:t>1</a:t>
+            </a:r>
+            <a:r>
+              <a:rPr lang="ko-KR" altLang="en-US" sz="3600" dirty="0">
+                <a:solidFill>
+                  <a:schemeClr val="bg1">
+                    <a:lumMod val="50000"/>
+                  </a:schemeClr>
+                </a:solidFill>
+                <a:latin typeface="G마켓 산스 Medium" panose="02000000000000000000" pitchFamily="50" charset="-127"/>
+                <a:ea typeface="G마켓 산스 Medium" panose="02000000000000000000" pitchFamily="50" charset="-127"/>
+              </a:rPr>
+              <a:t>초간 정지 해야 한다</a:t>
             </a:r>
             <a:r>
               <a:rPr lang="en-US" altLang="ko-KR" sz="3600" dirty="0">
@@ -29395,7 +28911,13 @@
       </p:sp>
       <p:pic>
         <p:nvPicPr>
-          <p:cNvPr id="3" name="그림 2"/>
+          <p:cNvPr id="9" name="그림 8">
+            <a:extLst>
+              <a:ext uri="{FF2B5EF4-FFF2-40B4-BE49-F238E27FC236}">
+                <a16:creationId xmlns:a16="http://schemas.microsoft.com/office/drawing/2014/main" id="{BB4298F6-D178-785F-B0C9-E356FEE8E2A6}"/>
+              </a:ext>
+            </a:extLst>
+          </p:cNvPr>
           <p:cNvPicPr>
             <a:picLocks noChangeAspect="1"/>
           </p:cNvPicPr>
@@ -29409,67 +28931,8 @@
         </p:blipFill>
         <p:spPr>
           <a:xfrm>
-            <a:off x="76200" y="3086100"/>
-            <a:ext cx="8610600" cy="7182640"/>
-          </a:xfrm>
-          <a:prstGeom prst="rect">
-            <a:avLst/>
-          </a:prstGeom>
-        </p:spPr>
-      </p:pic>
-      <p:pic>
-        <p:nvPicPr>
-          <p:cNvPr id="8" name="그림 7"/>
-          <p:cNvPicPr>
-            <a:picLocks noChangeAspect="1"/>
-          </p:cNvPicPr>
-          <p:nvPr/>
-        </p:nvPicPr>
-        <p:blipFill rotWithShape="1">
-          <a:blip r:embed="rId3">
-            <a:extLst>
-              <a:ext uri="{BEBA8EAE-BF5A-486C-A8C5-ECC9F3942E4B}">
-                <a14:imgProps xmlns:a14="http://schemas.microsoft.com/office/drawing/2010/main">
-                  <a14:imgLayer r:embed="rId4">
-                    <a14:imgEffect>
-                      <a14:artisticGlass/>
-                    </a14:imgEffect>
-                  </a14:imgLayer>
-                </a14:imgProps>
-              </a:ext>
-            </a:extLst>
-          </a:blip>
-          <a:srcRect t="2122" r="885" b="9823"/>
-          <a:stretch/>
-        </p:blipFill>
-        <p:spPr>
-          <a:xfrm>
-            <a:off x="76200" y="3238500"/>
-            <a:ext cx="8534400" cy="6324600"/>
-          </a:xfrm>
-          <a:prstGeom prst="rect">
-            <a:avLst/>
-          </a:prstGeom>
-        </p:spPr>
-      </p:pic>
-      <p:pic>
-        <p:nvPicPr>
-          <p:cNvPr id="4" name="그림 3"/>
-          <p:cNvPicPr>
-            <a:picLocks noChangeAspect="1"/>
-          </p:cNvPicPr>
-          <p:nvPr/>
-        </p:nvPicPr>
-        <p:blipFill>
-          <a:blip r:embed="rId5"/>
-          <a:stretch>
-            <a:fillRect/>
-          </a:stretch>
-        </p:blipFill>
-        <p:spPr>
-          <a:xfrm>
-            <a:off x="8986837" y="3095625"/>
-            <a:ext cx="8905874" cy="6477000"/>
+            <a:off x="2280913" y="3695700"/>
+            <a:ext cx="2296174" cy="5352670"/>
           </a:xfrm>
           <a:prstGeom prst="rect">
             <a:avLst/>
@@ -29486,13 +28949,6 @@
   <p:clrMapOvr>
     <a:masterClrMapping/>
   </p:clrMapOvr>
-  <p:timing>
-    <p:tnLst>
-      <p:par>
-        <p:cTn id="1" dur="indefinite" restart="never" nodeType="tmRoot"/>
-      </p:par>
-    </p:tnLst>
-  </p:timing>
 </p:sld>
 </file>
 
@@ -29513,206 +28969,15 @@
           <a:chExt cx="0" cy="0"/>
         </a:xfrm>
       </p:grpSpPr>
-      <p:sp>
-        <p:nvSpPr>
-          <p:cNvPr id="4" name="TextBox 3">
+      <p:pic>
+        <p:nvPicPr>
+          <p:cNvPr id="5" name="그림 4">
             <a:extLst>
               <a:ext uri="{FF2B5EF4-FFF2-40B4-BE49-F238E27FC236}">
-                <a16:creationId xmlns:a16="http://schemas.microsoft.com/office/drawing/2014/main" xmlns="" id="{2FFEA572-0493-CB52-6BE5-4BCEFE8076B6}"/>
+                <a16:creationId xmlns:a16="http://schemas.microsoft.com/office/drawing/2014/main" id="{815FE017-5ED9-C01D-2D11-9475C8EAAC59}"/>
               </a:ext>
             </a:extLst>
           </p:cNvPr>
-          <p:cNvSpPr txBox="1"/>
-          <p:nvPr/>
-        </p:nvSpPr>
-        <p:spPr>
-          <a:xfrm>
-            <a:off x="685800" y="419100"/>
-            <a:ext cx="17221200" cy="1323439"/>
-          </a:xfrm>
-          <a:prstGeom prst="rect">
-            <a:avLst/>
-          </a:prstGeom>
-          <a:noFill/>
-        </p:spPr>
-        <p:txBody>
-          <a:bodyPr wrap="square" rtlCol="0">
-            <a:spAutoFit/>
-          </a:bodyPr>
-          <a:lstStyle/>
-          <a:p>
-            <a:r>
-              <a:rPr lang="en-US" altLang="ko-KR" sz="4000" dirty="0">
-                <a:solidFill>
-                  <a:schemeClr val="bg1">
-                    <a:lumMod val="50000"/>
-                  </a:schemeClr>
-                </a:solidFill>
-                <a:latin typeface="G마켓 산스 Medium" panose="02000000000000000000" pitchFamily="50" charset="-127"/>
-                <a:ea typeface="G마켓 산스 Medium" panose="02000000000000000000" pitchFamily="50" charset="-127"/>
-              </a:rPr>
-              <a:t>2. 1</a:t>
-            </a:r>
-            <a:r>
-              <a:rPr lang="ko-KR" altLang="en-US" sz="4000" dirty="0">
-                <a:solidFill>
-                  <a:schemeClr val="bg1">
-                    <a:lumMod val="50000"/>
-                  </a:schemeClr>
-                </a:solidFill>
-                <a:latin typeface="G마켓 산스 Medium" panose="02000000000000000000" pitchFamily="50" charset="-127"/>
-                <a:ea typeface="G마켓 산스 Medium" panose="02000000000000000000" pitchFamily="50" charset="-127"/>
-              </a:rPr>
-              <a:t>번 문제의 카운트가 </a:t>
-            </a:r>
-            <a:r>
-              <a:rPr lang="ko-KR" altLang="en-US" sz="4000" dirty="0" smtClean="0">
-                <a:solidFill>
-                  <a:schemeClr val="bg1">
-                    <a:lumMod val="50000"/>
-                  </a:schemeClr>
-                </a:solidFill>
-                <a:latin typeface="G마켓 산스 Medium" panose="02000000000000000000" pitchFamily="50" charset="-127"/>
-                <a:ea typeface="G마켓 산스 Medium" panose="02000000000000000000" pitchFamily="50" charset="-127"/>
-              </a:rPr>
-              <a:t>다이얼 </a:t>
-            </a:r>
-            <a:r>
-              <a:rPr lang="ko-KR" altLang="en-US" sz="4000" dirty="0" err="1" smtClean="0">
-                <a:solidFill>
-                  <a:schemeClr val="bg1">
-                    <a:lumMod val="50000"/>
-                  </a:schemeClr>
-                </a:solidFill>
-                <a:latin typeface="G마켓 산스 Medium" panose="02000000000000000000" pitchFamily="50" charset="-127"/>
-                <a:ea typeface="G마켓 산스 Medium" panose="02000000000000000000" pitchFamily="50" charset="-127"/>
-              </a:rPr>
-              <a:t>로그창을</a:t>
-            </a:r>
-            <a:r>
-              <a:rPr lang="ko-KR" altLang="en-US" sz="4000" dirty="0" smtClean="0">
-                <a:solidFill>
-                  <a:schemeClr val="bg1">
-                    <a:lumMod val="50000"/>
-                  </a:schemeClr>
-                </a:solidFill>
-                <a:latin typeface="G마켓 산스 Medium" panose="02000000000000000000" pitchFamily="50" charset="-127"/>
-                <a:ea typeface="G마켓 산스 Medium" panose="02000000000000000000" pitchFamily="50" charset="-127"/>
-              </a:rPr>
-              <a:t> </a:t>
-            </a:r>
-            <a:r>
-              <a:rPr lang="ko-KR" altLang="en-US" sz="4000" dirty="0" err="1" smtClean="0">
-                <a:solidFill>
-                  <a:schemeClr val="bg1">
-                    <a:lumMod val="50000"/>
-                  </a:schemeClr>
-                </a:solidFill>
-                <a:latin typeface="G마켓 산스 Medium" panose="02000000000000000000" pitchFamily="50" charset="-127"/>
-                <a:ea typeface="G마켓 산스 Medium" panose="02000000000000000000" pitchFamily="50" charset="-127"/>
-              </a:rPr>
-              <a:t>닫을때</a:t>
-            </a:r>
-            <a:r>
-              <a:rPr lang="ko-KR" altLang="en-US" sz="4000" dirty="0" smtClean="0">
-                <a:solidFill>
-                  <a:schemeClr val="bg1">
-                    <a:lumMod val="50000"/>
-                  </a:schemeClr>
-                </a:solidFill>
-                <a:latin typeface="G마켓 산스 Medium" panose="02000000000000000000" pitchFamily="50" charset="-127"/>
-                <a:ea typeface="G마켓 산스 Medium" panose="02000000000000000000" pitchFamily="50" charset="-127"/>
-              </a:rPr>
-              <a:t> 까지 </a:t>
-            </a:r>
-            <a:r>
-              <a:rPr lang="ko-KR" altLang="en-US" sz="4000" dirty="0">
-                <a:solidFill>
-                  <a:schemeClr val="bg1">
-                    <a:lumMod val="50000"/>
-                  </a:schemeClr>
-                </a:solidFill>
-                <a:latin typeface="G마켓 산스 Medium" panose="02000000000000000000" pitchFamily="50" charset="-127"/>
-                <a:ea typeface="G마켓 산스 Medium" panose="02000000000000000000" pitchFamily="50" charset="-127"/>
-              </a:rPr>
-              <a:t>계속 나오게 하고 </a:t>
-            </a:r>
-            <a:r>
-              <a:rPr lang="ko-KR" altLang="en-US" sz="4000" dirty="0" smtClean="0">
-                <a:solidFill>
-                  <a:schemeClr val="bg1">
-                    <a:lumMod val="50000"/>
-                  </a:schemeClr>
-                </a:solidFill>
-                <a:latin typeface="G마켓 산스 Medium" panose="02000000000000000000" pitchFamily="50" charset="-127"/>
-                <a:ea typeface="G마켓 산스 Medium" panose="02000000000000000000" pitchFamily="50" charset="-127"/>
-              </a:rPr>
-              <a:t>다이얼로그 창을 </a:t>
-            </a:r>
-            <a:r>
-              <a:rPr lang="ko-KR" altLang="en-US" sz="4000" dirty="0">
-                <a:solidFill>
-                  <a:schemeClr val="bg1">
-                    <a:lumMod val="50000"/>
-                  </a:schemeClr>
-                </a:solidFill>
-                <a:latin typeface="G마켓 산스 Medium" panose="02000000000000000000" pitchFamily="50" charset="-127"/>
-                <a:ea typeface="G마켓 산스 Medium" panose="02000000000000000000" pitchFamily="50" charset="-127"/>
-              </a:rPr>
-              <a:t>닫으면 프로그램이 종료되도록 하자</a:t>
-            </a:r>
-            <a:endParaRPr lang="en-US" altLang="ko-KR" sz="4000" dirty="0">
-              <a:solidFill>
-                <a:schemeClr val="bg1">
-                  <a:lumMod val="50000"/>
-                </a:schemeClr>
-              </a:solidFill>
-              <a:latin typeface="G마켓 산스 Medium" panose="02000000000000000000" pitchFamily="50" charset="-127"/>
-              <a:ea typeface="G마켓 산스 Medium" panose="02000000000000000000" pitchFamily="50" charset="-127"/>
-            </a:endParaRPr>
-          </a:p>
-        </p:txBody>
-      </p:sp>
-    </p:spTree>
-    <p:extLst>
-      <p:ext uri="{BB962C8B-B14F-4D97-AF65-F5344CB8AC3E}">
-        <p14:creationId xmlns:p14="http://schemas.microsoft.com/office/powerpoint/2010/main" val="2636466571"/>
-      </p:ext>
-    </p:extLst>
-  </p:cSld>
-  <p:clrMapOvr>
-    <a:masterClrMapping/>
-  </p:clrMapOvr>
-  <p:timing>
-    <p:tnLst>
-      <p:par>
-        <p:cTn id="1" dur="indefinite" restart="never" nodeType="tmRoot"/>
-      </p:par>
-    </p:tnLst>
-  </p:timing>
-</p:sld>
-</file>
-
-<file path=ppt/slides/slide68.xml><?xml version="1.0" encoding="utf-8"?>
-<p:sld xmlns:a="http://schemas.openxmlformats.org/drawingml/2006/main" xmlns:r="http://schemas.openxmlformats.org/officeDocument/2006/relationships" xmlns:p="http://schemas.openxmlformats.org/presentationml/2006/main">
-  <p:cSld>
-    <p:spTree>
-      <p:nvGrpSpPr>
-        <p:cNvPr id="1" name=""/>
-        <p:cNvGrpSpPr/>
-        <p:nvPr/>
-      </p:nvGrpSpPr>
-      <p:grpSpPr>
-        <a:xfrm>
-          <a:off x="0" y="0"/>
-          <a:ext cx="0" cy="0"/>
-          <a:chOff x="0" y="0"/>
-          <a:chExt cx="0" cy="0"/>
-        </a:xfrm>
-      </p:grpSpPr>
-      <p:pic>
-        <p:nvPicPr>
-          <p:cNvPr id="2" name="그림 1"/>
           <p:cNvPicPr>
             <a:picLocks noChangeAspect="1"/>
           </p:cNvPicPr>
@@ -29726,8 +28991,8 @@
         </p:blipFill>
         <p:spPr>
           <a:xfrm>
-            <a:off x="1371600" y="114300"/>
-            <a:ext cx="7696200" cy="8094525"/>
+            <a:off x="2895600" y="1638300"/>
+            <a:ext cx="7467600" cy="5311463"/>
           </a:xfrm>
           <a:prstGeom prst="rect">
             <a:avLst/>
@@ -29736,7 +29001,13 @@
       </p:pic>
       <p:pic>
         <p:nvPicPr>
-          <p:cNvPr id="6" name="그림 5"/>
+          <p:cNvPr id="6" name="그림 5">
+            <a:extLst>
+              <a:ext uri="{FF2B5EF4-FFF2-40B4-BE49-F238E27FC236}">
+                <a16:creationId xmlns:a16="http://schemas.microsoft.com/office/drawing/2014/main" id="{C50D11D1-2912-85CA-AF46-A988A5E4F077}"/>
+              </a:ext>
+            </a:extLst>
+          </p:cNvPr>
           <p:cNvPicPr>
             <a:picLocks noChangeAspect="1"/>
           </p:cNvPicPr>
@@ -29749,7 +29020,7 @@
                 <a14:imgProps xmlns:a14="http://schemas.microsoft.com/office/drawing/2010/main">
                   <a14:imgLayer r:embed="rId4">
                     <a14:imgEffect>
-                      <a14:artisticBlur radius="14"/>
+                      <a14:artisticBlur/>
                     </a14:imgEffect>
                   </a14:imgLayer>
                 </a14:imgProps>
@@ -29762,8 +29033,8 @@
         </p:blipFill>
         <p:spPr>
           <a:xfrm>
-            <a:off x="1371600" y="114300"/>
-            <a:ext cx="7696200" cy="8094525"/>
+            <a:off x="2895600" y="1638300"/>
+            <a:ext cx="7467600" cy="5311463"/>
           </a:xfrm>
           <a:prstGeom prst="rect">
             <a:avLst/>
@@ -29773,7 +29044,7 @@
     </p:spTree>
     <p:extLst>
       <p:ext uri="{BB962C8B-B14F-4D97-AF65-F5344CB8AC3E}">
-        <p14:creationId xmlns:p14="http://schemas.microsoft.com/office/powerpoint/2010/main" val="173441836"/>
+        <p14:creationId xmlns:p14="http://schemas.microsoft.com/office/powerpoint/2010/main" val="347930445"/>
       </p:ext>
     </p:extLst>
   </p:cSld>
@@ -29858,7 +29129,669 @@
 </p:sld>
 </file>
 
+<file path=ppt/slides/slide68.xml><?xml version="1.0" encoding="utf-8"?>
+<p:sld xmlns:a="http://schemas.openxmlformats.org/drawingml/2006/main" xmlns:r="http://schemas.openxmlformats.org/officeDocument/2006/relationships" xmlns:p="http://schemas.openxmlformats.org/presentationml/2006/main">
+  <p:cSld>
+    <p:spTree>
+      <p:nvGrpSpPr>
+        <p:cNvPr id="1" name=""/>
+        <p:cNvGrpSpPr/>
+        <p:nvPr/>
+      </p:nvGrpSpPr>
+      <p:grpSpPr>
+        <a:xfrm>
+          <a:off x="0" y="0"/>
+          <a:ext cx="0" cy="0"/>
+          <a:chOff x="0" y="0"/>
+          <a:chExt cx="0" cy="0"/>
+        </a:xfrm>
+      </p:grpSpPr>
+      <p:sp>
+        <p:nvSpPr>
+          <p:cNvPr id="5" name="TextBox 4">
+            <a:extLst>
+              <a:ext uri="{FF2B5EF4-FFF2-40B4-BE49-F238E27FC236}">
+                <a16:creationId xmlns:a16="http://schemas.microsoft.com/office/drawing/2014/main" id="{391988E2-5238-E0F9-959E-7F20A5BEB9CA}"/>
+              </a:ext>
+            </a:extLst>
+          </p:cNvPr>
+          <p:cNvSpPr txBox="1"/>
+          <p:nvPr/>
+        </p:nvSpPr>
+        <p:spPr>
+          <a:xfrm>
+            <a:off x="762000" y="419100"/>
+            <a:ext cx="16154400" cy="2308324"/>
+          </a:xfrm>
+          <a:prstGeom prst="rect">
+            <a:avLst/>
+          </a:prstGeom>
+          <a:noFill/>
+        </p:spPr>
+        <p:txBody>
+          <a:bodyPr wrap="square" rtlCol="0">
+            <a:spAutoFit/>
+          </a:bodyPr>
+          <a:lstStyle/>
+          <a:p>
+            <a:r>
+              <a:rPr lang="en-US" altLang="ko-KR" sz="3600" dirty="0">
+                <a:solidFill>
+                  <a:schemeClr val="bg1">
+                    <a:lumMod val="50000"/>
+                  </a:schemeClr>
+                </a:solidFill>
+                <a:latin typeface="G마켓 산스 Medium" panose="02000000000000000000" pitchFamily="50" charset="-127"/>
+                <a:ea typeface="G마켓 산스 Medium" panose="02000000000000000000" pitchFamily="50" charset="-127"/>
+              </a:rPr>
+              <a:t>2. </a:t>
+            </a:r>
+            <a:r>
+              <a:rPr lang="ko-KR" altLang="en-US" sz="3600" dirty="0">
+                <a:solidFill>
+                  <a:schemeClr val="bg1">
+                    <a:lumMod val="50000"/>
+                  </a:schemeClr>
+                </a:solidFill>
+                <a:latin typeface="G마켓 산스 Medium" panose="02000000000000000000" pitchFamily="50" charset="-127"/>
+                <a:ea typeface="G마켓 산스 Medium" panose="02000000000000000000" pitchFamily="50" charset="-127"/>
+              </a:rPr>
+              <a:t>카운트가 올라가면서 동시에 다이얼로그 창이 띄워지도록 하자</a:t>
+            </a:r>
+            <a:endParaRPr lang="en-US" altLang="ko-KR" sz="3600" dirty="0">
+              <a:solidFill>
+                <a:schemeClr val="bg1">
+                  <a:lumMod val="50000"/>
+                </a:schemeClr>
+              </a:solidFill>
+              <a:latin typeface="G마켓 산스 Medium" panose="02000000000000000000" pitchFamily="50" charset="-127"/>
+              <a:ea typeface="G마켓 산스 Medium" panose="02000000000000000000" pitchFamily="50" charset="-127"/>
+            </a:endParaRPr>
+          </a:p>
+          <a:p>
+            <a:r>
+              <a:rPr lang="en-US" altLang="ko-KR" sz="3600" dirty="0">
+                <a:solidFill>
+                  <a:schemeClr val="bg1">
+                    <a:lumMod val="50000"/>
+                  </a:schemeClr>
+                </a:solidFill>
+                <a:latin typeface="G마켓 산스 Medium" panose="02000000000000000000" pitchFamily="50" charset="-127"/>
+                <a:ea typeface="G마켓 산스 Medium" panose="02000000000000000000" pitchFamily="50" charset="-127"/>
+              </a:rPr>
+              <a:t>- </a:t>
+            </a:r>
+            <a:r>
+              <a:rPr lang="ko-KR" altLang="en-US" sz="3600" dirty="0">
+                <a:solidFill>
+                  <a:schemeClr val="bg1">
+                    <a:lumMod val="50000"/>
+                  </a:schemeClr>
+                </a:solidFill>
+                <a:latin typeface="G마켓 산스 Medium" panose="02000000000000000000" pitchFamily="50" charset="-127"/>
+                <a:ea typeface="G마켓 산스 Medium" panose="02000000000000000000" pitchFamily="50" charset="-127"/>
+              </a:rPr>
+              <a:t>다이얼로그가 띄워진 채 숫자가 올라가야 한다</a:t>
+            </a:r>
+            <a:r>
+              <a:rPr lang="en-US" altLang="ko-KR" sz="3600" dirty="0">
+                <a:solidFill>
+                  <a:schemeClr val="bg1">
+                    <a:lumMod val="50000"/>
+                  </a:schemeClr>
+                </a:solidFill>
+                <a:latin typeface="G마켓 산스 Medium" panose="02000000000000000000" pitchFamily="50" charset="-127"/>
+                <a:ea typeface="G마켓 산스 Medium" panose="02000000000000000000" pitchFamily="50" charset="-127"/>
+              </a:rPr>
+              <a:t>.</a:t>
+            </a:r>
+          </a:p>
+          <a:p>
+            <a:r>
+              <a:rPr lang="en-US" altLang="ko-KR" sz="3600" dirty="0">
+                <a:solidFill>
+                  <a:schemeClr val="bg1">
+                    <a:lumMod val="50000"/>
+                  </a:schemeClr>
+                </a:solidFill>
+                <a:latin typeface="G마켓 산스 Medium" panose="02000000000000000000" pitchFamily="50" charset="-127"/>
+                <a:ea typeface="G마켓 산스 Medium" panose="02000000000000000000" pitchFamily="50" charset="-127"/>
+              </a:rPr>
+              <a:t>- </a:t>
+            </a:r>
+            <a:r>
+              <a:rPr lang="ko-KR" altLang="en-US" sz="3600" dirty="0">
+                <a:solidFill>
+                  <a:schemeClr val="bg1">
+                    <a:lumMod val="50000"/>
+                  </a:schemeClr>
+                </a:solidFill>
+                <a:latin typeface="G마켓 산스 Medium" panose="02000000000000000000" pitchFamily="50" charset="-127"/>
+                <a:ea typeface="G마켓 산스 Medium" panose="02000000000000000000" pitchFamily="50" charset="-127"/>
+              </a:rPr>
+              <a:t>카운트 출력이 </a:t>
+            </a:r>
+            <a:r>
+              <a:rPr lang="ko-KR" altLang="en-US" sz="3600" dirty="0" err="1">
+                <a:solidFill>
+                  <a:schemeClr val="bg1">
+                    <a:lumMod val="50000"/>
+                  </a:schemeClr>
+                </a:solidFill>
+                <a:latin typeface="G마켓 산스 Medium" panose="02000000000000000000" pitchFamily="50" charset="-127"/>
+                <a:ea typeface="G마켓 산스 Medium" panose="02000000000000000000" pitchFamily="50" charset="-127"/>
+              </a:rPr>
+              <a:t>서브쓰레드로</a:t>
+            </a:r>
+            <a:r>
+              <a:rPr lang="ko-KR" altLang="en-US" sz="3600" dirty="0">
+                <a:solidFill>
+                  <a:schemeClr val="bg1">
+                    <a:lumMod val="50000"/>
+                  </a:schemeClr>
+                </a:solidFill>
+                <a:latin typeface="G마켓 산스 Medium" panose="02000000000000000000" pitchFamily="50" charset="-127"/>
+                <a:ea typeface="G마켓 산스 Medium" panose="02000000000000000000" pitchFamily="50" charset="-127"/>
+              </a:rPr>
+              <a:t> 실행이 되어야 가능하다</a:t>
+            </a:r>
+            <a:r>
+              <a:rPr lang="en-US" altLang="ko-KR" sz="3600" dirty="0">
+                <a:solidFill>
+                  <a:schemeClr val="bg1">
+                    <a:lumMod val="50000"/>
+                  </a:schemeClr>
+                </a:solidFill>
+                <a:latin typeface="G마켓 산스 Medium" panose="02000000000000000000" pitchFamily="50" charset="-127"/>
+                <a:ea typeface="G마켓 산스 Medium" panose="02000000000000000000" pitchFamily="50" charset="-127"/>
+              </a:rPr>
+              <a:t>.</a:t>
+            </a:r>
+          </a:p>
+          <a:p>
+            <a:r>
+              <a:rPr lang="en-US" altLang="ko-KR" sz="3600" dirty="0">
+                <a:solidFill>
+                  <a:schemeClr val="bg1">
+                    <a:lumMod val="50000"/>
+                  </a:schemeClr>
+                </a:solidFill>
+                <a:latin typeface="G마켓 산스 Medium" panose="02000000000000000000" pitchFamily="50" charset="-127"/>
+                <a:ea typeface="G마켓 산스 Medium" panose="02000000000000000000" pitchFamily="50" charset="-127"/>
+              </a:rPr>
+              <a:t>- Thread </a:t>
+            </a:r>
+            <a:r>
+              <a:rPr lang="ko-KR" altLang="en-US" sz="3600" dirty="0">
+                <a:solidFill>
+                  <a:schemeClr val="bg1">
+                    <a:lumMod val="50000"/>
+                  </a:schemeClr>
+                </a:solidFill>
+                <a:latin typeface="G마켓 산스 Medium" panose="02000000000000000000" pitchFamily="50" charset="-127"/>
+                <a:ea typeface="G마켓 산스 Medium" panose="02000000000000000000" pitchFamily="50" charset="-127"/>
+              </a:rPr>
+              <a:t>클래스</a:t>
+            </a:r>
+            <a:r>
+              <a:rPr lang="en-US" altLang="ko-KR" sz="3600" dirty="0">
+                <a:solidFill>
+                  <a:schemeClr val="bg1">
+                    <a:lumMod val="50000"/>
+                  </a:schemeClr>
+                </a:solidFill>
+                <a:latin typeface="G마켓 산스 Medium" panose="02000000000000000000" pitchFamily="50" charset="-127"/>
+                <a:ea typeface="G마켓 산스 Medium" panose="02000000000000000000" pitchFamily="50" charset="-127"/>
+              </a:rPr>
+              <a:t>, Runnable </a:t>
+            </a:r>
+            <a:r>
+              <a:rPr lang="ko-KR" altLang="en-US" sz="3600" dirty="0">
+                <a:solidFill>
+                  <a:schemeClr val="bg1">
+                    <a:lumMod val="50000"/>
+                  </a:schemeClr>
+                </a:solidFill>
+                <a:latin typeface="G마켓 산스 Medium" panose="02000000000000000000" pitchFamily="50" charset="-127"/>
+                <a:ea typeface="G마켓 산스 Medium" panose="02000000000000000000" pitchFamily="50" charset="-127"/>
+              </a:rPr>
+              <a:t>인터페이스 둘 중 편한 것을 사용하자</a:t>
+            </a:r>
+            <a:r>
+              <a:rPr lang="en-US" altLang="ko-KR" sz="3600" dirty="0">
+                <a:solidFill>
+                  <a:schemeClr val="bg1">
+                    <a:lumMod val="50000"/>
+                  </a:schemeClr>
+                </a:solidFill>
+                <a:latin typeface="G마켓 산스 Medium" panose="02000000000000000000" pitchFamily="50" charset="-127"/>
+                <a:ea typeface="G마켓 산스 Medium" panose="02000000000000000000" pitchFamily="50" charset="-127"/>
+              </a:rPr>
+              <a:t>.</a:t>
+            </a:r>
+          </a:p>
+        </p:txBody>
+      </p:sp>
+      <p:pic>
+        <p:nvPicPr>
+          <p:cNvPr id="7" name="그림 6">
+            <a:extLst>
+              <a:ext uri="{FF2B5EF4-FFF2-40B4-BE49-F238E27FC236}">
+                <a16:creationId xmlns:a16="http://schemas.microsoft.com/office/drawing/2014/main" id="{9534A107-F48F-0742-954A-F765633E29C4}"/>
+              </a:ext>
+            </a:extLst>
+          </p:cNvPr>
+          <p:cNvPicPr>
+            <a:picLocks noChangeAspect="1"/>
+          </p:cNvPicPr>
+          <p:nvPr/>
+        </p:nvPicPr>
+        <p:blipFill>
+          <a:blip r:embed="rId2"/>
+          <a:stretch>
+            <a:fillRect/>
+          </a:stretch>
+        </p:blipFill>
+        <p:spPr>
+          <a:xfrm>
+            <a:off x="8077200" y="3049006"/>
+            <a:ext cx="8693557" cy="6322588"/>
+          </a:xfrm>
+          <a:prstGeom prst="rect">
+            <a:avLst/>
+          </a:prstGeom>
+        </p:spPr>
+      </p:pic>
+      <p:pic>
+        <p:nvPicPr>
+          <p:cNvPr id="14" name="그림 13">
+            <a:extLst>
+              <a:ext uri="{FF2B5EF4-FFF2-40B4-BE49-F238E27FC236}">
+                <a16:creationId xmlns:a16="http://schemas.microsoft.com/office/drawing/2014/main" id="{16B33B73-6758-323F-2823-7CED63A97C21}"/>
+              </a:ext>
+            </a:extLst>
+          </p:cNvPr>
+          <p:cNvPicPr>
+            <a:picLocks noChangeAspect="1"/>
+          </p:cNvPicPr>
+          <p:nvPr/>
+        </p:nvPicPr>
+        <p:blipFill>
+          <a:blip r:embed="rId3"/>
+          <a:stretch>
+            <a:fillRect/>
+          </a:stretch>
+        </p:blipFill>
+        <p:spPr>
+          <a:xfrm>
+            <a:off x="-19581" y="2933700"/>
+            <a:ext cx="7791981" cy="7315200"/>
+          </a:xfrm>
+          <a:prstGeom prst="rect">
+            <a:avLst/>
+          </a:prstGeom>
+        </p:spPr>
+      </p:pic>
+      <p:pic>
+        <p:nvPicPr>
+          <p:cNvPr id="15" name="그림 14">
+            <a:extLst>
+              <a:ext uri="{FF2B5EF4-FFF2-40B4-BE49-F238E27FC236}">
+                <a16:creationId xmlns:a16="http://schemas.microsoft.com/office/drawing/2014/main" id="{E48B1EBD-7B3D-83AD-0A0D-FD9150101992}"/>
+              </a:ext>
+            </a:extLst>
+          </p:cNvPr>
+          <p:cNvPicPr>
+            <a:picLocks noChangeAspect="1"/>
+          </p:cNvPicPr>
+          <p:nvPr/>
+        </p:nvPicPr>
+        <p:blipFill rotWithShape="1">
+          <a:blip r:embed="rId4">
+            <a:extLst>
+              <a:ext uri="{BEBA8EAE-BF5A-486C-A8C5-ECC9F3942E4B}">
+                <a14:imgProps xmlns:a14="http://schemas.microsoft.com/office/drawing/2010/main">
+                  <a14:imgLayer r:embed="rId5">
+                    <a14:imgEffect>
+                      <a14:artisticBlur/>
+                    </a14:imgEffect>
+                  </a14:imgLayer>
+                </a14:imgProps>
+              </a:ext>
+            </a:extLst>
+          </a:blip>
+          <a:srcRect b="10417"/>
+          <a:stretch/>
+        </p:blipFill>
+        <p:spPr>
+          <a:xfrm>
+            <a:off x="-19581" y="2933700"/>
+            <a:ext cx="7791981" cy="6553200"/>
+          </a:xfrm>
+          <a:prstGeom prst="rect">
+            <a:avLst/>
+          </a:prstGeom>
+        </p:spPr>
+      </p:pic>
+    </p:spTree>
+    <p:extLst>
+      <p:ext uri="{BB962C8B-B14F-4D97-AF65-F5344CB8AC3E}">
+        <p14:creationId xmlns:p14="http://schemas.microsoft.com/office/powerpoint/2010/main" val="2137839515"/>
+      </p:ext>
+    </p:extLst>
+  </p:cSld>
+  <p:clrMapOvr>
+    <a:masterClrMapping/>
+  </p:clrMapOvr>
+  <p:timing>
+    <p:tnLst>
+      <p:par>
+        <p:cTn id="1" dur="indefinite" restart="never" nodeType="tmRoot">
+          <p:childTnLst>
+            <p:seq concurrent="1" nextAc="seek">
+              <p:cTn id="2" dur="indefinite" nodeType="mainSeq">
+                <p:childTnLst>
+                  <p:par>
+                    <p:cTn id="3" fill="hold">
+                      <p:stCondLst>
+                        <p:cond delay="indefinite"/>
+                      </p:stCondLst>
+                      <p:childTnLst>
+                        <p:par>
+                          <p:cTn id="4" fill="hold">
+                            <p:stCondLst>
+                              <p:cond delay="0"/>
+                            </p:stCondLst>
+                            <p:childTnLst>
+                              <p:par>
+                                <p:cTn id="5" presetID="1" presetClass="exit" presetSubtype="0" fill="hold" nodeType="clickEffect">
+                                  <p:stCondLst>
+                                    <p:cond delay="0"/>
+                                  </p:stCondLst>
+                                  <p:childTnLst>
+                                    <p:set>
+                                      <p:cBhvr>
+                                        <p:cTn id="6" dur="1" fill="hold">
+                                          <p:stCondLst>
+                                            <p:cond delay="0"/>
+                                          </p:stCondLst>
+                                        </p:cTn>
+                                        <p:tgtEl>
+                                          <p:spTgt spid="15"/>
+                                        </p:tgtEl>
+                                        <p:attrNameLst>
+                                          <p:attrName>style.visibility</p:attrName>
+                                        </p:attrNameLst>
+                                      </p:cBhvr>
+                                      <p:to>
+                                        <p:strVal val="hidden"/>
+                                      </p:to>
+                                    </p:set>
+                                  </p:childTnLst>
+                                </p:cTn>
+                              </p:par>
+                            </p:childTnLst>
+                          </p:cTn>
+                        </p:par>
+                      </p:childTnLst>
+                    </p:cTn>
+                  </p:par>
+                </p:childTnLst>
+              </p:cTn>
+              <p:prevCondLst>
+                <p:cond evt="onPrev" delay="0">
+                  <p:tgtEl>
+                    <p:sldTgt/>
+                  </p:tgtEl>
+                </p:cond>
+              </p:prevCondLst>
+              <p:nextCondLst>
+                <p:cond evt="onNext" delay="0">
+                  <p:tgtEl>
+                    <p:sldTgt/>
+                  </p:tgtEl>
+                </p:cond>
+              </p:nextCondLst>
+            </p:seq>
+          </p:childTnLst>
+        </p:cTn>
+      </p:par>
+    </p:tnLst>
+  </p:timing>
+</p:sld>
+</file>
+
 <file path=ppt/slides/slide69.xml><?xml version="1.0" encoding="utf-8"?>
+<p:sld xmlns:a="http://schemas.openxmlformats.org/drawingml/2006/main" xmlns:r="http://schemas.openxmlformats.org/officeDocument/2006/relationships" xmlns:p="http://schemas.openxmlformats.org/presentationml/2006/main">
+  <p:cSld>
+    <p:spTree>
+      <p:nvGrpSpPr>
+        <p:cNvPr id="1" name=""/>
+        <p:cNvGrpSpPr/>
+        <p:nvPr/>
+      </p:nvGrpSpPr>
+      <p:grpSpPr>
+        <a:xfrm>
+          <a:off x="0" y="0"/>
+          <a:ext cx="0" cy="0"/>
+          <a:chOff x="0" y="0"/>
+          <a:chExt cx="0" cy="0"/>
+        </a:xfrm>
+      </p:grpSpPr>
+      <p:sp>
+        <p:nvSpPr>
+          <p:cNvPr id="4" name="TextBox 3">
+            <a:extLst>
+              <a:ext uri="{FF2B5EF4-FFF2-40B4-BE49-F238E27FC236}">
+                <a16:creationId xmlns:a16="http://schemas.microsoft.com/office/drawing/2014/main" id="{2FFEA572-0493-CB52-6BE5-4BCEFE8076B6}"/>
+              </a:ext>
+            </a:extLst>
+          </p:cNvPr>
+          <p:cNvSpPr txBox="1"/>
+          <p:nvPr/>
+        </p:nvSpPr>
+        <p:spPr>
+          <a:xfrm>
+            <a:off x="685800" y="419100"/>
+            <a:ext cx="17221200" cy="1323439"/>
+          </a:xfrm>
+          <a:prstGeom prst="rect">
+            <a:avLst/>
+          </a:prstGeom>
+          <a:noFill/>
+        </p:spPr>
+        <p:txBody>
+          <a:bodyPr wrap="square" rtlCol="0">
+            <a:spAutoFit/>
+          </a:bodyPr>
+          <a:lstStyle/>
+          <a:p>
+            <a:r>
+              <a:rPr lang="en-US" altLang="ko-KR" sz="4000" dirty="0">
+                <a:solidFill>
+                  <a:schemeClr val="bg1">
+                    <a:lumMod val="50000"/>
+                  </a:schemeClr>
+                </a:solidFill>
+                <a:latin typeface="G마켓 산스 Medium" panose="02000000000000000000" pitchFamily="50" charset="-127"/>
+                <a:ea typeface="G마켓 산스 Medium" panose="02000000000000000000" pitchFamily="50" charset="-127"/>
+              </a:rPr>
+              <a:t>3. 1</a:t>
+            </a:r>
+            <a:r>
+              <a:rPr lang="ko-KR" altLang="en-US" sz="4000" dirty="0">
+                <a:solidFill>
+                  <a:schemeClr val="bg1">
+                    <a:lumMod val="50000"/>
+                  </a:schemeClr>
+                </a:solidFill>
+                <a:latin typeface="G마켓 산스 Medium" panose="02000000000000000000" pitchFamily="50" charset="-127"/>
+                <a:ea typeface="G마켓 산스 Medium" panose="02000000000000000000" pitchFamily="50" charset="-127"/>
+              </a:rPr>
+              <a:t>번 문제의 카운트가 다이얼 로그창을 닫을 때 까지 계속 나오게 하고 다이얼로그 창을 닫으면 프로그램이 종료되도록 하자</a:t>
+            </a:r>
+            <a:endParaRPr lang="en-US" altLang="ko-KR" sz="4000" dirty="0">
+              <a:solidFill>
+                <a:schemeClr val="bg1">
+                  <a:lumMod val="50000"/>
+                </a:schemeClr>
+              </a:solidFill>
+              <a:latin typeface="G마켓 산스 Medium" panose="02000000000000000000" pitchFamily="50" charset="-127"/>
+              <a:ea typeface="G마켓 산스 Medium" panose="02000000000000000000" pitchFamily="50" charset="-127"/>
+            </a:endParaRPr>
+          </a:p>
+        </p:txBody>
+      </p:sp>
+    </p:spTree>
+    <p:extLst>
+      <p:ext uri="{BB962C8B-B14F-4D97-AF65-F5344CB8AC3E}">
+        <p14:creationId xmlns:p14="http://schemas.microsoft.com/office/powerpoint/2010/main" val="2636466571"/>
+      </p:ext>
+    </p:extLst>
+  </p:cSld>
+  <p:clrMapOvr>
+    <a:masterClrMapping/>
+  </p:clrMapOvr>
+</p:sld>
+</file>
+
+<file path=ppt/slides/slide7.xml><?xml version="1.0" encoding="utf-8"?>
+<p:sld xmlns:a="http://schemas.openxmlformats.org/drawingml/2006/main" xmlns:r="http://schemas.openxmlformats.org/officeDocument/2006/relationships" xmlns:p="http://schemas.openxmlformats.org/presentationml/2006/main">
+  <p:cSld>
+    <p:spTree>
+      <p:nvGrpSpPr>
+        <p:cNvPr id="1" name=""/>
+        <p:cNvGrpSpPr/>
+        <p:nvPr/>
+      </p:nvGrpSpPr>
+      <p:grpSpPr>
+        <a:xfrm>
+          <a:off x="0" y="0"/>
+          <a:ext cx="0" cy="0"/>
+          <a:chOff x="0" y="0"/>
+          <a:chExt cx="0" cy="0"/>
+        </a:xfrm>
+      </p:grpSpPr>
+      <p:sp>
+        <p:nvSpPr>
+          <p:cNvPr id="5" name="TextBox 4">
+            <a:extLst>
+              <a:ext uri="{FF2B5EF4-FFF2-40B4-BE49-F238E27FC236}">
+                <a16:creationId xmlns:a16="http://schemas.microsoft.com/office/drawing/2014/main" id="{D15853EE-94B0-D08B-DCB7-3381290CC3FF}"/>
+              </a:ext>
+            </a:extLst>
+          </p:cNvPr>
+          <p:cNvSpPr txBox="1"/>
+          <p:nvPr/>
+        </p:nvSpPr>
+        <p:spPr>
+          <a:xfrm>
+            <a:off x="1143000" y="266700"/>
+            <a:ext cx="5562600" cy="830997"/>
+          </a:xfrm>
+          <a:prstGeom prst="rect">
+            <a:avLst/>
+          </a:prstGeom>
+          <a:noFill/>
+        </p:spPr>
+        <p:txBody>
+          <a:bodyPr wrap="square" rtlCol="0">
+            <a:spAutoFit/>
+          </a:bodyPr>
+          <a:lstStyle/>
+          <a:p>
+            <a:r>
+              <a:rPr lang="ko-KR" altLang="en-US" sz="4800" dirty="0" err="1">
+                <a:solidFill>
+                  <a:srgbClr val="4C50BC"/>
+                </a:solidFill>
+                <a:latin typeface="G마켓 산스 Medium" panose="02000000000000000000" pitchFamily="50" charset="-127"/>
+                <a:ea typeface="G마켓 산스 Medium" panose="02000000000000000000" pitchFamily="50" charset="-127"/>
+              </a:rPr>
+              <a:t>열거형</a:t>
+            </a:r>
+            <a:r>
+              <a:rPr lang="ko-KR" altLang="en-US" sz="4800" dirty="0">
+                <a:solidFill>
+                  <a:srgbClr val="4C50BC"/>
+                </a:solidFill>
+                <a:latin typeface="G마켓 산스 Medium" panose="02000000000000000000" pitchFamily="50" charset="-127"/>
+                <a:ea typeface="G마켓 산스 Medium" panose="02000000000000000000" pitchFamily="50" charset="-127"/>
+              </a:rPr>
+              <a:t> 요소의 값</a:t>
+            </a:r>
+            <a:endParaRPr lang="en-US" altLang="ko-KR" sz="4800" dirty="0">
+              <a:solidFill>
+                <a:srgbClr val="4C50BC"/>
+              </a:solidFill>
+              <a:latin typeface="G마켓 산스 Medium" panose="02000000000000000000" pitchFamily="50" charset="-127"/>
+              <a:ea typeface="G마켓 산스 Medium" panose="02000000000000000000" pitchFamily="50" charset="-127"/>
+            </a:endParaRPr>
+          </a:p>
+        </p:txBody>
+      </p:sp>
+      <p:pic>
+        <p:nvPicPr>
+          <p:cNvPr id="2" name="그림 1"/>
+          <p:cNvPicPr>
+            <a:picLocks noChangeAspect="1"/>
+          </p:cNvPicPr>
+          <p:nvPr/>
+        </p:nvPicPr>
+        <p:blipFill>
+          <a:blip r:embed="rId2"/>
+          <a:stretch>
+            <a:fillRect/>
+          </a:stretch>
+        </p:blipFill>
+        <p:spPr>
+          <a:xfrm>
+            <a:off x="4191000" y="1562099"/>
+            <a:ext cx="8517921" cy="2514600"/>
+          </a:xfrm>
+          <a:prstGeom prst="rect">
+            <a:avLst/>
+          </a:prstGeom>
+        </p:spPr>
+      </p:pic>
+      <p:pic>
+        <p:nvPicPr>
+          <p:cNvPr id="3" name="그림 2"/>
+          <p:cNvPicPr>
+            <a:picLocks noChangeAspect="1"/>
+          </p:cNvPicPr>
+          <p:nvPr/>
+        </p:nvPicPr>
+        <p:blipFill>
+          <a:blip r:embed="rId3"/>
+          <a:stretch>
+            <a:fillRect/>
+          </a:stretch>
+        </p:blipFill>
+        <p:spPr>
+          <a:xfrm>
+            <a:off x="4191000" y="4569676"/>
+            <a:ext cx="3219568" cy="1821597"/>
+          </a:xfrm>
+          <a:prstGeom prst="rect">
+            <a:avLst/>
+          </a:prstGeom>
+        </p:spPr>
+      </p:pic>
+    </p:spTree>
+    <p:extLst>
+      <p:ext uri="{BB962C8B-B14F-4D97-AF65-F5344CB8AC3E}">
+        <p14:creationId xmlns:p14="http://schemas.microsoft.com/office/powerpoint/2010/main" val="4197313841"/>
+      </p:ext>
+    </p:extLst>
+  </p:cSld>
+  <p:clrMapOvr>
+    <a:masterClrMapping/>
+  </p:clrMapOvr>
+</p:sld>
+</file>
+
+<file path=ppt/slides/slide70.xml><?xml version="1.0" encoding="utf-8"?>
 <p:sld xmlns:a="http://schemas.openxmlformats.org/drawingml/2006/main" xmlns:r="http://schemas.openxmlformats.org/officeDocument/2006/relationships" xmlns:p="http://schemas.openxmlformats.org/presentationml/2006/main">
   <p:cSld>
     <p:spTree>
@@ -29891,8 +29824,8 @@
         </p:blipFill>
         <p:spPr>
           <a:xfrm>
-            <a:off x="1295400" y="266700"/>
-            <a:ext cx="8077200" cy="9037320"/>
+            <a:off x="304800" y="800100"/>
+            <a:ext cx="7696200" cy="8094525"/>
           </a:xfrm>
           <a:prstGeom prst="rect">
             <a:avLst/>
@@ -29913,6 +29846,78 @@
               <a:ext uri="{BEBA8EAE-BF5A-486C-A8C5-ECC9F3942E4B}">
                 <a14:imgProps xmlns:a14="http://schemas.microsoft.com/office/drawing/2010/main">
                   <a14:imgLayer r:embed="rId4">
+                    <a14:imgEffect>
+                      <a14:artisticBlur radius="14"/>
+                    </a14:imgEffect>
+                  </a14:imgLayer>
+                </a14:imgProps>
+              </a:ext>
+            </a:extLst>
+          </a:blip>
+          <a:stretch>
+            <a:fillRect/>
+          </a:stretch>
+        </p:blipFill>
+        <p:spPr>
+          <a:xfrm>
+            <a:off x="275771" y="800099"/>
+            <a:ext cx="7696200" cy="8094525"/>
+          </a:xfrm>
+          <a:prstGeom prst="rect">
+            <a:avLst/>
+          </a:prstGeom>
+        </p:spPr>
+      </p:pic>
+      <p:pic>
+        <p:nvPicPr>
+          <p:cNvPr id="3" name="그림 2">
+            <a:extLst>
+              <a:ext uri="{FF2B5EF4-FFF2-40B4-BE49-F238E27FC236}">
+                <a16:creationId xmlns:a16="http://schemas.microsoft.com/office/drawing/2014/main" id="{27BDA925-CB50-36C4-E9F9-4FED92D8F746}"/>
+              </a:ext>
+            </a:extLst>
+          </p:cNvPr>
+          <p:cNvPicPr>
+            <a:picLocks noChangeAspect="1"/>
+          </p:cNvPicPr>
+          <p:nvPr/>
+        </p:nvPicPr>
+        <p:blipFill>
+          <a:blip r:embed="rId5"/>
+          <a:stretch>
+            <a:fillRect/>
+          </a:stretch>
+        </p:blipFill>
+        <p:spPr>
+          <a:xfrm>
+            <a:off x="8915400" y="624840"/>
+            <a:ext cx="8077200" cy="9037320"/>
+          </a:xfrm>
+          <a:prstGeom prst="rect">
+            <a:avLst/>
+          </a:prstGeom>
+        </p:spPr>
+      </p:pic>
+      <p:pic>
+        <p:nvPicPr>
+          <p:cNvPr id="4" name="그림 3">
+            <a:extLst>
+              <a:ext uri="{FF2B5EF4-FFF2-40B4-BE49-F238E27FC236}">
+                <a16:creationId xmlns:a16="http://schemas.microsoft.com/office/drawing/2014/main" id="{8C796456-37FE-072E-663B-C725DF4ADB7F}"/>
+              </a:ext>
+            </a:extLst>
+          </p:cNvPr>
+          <p:cNvPicPr>
+            <a:picLocks noChangeAspect="1"/>
+          </p:cNvPicPr>
+          <p:nvPr/>
+        </p:nvPicPr>
+        <p:blipFill>
+          <a:blip r:embed="rId6">
+            <a:extLst>
+              <a:ext uri="{BEBA8EAE-BF5A-486C-A8C5-ECC9F3942E4B}">
+                <a14:imgProps xmlns:a14="http://schemas.microsoft.com/office/drawing/2010/main">
+                  <a14:imgLayer r:embed="rId7">
                     <a14:imgEffect>
                       <a14:artisticBlur radius="18"/>
                     </a14:imgEffect>
@@ -29927,7 +29932,7 @@
         </p:blipFill>
         <p:spPr>
           <a:xfrm>
-            <a:off x="1295400" y="266700"/>
+            <a:off x="8886371" y="624840"/>
             <a:ext cx="8077200" cy="9037320"/>
           </a:xfrm>
           <a:prstGeom prst="rect">
@@ -29938,7 +29943,7 @@
     </p:spTree>
     <p:extLst>
       <p:ext uri="{BB962C8B-B14F-4D97-AF65-F5344CB8AC3E}">
-        <p14:creationId xmlns:p14="http://schemas.microsoft.com/office/powerpoint/2010/main" val="2137839515"/>
+        <p14:creationId xmlns:p14="http://schemas.microsoft.com/office/powerpoint/2010/main" val="173441836"/>
       </p:ext>
     </p:extLst>
   </p:cSld>
@@ -29998,6 +30003,51 @@
                       </p:childTnLst>
                     </p:cTn>
                   </p:par>
+                  <p:par>
+                    <p:cTn id="7" fill="hold">
+                      <p:stCondLst>
+                        <p:cond delay="indefinite"/>
+                      </p:stCondLst>
+                      <p:childTnLst>
+                        <p:par>
+                          <p:cTn id="8" fill="hold">
+                            <p:stCondLst>
+                              <p:cond delay="0"/>
+                            </p:stCondLst>
+                            <p:childTnLst>
+                              <p:par>
+                                <p:cTn id="9" presetID="1" presetClass="exit" presetSubtype="0" fill="hold" nodeType="clickEffect">
+                                  <p:stCondLst>
+                                    <p:cond delay="0"/>
+                                  </p:stCondLst>
+                                  <p:childTnLst>
+                                    <p:set>
+                                      <p:cBhvr>
+                                        <p:cTn id="10" dur="1" fill="hold">
+                                          <p:stCondLst>
+                                            <p:cond delay="0"/>
+                                          </p:stCondLst>
+                                        </p:cTn>
+                                        <p:tgtEl>
+                                          <p:spTgt spid="4"/>
+                                        </p:tgtEl>
+                                        <p:attrNameLst>
+                                          <p:attrName>style.visibility</p:attrName>
+                                        </p:attrNameLst>
+                                      </p:cBhvr>
+                                      <p:to>
+                                        <p:strVal val="hidden"/>
+                                      </p:to>
+                                    </p:set>
+                                  </p:childTnLst>
+                                </p:cTn>
+                              </p:par>
+                            </p:childTnLst>
+                          </p:cTn>
+                        </p:par>
+                      </p:childTnLst>
+                    </p:cTn>
+                  </p:par>
                 </p:childTnLst>
               </p:cTn>
               <p:prevCondLst>
@@ -30023,150 +30073,7 @@
 </p:sld>
 </file>
 
-<file path=ppt/slides/slide7.xml><?xml version="1.0" encoding="utf-8"?>
-<p:sld xmlns:a="http://schemas.openxmlformats.org/drawingml/2006/main" xmlns:r="http://schemas.openxmlformats.org/officeDocument/2006/relationships" xmlns:p="http://schemas.openxmlformats.org/presentationml/2006/main">
-  <p:cSld>
-    <p:spTree>
-      <p:nvGrpSpPr>
-        <p:cNvPr id="1" name=""/>
-        <p:cNvGrpSpPr/>
-        <p:nvPr/>
-      </p:nvGrpSpPr>
-      <p:grpSpPr>
-        <a:xfrm>
-          <a:off x="0" y="0"/>
-          <a:ext cx="0" cy="0"/>
-          <a:chOff x="0" y="0"/>
-          <a:chExt cx="0" cy="0"/>
-        </a:xfrm>
-      </p:grpSpPr>
-      <p:sp>
-        <p:nvSpPr>
-          <p:cNvPr id="5" name="TextBox 4">
-            <a:extLst>
-              <a:ext uri="{FF2B5EF4-FFF2-40B4-BE49-F238E27FC236}">
-                <a16:creationId xmlns:a16="http://schemas.microsoft.com/office/drawing/2014/main" xmlns="" id="{D15853EE-94B0-D08B-DCB7-3381290CC3FF}"/>
-              </a:ext>
-            </a:extLst>
-          </p:cNvPr>
-          <p:cNvSpPr txBox="1"/>
-          <p:nvPr/>
-        </p:nvSpPr>
-        <p:spPr>
-          <a:xfrm>
-            <a:off x="1143000" y="266700"/>
-            <a:ext cx="5562600" cy="830997"/>
-          </a:xfrm>
-          <a:prstGeom prst="rect">
-            <a:avLst/>
-          </a:prstGeom>
-          <a:noFill/>
-        </p:spPr>
-        <p:txBody>
-          <a:bodyPr wrap="square" rtlCol="0">
-            <a:spAutoFit/>
-          </a:bodyPr>
-          <a:lstStyle/>
-          <a:p>
-            <a:r>
-              <a:rPr lang="ko-KR" altLang="en-US" sz="4800" dirty="0" err="1">
-                <a:solidFill>
-                  <a:srgbClr val="4C50BC"/>
-                </a:solidFill>
-                <a:latin typeface="G마켓 산스 Medium" panose="02000000000000000000" pitchFamily="50" charset="-127"/>
-                <a:ea typeface="G마켓 산스 Medium" panose="02000000000000000000" pitchFamily="50" charset="-127"/>
-              </a:rPr>
-              <a:t>열거형</a:t>
-            </a:r>
-            <a:r>
-              <a:rPr lang="ko-KR" altLang="en-US" sz="4800" dirty="0">
-                <a:solidFill>
-                  <a:srgbClr val="4C50BC"/>
-                </a:solidFill>
-                <a:latin typeface="G마켓 산스 Medium" panose="02000000000000000000" pitchFamily="50" charset="-127"/>
-                <a:ea typeface="G마켓 산스 Medium" panose="02000000000000000000" pitchFamily="50" charset="-127"/>
-              </a:rPr>
-              <a:t> 요소의 값</a:t>
-            </a:r>
-            <a:endParaRPr lang="en-US" altLang="ko-KR" sz="4800" dirty="0">
-              <a:solidFill>
-                <a:srgbClr val="4C50BC"/>
-              </a:solidFill>
-              <a:latin typeface="G마켓 산스 Medium" panose="02000000000000000000" pitchFamily="50" charset="-127"/>
-              <a:ea typeface="G마켓 산스 Medium" panose="02000000000000000000" pitchFamily="50" charset="-127"/>
-            </a:endParaRPr>
-          </a:p>
-        </p:txBody>
-      </p:sp>
-      <p:pic>
-        <p:nvPicPr>
-          <p:cNvPr id="2" name="그림 1"/>
-          <p:cNvPicPr>
-            <a:picLocks noChangeAspect="1"/>
-          </p:cNvPicPr>
-          <p:nvPr/>
-        </p:nvPicPr>
-        <p:blipFill>
-          <a:blip r:embed="rId2"/>
-          <a:stretch>
-            <a:fillRect/>
-          </a:stretch>
-        </p:blipFill>
-        <p:spPr>
-          <a:xfrm>
-            <a:off x="4191000" y="1562099"/>
-            <a:ext cx="8517921" cy="2514600"/>
-          </a:xfrm>
-          <a:prstGeom prst="rect">
-            <a:avLst/>
-          </a:prstGeom>
-        </p:spPr>
-      </p:pic>
-      <p:pic>
-        <p:nvPicPr>
-          <p:cNvPr id="3" name="그림 2"/>
-          <p:cNvPicPr>
-            <a:picLocks noChangeAspect="1"/>
-          </p:cNvPicPr>
-          <p:nvPr/>
-        </p:nvPicPr>
-        <p:blipFill>
-          <a:blip r:embed="rId3"/>
-          <a:stretch>
-            <a:fillRect/>
-          </a:stretch>
-        </p:blipFill>
-        <p:spPr>
-          <a:xfrm>
-            <a:off x="4191000" y="4569676"/>
-            <a:ext cx="3219568" cy="1821597"/>
-          </a:xfrm>
-          <a:prstGeom prst="rect">
-            <a:avLst/>
-          </a:prstGeom>
-        </p:spPr>
-      </p:pic>
-    </p:spTree>
-    <p:extLst>
-      <p:ext uri="{BB962C8B-B14F-4D97-AF65-F5344CB8AC3E}">
-        <p14:creationId xmlns:p14="http://schemas.microsoft.com/office/powerpoint/2010/main" val="4197313841"/>
-      </p:ext>
-    </p:extLst>
-  </p:cSld>
-  <p:clrMapOvr>
-    <a:masterClrMapping/>
-  </p:clrMapOvr>
-  <p:timing>
-    <p:tnLst>
-      <p:par>
-        <p:cTn id="1" dur="indefinite" restart="never" nodeType="tmRoot"/>
-      </p:par>
-    </p:tnLst>
-  </p:timing>
-</p:sld>
-</file>
-
-<file path=ppt/slides/slide70.xml><?xml version="1.0" encoding="utf-8"?>
+<file path=ppt/slides/slide71.xml><?xml version="1.0" encoding="utf-8"?>
 <p:sld xmlns:a="http://schemas.openxmlformats.org/drawingml/2006/main" xmlns:r="http://schemas.openxmlformats.org/officeDocument/2006/relationships" xmlns:p="http://schemas.openxmlformats.org/presentationml/2006/main">
   <p:cSld name="Slide 20">
     <p:bg>
@@ -30454,7 +30361,7 @@
           <p:cNvPr id="2" name="TextBox 1">
             <a:extLst>
               <a:ext uri="{FF2B5EF4-FFF2-40B4-BE49-F238E27FC236}">
-                <a16:creationId xmlns:a16="http://schemas.microsoft.com/office/drawing/2014/main" xmlns="" id="{715D88A2-BD52-978B-A00A-540446126E3D}"/>
+                <a16:creationId xmlns:a16="http://schemas.microsoft.com/office/drawing/2014/main" id="{715D88A2-BD52-978B-A00A-540446126E3D}"/>
               </a:ext>
             </a:extLst>
           </p:cNvPr>
@@ -30502,13 +30409,6 @@
   <p:clrMapOvr>
     <a:masterClrMapping/>
   </p:clrMapOvr>
-  <p:timing>
-    <p:tnLst>
-      <p:par>
-        <p:cTn id="1" dur="indefinite" restart="never" nodeType="tmRoot"/>
-      </p:par>
-    </p:tnLst>
-  </p:timing>
 </p:sld>
 </file>
 
@@ -30534,7 +30434,7 @@
           <p:cNvPr id="4" name="TextBox 3">
             <a:extLst>
               <a:ext uri="{FF2B5EF4-FFF2-40B4-BE49-F238E27FC236}">
-                <a16:creationId xmlns:a16="http://schemas.microsoft.com/office/drawing/2014/main" xmlns="" id="{C6D113C6-EA5C-788F-0C77-E7CE6EBB865F}"/>
+                <a16:creationId xmlns:a16="http://schemas.microsoft.com/office/drawing/2014/main" id="{C6D113C6-EA5C-788F-0C77-E7CE6EBB865F}"/>
               </a:ext>
             </a:extLst>
           </p:cNvPr>
@@ -30643,7 +30543,7 @@
           <p:cNvPr id="7" name="TextBox 6">
             <a:extLst>
               <a:ext uri="{FF2B5EF4-FFF2-40B4-BE49-F238E27FC236}">
-                <a16:creationId xmlns:a16="http://schemas.microsoft.com/office/drawing/2014/main" xmlns="" id="{D15853EE-94B0-D08B-DCB7-3381290CC3FF}"/>
+                <a16:creationId xmlns:a16="http://schemas.microsoft.com/office/drawing/2014/main" id="{D15853EE-94B0-D08B-DCB7-3381290CC3FF}"/>
               </a:ext>
             </a:extLst>
           </p:cNvPr>
@@ -30684,17 +30584,7 @@
                 <a:latin typeface="G마켓 산스 Medium" panose="02000000000000000000" pitchFamily="50" charset="-127"/>
                 <a:ea typeface="G마켓 산스 Medium" panose="02000000000000000000" pitchFamily="50" charset="-127"/>
               </a:rPr>
-              <a:t> </a:t>
-            </a:r>
-            <a:r>
-              <a:rPr lang="ko-KR" altLang="en-US" sz="4800" dirty="0" smtClean="0">
-                <a:solidFill>
-                  <a:srgbClr val="4C50BC"/>
-                </a:solidFill>
-                <a:latin typeface="G마켓 산스 Medium" panose="02000000000000000000" pitchFamily="50" charset="-127"/>
-                <a:ea typeface="G마켓 산스 Medium" panose="02000000000000000000" pitchFamily="50" charset="-127"/>
-              </a:rPr>
-              <a:t>요소의 순서정보</a:t>
+              <a:t> 요소의 순서정보</a:t>
             </a:r>
             <a:endParaRPr lang="en-US" altLang="ko-KR" sz="4800" dirty="0">
               <a:solidFill>
@@ -30843,7 +30733,7 @@
           <p:cNvPr id="8" name="직선 화살표 연결선 7">
             <a:extLst>
               <a:ext uri="{FF2B5EF4-FFF2-40B4-BE49-F238E27FC236}">
-                <a16:creationId xmlns:a16="http://schemas.microsoft.com/office/drawing/2014/main" xmlns="" id="{299DF5EC-9DF4-5255-06AC-0A7CE4FF58C3}"/>
+                <a16:creationId xmlns:a16="http://schemas.microsoft.com/office/drawing/2014/main" id="{299DF5EC-9DF4-5255-06AC-0A7CE4FF58C3}"/>
               </a:ext>
             </a:extLst>
           </p:cNvPr>
@@ -30884,7 +30774,7 @@
           <p:cNvPr id="9" name="TextBox 8">
             <a:extLst>
               <a:ext uri="{FF2B5EF4-FFF2-40B4-BE49-F238E27FC236}">
-                <a16:creationId xmlns:a16="http://schemas.microsoft.com/office/drawing/2014/main" xmlns="" id="{C6D113C6-EA5C-788F-0C77-E7CE6EBB865F}"/>
+                <a16:creationId xmlns:a16="http://schemas.microsoft.com/office/drawing/2014/main" id="{C6D113C6-EA5C-788F-0C77-E7CE6EBB865F}"/>
               </a:ext>
             </a:extLst>
           </p:cNvPr>
@@ -30962,7 +30852,7 @@
           <p:cNvPr id="10" name="직선 화살표 연결선 9">
             <a:extLst>
               <a:ext uri="{FF2B5EF4-FFF2-40B4-BE49-F238E27FC236}">
-                <a16:creationId xmlns:a16="http://schemas.microsoft.com/office/drawing/2014/main" xmlns="" id="{299DF5EC-9DF4-5255-06AC-0A7CE4FF58C3}"/>
+                <a16:creationId xmlns:a16="http://schemas.microsoft.com/office/drawing/2014/main" id="{299DF5EC-9DF4-5255-06AC-0A7CE4FF58C3}"/>
               </a:ext>
             </a:extLst>
           </p:cNvPr>
@@ -31003,7 +30893,7 @@
           <p:cNvPr id="11" name="TextBox 10">
             <a:extLst>
               <a:ext uri="{FF2B5EF4-FFF2-40B4-BE49-F238E27FC236}">
-                <a16:creationId xmlns:a16="http://schemas.microsoft.com/office/drawing/2014/main" xmlns="" id="{C6D113C6-EA5C-788F-0C77-E7CE6EBB865F}"/>
+                <a16:creationId xmlns:a16="http://schemas.microsoft.com/office/drawing/2014/main" id="{C6D113C6-EA5C-788F-0C77-E7CE6EBB865F}"/>
               </a:ext>
             </a:extLst>
           </p:cNvPr>
